--- a/Презентация биллиард.pptx
+++ b/Презентация биллиард.pptx
@@ -1,21 +1,22 @@
 
 <file path=ppt/presentation.xml><?xml version="1.0" encoding="utf-8"?>
-<p:presentation xmlns:a="http://schemas.openxmlformats.org/drawingml/2006/main" xmlns:r="http://schemas.openxmlformats.org/officeDocument/2006/relationships" xmlns:p="http://schemas.openxmlformats.org/presentationml/2006/main" xmlns:m="http://schemas.openxmlformats.org/officeDocument/2006/math" xmlns:a14="http://schemas.microsoft.com/office/drawing/2010/main">
+<p:presentation xmlns:a="http://schemas.openxmlformats.org/drawingml/2006/main" xmlns:r="http://schemas.openxmlformats.org/officeDocument/2006/relationships" xmlns:p="http://schemas.openxmlformats.org/presentationml/2006/main">
   <p:sldMasterIdLst>
-    <p:sldMasterId id="2147483648" r:id="rId5"/>
+    <p:sldMasterId id="2147483648" r:id="rId1"/>
   </p:sldMasterIdLst>
   <p:notesMasterIdLst>
-    <p:notesMasterId r:id="rId7"/>
+    <p:notesMasterId r:id="rId11"/>
   </p:notesMasterIdLst>
   <p:sldIdLst>
-    <p:sldId id="256" r:id="rId8"/>
-    <p:sldId id="257" r:id="rId9"/>
-    <p:sldId id="258" r:id="rId10"/>
-    <p:sldId id="259" r:id="rId11"/>
-    <p:sldId id="260" r:id="rId12"/>
-    <p:sldId id="261" r:id="rId13"/>
-    <p:sldId id="262" r:id="rId14"/>
-    <p:sldId id="263" r:id="rId15"/>
+    <p:sldId id="256" r:id="rId2"/>
+    <p:sldId id="257" r:id="rId3"/>
+    <p:sldId id="258" r:id="rId4"/>
+    <p:sldId id="259" r:id="rId5"/>
+    <p:sldId id="260" r:id="rId6"/>
+    <p:sldId id="261" r:id="rId7"/>
+    <p:sldId id="262" r:id="rId8"/>
+    <p:sldId id="264" r:id="rId9"/>
+    <p:sldId id="263" r:id="rId10"/>
   </p:sldIdLst>
   <p:sldSz cx="24384000" cy="13716000"/>
   <p:notesSz cx="6858000" cy="9144000"/>
@@ -35,7 +36,7 @@
       <a:buFontTx/>
       <a:buNone/>
       <a:tabLst/>
-      <a:defRPr b="0" baseline="0" cap="none" i="0" spc="0" strike="noStrike" sz="1800" u="none" kumimoji="0" normalizeH="0">
+      <a:defRPr kumimoji="0" sz="1800" b="0" i="0" u="none" strike="noStrike" cap="none" spc="0" normalizeH="0" baseline="0">
         <a:ln>
           <a:noFill/>
         </a:ln>
@@ -61,7 +62,7 @@
       <a:buFontTx/>
       <a:buNone/>
       <a:tabLst/>
-      <a:defRPr b="0" baseline="0" cap="none" i="0" spc="0" strike="noStrike" sz="3000" u="none" kumimoji="0" normalizeH="0">
+      <a:defRPr kumimoji="0" sz="3000" b="0" i="0" u="none" strike="noStrike" cap="none" spc="0" normalizeH="0" baseline="0">
         <a:ln>
           <a:noFill/>
         </a:ln>
@@ -91,7 +92,7 @@
       <a:buFontTx/>
       <a:buNone/>
       <a:tabLst/>
-      <a:defRPr b="0" baseline="0" cap="none" i="0" spc="0" strike="noStrike" sz="3000" u="none" kumimoji="0" normalizeH="0">
+      <a:defRPr kumimoji="0" sz="3000" b="0" i="0" u="none" strike="noStrike" cap="none" spc="0" normalizeH="0" baseline="0">
         <a:ln>
           <a:noFill/>
         </a:ln>
@@ -121,7 +122,7 @@
       <a:buFontTx/>
       <a:buNone/>
       <a:tabLst/>
-      <a:defRPr b="0" baseline="0" cap="none" i="0" spc="0" strike="noStrike" sz="3000" u="none" kumimoji="0" normalizeH="0">
+      <a:defRPr kumimoji="0" sz="3000" b="0" i="0" u="none" strike="noStrike" cap="none" spc="0" normalizeH="0" baseline="0">
         <a:ln>
           <a:noFill/>
         </a:ln>
@@ -151,7 +152,7 @@
       <a:buFontTx/>
       <a:buNone/>
       <a:tabLst/>
-      <a:defRPr b="0" baseline="0" cap="none" i="0" spc="0" strike="noStrike" sz="3000" u="none" kumimoji="0" normalizeH="0">
+      <a:defRPr kumimoji="0" sz="3000" b="0" i="0" u="none" strike="noStrike" cap="none" spc="0" normalizeH="0" baseline="0">
         <a:ln>
           <a:noFill/>
         </a:ln>
@@ -181,7 +182,7 @@
       <a:buFontTx/>
       <a:buNone/>
       <a:tabLst/>
-      <a:defRPr b="0" baseline="0" cap="none" i="0" spc="0" strike="noStrike" sz="3000" u="none" kumimoji="0" normalizeH="0">
+      <a:defRPr kumimoji="0" sz="3000" b="0" i="0" u="none" strike="noStrike" cap="none" spc="0" normalizeH="0" baseline="0">
         <a:ln>
           <a:noFill/>
         </a:ln>
@@ -211,7 +212,7 @@
       <a:buFontTx/>
       <a:buNone/>
       <a:tabLst/>
-      <a:defRPr b="0" baseline="0" cap="none" i="0" spc="0" strike="noStrike" sz="3000" u="none" kumimoji="0" normalizeH="0">
+      <a:defRPr kumimoji="0" sz="3000" b="0" i="0" u="none" strike="noStrike" cap="none" spc="0" normalizeH="0" baseline="0">
         <a:ln>
           <a:noFill/>
         </a:ln>
@@ -241,7 +242,7 @@
       <a:buFontTx/>
       <a:buNone/>
       <a:tabLst/>
-      <a:defRPr b="0" baseline="0" cap="none" i="0" spc="0" strike="noStrike" sz="3000" u="none" kumimoji="0" normalizeH="0">
+      <a:defRPr kumimoji="0" sz="3000" b="0" i="0" u="none" strike="noStrike" cap="none" spc="0" normalizeH="0" baseline="0">
         <a:ln>
           <a:noFill/>
         </a:ln>
@@ -271,7 +272,7 @@
       <a:buFontTx/>
       <a:buNone/>
       <a:tabLst/>
-      <a:defRPr b="0" baseline="0" cap="none" i="0" spc="0" strike="noStrike" sz="3000" u="none" kumimoji="0" normalizeH="0">
+      <a:defRPr kumimoji="0" sz="3000" b="0" i="0" u="none" strike="noStrike" cap="none" spc="0" normalizeH="0" baseline="0">
         <a:ln>
           <a:noFill/>
         </a:ln>
@@ -301,7 +302,7 @@
       <a:buFontTx/>
       <a:buNone/>
       <a:tabLst/>
-      <a:defRPr b="0" baseline="0" cap="none" i="0" spc="0" strike="noStrike" sz="3000" u="none" kumimoji="0" normalizeH="0">
+      <a:defRPr kumimoji="0" sz="3000" b="0" i="0" u="none" strike="noStrike" cap="none" spc="0" normalizeH="0" baseline="0">
         <a:ln>
           <a:noFill/>
         </a:ln>
@@ -320,13 +321,14 @@
 </p:presentation>
 </file>
 
-<file path=ppt/commentAuthors.xml><?xml version="1.0" encoding="utf-8"?>
-<p:cmAuthorLst xmlns:a="http://schemas.openxmlformats.org/drawingml/2006/main" xmlns:r="http://schemas.openxmlformats.org/officeDocument/2006/relationships" xmlns:p="http://schemas.openxmlformats.org/presentationml/2006/main" xmlns:m="http://schemas.openxmlformats.org/officeDocument/2006/math" xmlns:a14="http://schemas.microsoft.com/office/drawing/2010/main"/>
-</file>
-
 <file path=ppt/notesMasters/notesMaster1.xml><?xml version="1.0" encoding="utf-8"?>
-<p:notesMaster xmlns:a="http://schemas.openxmlformats.org/drawingml/2006/main" xmlns:r="http://schemas.openxmlformats.org/officeDocument/2006/relationships" xmlns:p="http://schemas.openxmlformats.org/presentationml/2006/main" xmlns:m="http://schemas.openxmlformats.org/officeDocument/2006/math" xmlns:a14="http://schemas.microsoft.com/office/drawing/2010/main">
+<p:notesMaster xmlns:a="http://schemas.openxmlformats.org/drawingml/2006/main" xmlns:r="http://schemas.openxmlformats.org/officeDocument/2006/relationships" xmlns:p="http://schemas.openxmlformats.org/presentationml/2006/main">
   <p:cSld>
+    <p:bg>
+      <p:bgRef idx="1001">
+        <a:schemeClr val="bg1"/>
+      </p:bgRef>
+    </p:bg>
     <p:spTree>
       <p:nvGrpSpPr>
         <p:cNvPr id="1" name=""/>
@@ -344,7 +346,9 @@
       <p:sp>
         <p:nvSpPr>
           <p:cNvPr id="163" name="Shape 163"/>
-          <p:cNvSpPr/>
+          <p:cNvSpPr>
+            <a:spLocks noGrp="1" noRot="1" noChangeAspect="1"/>
+          </p:cNvSpPr>
           <p:nvPr>
             <p:ph type="sldImg"/>
           </p:nvPr>
@@ -362,14 +366,16 @@
           <a:bodyPr/>
           <a:lstStyle/>
           <a:p>
-            <a:pPr/>
+            <a:endParaRPr/>
           </a:p>
         </p:txBody>
       </p:sp>
       <p:sp>
         <p:nvSpPr>
           <p:cNvPr id="164" name="Shape 164"/>
-          <p:cNvSpPr/>
+          <p:cNvSpPr>
+            <a:spLocks noGrp="1"/>
+          </p:cNvSpPr>
           <p:nvPr>
             <p:ph type="body" sz="quarter" idx="1"/>
           </p:nvPr>
@@ -387,7 +393,7 @@
           <a:bodyPr/>
           <a:lstStyle/>
           <a:p>
-            <a:pPr/>
+            <a:endParaRPr/>
           </a:p>
         </p:txBody>
       </p:sp>
@@ -499,13 +505,14 @@
 </file>
 
 <file path=ppt/slideLayouts/slideLayout1.xml><?xml version="1.0" encoding="utf-8"?>
-<p:sldLayout xmlns:a="http://schemas.openxmlformats.org/drawingml/2006/main" xmlns:r="http://schemas.openxmlformats.org/officeDocument/2006/relationships" xmlns:p="http://schemas.openxmlformats.org/presentationml/2006/main" xmlns:m="http://schemas.openxmlformats.org/officeDocument/2006/math" xmlns:a14="http://schemas.microsoft.com/office/drawing/2010/main" type="title" showMasterSp="0" showMasterPhAnim="1">
+<p:sldLayout xmlns:a="http://schemas.openxmlformats.org/drawingml/2006/main" xmlns:r="http://schemas.openxmlformats.org/officeDocument/2006/relationships" xmlns:p="http://schemas.openxmlformats.org/presentationml/2006/main" showMasterSp="0" type="title">
   <p:cSld name="Заголовок и подзаголовок">
     <p:bg>
       <p:bgPr>
         <a:solidFill>
           <a:srgbClr val="222222"/>
         </a:solidFill>
+        <a:effectLst/>
       </p:bgPr>
     </p:bg>
     <p:spTree>
@@ -561,13 +568,16 @@
                 <a:sym typeface="Helvetica"/>
               </a:defRPr>
             </a:pPr>
+            <a:endParaRPr/>
           </a:p>
         </p:txBody>
       </p:sp>
       <p:sp>
         <p:nvSpPr>
           <p:cNvPr id="13" name="Текст заголовка"/>
-          <p:cNvSpPr txBox="1"/>
+          <p:cNvSpPr txBox="1">
+            <a:spLocks noGrp="1"/>
+          </p:cNvSpPr>
           <p:nvPr>
             <p:ph type="title"/>
           </p:nvPr>
@@ -592,7 +602,6 @@
             </a:lvl1pPr>
           </a:lstStyle>
           <a:p>
-            <a:pPr/>
             <a:r>
               <a:t>Текст заголовка</a:t>
             </a:r>
@@ -602,7 +611,9 @@
       <p:sp>
         <p:nvSpPr>
           <p:cNvPr id="14" name="Уровень текста 1…"/>
-          <p:cNvSpPr txBox="1"/>
+          <p:cNvSpPr txBox="1">
+            <a:spLocks noGrp="1"/>
+          </p:cNvSpPr>
           <p:nvPr>
             <p:ph type="body" sz="quarter" idx="1"/>
           </p:nvPr>
@@ -630,7 +641,7 @@
               <a:buSzTx/>
               <a:buFontTx/>
               <a:buNone/>
-              <a:defRPr cap="all" sz="7700">
+              <a:defRPr sz="7700" cap="all">
                 <a:solidFill>
                   <a:srgbClr val="A6AAA9"/>
                 </a:solidFill>
@@ -651,7 +662,7 @@
               <a:buSzTx/>
               <a:buFontTx/>
               <a:buNone/>
-              <a:defRPr cap="all" sz="7700">
+              <a:defRPr sz="7700" cap="all">
                 <a:solidFill>
                   <a:srgbClr val="A6AAA9"/>
                 </a:solidFill>
@@ -672,7 +683,7 @@
               <a:buSzTx/>
               <a:buFontTx/>
               <a:buNone/>
-              <a:defRPr cap="all" sz="7700">
+              <a:defRPr sz="7700" cap="all">
                 <a:solidFill>
                   <a:srgbClr val="A6AAA9"/>
                 </a:solidFill>
@@ -693,7 +704,7 @@
               <a:buSzTx/>
               <a:buFontTx/>
               <a:buNone/>
-              <a:defRPr cap="all" sz="7700">
+              <a:defRPr sz="7700" cap="all">
                 <a:solidFill>
                   <a:srgbClr val="A6AAA9"/>
                 </a:solidFill>
@@ -714,7 +725,7 @@
               <a:buSzTx/>
               <a:buFontTx/>
               <a:buNone/>
-              <a:defRPr cap="all" sz="7700">
+              <a:defRPr sz="7700" cap="all">
                 <a:solidFill>
                   <a:srgbClr val="A6AAA9"/>
                 </a:solidFill>
@@ -726,7 +737,6 @@
             </a:lvl5pPr>
           </a:lstStyle>
           <a:p>
-            <a:pPr/>
             <a:r>
               <a:t>Уровень текста 1</a:t>
             </a:r>
@@ -760,7 +770,9 @@
       <p:sp>
         <p:nvSpPr>
           <p:cNvPr id="15" name="Номер слайда"/>
-          <p:cNvSpPr txBox="1"/>
+          <p:cNvSpPr txBox="1">
+            <a:spLocks noGrp="1"/>
+          </p:cNvSpPr>
           <p:nvPr>
             <p:ph type="sldNum" sz="quarter" idx="2"/>
           </p:nvPr>
@@ -778,8 +790,10 @@
           <a:bodyPr/>
           <a:lstStyle/>
           <a:p>
-            <a:pPr/>
-            <a:fld id="{86CB4B4D-7CA3-9044-876B-883B54F8677D}" type="slidenum"/>
+            <a:fld id="{86CB4B4D-7CA3-9044-876B-883B54F8677D}" type="slidenum">
+              <a:t>‹#›</a:t>
+            </a:fld>
+            <a:endParaRPr/>
           </a:p>
         </p:txBody>
       </p:sp>
@@ -788,18 +802,19 @@
   <p:clrMapOvr>
     <a:masterClrMapping/>
   </p:clrMapOvr>
-  <p:transition xmlns:p14="http://schemas.microsoft.com/office/powerpoint/2010/main" spd="med" advClick="1"/>
+  <p:transition spd="med"/>
 </p:sldLayout>
 </file>
 
 <file path=ppt/slideLayouts/slideLayout10.xml><?xml version="1.0" encoding="utf-8"?>
-<p:sldLayout xmlns:a="http://schemas.openxmlformats.org/drawingml/2006/main" xmlns:r="http://schemas.openxmlformats.org/officeDocument/2006/relationships" xmlns:p="http://schemas.openxmlformats.org/presentationml/2006/main" xmlns:m="http://schemas.openxmlformats.org/officeDocument/2006/math" xmlns:a14="http://schemas.microsoft.com/office/drawing/2010/main" type="tx" showMasterSp="1" showMasterPhAnim="1">
+<p:sldLayout xmlns:a="http://schemas.openxmlformats.org/drawingml/2006/main" xmlns:r="http://schemas.openxmlformats.org/officeDocument/2006/relationships" xmlns:p="http://schemas.openxmlformats.org/presentationml/2006/main" type="tx">
   <p:cSld name="Пункты">
     <p:bg>
       <p:bgPr>
         <a:solidFill>
           <a:srgbClr val="222222"/>
         </a:solidFill>
+        <a:effectLst/>
       </p:bgPr>
     </p:bg>
     <p:spTree>
@@ -819,7 +834,9 @@
       <p:sp>
         <p:nvSpPr>
           <p:cNvPr id="102" name="Текст"/>
-          <p:cNvSpPr txBox="1"/>
+          <p:cNvSpPr txBox="1">
+            <a:spLocks noGrp="1"/>
+          </p:cNvSpPr>
           <p:nvPr>
             <p:ph type="body" sz="quarter" idx="21"/>
           </p:nvPr>
@@ -849,7 +866,7 @@
               <a:buSzTx/>
               <a:buFontTx/>
               <a:buNone/>
-              <a:defRPr cap="all" spc="180" sz="3600">
+              <a:defRPr sz="3600" cap="all" spc="180">
                 <a:latin typeface="DIN Alternate Bold"/>
                 <a:ea typeface="DIN Alternate Bold"/>
                 <a:cs typeface="DIN Alternate Bold"/>
@@ -858,7 +875,6 @@
             </a:lvl1pPr>
           </a:lstStyle>
           <a:p>
-            <a:pPr/>
             <a:r>
               <a:t>Текст</a:t>
             </a:r>
@@ -868,7 +884,9 @@
       <p:sp>
         <p:nvSpPr>
           <p:cNvPr id="103" name="Уровень текста 1…"/>
-          <p:cNvSpPr txBox="1"/>
+          <p:cNvSpPr txBox="1">
+            <a:spLocks noGrp="1"/>
+          </p:cNvSpPr>
           <p:nvPr>
             <p:ph type="body" idx="1"/>
           </p:nvPr>
@@ -918,7 +936,6 @@
             </a:lvl5pPr>
           </a:lstStyle>
           <a:p>
-            <a:pPr/>
             <a:r>
               <a:t>Уровень текста 1</a:t>
             </a:r>
@@ -952,7 +969,9 @@
       <p:sp>
         <p:nvSpPr>
           <p:cNvPr id="104" name="Номер слайда"/>
-          <p:cNvSpPr txBox="1"/>
+          <p:cNvSpPr txBox="1">
+            <a:spLocks noGrp="1"/>
+          </p:cNvSpPr>
           <p:nvPr>
             <p:ph type="sldNum" sz="quarter" idx="2"/>
           </p:nvPr>
@@ -966,8 +985,10 @@
           <a:bodyPr/>
           <a:lstStyle/>
           <a:p>
-            <a:pPr/>
-            <a:fld id="{86CB4B4D-7CA3-9044-876B-883B54F8677D}" type="slidenum"/>
+            <a:fld id="{86CB4B4D-7CA3-9044-876B-883B54F8677D}" type="slidenum">
+              <a:t>‹#›</a:t>
+            </a:fld>
+            <a:endParaRPr/>
           </a:p>
         </p:txBody>
       </p:sp>
@@ -976,18 +997,19 @@
   <p:clrMapOvr>
     <a:masterClrMapping/>
   </p:clrMapOvr>
-  <p:transition xmlns:p14="http://schemas.microsoft.com/office/powerpoint/2010/main" spd="med" advClick="1"/>
+  <p:transition spd="med"/>
 </p:sldLayout>
 </file>
 
 <file path=ppt/slideLayouts/slideLayout11.xml><?xml version="1.0" encoding="utf-8"?>
-<p:sldLayout xmlns:a="http://schemas.openxmlformats.org/drawingml/2006/main" xmlns:r="http://schemas.openxmlformats.org/officeDocument/2006/relationships" xmlns:p="http://schemas.openxmlformats.org/presentationml/2006/main" xmlns:m="http://schemas.openxmlformats.org/officeDocument/2006/math" xmlns:a14="http://schemas.microsoft.com/office/drawing/2010/main" type="tx" showMasterSp="0" showMasterPhAnim="1">
+<p:sldLayout xmlns:a="http://schemas.openxmlformats.org/drawingml/2006/main" xmlns:r="http://schemas.openxmlformats.org/officeDocument/2006/relationships" xmlns:p="http://schemas.openxmlformats.org/presentationml/2006/main" showMasterSp="0" type="tx">
   <p:cSld name="Фото (3 шт.)">
     <p:bg>
       <p:bgPr>
         <a:solidFill>
           <a:srgbClr val="222222"/>
         </a:solidFill>
+        <a:effectLst/>
       </p:bgPr>
     </p:bg>
     <p:spTree>
@@ -1007,7 +1029,9 @@
       <p:sp>
         <p:nvSpPr>
           <p:cNvPr id="111" name="Чёрно-белое фото солнечной батареи"/>
-          <p:cNvSpPr/>
+          <p:cNvSpPr>
+            <a:spLocks noGrp="1"/>
+          </p:cNvSpPr>
           <p:nvPr>
             <p:ph type="pic" sz="half" idx="21"/>
           </p:nvPr>
@@ -1027,14 +1051,16 @@
           </a:bodyPr>
           <a:lstStyle/>
           <a:p>
-            <a:pPr/>
+            <a:endParaRPr/>
           </a:p>
         </p:txBody>
       </p:sp>
       <p:sp>
         <p:nvSpPr>
           <p:cNvPr id="112" name="Чёрно-белое фото воды, переливающейся через водосливные затворы дамбы"/>
-          <p:cNvSpPr/>
+          <p:cNvSpPr>
+            <a:spLocks noGrp="1"/>
+          </p:cNvSpPr>
           <p:nvPr>
             <p:ph type="pic" sz="half" idx="22"/>
           </p:nvPr>
@@ -1054,14 +1080,16 @@
           </a:bodyPr>
           <a:lstStyle/>
           <a:p>
-            <a:pPr/>
+            <a:endParaRPr/>
           </a:p>
         </p:txBody>
       </p:sp>
       <p:sp>
         <p:nvSpPr>
           <p:cNvPr id="113" name="Чёрно-белое фото ветряных мельниц на фоне облаков"/>
-          <p:cNvSpPr/>
+          <p:cNvSpPr>
+            <a:spLocks noGrp="1"/>
+          </p:cNvSpPr>
           <p:nvPr>
             <p:ph type="pic" idx="23"/>
           </p:nvPr>
@@ -1081,14 +1109,16 @@
           </a:bodyPr>
           <a:lstStyle/>
           <a:p>
-            <a:pPr/>
+            <a:endParaRPr/>
           </a:p>
         </p:txBody>
       </p:sp>
       <p:sp>
         <p:nvSpPr>
           <p:cNvPr id="114" name="Номер слайда"/>
-          <p:cNvSpPr txBox="1"/>
+          <p:cNvSpPr txBox="1">
+            <a:spLocks noGrp="1"/>
+          </p:cNvSpPr>
           <p:nvPr>
             <p:ph type="sldNum" sz="quarter" idx="2"/>
           </p:nvPr>
@@ -1102,8 +1132,10 @@
           <a:bodyPr/>
           <a:lstStyle/>
           <a:p>
-            <a:pPr/>
-            <a:fld id="{86CB4B4D-7CA3-9044-876B-883B54F8677D}" type="slidenum"/>
+            <a:fld id="{86CB4B4D-7CA3-9044-876B-883B54F8677D}" type="slidenum">
+              <a:t>‹#›</a:t>
+            </a:fld>
+            <a:endParaRPr/>
           </a:p>
         </p:txBody>
       </p:sp>
@@ -1112,18 +1144,19 @@
   <p:clrMapOvr>
     <a:masterClrMapping/>
   </p:clrMapOvr>
-  <p:transition xmlns:p14="http://schemas.microsoft.com/office/powerpoint/2010/main" spd="med" advClick="1"/>
+  <p:transition spd="med"/>
 </p:sldLayout>
 </file>
 
 <file path=ppt/slideLayouts/slideLayout12.xml><?xml version="1.0" encoding="utf-8"?>
-<p:sldLayout xmlns:a="http://schemas.openxmlformats.org/drawingml/2006/main" xmlns:r="http://schemas.openxmlformats.org/officeDocument/2006/relationships" xmlns:p="http://schemas.openxmlformats.org/presentationml/2006/main" xmlns:m="http://schemas.openxmlformats.org/officeDocument/2006/math" xmlns:a14="http://schemas.microsoft.com/office/drawing/2010/main" type="tx" showMasterSp="1" showMasterPhAnim="1">
+<p:sldLayout xmlns:a="http://schemas.openxmlformats.org/drawingml/2006/main" xmlns:r="http://schemas.openxmlformats.org/officeDocument/2006/relationships" xmlns:p="http://schemas.openxmlformats.org/presentationml/2006/main" type="tx">
   <p:cSld name="Цитата">
     <p:bg>
       <p:bgPr>
         <a:solidFill>
           <a:srgbClr val="222222"/>
         </a:solidFill>
+        <a:effectLst/>
       </p:bgPr>
     </p:bg>
     <p:spTree>
@@ -1171,7 +1204,7 @@
             </a:cxnLst>
             <a:rect l="0" t="0" r="r" b="b"/>
             <a:pathLst>
-              <a:path w="21600" h="21600" fill="norm" stroke="1" extrusionOk="0">
+              <a:path w="21600" h="21600" extrusionOk="0">
                 <a:moveTo>
                   <a:pt x="119" y="0"/>
                 </a:moveTo>
@@ -1238,7 +1271,7 @@
               <a:spcBef>
                 <a:spcPts val="0"/>
               </a:spcBef>
-              <a:defRPr cap="all" sz="4000">
+              <a:defRPr sz="4000" cap="all">
                 <a:solidFill>
                   <a:srgbClr val="FFFFFF"/>
                 </a:solidFill>
@@ -1248,13 +1281,16 @@
                 <a:sym typeface="DIN Condensed Bold"/>
               </a:defRPr>
             </a:pPr>
+            <a:endParaRPr/>
           </a:p>
         </p:txBody>
       </p:sp>
       <p:sp>
         <p:nvSpPr>
           <p:cNvPr id="122" name="Введите цитату…"/>
-          <p:cNvSpPr txBox="1"/>
+          <p:cNvSpPr txBox="1">
+            <a:spLocks noGrp="1"/>
+          </p:cNvSpPr>
           <p:nvPr>
             <p:ph type="body" sz="quarter" idx="21"/>
           </p:nvPr>
@@ -1284,7 +1320,7 @@
               <a:buSzTx/>
               <a:buFontTx/>
               <a:buNone/>
-              <a:defRPr cap="all" sz="13400">
+              <a:defRPr sz="13400" cap="all">
                 <a:solidFill>
                   <a:srgbClr val="FFFFFF"/>
                 </a:solidFill>
@@ -1296,7 +1332,6 @@
             </a:lvl1pPr>
           </a:lstStyle>
           <a:p>
-            <a:pPr/>
             <a:r>
               <a:t>Введите цитату…</a:t>
             </a:r>
@@ -1306,7 +1341,9 @@
       <p:sp>
         <p:nvSpPr>
           <p:cNvPr id="123" name="Иван Арсентьев"/>
-          <p:cNvSpPr txBox="1"/>
+          <p:cNvSpPr txBox="1">
+            <a:spLocks noGrp="1"/>
+          </p:cNvSpPr>
           <p:nvPr>
             <p:ph type="body" sz="quarter" idx="22"/>
           </p:nvPr>
@@ -1345,7 +1382,6 @@
             </a:lvl1pPr>
           </a:lstStyle>
           <a:p>
-            <a:pPr/>
             <a:r>
               <a:t>Иван Арсентьев</a:t>
             </a:r>
@@ -1355,7 +1391,9 @@
       <p:sp>
         <p:nvSpPr>
           <p:cNvPr id="124" name="Текст"/>
-          <p:cNvSpPr txBox="1"/>
+          <p:cNvSpPr txBox="1">
+            <a:spLocks noGrp="1"/>
+          </p:cNvSpPr>
           <p:nvPr>
             <p:ph type="body" sz="quarter" idx="23"/>
           </p:nvPr>
@@ -1385,7 +1423,7 @@
               <a:buSzTx/>
               <a:buFontTx/>
               <a:buNone/>
-              <a:defRPr cap="all" spc="180" sz="3600">
+              <a:defRPr sz="3600" cap="all" spc="180">
                 <a:latin typeface="DIN Alternate Bold"/>
                 <a:ea typeface="DIN Alternate Bold"/>
                 <a:cs typeface="DIN Alternate Bold"/>
@@ -1394,7 +1432,6 @@
             </a:lvl1pPr>
           </a:lstStyle>
           <a:p>
-            <a:pPr/>
             <a:r>
               <a:t>Текст</a:t>
             </a:r>
@@ -1404,7 +1441,9 @@
       <p:sp>
         <p:nvSpPr>
           <p:cNvPr id="125" name="Номер слайда"/>
-          <p:cNvSpPr txBox="1"/>
+          <p:cNvSpPr txBox="1">
+            <a:spLocks noGrp="1"/>
+          </p:cNvSpPr>
           <p:nvPr>
             <p:ph type="sldNum" sz="quarter" idx="2"/>
           </p:nvPr>
@@ -1418,8 +1457,10 @@
           <a:bodyPr/>
           <a:lstStyle/>
           <a:p>
-            <a:pPr/>
-            <a:fld id="{86CB4B4D-7CA3-9044-876B-883B54F8677D}" type="slidenum"/>
+            <a:fld id="{86CB4B4D-7CA3-9044-876B-883B54F8677D}" type="slidenum">
+              <a:t>‹#›</a:t>
+            </a:fld>
+            <a:endParaRPr/>
           </a:p>
         </p:txBody>
       </p:sp>
@@ -1428,18 +1469,19 @@
   <p:clrMapOvr>
     <a:masterClrMapping/>
   </p:clrMapOvr>
-  <p:transition xmlns:p14="http://schemas.microsoft.com/office/powerpoint/2010/main" spd="med" advClick="1"/>
+  <p:transition spd="med"/>
 </p:sldLayout>
 </file>
 
 <file path=ppt/slideLayouts/slideLayout13.xml><?xml version="1.0" encoding="utf-8"?>
-<p:sldLayout xmlns:a="http://schemas.openxmlformats.org/drawingml/2006/main" xmlns:r="http://schemas.openxmlformats.org/officeDocument/2006/relationships" xmlns:p="http://schemas.openxmlformats.org/presentationml/2006/main" xmlns:m="http://schemas.openxmlformats.org/officeDocument/2006/math" xmlns:a14="http://schemas.microsoft.com/office/drawing/2010/main" type="tx" showMasterSp="0" showMasterPhAnim="1">
+<p:sldLayout xmlns:a="http://schemas.openxmlformats.org/drawingml/2006/main" xmlns:r="http://schemas.openxmlformats.org/officeDocument/2006/relationships" xmlns:p="http://schemas.openxmlformats.org/presentationml/2006/main" showMasterSp="0" type="tx">
   <p:cSld name="Цитата (вариант)">
     <p:bg>
       <p:bgPr>
         <a:solidFill>
           <a:schemeClr val="accent1"/>
         </a:solidFill>
+        <a:effectLst/>
       </p:bgPr>
     </p:bg>
     <p:spTree>
@@ -1459,7 +1501,9 @@
       <p:sp>
         <p:nvSpPr>
           <p:cNvPr id="132" name="Введите цитату…"/>
-          <p:cNvSpPr txBox="1"/>
+          <p:cNvSpPr txBox="1">
+            <a:spLocks noGrp="1"/>
+          </p:cNvSpPr>
           <p:nvPr>
             <p:ph type="body" sz="quarter" idx="21"/>
           </p:nvPr>
@@ -1489,7 +1533,7 @@
               <a:buSzTx/>
               <a:buFontTx/>
               <a:buNone/>
-              <a:defRPr cap="all" sz="13400">
+              <a:defRPr sz="13400" cap="all">
                 <a:solidFill>
                   <a:srgbClr val="FFFFFF"/>
                 </a:solidFill>
@@ -1501,7 +1545,6 @@
             </a:lvl1pPr>
           </a:lstStyle>
           <a:p>
-            <a:pPr/>
             <a:r>
               <a:t>Введите цитату…</a:t>
             </a:r>
@@ -1511,7 +1554,9 @@
       <p:sp>
         <p:nvSpPr>
           <p:cNvPr id="133" name="Чёрно-белое фото ветряных мельниц на фоне облаков"/>
-          <p:cNvSpPr/>
+          <p:cNvSpPr>
+            <a:spLocks noGrp="1"/>
+          </p:cNvSpPr>
           <p:nvPr>
             <p:ph type="pic" idx="22"/>
           </p:nvPr>
@@ -1531,14 +1576,16 @@
           </a:bodyPr>
           <a:lstStyle/>
           <a:p>
-            <a:pPr/>
+            <a:endParaRPr/>
           </a:p>
         </p:txBody>
       </p:sp>
       <p:sp>
         <p:nvSpPr>
           <p:cNvPr id="134" name="Иван Арсентьев"/>
-          <p:cNvSpPr txBox="1"/>
+          <p:cNvSpPr txBox="1">
+            <a:spLocks noGrp="1"/>
+          </p:cNvSpPr>
           <p:nvPr>
             <p:ph type="body" sz="quarter" idx="23"/>
           </p:nvPr>
@@ -1577,7 +1624,6 @@
             </a:lvl1pPr>
           </a:lstStyle>
           <a:p>
-            <a:pPr/>
             <a:r>
               <a:t>Иван Арсентьев</a:t>
             </a:r>
@@ -1587,7 +1633,9 @@
       <p:sp>
         <p:nvSpPr>
           <p:cNvPr id="135" name="Номер слайда"/>
-          <p:cNvSpPr txBox="1"/>
+          <p:cNvSpPr txBox="1">
+            <a:spLocks noGrp="1"/>
+          </p:cNvSpPr>
           <p:nvPr>
             <p:ph type="sldNum" sz="quarter" idx="2"/>
           </p:nvPr>
@@ -1601,8 +1649,10 @@
           <a:bodyPr/>
           <a:lstStyle/>
           <a:p>
-            <a:pPr/>
-            <a:fld id="{86CB4B4D-7CA3-9044-876B-883B54F8677D}" type="slidenum"/>
+            <a:fld id="{86CB4B4D-7CA3-9044-876B-883B54F8677D}" type="slidenum">
+              <a:t>‹#›</a:t>
+            </a:fld>
+            <a:endParaRPr/>
           </a:p>
         </p:txBody>
       </p:sp>
@@ -1611,18 +1661,19 @@
   <p:clrMapOvr>
     <a:masterClrMapping/>
   </p:clrMapOvr>
-  <p:transition xmlns:p14="http://schemas.microsoft.com/office/powerpoint/2010/main" spd="med" advClick="1"/>
+  <p:transition spd="med"/>
 </p:sldLayout>
 </file>
 
 <file path=ppt/slideLayouts/slideLayout14.xml><?xml version="1.0" encoding="utf-8"?>
-<p:sldLayout xmlns:a="http://schemas.openxmlformats.org/drawingml/2006/main" xmlns:r="http://schemas.openxmlformats.org/officeDocument/2006/relationships" xmlns:p="http://schemas.openxmlformats.org/presentationml/2006/main" xmlns:m="http://schemas.openxmlformats.org/officeDocument/2006/math" xmlns:a14="http://schemas.microsoft.com/office/drawing/2010/main" type="tx" showMasterSp="0" showMasterPhAnim="1">
+<p:sldLayout xmlns:a="http://schemas.openxmlformats.org/drawingml/2006/main" xmlns:r="http://schemas.openxmlformats.org/officeDocument/2006/relationships" xmlns:p="http://schemas.openxmlformats.org/presentationml/2006/main" showMasterSp="0" type="tx">
   <p:cSld name="Фото">
     <p:bg>
       <p:bgPr>
         <a:solidFill>
           <a:srgbClr val="222222"/>
         </a:solidFill>
+        <a:effectLst/>
       </p:bgPr>
     </p:bg>
     <p:spTree>
@@ -1642,7 +1693,9 @@
       <p:sp>
         <p:nvSpPr>
           <p:cNvPr id="142" name="Чёрно-белый аэрофотоснимок человека, стоящего на дамбе"/>
-          <p:cNvSpPr/>
+          <p:cNvSpPr>
+            <a:spLocks noGrp="1"/>
+          </p:cNvSpPr>
           <p:nvPr>
             <p:ph type="pic" idx="21"/>
           </p:nvPr>
@@ -1662,14 +1715,16 @@
           </a:bodyPr>
           <a:lstStyle/>
           <a:p>
-            <a:pPr/>
+            <a:endParaRPr/>
           </a:p>
         </p:txBody>
       </p:sp>
       <p:sp>
         <p:nvSpPr>
           <p:cNvPr id="143" name="Номер слайда"/>
-          <p:cNvSpPr txBox="1"/>
+          <p:cNvSpPr txBox="1">
+            <a:spLocks noGrp="1"/>
+          </p:cNvSpPr>
           <p:nvPr>
             <p:ph type="sldNum" sz="quarter" idx="2"/>
           </p:nvPr>
@@ -1683,8 +1738,10 @@
           <a:bodyPr/>
           <a:lstStyle/>
           <a:p>
-            <a:pPr/>
-            <a:fld id="{86CB4B4D-7CA3-9044-876B-883B54F8677D}" type="slidenum"/>
+            <a:fld id="{86CB4B4D-7CA3-9044-876B-883B54F8677D}" type="slidenum">
+              <a:t>‹#›</a:t>
+            </a:fld>
+            <a:endParaRPr/>
           </a:p>
         </p:txBody>
       </p:sp>
@@ -1693,18 +1750,19 @@
   <p:clrMapOvr>
     <a:masterClrMapping/>
   </p:clrMapOvr>
-  <p:transition xmlns:p14="http://schemas.microsoft.com/office/powerpoint/2010/main" spd="med" advClick="1"/>
+  <p:transition spd="med"/>
 </p:sldLayout>
 </file>
 
 <file path=ppt/slideLayouts/slideLayout15.xml><?xml version="1.0" encoding="utf-8"?>
-<p:sldLayout xmlns:a="http://schemas.openxmlformats.org/drawingml/2006/main" xmlns:r="http://schemas.openxmlformats.org/officeDocument/2006/relationships" xmlns:p="http://schemas.openxmlformats.org/presentationml/2006/main" xmlns:m="http://schemas.openxmlformats.org/officeDocument/2006/math" xmlns:a14="http://schemas.microsoft.com/office/drawing/2010/main" type="tx" showMasterSp="0" showMasterPhAnim="1">
+<p:sldLayout xmlns:a="http://schemas.openxmlformats.org/drawingml/2006/main" xmlns:r="http://schemas.openxmlformats.org/officeDocument/2006/relationships" xmlns:p="http://schemas.openxmlformats.org/presentationml/2006/main" showMasterSp="0" type="tx">
   <p:cSld name="Пустой">
     <p:bg>
       <p:bgPr>
         <a:solidFill>
           <a:srgbClr val="222222"/>
         </a:solidFill>
+        <a:effectLst/>
       </p:bgPr>
     </p:bg>
     <p:spTree>
@@ -1724,7 +1782,9 @@
       <p:sp>
         <p:nvSpPr>
           <p:cNvPr id="150" name="Номер слайда"/>
-          <p:cNvSpPr txBox="1"/>
+          <p:cNvSpPr txBox="1">
+            <a:spLocks noGrp="1"/>
+          </p:cNvSpPr>
           <p:nvPr>
             <p:ph type="sldNum" sz="quarter" idx="2"/>
           </p:nvPr>
@@ -1738,8 +1798,10 @@
           <a:bodyPr/>
           <a:lstStyle/>
           <a:p>
-            <a:pPr/>
-            <a:fld id="{86CB4B4D-7CA3-9044-876B-883B54F8677D}" type="slidenum"/>
+            <a:fld id="{86CB4B4D-7CA3-9044-876B-883B54F8677D}" type="slidenum">
+              <a:t>‹#›</a:t>
+            </a:fld>
+            <a:endParaRPr/>
           </a:p>
         </p:txBody>
       </p:sp>
@@ -1748,66 +1810,19 @@
   <p:clrMapOvr>
     <a:masterClrMapping/>
   </p:clrMapOvr>
-  <p:transition xmlns:p14="http://schemas.microsoft.com/office/powerpoint/2010/main" spd="med" advClick="1"/>
-</p:sldLayout>
-</file>
-
-<file path=ppt/slideLayouts/slideLayout16.xml><?xml version="1.0" encoding="utf-8"?>
-<p:sldLayout xmlns:a="http://schemas.openxmlformats.org/drawingml/2006/main" xmlns:r="http://schemas.openxmlformats.org/officeDocument/2006/relationships" xmlns:p="http://schemas.openxmlformats.org/presentationml/2006/main" xmlns:m="http://schemas.openxmlformats.org/officeDocument/2006/math" xmlns:a14="http://schemas.microsoft.com/office/drawing/2010/main" type="tx" showMasterSp="0" showMasterPhAnim="1">
-  <p:cSld name="Пустой (вариант)">
-    <p:spTree>
-      <p:nvGrpSpPr>
-        <p:cNvPr id="1" name=""/>
-        <p:cNvGrpSpPr/>
-        <p:nvPr/>
-      </p:nvGrpSpPr>
-      <p:grpSpPr>
-        <a:xfrm>
-          <a:off x="0" y="0"/>
-          <a:ext cx="0" cy="0"/>
-          <a:chOff x="0" y="0"/>
-          <a:chExt cx="0" cy="0"/>
-        </a:xfrm>
-      </p:grpSpPr>
-      <p:sp>
-        <p:nvSpPr>
-          <p:cNvPr id="157" name="Номер слайда"/>
-          <p:cNvSpPr txBox="1"/>
-          <p:nvPr>
-            <p:ph type="sldNum" sz="quarter" idx="2"/>
-          </p:nvPr>
-        </p:nvSpPr>
-        <p:spPr>
-          <a:prstGeom prst="rect">
-            <a:avLst/>
-          </a:prstGeom>
-        </p:spPr>
-        <p:txBody>
-          <a:bodyPr/>
-          <a:lstStyle/>
-          <a:p>
-            <a:pPr/>
-            <a:fld id="{86CB4B4D-7CA3-9044-876B-883B54F8677D}" type="slidenum"/>
-          </a:p>
-        </p:txBody>
-      </p:sp>
-    </p:spTree>
-  </p:cSld>
-  <p:clrMapOvr>
-    <a:masterClrMapping/>
-  </p:clrMapOvr>
-  <p:transition xmlns:p14="http://schemas.microsoft.com/office/powerpoint/2010/main" spd="med" advClick="1"/>
+  <p:transition spd="med"/>
 </p:sldLayout>
 </file>
 
 <file path=ppt/slideLayouts/slideLayout2.xml><?xml version="1.0" encoding="utf-8"?>
-<p:sldLayout xmlns:a="http://schemas.openxmlformats.org/drawingml/2006/main" xmlns:r="http://schemas.openxmlformats.org/officeDocument/2006/relationships" xmlns:p="http://schemas.openxmlformats.org/presentationml/2006/main" xmlns:m="http://schemas.openxmlformats.org/officeDocument/2006/math" xmlns:a14="http://schemas.microsoft.com/office/drawing/2010/main" type="tx" showMasterSp="0" showMasterPhAnim="1">
+<p:sldLayout xmlns:a="http://schemas.openxmlformats.org/drawingml/2006/main" xmlns:r="http://schemas.openxmlformats.org/officeDocument/2006/relationships" xmlns:p="http://schemas.openxmlformats.org/presentationml/2006/main" showMasterSp="0" type="tx">
   <p:cSld name="Фото — горизонтально">
     <p:bg>
       <p:bgPr>
         <a:solidFill>
           <a:srgbClr val="222222"/>
         </a:solidFill>
+        <a:effectLst/>
       </p:bgPr>
     </p:bg>
     <p:spTree>
@@ -1827,7 +1842,9 @@
       <p:sp>
         <p:nvSpPr>
           <p:cNvPr id="22" name="Чёрно-белый аэрофотоснимок человека, стоящего на дамбе"/>
-          <p:cNvSpPr/>
+          <p:cNvSpPr>
+            <a:spLocks noGrp="1"/>
+          </p:cNvSpPr>
           <p:nvPr>
             <p:ph type="pic" idx="21"/>
           </p:nvPr>
@@ -1847,7 +1864,7 @@
           </a:bodyPr>
           <a:lstStyle/>
           <a:p>
-            <a:pPr/>
+            <a:endParaRPr/>
           </a:p>
         </p:txBody>
       </p:sp>
@@ -1890,13 +1907,16 @@
                 <a:sym typeface="Helvetica"/>
               </a:defRPr>
             </a:pPr>
+            <a:endParaRPr/>
           </a:p>
         </p:txBody>
       </p:sp>
       <p:sp>
         <p:nvSpPr>
           <p:cNvPr id="24" name="Текст заголовка"/>
-          <p:cNvSpPr txBox="1"/>
+          <p:cNvSpPr txBox="1">
+            <a:spLocks noGrp="1"/>
+          </p:cNvSpPr>
           <p:nvPr>
             <p:ph type="title"/>
           </p:nvPr>
@@ -1921,7 +1941,6 @@
             </a:lvl1pPr>
           </a:lstStyle>
           <a:p>
-            <a:pPr/>
             <a:r>
               <a:t>Текст заголовка</a:t>
             </a:r>
@@ -1931,7 +1950,9 @@
       <p:sp>
         <p:nvSpPr>
           <p:cNvPr id="25" name="Уровень текста 1…"/>
-          <p:cNvSpPr txBox="1"/>
+          <p:cNvSpPr txBox="1">
+            <a:spLocks noGrp="1"/>
+          </p:cNvSpPr>
           <p:nvPr>
             <p:ph type="body" sz="quarter" idx="1"/>
           </p:nvPr>
@@ -1959,7 +1980,7 @@
               <a:buSzTx/>
               <a:buFontTx/>
               <a:buNone/>
-              <a:defRPr cap="all" sz="7700">
+              <a:defRPr sz="7700" cap="all">
                 <a:solidFill>
                   <a:srgbClr val="A6AAA9"/>
                 </a:solidFill>
@@ -1980,7 +2001,7 @@
               <a:buSzTx/>
               <a:buFontTx/>
               <a:buNone/>
-              <a:defRPr cap="all" sz="7700">
+              <a:defRPr sz="7700" cap="all">
                 <a:solidFill>
                   <a:srgbClr val="A6AAA9"/>
                 </a:solidFill>
@@ -2001,7 +2022,7 @@
               <a:buSzTx/>
               <a:buFontTx/>
               <a:buNone/>
-              <a:defRPr cap="all" sz="7700">
+              <a:defRPr sz="7700" cap="all">
                 <a:solidFill>
                   <a:srgbClr val="A6AAA9"/>
                 </a:solidFill>
@@ -2022,7 +2043,7 @@
               <a:buSzTx/>
               <a:buFontTx/>
               <a:buNone/>
-              <a:defRPr cap="all" sz="7700">
+              <a:defRPr sz="7700" cap="all">
                 <a:solidFill>
                   <a:srgbClr val="A6AAA9"/>
                 </a:solidFill>
@@ -2043,7 +2064,7 @@
               <a:buSzTx/>
               <a:buFontTx/>
               <a:buNone/>
-              <a:defRPr cap="all" sz="7700">
+              <a:defRPr sz="7700" cap="all">
                 <a:solidFill>
                   <a:srgbClr val="A6AAA9"/>
                 </a:solidFill>
@@ -2055,7 +2076,6 @@
             </a:lvl5pPr>
           </a:lstStyle>
           <a:p>
-            <a:pPr/>
             <a:r>
               <a:t>Уровень текста 1</a:t>
             </a:r>
@@ -2089,7 +2109,9 @@
       <p:sp>
         <p:nvSpPr>
           <p:cNvPr id="26" name="Номер слайда"/>
-          <p:cNvSpPr txBox="1"/>
+          <p:cNvSpPr txBox="1">
+            <a:spLocks noGrp="1"/>
+          </p:cNvSpPr>
           <p:nvPr>
             <p:ph type="sldNum" sz="quarter" idx="2"/>
           </p:nvPr>
@@ -2107,8 +2129,10 @@
           <a:bodyPr/>
           <a:lstStyle/>
           <a:p>
-            <a:pPr/>
-            <a:fld id="{86CB4B4D-7CA3-9044-876B-883B54F8677D}" type="slidenum"/>
+            <a:fld id="{86CB4B4D-7CA3-9044-876B-883B54F8677D}" type="slidenum">
+              <a:t>‹#›</a:t>
+            </a:fld>
+            <a:endParaRPr/>
           </a:p>
         </p:txBody>
       </p:sp>
@@ -2117,12 +2141,12 @@
   <p:clrMapOvr>
     <a:masterClrMapping/>
   </p:clrMapOvr>
-  <p:transition xmlns:p14="http://schemas.microsoft.com/office/powerpoint/2010/main" spd="med" advClick="1"/>
+  <p:transition spd="med"/>
 </p:sldLayout>
 </file>
 
 <file path=ppt/slideLayouts/slideLayout3.xml><?xml version="1.0" encoding="utf-8"?>
-<p:sldLayout xmlns:a="http://schemas.openxmlformats.org/drawingml/2006/main" xmlns:r="http://schemas.openxmlformats.org/officeDocument/2006/relationships" xmlns:p="http://schemas.openxmlformats.org/presentationml/2006/main" xmlns:m="http://schemas.openxmlformats.org/officeDocument/2006/math" xmlns:a14="http://schemas.microsoft.com/office/drawing/2010/main" type="tx" showMasterSp="0" showMasterPhAnim="1">
+<p:sldLayout xmlns:a="http://schemas.openxmlformats.org/drawingml/2006/main" xmlns:r="http://schemas.openxmlformats.org/officeDocument/2006/relationships" xmlns:p="http://schemas.openxmlformats.org/presentationml/2006/main" showMasterSp="0" type="tx">
   <p:cSld name="Заголовок и подзаголовок (вариант)">
     <p:spTree>
       <p:nvGrpSpPr>
@@ -2177,13 +2201,16 @@
                 <a:sym typeface="Helvetica"/>
               </a:defRPr>
             </a:pPr>
+            <a:endParaRPr/>
           </a:p>
         </p:txBody>
       </p:sp>
       <p:sp>
         <p:nvSpPr>
           <p:cNvPr id="34" name="Текст заголовка"/>
-          <p:cNvSpPr txBox="1"/>
+          <p:cNvSpPr txBox="1">
+            <a:spLocks noGrp="1"/>
+          </p:cNvSpPr>
           <p:nvPr>
             <p:ph type="title"/>
           </p:nvPr>
@@ -2208,7 +2235,6 @@
             </a:lvl1pPr>
           </a:lstStyle>
           <a:p>
-            <a:pPr/>
             <a:r>
               <a:t>Текст заголовка</a:t>
             </a:r>
@@ -2218,7 +2244,9 @@
       <p:sp>
         <p:nvSpPr>
           <p:cNvPr id="35" name="Уровень текста 1…"/>
-          <p:cNvSpPr txBox="1"/>
+          <p:cNvSpPr txBox="1">
+            <a:spLocks noGrp="1"/>
+          </p:cNvSpPr>
           <p:nvPr>
             <p:ph type="body" sz="quarter" idx="1"/>
           </p:nvPr>
@@ -2246,7 +2274,7 @@
               <a:buSzTx/>
               <a:buFontTx/>
               <a:buNone/>
-              <a:defRPr cap="all" sz="7700">
+              <a:defRPr sz="7700" cap="all">
                 <a:solidFill>
                   <a:srgbClr val="A6AAA9"/>
                 </a:solidFill>
@@ -2267,7 +2295,7 @@
               <a:buSzTx/>
               <a:buFontTx/>
               <a:buNone/>
-              <a:defRPr cap="all" sz="7700">
+              <a:defRPr sz="7700" cap="all">
                 <a:solidFill>
                   <a:srgbClr val="A6AAA9"/>
                 </a:solidFill>
@@ -2288,7 +2316,7 @@
               <a:buSzTx/>
               <a:buFontTx/>
               <a:buNone/>
-              <a:defRPr cap="all" sz="7700">
+              <a:defRPr sz="7700" cap="all">
                 <a:solidFill>
                   <a:srgbClr val="A6AAA9"/>
                 </a:solidFill>
@@ -2309,7 +2337,7 @@
               <a:buSzTx/>
               <a:buFontTx/>
               <a:buNone/>
-              <a:defRPr cap="all" sz="7700">
+              <a:defRPr sz="7700" cap="all">
                 <a:solidFill>
                   <a:srgbClr val="A6AAA9"/>
                 </a:solidFill>
@@ -2330,7 +2358,7 @@
               <a:buSzTx/>
               <a:buFontTx/>
               <a:buNone/>
-              <a:defRPr cap="all" sz="7700">
+              <a:defRPr sz="7700" cap="all">
                 <a:solidFill>
                   <a:srgbClr val="A6AAA9"/>
                 </a:solidFill>
@@ -2342,7 +2370,6 @@
             </a:lvl5pPr>
           </a:lstStyle>
           <a:p>
-            <a:pPr/>
             <a:r>
               <a:t>Уровень текста 1</a:t>
             </a:r>
@@ -2376,7 +2403,9 @@
       <p:sp>
         <p:nvSpPr>
           <p:cNvPr id="36" name="Номер слайда"/>
-          <p:cNvSpPr txBox="1"/>
+          <p:cNvSpPr txBox="1">
+            <a:spLocks noGrp="1"/>
+          </p:cNvSpPr>
           <p:nvPr>
             <p:ph type="sldNum" sz="quarter" idx="2"/>
           </p:nvPr>
@@ -2394,8 +2423,10 @@
           <a:bodyPr/>
           <a:lstStyle/>
           <a:p>
-            <a:pPr/>
-            <a:fld id="{86CB4B4D-7CA3-9044-876B-883B54F8677D}" type="slidenum"/>
+            <a:fld id="{86CB4B4D-7CA3-9044-876B-883B54F8677D}" type="slidenum">
+              <a:t>‹#›</a:t>
+            </a:fld>
+            <a:endParaRPr/>
           </a:p>
         </p:txBody>
       </p:sp>
@@ -2404,18 +2435,19 @@
   <p:clrMapOvr>
     <a:masterClrMapping/>
   </p:clrMapOvr>
-  <p:transition xmlns:p14="http://schemas.microsoft.com/office/powerpoint/2010/main" spd="med" advClick="1"/>
+  <p:transition spd="med"/>
 </p:sldLayout>
 </file>
 
 <file path=ppt/slideLayouts/slideLayout4.xml><?xml version="1.0" encoding="utf-8"?>
-<p:sldLayout xmlns:a="http://schemas.openxmlformats.org/drawingml/2006/main" xmlns:r="http://schemas.openxmlformats.org/officeDocument/2006/relationships" xmlns:p="http://schemas.openxmlformats.org/presentationml/2006/main" xmlns:m="http://schemas.openxmlformats.org/officeDocument/2006/math" xmlns:a14="http://schemas.microsoft.com/office/drawing/2010/main" type="tx" showMasterSp="0" showMasterPhAnim="1">
+<p:sldLayout xmlns:a="http://schemas.openxmlformats.org/drawingml/2006/main" xmlns:r="http://schemas.openxmlformats.org/officeDocument/2006/relationships" xmlns:p="http://schemas.openxmlformats.org/presentationml/2006/main" showMasterSp="0" type="tx">
   <p:cSld name="Заголовок — по центру">
     <p:bg>
       <p:bgPr>
         <a:solidFill>
           <a:srgbClr val="222222"/>
         </a:solidFill>
+        <a:effectLst/>
       </p:bgPr>
     </p:bg>
     <p:spTree>
@@ -2435,7 +2467,9 @@
       <p:sp>
         <p:nvSpPr>
           <p:cNvPr id="43" name="Текст заголовка"/>
-          <p:cNvSpPr txBox="1"/>
+          <p:cNvSpPr txBox="1">
+            <a:spLocks noGrp="1"/>
+          </p:cNvSpPr>
           <p:nvPr>
             <p:ph type="title"/>
           </p:nvPr>
@@ -2460,7 +2494,6 @@
             </a:lvl1pPr>
           </a:lstStyle>
           <a:p>
-            <a:pPr/>
             <a:r>
               <a:t>Текст заголовка</a:t>
             </a:r>
@@ -2470,7 +2503,9 @@
       <p:sp>
         <p:nvSpPr>
           <p:cNvPr id="44" name="Номер слайда"/>
-          <p:cNvSpPr txBox="1"/>
+          <p:cNvSpPr txBox="1">
+            <a:spLocks noGrp="1"/>
+          </p:cNvSpPr>
           <p:nvPr>
             <p:ph type="sldNum" sz="quarter" idx="2"/>
           </p:nvPr>
@@ -2488,8 +2523,10 @@
           <a:bodyPr/>
           <a:lstStyle/>
           <a:p>
-            <a:pPr/>
-            <a:fld id="{86CB4B4D-7CA3-9044-876B-883B54F8677D}" type="slidenum"/>
+            <a:fld id="{86CB4B4D-7CA3-9044-876B-883B54F8677D}" type="slidenum">
+              <a:t>‹#›</a:t>
+            </a:fld>
+            <a:endParaRPr/>
           </a:p>
         </p:txBody>
       </p:sp>
@@ -2498,18 +2535,19 @@
   <p:clrMapOvr>
     <a:masterClrMapping/>
   </p:clrMapOvr>
-  <p:transition xmlns:p14="http://schemas.microsoft.com/office/powerpoint/2010/main" spd="med" advClick="1"/>
+  <p:transition spd="med"/>
 </p:sldLayout>
 </file>
 
 <file path=ppt/slideLayouts/slideLayout5.xml><?xml version="1.0" encoding="utf-8"?>
-<p:sldLayout xmlns:a="http://schemas.openxmlformats.org/drawingml/2006/main" xmlns:r="http://schemas.openxmlformats.org/officeDocument/2006/relationships" xmlns:p="http://schemas.openxmlformats.org/presentationml/2006/main" xmlns:m="http://schemas.openxmlformats.org/officeDocument/2006/math" xmlns:a14="http://schemas.microsoft.com/office/drawing/2010/main" type="tx" showMasterSp="0" showMasterPhAnim="1">
+<p:sldLayout xmlns:a="http://schemas.openxmlformats.org/drawingml/2006/main" xmlns:r="http://schemas.openxmlformats.org/officeDocument/2006/relationships" xmlns:p="http://schemas.openxmlformats.org/presentationml/2006/main" showMasterSp="0" type="tx">
   <p:cSld name="Фото — вертикально">
     <p:bg>
       <p:bgPr>
         <a:solidFill>
           <a:srgbClr val="222222"/>
         </a:solidFill>
+        <a:effectLst/>
       </p:bgPr>
     </p:bg>
     <p:spTree>
@@ -2565,13 +2603,16 @@
                 <a:sym typeface="Helvetica"/>
               </a:defRPr>
             </a:pPr>
+            <a:endParaRPr/>
           </a:p>
         </p:txBody>
       </p:sp>
       <p:sp>
         <p:nvSpPr>
           <p:cNvPr id="52" name="Чёрно-белое фото ветряных мельниц на фоне облаков"/>
-          <p:cNvSpPr/>
+          <p:cNvSpPr>
+            <a:spLocks noGrp="1"/>
+          </p:cNvSpPr>
           <p:nvPr>
             <p:ph type="pic" idx="21"/>
           </p:nvPr>
@@ -2591,14 +2632,16 @@
           </a:bodyPr>
           <a:lstStyle/>
           <a:p>
-            <a:pPr/>
+            <a:endParaRPr/>
           </a:p>
         </p:txBody>
       </p:sp>
       <p:sp>
         <p:nvSpPr>
           <p:cNvPr id="53" name="Текст заголовка"/>
-          <p:cNvSpPr txBox="1"/>
+          <p:cNvSpPr txBox="1">
+            <a:spLocks noGrp="1"/>
+          </p:cNvSpPr>
           <p:nvPr>
             <p:ph type="title"/>
           </p:nvPr>
@@ -2623,7 +2666,6 @@
             </a:lvl1pPr>
           </a:lstStyle>
           <a:p>
-            <a:pPr/>
             <a:r>
               <a:t>Текст заголовка</a:t>
             </a:r>
@@ -2633,7 +2675,9 @@
       <p:sp>
         <p:nvSpPr>
           <p:cNvPr id="54" name="Уровень текста 1…"/>
-          <p:cNvSpPr txBox="1"/>
+          <p:cNvSpPr txBox="1">
+            <a:spLocks noGrp="1"/>
+          </p:cNvSpPr>
           <p:nvPr>
             <p:ph type="body" sz="quarter" idx="1"/>
           </p:nvPr>
@@ -2661,7 +2705,7 @@
               <a:buSzTx/>
               <a:buFontTx/>
               <a:buNone/>
-              <a:defRPr cap="all" sz="7700">
+              <a:defRPr sz="7700" cap="all">
                 <a:solidFill>
                   <a:srgbClr val="A6AAA9"/>
                 </a:solidFill>
@@ -2682,7 +2726,7 @@
               <a:buSzTx/>
               <a:buFontTx/>
               <a:buNone/>
-              <a:defRPr cap="all" sz="7700">
+              <a:defRPr sz="7700" cap="all">
                 <a:solidFill>
                   <a:srgbClr val="A6AAA9"/>
                 </a:solidFill>
@@ -2703,7 +2747,7 @@
               <a:buSzTx/>
               <a:buFontTx/>
               <a:buNone/>
-              <a:defRPr cap="all" sz="7700">
+              <a:defRPr sz="7700" cap="all">
                 <a:solidFill>
                   <a:srgbClr val="A6AAA9"/>
                 </a:solidFill>
@@ -2724,7 +2768,7 @@
               <a:buSzTx/>
               <a:buFontTx/>
               <a:buNone/>
-              <a:defRPr cap="all" sz="7700">
+              <a:defRPr sz="7700" cap="all">
                 <a:solidFill>
                   <a:srgbClr val="A6AAA9"/>
                 </a:solidFill>
@@ -2745,7 +2789,7 @@
               <a:buSzTx/>
               <a:buFontTx/>
               <a:buNone/>
-              <a:defRPr cap="all" sz="7700">
+              <a:defRPr sz="7700" cap="all">
                 <a:solidFill>
                   <a:srgbClr val="A6AAA9"/>
                 </a:solidFill>
@@ -2757,7 +2801,6 @@
             </a:lvl5pPr>
           </a:lstStyle>
           <a:p>
-            <a:pPr/>
             <a:r>
               <a:t>Уровень текста 1</a:t>
             </a:r>
@@ -2791,7 +2834,9 @@
       <p:sp>
         <p:nvSpPr>
           <p:cNvPr id="55" name="Номер слайда"/>
-          <p:cNvSpPr txBox="1"/>
+          <p:cNvSpPr txBox="1">
+            <a:spLocks noGrp="1"/>
+          </p:cNvSpPr>
           <p:nvPr>
             <p:ph type="sldNum" sz="quarter" idx="2"/>
           </p:nvPr>
@@ -2809,8 +2854,10 @@
           <a:bodyPr/>
           <a:lstStyle/>
           <a:p>
-            <a:pPr/>
-            <a:fld id="{86CB4B4D-7CA3-9044-876B-883B54F8677D}" type="slidenum"/>
+            <a:fld id="{86CB4B4D-7CA3-9044-876B-883B54F8677D}" type="slidenum">
+              <a:t>‹#›</a:t>
+            </a:fld>
+            <a:endParaRPr/>
           </a:p>
         </p:txBody>
       </p:sp>
@@ -2819,12 +2866,12 @@
   <p:clrMapOvr>
     <a:masterClrMapping/>
   </p:clrMapOvr>
-  <p:transition xmlns:p14="http://schemas.microsoft.com/office/powerpoint/2010/main" spd="med" advClick="1"/>
+  <p:transition spd="med"/>
 </p:sldLayout>
 </file>
 
 <file path=ppt/slideLayouts/slideLayout6.xml><?xml version="1.0" encoding="utf-8"?>
-<p:sldLayout xmlns:a="http://schemas.openxmlformats.org/drawingml/2006/main" xmlns:r="http://schemas.openxmlformats.org/officeDocument/2006/relationships" xmlns:p="http://schemas.openxmlformats.org/presentationml/2006/main" xmlns:m="http://schemas.openxmlformats.org/officeDocument/2006/math" xmlns:a14="http://schemas.microsoft.com/office/drawing/2010/main" type="tx" showMasterSp="1" showMasterPhAnim="1">
+<p:sldLayout xmlns:a="http://schemas.openxmlformats.org/drawingml/2006/main" xmlns:r="http://schemas.openxmlformats.org/officeDocument/2006/relationships" xmlns:p="http://schemas.openxmlformats.org/presentationml/2006/main" type="tx">
   <p:cSld name="Заголовок — сверху">
     <p:spTree>
       <p:nvGrpSpPr>
@@ -2843,7 +2890,9 @@
       <p:sp>
         <p:nvSpPr>
           <p:cNvPr id="62" name="Текст"/>
-          <p:cNvSpPr txBox="1"/>
+          <p:cNvSpPr txBox="1">
+            <a:spLocks noGrp="1"/>
+          </p:cNvSpPr>
           <p:nvPr>
             <p:ph type="body" sz="quarter" idx="21"/>
           </p:nvPr>
@@ -2873,7 +2922,7 @@
               <a:buSzTx/>
               <a:buFontTx/>
               <a:buNone/>
-              <a:defRPr cap="all" spc="180" sz="3600">
+              <a:defRPr sz="3600" cap="all" spc="180">
                 <a:latin typeface="DIN Alternate Bold"/>
                 <a:ea typeface="DIN Alternate Bold"/>
                 <a:cs typeface="DIN Alternate Bold"/>
@@ -2882,7 +2931,6 @@
             </a:lvl1pPr>
           </a:lstStyle>
           <a:p>
-            <a:pPr/>
             <a:r>
               <a:t>Текст</a:t>
             </a:r>
@@ -2892,7 +2940,9 @@
       <p:sp>
         <p:nvSpPr>
           <p:cNvPr id="63" name="Текст заголовка"/>
-          <p:cNvSpPr txBox="1"/>
+          <p:cNvSpPr txBox="1">
+            <a:spLocks noGrp="1"/>
+          </p:cNvSpPr>
           <p:nvPr>
             <p:ph type="title"/>
           </p:nvPr>
@@ -2906,7 +2956,6 @@
           <a:bodyPr/>
           <a:lstStyle/>
           <a:p>
-            <a:pPr/>
             <a:r>
               <a:t>Текст заголовка</a:t>
             </a:r>
@@ -2916,7 +2965,9 @@
       <p:sp>
         <p:nvSpPr>
           <p:cNvPr id="64" name="Номер слайда"/>
-          <p:cNvSpPr txBox="1"/>
+          <p:cNvSpPr txBox="1">
+            <a:spLocks noGrp="1"/>
+          </p:cNvSpPr>
           <p:nvPr>
             <p:ph type="sldNum" sz="quarter" idx="2"/>
           </p:nvPr>
@@ -2930,8 +2981,10 @@
           <a:bodyPr/>
           <a:lstStyle/>
           <a:p>
-            <a:pPr/>
-            <a:fld id="{86CB4B4D-7CA3-9044-876B-883B54F8677D}" type="slidenum"/>
+            <a:fld id="{86CB4B4D-7CA3-9044-876B-883B54F8677D}" type="slidenum">
+              <a:t>‹#›</a:t>
+            </a:fld>
+            <a:endParaRPr/>
           </a:p>
         </p:txBody>
       </p:sp>
@@ -2940,18 +2993,19 @@
   <p:clrMapOvr>
     <a:masterClrMapping/>
   </p:clrMapOvr>
-  <p:transition xmlns:p14="http://schemas.microsoft.com/office/powerpoint/2010/main" spd="med" advClick="1"/>
+  <p:transition spd="med"/>
 </p:sldLayout>
 </file>
 
 <file path=ppt/slideLayouts/slideLayout7.xml><?xml version="1.0" encoding="utf-8"?>
-<p:sldLayout xmlns:a="http://schemas.openxmlformats.org/drawingml/2006/main" xmlns:r="http://schemas.openxmlformats.org/officeDocument/2006/relationships" xmlns:p="http://schemas.openxmlformats.org/presentationml/2006/main" xmlns:m="http://schemas.openxmlformats.org/officeDocument/2006/math" xmlns:a14="http://schemas.microsoft.com/office/drawing/2010/main" type="tx" showMasterSp="1" showMasterPhAnim="1">
+<p:sldLayout xmlns:a="http://schemas.openxmlformats.org/drawingml/2006/main" xmlns:r="http://schemas.openxmlformats.org/officeDocument/2006/relationships" xmlns:p="http://schemas.openxmlformats.org/presentationml/2006/main" type="tx">
   <p:cSld name="Заголовок и пункты">
     <p:bg>
       <p:bgPr>
         <a:solidFill>
           <a:srgbClr val="222222"/>
         </a:solidFill>
+        <a:effectLst/>
       </p:bgPr>
     </p:bg>
     <p:spTree>
@@ -2971,7 +3025,9 @@
       <p:sp>
         <p:nvSpPr>
           <p:cNvPr id="71" name="Текст"/>
-          <p:cNvSpPr txBox="1"/>
+          <p:cNvSpPr txBox="1">
+            <a:spLocks noGrp="1"/>
+          </p:cNvSpPr>
           <p:nvPr>
             <p:ph type="body" sz="quarter" idx="21"/>
           </p:nvPr>
@@ -3001,7 +3057,7 @@
               <a:buSzTx/>
               <a:buFontTx/>
               <a:buNone/>
-              <a:defRPr cap="all" spc="180" sz="3600">
+              <a:defRPr sz="3600" cap="all" spc="180">
                 <a:latin typeface="DIN Alternate Bold"/>
                 <a:ea typeface="DIN Alternate Bold"/>
                 <a:cs typeface="DIN Alternate Bold"/>
@@ -3010,7 +3066,6 @@
             </a:lvl1pPr>
           </a:lstStyle>
           <a:p>
-            <a:pPr/>
             <a:r>
               <a:t>Текст</a:t>
             </a:r>
@@ -3020,7 +3075,9 @@
       <p:sp>
         <p:nvSpPr>
           <p:cNvPr id="72" name="Текст заголовка"/>
-          <p:cNvSpPr txBox="1"/>
+          <p:cNvSpPr txBox="1">
+            <a:spLocks noGrp="1"/>
+          </p:cNvSpPr>
           <p:nvPr>
             <p:ph type="title"/>
           </p:nvPr>
@@ -3034,7 +3091,6 @@
           <a:bodyPr/>
           <a:lstStyle/>
           <a:p>
-            <a:pPr/>
             <a:r>
               <a:t>Текст заголовка</a:t>
             </a:r>
@@ -3044,7 +3100,9 @@
       <p:sp>
         <p:nvSpPr>
           <p:cNvPr id="73" name="Уровень текста 1…"/>
-          <p:cNvSpPr txBox="1"/>
+          <p:cNvSpPr txBox="1">
+            <a:spLocks noGrp="1"/>
+          </p:cNvSpPr>
           <p:nvPr>
             <p:ph type="body" idx="1"/>
           </p:nvPr>
@@ -3089,7 +3147,6 @@
             </a:lvl5pPr>
           </a:lstStyle>
           <a:p>
-            <a:pPr/>
             <a:r>
               <a:t>Уровень текста 1</a:t>
             </a:r>
@@ -3123,7 +3180,9 @@
       <p:sp>
         <p:nvSpPr>
           <p:cNvPr id="74" name="Номер слайда"/>
-          <p:cNvSpPr txBox="1"/>
+          <p:cNvSpPr txBox="1">
+            <a:spLocks noGrp="1"/>
+          </p:cNvSpPr>
           <p:nvPr>
             <p:ph type="sldNum" sz="quarter" idx="2"/>
           </p:nvPr>
@@ -3137,8 +3196,10 @@
           <a:bodyPr/>
           <a:lstStyle/>
           <a:p>
-            <a:pPr/>
-            <a:fld id="{86CB4B4D-7CA3-9044-876B-883B54F8677D}" type="slidenum"/>
+            <a:fld id="{86CB4B4D-7CA3-9044-876B-883B54F8677D}" type="slidenum">
+              <a:t>‹#›</a:t>
+            </a:fld>
+            <a:endParaRPr/>
           </a:p>
         </p:txBody>
       </p:sp>
@@ -3147,12 +3208,12 @@
   <p:clrMapOvr>
     <a:masterClrMapping/>
   </p:clrMapOvr>
-  <p:transition xmlns:p14="http://schemas.microsoft.com/office/powerpoint/2010/main" spd="med" advClick="1"/>
+  <p:transition spd="med"/>
 </p:sldLayout>
 </file>
 
 <file path=ppt/slideLayouts/slideLayout8.xml><?xml version="1.0" encoding="utf-8"?>
-<p:sldLayout xmlns:a="http://schemas.openxmlformats.org/drawingml/2006/main" xmlns:r="http://schemas.openxmlformats.org/officeDocument/2006/relationships" xmlns:p="http://schemas.openxmlformats.org/presentationml/2006/main" xmlns:m="http://schemas.openxmlformats.org/officeDocument/2006/math" xmlns:a14="http://schemas.microsoft.com/office/drawing/2010/main" type="tx" showMasterSp="1" showMasterPhAnim="1">
+<p:sldLayout xmlns:a="http://schemas.openxmlformats.org/drawingml/2006/main" xmlns:r="http://schemas.openxmlformats.org/officeDocument/2006/relationships" xmlns:p="http://schemas.openxmlformats.org/presentationml/2006/main" type="tx">
   <p:cSld name="Заголовок и пункты (вариант)">
     <p:spTree>
       <p:nvGrpSpPr>
@@ -3171,7 +3232,9 @@
       <p:sp>
         <p:nvSpPr>
           <p:cNvPr id="81" name="Текст"/>
-          <p:cNvSpPr txBox="1"/>
+          <p:cNvSpPr txBox="1">
+            <a:spLocks noGrp="1"/>
+          </p:cNvSpPr>
           <p:nvPr>
             <p:ph type="body" sz="quarter" idx="21"/>
           </p:nvPr>
@@ -3201,7 +3264,7 @@
               <a:buSzTx/>
               <a:buFontTx/>
               <a:buNone/>
-              <a:defRPr cap="all" spc="180" sz="3600">
+              <a:defRPr sz="3600" cap="all" spc="180">
                 <a:latin typeface="DIN Alternate Bold"/>
                 <a:ea typeface="DIN Alternate Bold"/>
                 <a:cs typeface="DIN Alternate Bold"/>
@@ -3210,7 +3273,6 @@
             </a:lvl1pPr>
           </a:lstStyle>
           <a:p>
-            <a:pPr/>
             <a:r>
               <a:t>Текст</a:t>
             </a:r>
@@ -3220,7 +3282,9 @@
       <p:sp>
         <p:nvSpPr>
           <p:cNvPr id="82" name="Текст заголовка"/>
-          <p:cNvSpPr txBox="1"/>
+          <p:cNvSpPr txBox="1">
+            <a:spLocks noGrp="1"/>
+          </p:cNvSpPr>
           <p:nvPr>
             <p:ph type="title"/>
           </p:nvPr>
@@ -3234,7 +3298,6 @@
           <a:bodyPr/>
           <a:lstStyle/>
           <a:p>
-            <a:pPr/>
             <a:r>
               <a:t>Текст заголовка</a:t>
             </a:r>
@@ -3244,7 +3307,9 @@
       <p:sp>
         <p:nvSpPr>
           <p:cNvPr id="83" name="Уровень текста 1…"/>
-          <p:cNvSpPr txBox="1"/>
+          <p:cNvSpPr txBox="1">
+            <a:spLocks noGrp="1"/>
+          </p:cNvSpPr>
           <p:nvPr>
             <p:ph type="body" idx="1"/>
           </p:nvPr>
@@ -3289,7 +3354,6 @@
             </a:lvl5pPr>
           </a:lstStyle>
           <a:p>
-            <a:pPr/>
             <a:r>
               <a:t>Уровень текста 1</a:t>
             </a:r>
@@ -3323,7 +3387,9 @@
       <p:sp>
         <p:nvSpPr>
           <p:cNvPr id="84" name="Номер слайда"/>
-          <p:cNvSpPr txBox="1"/>
+          <p:cNvSpPr txBox="1">
+            <a:spLocks noGrp="1"/>
+          </p:cNvSpPr>
           <p:nvPr>
             <p:ph type="sldNum" sz="quarter" idx="2"/>
           </p:nvPr>
@@ -3337,8 +3403,10 @@
           <a:bodyPr/>
           <a:lstStyle/>
           <a:p>
-            <a:pPr/>
-            <a:fld id="{86CB4B4D-7CA3-9044-876B-883B54F8677D}" type="slidenum"/>
+            <a:fld id="{86CB4B4D-7CA3-9044-876B-883B54F8677D}" type="slidenum">
+              <a:t>‹#›</a:t>
+            </a:fld>
+            <a:endParaRPr/>
           </a:p>
         </p:txBody>
       </p:sp>
@@ -3347,18 +3415,19 @@
   <p:clrMapOvr>
     <a:masterClrMapping/>
   </p:clrMapOvr>
-  <p:transition xmlns:p14="http://schemas.microsoft.com/office/powerpoint/2010/main" spd="med" advClick="1"/>
+  <p:transition spd="med"/>
 </p:sldLayout>
 </file>
 
 <file path=ppt/slideLayouts/slideLayout9.xml><?xml version="1.0" encoding="utf-8"?>
-<p:sldLayout xmlns:a="http://schemas.openxmlformats.org/drawingml/2006/main" xmlns:r="http://schemas.openxmlformats.org/officeDocument/2006/relationships" xmlns:p="http://schemas.openxmlformats.org/presentationml/2006/main" xmlns:m="http://schemas.openxmlformats.org/officeDocument/2006/math" xmlns:a14="http://schemas.microsoft.com/office/drawing/2010/main" type="tx" showMasterSp="1" showMasterPhAnim="1">
+<p:sldLayout xmlns:a="http://schemas.openxmlformats.org/drawingml/2006/main" xmlns:r="http://schemas.openxmlformats.org/officeDocument/2006/relationships" xmlns:p="http://schemas.openxmlformats.org/presentationml/2006/main" type="tx">
   <p:cSld name="Заголовок, пункты и фото">
     <p:bg>
       <p:bgPr>
         <a:solidFill>
           <a:srgbClr val="222222"/>
         </a:solidFill>
+        <a:effectLst/>
       </p:bgPr>
     </p:bg>
     <p:spTree>
@@ -3378,7 +3447,9 @@
       <p:sp>
         <p:nvSpPr>
           <p:cNvPr id="91" name="Текст"/>
-          <p:cNvSpPr txBox="1"/>
+          <p:cNvSpPr txBox="1">
+            <a:spLocks noGrp="1"/>
+          </p:cNvSpPr>
           <p:nvPr>
             <p:ph type="body" sz="quarter" idx="21"/>
           </p:nvPr>
@@ -3408,7 +3479,7 @@
               <a:buSzTx/>
               <a:buFontTx/>
               <a:buNone/>
-              <a:defRPr cap="all" spc="180" sz="3600">
+              <a:defRPr sz="3600" cap="all" spc="180">
                 <a:latin typeface="DIN Alternate Bold"/>
                 <a:ea typeface="DIN Alternate Bold"/>
                 <a:cs typeface="DIN Alternate Bold"/>
@@ -3417,7 +3488,6 @@
             </a:lvl1pPr>
           </a:lstStyle>
           <a:p>
-            <a:pPr/>
             <a:r>
               <a:t>Текст</a:t>
             </a:r>
@@ -3427,7 +3497,9 @@
       <p:sp>
         <p:nvSpPr>
           <p:cNvPr id="92" name="Чёрно-белое фото ветряных мельниц на фоне облаков"/>
-          <p:cNvSpPr/>
+          <p:cNvSpPr>
+            <a:spLocks noGrp="1"/>
+          </p:cNvSpPr>
           <p:nvPr>
             <p:ph type="pic" idx="22"/>
           </p:nvPr>
@@ -3447,14 +3519,16 @@
           </a:bodyPr>
           <a:lstStyle/>
           <a:p>
-            <a:pPr/>
+            <a:endParaRPr/>
           </a:p>
         </p:txBody>
       </p:sp>
       <p:sp>
         <p:nvSpPr>
           <p:cNvPr id="93" name="Текст заголовка"/>
-          <p:cNvSpPr txBox="1"/>
+          <p:cNvSpPr txBox="1">
+            <a:spLocks noGrp="1"/>
+          </p:cNvSpPr>
           <p:nvPr>
             <p:ph type="title"/>
           </p:nvPr>
@@ -3472,7 +3546,6 @@
           <a:bodyPr/>
           <a:lstStyle/>
           <a:p>
-            <a:pPr/>
             <a:r>
               <a:t>Текст заголовка</a:t>
             </a:r>
@@ -3482,7 +3555,9 @@
       <p:sp>
         <p:nvSpPr>
           <p:cNvPr id="94" name="Уровень текста 1…"/>
-          <p:cNvSpPr txBox="1"/>
+          <p:cNvSpPr txBox="1">
+            <a:spLocks noGrp="1"/>
+          </p:cNvSpPr>
           <p:nvPr>
             <p:ph type="body" sz="half" idx="1"/>
           </p:nvPr>
@@ -3536,7 +3611,6 @@
             </a:lvl5pPr>
           </a:lstStyle>
           <a:p>
-            <a:pPr/>
             <a:r>
               <a:t>Уровень текста 1</a:t>
             </a:r>
@@ -3570,7 +3644,9 @@
       <p:sp>
         <p:nvSpPr>
           <p:cNvPr id="95" name="Номер слайда"/>
-          <p:cNvSpPr txBox="1"/>
+          <p:cNvSpPr txBox="1">
+            <a:spLocks noGrp="1"/>
+          </p:cNvSpPr>
           <p:nvPr>
             <p:ph type="sldNum" sz="quarter" idx="2"/>
           </p:nvPr>
@@ -3584,8 +3660,10 @@
           <a:bodyPr/>
           <a:lstStyle/>
           <a:p>
-            <a:pPr/>
-            <a:fld id="{86CB4B4D-7CA3-9044-876B-883B54F8677D}" type="slidenum"/>
+            <a:fld id="{86CB4B4D-7CA3-9044-876B-883B54F8677D}" type="slidenum">
+              <a:t>‹#›</a:t>
+            </a:fld>
+            <a:endParaRPr/>
           </a:p>
         </p:txBody>
       </p:sp>
@@ -3594,18 +3672,19 @@
   <p:clrMapOvr>
     <a:masterClrMapping/>
   </p:clrMapOvr>
-  <p:transition xmlns:p14="http://schemas.microsoft.com/office/powerpoint/2010/main" spd="med" advClick="1"/>
+  <p:transition spd="med"/>
 </p:sldLayout>
 </file>
 
 <file path=ppt/slideMasters/slideMaster1.xml><?xml version="1.0" encoding="utf-8"?>
-<p:sldMaster xmlns:a="http://schemas.openxmlformats.org/drawingml/2006/main" xmlns:r="http://schemas.openxmlformats.org/officeDocument/2006/relationships" xmlns:p="http://schemas.openxmlformats.org/presentationml/2006/main" xmlns:m="http://schemas.openxmlformats.org/officeDocument/2006/math" xmlns:a14="http://schemas.microsoft.com/office/drawing/2010/main">
+<p:sldMaster xmlns:a="http://schemas.openxmlformats.org/drawingml/2006/main" xmlns:r="http://schemas.openxmlformats.org/officeDocument/2006/relationships" xmlns:p="http://schemas.openxmlformats.org/presentationml/2006/main">
   <p:cSld>
     <p:bg>
       <p:bgPr>
         <a:solidFill>
           <a:srgbClr val="FFFFFF"/>
         </a:solidFill>
+        <a:effectLst/>
       </p:bgPr>
     </p:bg>
     <p:spTree>
@@ -3661,13 +3740,16 @@
                 <a:sym typeface="Helvetica"/>
               </a:defRPr>
             </a:pPr>
+            <a:endParaRPr/>
           </a:p>
         </p:txBody>
       </p:sp>
       <p:sp>
         <p:nvSpPr>
           <p:cNvPr id="3" name="Текст заголовка"/>
-          <p:cNvSpPr txBox="1"/>
+          <p:cNvSpPr txBox="1">
+            <a:spLocks noGrp="1"/>
+          </p:cNvSpPr>
           <p:nvPr>
             <p:ph type="title"/>
           </p:nvPr>
@@ -3685,17 +3767,16 @@
           </a:ln>
           <a:extLst>
             <a:ext uri="{C572A759-6A51-4108-AA02-DFA0A04FC94B}">
-              <ma14:wrappingTextBoxFlag xmlns:ma14="http://schemas.microsoft.com/office/mac/drawingml/2011/main" val="1"/>
+              <ma14:wrappingTextBoxFlag xmlns:ma14="http://schemas.microsoft.com/office/mac/drawingml/2011/main" xmlns:a14="http://schemas.microsoft.com/office/drawing/2010/main" xmlns:m="http://schemas.openxmlformats.org/officeDocument/2006/math" xmlns="" val="1"/>
             </a:ext>
           </a:extLst>
         </p:spPr>
         <p:txBody>
           <a:bodyPr lIns="50800" tIns="50800" rIns="50800" bIns="50800">
-            <a:normAutofit fontScale="100000" lnSpcReduction="0"/>
+            <a:normAutofit/>
           </a:bodyPr>
           <a:lstStyle/>
           <a:p>
-            <a:pPr/>
             <a:r>
               <a:t>Текст заголовка</a:t>
             </a:r>
@@ -3705,7 +3786,9 @@
       <p:sp>
         <p:nvSpPr>
           <p:cNvPr id="4" name="Уровень текста 1…"/>
-          <p:cNvSpPr txBox="1"/>
+          <p:cNvSpPr txBox="1">
+            <a:spLocks noGrp="1"/>
+          </p:cNvSpPr>
           <p:nvPr>
             <p:ph type="body" idx="1"/>
           </p:nvPr>
@@ -3723,17 +3806,16 @@
           </a:ln>
           <a:extLst>
             <a:ext uri="{C572A759-6A51-4108-AA02-DFA0A04FC94B}">
-              <ma14:wrappingTextBoxFlag xmlns:ma14="http://schemas.microsoft.com/office/mac/drawingml/2011/main" val="1"/>
+              <ma14:wrappingTextBoxFlag xmlns:ma14="http://schemas.microsoft.com/office/mac/drawingml/2011/main" xmlns:a14="http://schemas.microsoft.com/office/drawing/2010/main" xmlns:m="http://schemas.openxmlformats.org/officeDocument/2006/math" xmlns="" val="1"/>
             </a:ext>
           </a:extLst>
         </p:spPr>
         <p:txBody>
           <a:bodyPr lIns="50800" tIns="50800" rIns="50800" bIns="50800">
-            <a:normAutofit fontScale="100000" lnSpcReduction="0"/>
+            <a:normAutofit/>
           </a:bodyPr>
           <a:lstStyle/>
           <a:p>
-            <a:pPr/>
             <a:r>
               <a:t>Уровень текста 1</a:t>
             </a:r>
@@ -3767,7 +3849,9 @@
       <p:sp>
         <p:nvSpPr>
           <p:cNvPr id="5" name="Номер слайда"/>
-          <p:cNvSpPr txBox="1"/>
+          <p:cNvSpPr txBox="1">
+            <a:spLocks noGrp="1"/>
+          </p:cNvSpPr>
           <p:nvPr>
             <p:ph type="sldNum" sz="quarter" idx="2"/>
           </p:nvPr>
@@ -3805,8 +3889,10 @@
             </a:lvl1pPr>
           </a:lstStyle>
           <a:p>
-            <a:pPr/>
-            <a:fld id="{86CB4B4D-7CA3-9044-876B-883B54F8677D}" type="slidenum"/>
+            <a:fld id="{86CB4B4D-7CA3-9044-876B-883B54F8677D}" type="slidenum">
+              <a:t>‹#›</a:t>
+            </a:fld>
+            <a:endParaRPr/>
           </a:p>
         </p:txBody>
       </p:sp>
@@ -3814,24 +3900,23 @@
   </p:cSld>
   <p:clrMap bg1="dk1" tx1="lt1" bg2="dk2" tx2="lt2" accent1="accent1" accent2="accent2" accent3="accent3" accent4="accent4" accent5="accent5" accent6="accent6" hlink="hlink" folHlink="folHlink"/>
   <p:sldLayoutIdLst>
-    <p:sldLayoutId id="2147483649" r:id="rId2"/>
-    <p:sldLayoutId id="2147483650" r:id="rId3"/>
-    <p:sldLayoutId id="2147483651" r:id="rId4"/>
-    <p:sldLayoutId id="2147483652" r:id="rId5"/>
-    <p:sldLayoutId id="2147483653" r:id="rId6"/>
-    <p:sldLayoutId id="2147483654" r:id="rId7"/>
-    <p:sldLayoutId id="2147483655" r:id="rId8"/>
-    <p:sldLayoutId id="2147483656" r:id="rId9"/>
-    <p:sldLayoutId id="2147483657" r:id="rId10"/>
-    <p:sldLayoutId id="2147483658" r:id="rId11"/>
-    <p:sldLayoutId id="2147483659" r:id="rId12"/>
-    <p:sldLayoutId id="2147483660" r:id="rId13"/>
-    <p:sldLayoutId id="2147483661" r:id="rId14"/>
-    <p:sldLayoutId id="2147483662" r:id="rId15"/>
-    <p:sldLayoutId id="2147483663" r:id="rId16"/>
-    <p:sldLayoutId id="2147483664" r:id="rId17"/>
+    <p:sldLayoutId id="2147483649" r:id="rId1"/>
+    <p:sldLayoutId id="2147483650" r:id="rId2"/>
+    <p:sldLayoutId id="2147483651" r:id="rId3"/>
+    <p:sldLayoutId id="2147483652" r:id="rId4"/>
+    <p:sldLayoutId id="2147483653" r:id="rId5"/>
+    <p:sldLayoutId id="2147483654" r:id="rId6"/>
+    <p:sldLayoutId id="2147483655" r:id="rId7"/>
+    <p:sldLayoutId id="2147483656" r:id="rId8"/>
+    <p:sldLayoutId id="2147483657" r:id="rId9"/>
+    <p:sldLayoutId id="2147483658" r:id="rId10"/>
+    <p:sldLayoutId id="2147483659" r:id="rId11"/>
+    <p:sldLayoutId id="2147483660" r:id="rId12"/>
+    <p:sldLayoutId id="2147483661" r:id="rId13"/>
+    <p:sldLayoutId id="2147483662" r:id="rId14"/>
+    <p:sldLayoutId id="2147483663" r:id="rId15"/>
   </p:sldLayoutIdLst>
-  <p:transition xmlns:p14="http://schemas.microsoft.com/office/powerpoint/2010/main" spd="med" advClick="1"/>
+  <p:transition spd="med"/>
   <p:txStyles>
     <p:titleStyle>
       <a:lvl1pPr marL="0" marR="0" indent="0" algn="l" defTabSz="825500" rtl="0" latinLnBrk="0">
@@ -3849,7 +3934,7 @@
         <a:buFontTx/>
         <a:buNone/>
         <a:tabLst/>
-        <a:defRPr b="0" baseline="0" cap="all" i="0" spc="0" strike="noStrike" sz="8700" u="none">
+        <a:defRPr sz="8700" b="0" i="0" u="none" strike="noStrike" cap="all" spc="0" baseline="0">
           <a:solidFill>
             <a:schemeClr val="accent1"/>
           </a:solidFill>
@@ -3875,7 +3960,7 @@
         <a:buFontTx/>
         <a:buNone/>
         <a:tabLst/>
-        <a:defRPr b="0" baseline="0" cap="all" i="0" spc="0" strike="noStrike" sz="8700" u="none">
+        <a:defRPr sz="8700" b="0" i="0" u="none" strike="noStrike" cap="all" spc="0" baseline="0">
           <a:solidFill>
             <a:schemeClr val="accent1"/>
           </a:solidFill>
@@ -3901,7 +3986,7 @@
         <a:buFontTx/>
         <a:buNone/>
         <a:tabLst/>
-        <a:defRPr b="0" baseline="0" cap="all" i="0" spc="0" strike="noStrike" sz="8700" u="none">
+        <a:defRPr sz="8700" b="0" i="0" u="none" strike="noStrike" cap="all" spc="0" baseline="0">
           <a:solidFill>
             <a:schemeClr val="accent1"/>
           </a:solidFill>
@@ -3927,7 +4012,7 @@
         <a:buFontTx/>
         <a:buNone/>
         <a:tabLst/>
-        <a:defRPr b="0" baseline="0" cap="all" i="0" spc="0" strike="noStrike" sz="8700" u="none">
+        <a:defRPr sz="8700" b="0" i="0" u="none" strike="noStrike" cap="all" spc="0" baseline="0">
           <a:solidFill>
             <a:schemeClr val="accent1"/>
           </a:solidFill>
@@ -3953,7 +4038,7 @@
         <a:buFontTx/>
         <a:buNone/>
         <a:tabLst/>
-        <a:defRPr b="0" baseline="0" cap="all" i="0" spc="0" strike="noStrike" sz="8700" u="none">
+        <a:defRPr sz="8700" b="0" i="0" u="none" strike="noStrike" cap="all" spc="0" baseline="0">
           <a:solidFill>
             <a:schemeClr val="accent1"/>
           </a:solidFill>
@@ -3979,7 +4064,7 @@
         <a:buFontTx/>
         <a:buNone/>
         <a:tabLst/>
-        <a:defRPr b="0" baseline="0" cap="all" i="0" spc="0" strike="noStrike" sz="8700" u="none">
+        <a:defRPr sz="8700" b="0" i="0" u="none" strike="noStrike" cap="all" spc="0" baseline="0">
           <a:solidFill>
             <a:schemeClr val="accent1"/>
           </a:solidFill>
@@ -4005,7 +4090,7 @@
         <a:buFontTx/>
         <a:buNone/>
         <a:tabLst/>
-        <a:defRPr b="0" baseline="0" cap="all" i="0" spc="0" strike="noStrike" sz="8700" u="none">
+        <a:defRPr sz="8700" b="0" i="0" u="none" strike="noStrike" cap="all" spc="0" baseline="0">
           <a:solidFill>
             <a:schemeClr val="accent1"/>
           </a:solidFill>
@@ -4031,7 +4116,7 @@
         <a:buFontTx/>
         <a:buNone/>
         <a:tabLst/>
-        <a:defRPr b="0" baseline="0" cap="all" i="0" spc="0" strike="noStrike" sz="8700" u="none">
+        <a:defRPr sz="8700" b="0" i="0" u="none" strike="noStrike" cap="all" spc="0" baseline="0">
           <a:solidFill>
             <a:schemeClr val="accent1"/>
           </a:solidFill>
@@ -4057,7 +4142,7 @@
         <a:buFontTx/>
         <a:buNone/>
         <a:tabLst/>
-        <a:defRPr b="0" baseline="0" cap="all" i="0" spc="0" strike="noStrike" sz="8700" u="none">
+        <a:defRPr sz="8700" b="0" i="0" u="none" strike="noStrike" cap="all" spc="0" baseline="0">
           <a:solidFill>
             <a:schemeClr val="accent1"/>
           </a:solidFill>
@@ -4089,7 +4174,7 @@
         <a:buFont typeface="Avenir Next Regular"/>
         <a:buChar char="‣"/>
         <a:tabLst/>
-        <a:defRPr b="0" baseline="0" cap="none" i="0" spc="0" strike="noStrike" sz="4800" u="none">
+        <a:defRPr sz="4800" b="0" i="0" u="none" strike="noStrike" cap="none" spc="0" baseline="0">
           <a:solidFill>
             <a:srgbClr val="838787"/>
           </a:solidFill>
@@ -4119,7 +4204,7 @@
         <a:buFont typeface="Avenir Next Regular"/>
         <a:buChar char="‣"/>
         <a:tabLst/>
-        <a:defRPr b="0" baseline="0" cap="none" i="0" spc="0" strike="noStrike" sz="4800" u="none">
+        <a:defRPr sz="4800" b="0" i="0" u="none" strike="noStrike" cap="none" spc="0" baseline="0">
           <a:solidFill>
             <a:srgbClr val="838787"/>
           </a:solidFill>
@@ -4149,7 +4234,7 @@
         <a:buFont typeface="Avenir Next Regular"/>
         <a:buChar char="‣"/>
         <a:tabLst/>
-        <a:defRPr b="0" baseline="0" cap="none" i="0" spc="0" strike="noStrike" sz="4800" u="none">
+        <a:defRPr sz="4800" b="0" i="0" u="none" strike="noStrike" cap="none" spc="0" baseline="0">
           <a:solidFill>
             <a:srgbClr val="838787"/>
           </a:solidFill>
@@ -4179,7 +4264,7 @@
         <a:buFont typeface="Avenir Next Regular"/>
         <a:buChar char="‣"/>
         <a:tabLst/>
-        <a:defRPr b="0" baseline="0" cap="none" i="0" spc="0" strike="noStrike" sz="4800" u="none">
+        <a:defRPr sz="4800" b="0" i="0" u="none" strike="noStrike" cap="none" spc="0" baseline="0">
           <a:solidFill>
             <a:srgbClr val="838787"/>
           </a:solidFill>
@@ -4209,7 +4294,7 @@
         <a:buFont typeface="Avenir Next Regular"/>
         <a:buChar char="‣"/>
         <a:tabLst/>
-        <a:defRPr b="0" baseline="0" cap="none" i="0" spc="0" strike="noStrike" sz="4800" u="none">
+        <a:defRPr sz="4800" b="0" i="0" u="none" strike="noStrike" cap="none" spc="0" baseline="0">
           <a:solidFill>
             <a:srgbClr val="838787"/>
           </a:solidFill>
@@ -4239,7 +4324,7 @@
         <a:buFont typeface="Avenir Next Regular"/>
         <a:buChar char="‣"/>
         <a:tabLst/>
-        <a:defRPr b="0" baseline="0" cap="none" i="0" spc="0" strike="noStrike" sz="4800" u="none">
+        <a:defRPr sz="4800" b="0" i="0" u="none" strike="noStrike" cap="none" spc="0" baseline="0">
           <a:solidFill>
             <a:srgbClr val="838787"/>
           </a:solidFill>
@@ -4269,7 +4354,7 @@
         <a:buFont typeface="Avenir Next Regular"/>
         <a:buChar char="‣"/>
         <a:tabLst/>
-        <a:defRPr b="0" baseline="0" cap="none" i="0" spc="0" strike="noStrike" sz="4800" u="none">
+        <a:defRPr sz="4800" b="0" i="0" u="none" strike="noStrike" cap="none" spc="0" baseline="0">
           <a:solidFill>
             <a:srgbClr val="838787"/>
           </a:solidFill>
@@ -4299,7 +4384,7 @@
         <a:buFont typeface="Avenir Next Regular"/>
         <a:buChar char="‣"/>
         <a:tabLst/>
-        <a:defRPr b="0" baseline="0" cap="none" i="0" spc="0" strike="noStrike" sz="4800" u="none">
+        <a:defRPr sz="4800" b="0" i="0" u="none" strike="noStrike" cap="none" spc="0" baseline="0">
           <a:solidFill>
             <a:srgbClr val="838787"/>
           </a:solidFill>
@@ -4329,7 +4414,7 @@
         <a:buFont typeface="Avenir Next Regular"/>
         <a:buChar char="‣"/>
         <a:tabLst/>
-        <a:defRPr b="0" baseline="0" cap="none" i="0" spc="0" strike="noStrike" sz="4800" u="none">
+        <a:defRPr sz="4800" b="0" i="0" u="none" strike="noStrike" cap="none" spc="0" baseline="0">
           <a:solidFill>
             <a:srgbClr val="838787"/>
           </a:solidFill>
@@ -4357,7 +4442,7 @@
         <a:buFontTx/>
         <a:buNone/>
         <a:tabLst/>
-        <a:defRPr b="0" baseline="0" cap="none" i="0" spc="0" strike="noStrike" sz="3600" u="none">
+        <a:defRPr sz="3600" b="0" i="0" u="none" strike="noStrike" cap="none" spc="0" baseline="0">
           <a:solidFill>
             <a:schemeClr val="tx1"/>
           </a:solidFill>
@@ -4383,7 +4468,7 @@
         <a:buFontTx/>
         <a:buNone/>
         <a:tabLst/>
-        <a:defRPr b="0" baseline="0" cap="none" i="0" spc="0" strike="noStrike" sz="3600" u="none">
+        <a:defRPr sz="3600" b="0" i="0" u="none" strike="noStrike" cap="none" spc="0" baseline="0">
           <a:solidFill>
             <a:schemeClr val="tx1"/>
           </a:solidFill>
@@ -4409,7 +4494,7 @@
         <a:buFontTx/>
         <a:buNone/>
         <a:tabLst/>
-        <a:defRPr b="0" baseline="0" cap="none" i="0" spc="0" strike="noStrike" sz="3600" u="none">
+        <a:defRPr sz="3600" b="0" i="0" u="none" strike="noStrike" cap="none" spc="0" baseline="0">
           <a:solidFill>
             <a:schemeClr val="tx1"/>
           </a:solidFill>
@@ -4435,7 +4520,7 @@
         <a:buFontTx/>
         <a:buNone/>
         <a:tabLst/>
-        <a:defRPr b="0" baseline="0" cap="none" i="0" spc="0" strike="noStrike" sz="3600" u="none">
+        <a:defRPr sz="3600" b="0" i="0" u="none" strike="noStrike" cap="none" spc="0" baseline="0">
           <a:solidFill>
             <a:schemeClr val="tx1"/>
           </a:solidFill>
@@ -4461,7 +4546,7 @@
         <a:buFontTx/>
         <a:buNone/>
         <a:tabLst/>
-        <a:defRPr b="0" baseline="0" cap="none" i="0" spc="0" strike="noStrike" sz="3600" u="none">
+        <a:defRPr sz="3600" b="0" i="0" u="none" strike="noStrike" cap="none" spc="0" baseline="0">
           <a:solidFill>
             <a:schemeClr val="tx1"/>
           </a:solidFill>
@@ -4487,7 +4572,7 @@
         <a:buFontTx/>
         <a:buNone/>
         <a:tabLst/>
-        <a:defRPr b="0" baseline="0" cap="none" i="0" spc="0" strike="noStrike" sz="3600" u="none">
+        <a:defRPr sz="3600" b="0" i="0" u="none" strike="noStrike" cap="none" spc="0" baseline="0">
           <a:solidFill>
             <a:schemeClr val="tx1"/>
           </a:solidFill>
@@ -4513,7 +4598,7 @@
         <a:buFontTx/>
         <a:buNone/>
         <a:tabLst/>
-        <a:defRPr b="0" baseline="0" cap="none" i="0" spc="0" strike="noStrike" sz="3600" u="none">
+        <a:defRPr sz="3600" b="0" i="0" u="none" strike="noStrike" cap="none" spc="0" baseline="0">
           <a:solidFill>
             <a:schemeClr val="tx1"/>
           </a:solidFill>
@@ -4539,7 +4624,7 @@
         <a:buFontTx/>
         <a:buNone/>
         <a:tabLst/>
-        <a:defRPr b="0" baseline="0" cap="none" i="0" spc="0" strike="noStrike" sz="3600" u="none">
+        <a:defRPr sz="3600" b="0" i="0" u="none" strike="noStrike" cap="none" spc="0" baseline="0">
           <a:solidFill>
             <a:schemeClr val="tx1"/>
           </a:solidFill>
@@ -4565,7 +4650,7 @@
         <a:buFontTx/>
         <a:buNone/>
         <a:tabLst/>
-        <a:defRPr b="0" baseline="0" cap="none" i="0" spc="0" strike="noStrike" sz="3600" u="none">
+        <a:defRPr sz="3600" b="0" i="0" u="none" strike="noStrike" cap="none" spc="0" baseline="0">
           <a:solidFill>
             <a:schemeClr val="tx1"/>
           </a:solidFill>
@@ -4582,7 +4667,7 @@
 </file>
 
 <file path=ppt/slides/slide1.xml><?xml version="1.0" encoding="utf-8"?>
-<p:sld xmlns:a="http://schemas.openxmlformats.org/drawingml/2006/main" xmlns:r="http://schemas.openxmlformats.org/officeDocument/2006/relationships" xmlns:p="http://schemas.openxmlformats.org/presentationml/2006/main" xmlns:m="http://schemas.openxmlformats.org/officeDocument/2006/math" xmlns:a14="http://schemas.microsoft.com/office/drawing/2010/main" showMasterSp="1" showMasterPhAnim="1">
+<p:sld xmlns:a="http://schemas.openxmlformats.org/drawingml/2006/main" xmlns:r="http://schemas.openxmlformats.org/officeDocument/2006/relationships" xmlns:p="http://schemas.openxmlformats.org/presentationml/2006/main">
   <p:cSld>
     <p:spTree>
       <p:nvGrpSpPr>
@@ -4601,7 +4686,9 @@
       <p:sp>
         <p:nvSpPr>
           <p:cNvPr id="166" name="Шарики"/>
-          <p:cNvSpPr txBox="1"/>
+          <p:cNvSpPr txBox="1">
+            <a:spLocks noGrp="1"/>
+          </p:cNvSpPr>
           <p:nvPr>
             <p:ph type="ctrTitle"/>
           </p:nvPr>
@@ -4619,7 +4706,6 @@
             </a:lvl1pPr>
           </a:lstStyle>
           <a:p>
-            <a:pPr/>
             <a:r>
               <a:t>Шарики</a:t>
             </a:r>
@@ -4629,7 +4715,9 @@
       <p:sp>
         <p:nvSpPr>
           <p:cNvPr id="167" name="Проект Pygame"/>
-          <p:cNvSpPr txBox="1"/>
+          <p:cNvSpPr txBox="1">
+            <a:spLocks noGrp="1"/>
+          </p:cNvSpPr>
           <p:nvPr>
             <p:ph type="subTitle" sz="quarter" idx="1"/>
           </p:nvPr>
@@ -4643,7 +4731,6 @@
           <a:bodyPr/>
           <a:lstStyle/>
           <a:p>
-            <a:pPr/>
             <a:r>
               <a:t>Проект Pygame</a:t>
             </a:r>
@@ -4684,12 +4771,19 @@
   <p:clrMapOvr>
     <a:masterClrMapping/>
   </p:clrMapOvr>
-  <p:transition xmlns:p14="http://schemas.microsoft.com/office/powerpoint/2010/main" spd="med" advClick="1"/>
+  <p:transition spd="med"/>
+  <p:timing>
+    <p:tnLst>
+      <p:par>
+        <p:cTn id="1" dur="indefinite" restart="never" nodeType="tmRoot"/>
+      </p:par>
+    </p:tnLst>
+  </p:timing>
 </p:sld>
 </file>
 
 <file path=ppt/slides/slide2.xml><?xml version="1.0" encoding="utf-8"?>
-<p:sld xmlns:a="http://schemas.openxmlformats.org/drawingml/2006/main" xmlns:r="http://schemas.openxmlformats.org/officeDocument/2006/relationships" xmlns:p="http://schemas.openxmlformats.org/presentationml/2006/main" xmlns:m="http://schemas.openxmlformats.org/officeDocument/2006/math" xmlns:a14="http://schemas.microsoft.com/office/drawing/2010/main" showMasterSp="1" showMasterPhAnim="1">
+<p:sld xmlns:a="http://schemas.openxmlformats.org/drawingml/2006/main" xmlns:r="http://schemas.openxmlformats.org/officeDocument/2006/relationships" xmlns:p="http://schemas.openxmlformats.org/presentationml/2006/main">
   <p:cSld>
     <p:spTree>
       <p:nvGrpSpPr>
@@ -4708,7 +4802,9 @@
       <p:sp>
         <p:nvSpPr>
           <p:cNvPr id="170" name="Текст"/>
-          <p:cNvSpPr txBox="1"/>
+          <p:cNvSpPr txBox="1">
+            <a:spLocks noGrp="1"/>
+          </p:cNvSpPr>
           <p:nvPr>
             <p:ph type="body" idx="21"/>
           </p:nvPr>
@@ -4722,7 +4818,6 @@
           <a:bodyPr/>
           <a:lstStyle/>
           <a:p>
-            <a:pPr/>
             <a:r>
               <a:t>Текст</a:t>
             </a:r>
@@ -4732,7 +4827,9 @@
       <p:sp>
         <p:nvSpPr>
           <p:cNvPr id="171" name="Цель"/>
-          <p:cNvSpPr txBox="1"/>
+          <p:cNvSpPr txBox="1">
+            <a:spLocks noGrp="1"/>
+          </p:cNvSpPr>
           <p:nvPr>
             <p:ph type="title"/>
           </p:nvPr>
@@ -4747,7 +4844,9 @@
           </a:prstGeom>
         </p:spPr>
         <p:txBody>
-          <a:bodyPr/>
+          <a:bodyPr>
+            <a:normAutofit fontScale="90000"/>
+          </a:bodyPr>
           <a:lstStyle>
             <a:lvl1pPr defTabSz="330200">
               <a:spcBef>
@@ -4757,7 +4856,6 @@
             </a:lvl1pPr>
           </a:lstStyle>
           <a:p>
-            <a:pPr/>
             <a:r>
               <a:t>Цель</a:t>
             </a:r>
@@ -4767,7 +4865,9 @@
       <p:sp>
         <p:nvSpPr>
           <p:cNvPr id="172" name="Написать и представить игру бильярд для двух пользователей с возможностью выбора режима игры в бильярд: классический, русский."/>
-          <p:cNvSpPr txBox="1"/>
+          <p:cNvSpPr txBox="1">
+            <a:spLocks noGrp="1"/>
+          </p:cNvSpPr>
           <p:nvPr>
             <p:ph type="body" idx="1"/>
           </p:nvPr>
@@ -4793,7 +4893,6 @@
             </a:lvl1pPr>
           </a:lstStyle>
           <a:p>
-            <a:pPr/>
             <a:r>
               <a:t>Написать и представить игру бильярд для двух пользователей с возможностью выбора режима игры в бильярд: классический, русский.</a:t>
             </a:r>
@@ -4834,12 +4933,19 @@
   <p:clrMapOvr>
     <a:masterClrMapping/>
   </p:clrMapOvr>
-  <p:transition xmlns:p14="http://schemas.microsoft.com/office/powerpoint/2010/main" spd="med" advClick="1"/>
+  <p:transition spd="med"/>
+  <p:timing>
+    <p:tnLst>
+      <p:par>
+        <p:cTn id="1" dur="indefinite" restart="never" nodeType="tmRoot"/>
+      </p:par>
+    </p:tnLst>
+  </p:timing>
 </p:sld>
 </file>
 
 <file path=ppt/slides/slide3.xml><?xml version="1.0" encoding="utf-8"?>
-<p:sld xmlns:a="http://schemas.openxmlformats.org/drawingml/2006/main" xmlns:r="http://schemas.openxmlformats.org/officeDocument/2006/relationships" xmlns:p="http://schemas.openxmlformats.org/presentationml/2006/main" xmlns:m="http://schemas.openxmlformats.org/officeDocument/2006/math" xmlns:a14="http://schemas.microsoft.com/office/drawing/2010/main" showMasterSp="1" showMasterPhAnim="1">
+<p:sld xmlns:a="http://schemas.openxmlformats.org/drawingml/2006/main" xmlns:r="http://schemas.openxmlformats.org/officeDocument/2006/relationships" xmlns:p="http://schemas.openxmlformats.org/presentationml/2006/main">
   <p:cSld>
     <p:spTree>
       <p:nvGrpSpPr>
@@ -4858,7 +4964,9 @@
       <p:sp>
         <p:nvSpPr>
           <p:cNvPr id="175" name="Текст"/>
-          <p:cNvSpPr txBox="1"/>
+          <p:cNvSpPr txBox="1">
+            <a:spLocks noGrp="1"/>
+          </p:cNvSpPr>
           <p:nvPr>
             <p:ph type="body" idx="21"/>
           </p:nvPr>
@@ -4872,7 +4980,6 @@
           <a:bodyPr/>
           <a:lstStyle/>
           <a:p>
-            <a:pPr/>
             <a:r>
               <a:t>Текст</a:t>
             </a:r>
@@ -4882,7 +4989,9 @@
       <p:sp>
         <p:nvSpPr>
           <p:cNvPr id="176" name="Задачи"/>
-          <p:cNvSpPr txBox="1"/>
+          <p:cNvSpPr txBox="1">
+            <a:spLocks noGrp="1"/>
+          </p:cNvSpPr>
           <p:nvPr>
             <p:ph type="title"/>
           </p:nvPr>
@@ -4903,7 +5012,6 @@
             </a:lvl1pPr>
           </a:lstStyle>
           <a:p>
-            <a:pPr/>
             <a:r>
               <a:t>Задачи</a:t>
             </a:r>
@@ -4913,7 +5021,9 @@
       <p:sp>
         <p:nvSpPr>
           <p:cNvPr id="177" name="Создать систему создания аккаунта и входа в уже существующий.…"/>
-          <p:cNvSpPr txBox="1"/>
+          <p:cNvSpPr txBox="1">
+            <a:spLocks noGrp="1"/>
+          </p:cNvSpPr>
           <p:nvPr>
             <p:ph type="body" idx="1"/>
           </p:nvPr>
@@ -4937,7 +5047,7 @@
               </a:spcBef>
               <a:buSzPct val="100000"/>
               <a:buFontTx/>
-              <a:buAutoNum type="arabicPeriod" startAt="1"/>
+              <a:buAutoNum type="arabicPeriod"/>
               <a:defRPr sz="2880"/>
             </a:pPr>
             <a:r>
@@ -4952,7 +5062,7 @@
               </a:spcBef>
               <a:buSzPct val="100000"/>
               <a:buFontTx/>
-              <a:buAutoNum type="arabicPeriod" startAt="1"/>
+              <a:buAutoNum type="arabicPeriod"/>
               <a:defRPr sz="2880"/>
             </a:pPr>
             <a:r>
@@ -4967,7 +5077,7 @@
               </a:spcBef>
               <a:buSzPct val="100000"/>
               <a:buFontTx/>
-              <a:buAutoNum type="arabicPeriod" startAt="1"/>
+              <a:buAutoNum type="arabicPeriod"/>
               <a:defRPr sz="2880"/>
             </a:pPr>
             <a:r>
@@ -4982,7 +5092,7 @@
               </a:spcBef>
               <a:buSzPct val="100000"/>
               <a:buFontTx/>
-              <a:buAutoNum type="arabicPeriod" startAt="1"/>
+              <a:buAutoNum type="arabicPeriod"/>
               <a:defRPr sz="2880"/>
             </a:pPr>
             <a:r>
@@ -4997,7 +5107,7 @@
               </a:spcBef>
               <a:buSzPct val="100000"/>
               <a:buFontTx/>
-              <a:buAutoNum type="arabicPeriod" startAt="1"/>
+              <a:buAutoNum type="arabicPeriod"/>
               <a:defRPr sz="2880"/>
             </a:pPr>
             <a:r>
@@ -5012,7 +5122,7 @@
               </a:spcBef>
               <a:buSzPct val="100000"/>
               <a:buFontTx/>
-              <a:buAutoNum type="arabicPeriod" startAt="1"/>
+              <a:buAutoNum type="arabicPeriod"/>
               <a:defRPr sz="2880"/>
             </a:pPr>
             <a:r>
@@ -5027,7 +5137,7 @@
               </a:spcBef>
               <a:buSzPct val="100000"/>
               <a:buFontTx/>
-              <a:buAutoNum type="arabicPeriod" startAt="1"/>
+              <a:buAutoNum type="arabicPeriod"/>
               <a:defRPr sz="2880"/>
             </a:pPr>
             <a:r>
@@ -5042,7 +5152,7 @@
               </a:spcBef>
               <a:buSzPct val="100000"/>
               <a:buFontTx/>
-              <a:buAutoNum type="arabicPeriod" startAt="1"/>
+              <a:buAutoNum type="arabicPeriod"/>
               <a:defRPr sz="2880"/>
             </a:pPr>
             <a:r>
@@ -5057,7 +5167,7 @@
               </a:spcBef>
               <a:buSzPct val="100000"/>
               <a:buFontTx/>
-              <a:buAutoNum type="arabicPeriod" startAt="1"/>
+              <a:buAutoNum type="arabicPeriod"/>
               <a:defRPr sz="2880"/>
             </a:pPr>
             <a:r>
@@ -5072,7 +5182,7 @@
               </a:spcBef>
               <a:buSzPct val="100000"/>
               <a:buFontTx/>
-              <a:buAutoNum type="arabicPeriod" startAt="1"/>
+              <a:buAutoNum type="arabicPeriod"/>
               <a:defRPr sz="2880"/>
             </a:pPr>
             <a:r>
@@ -5087,7 +5197,7 @@
               </a:spcBef>
               <a:buSzPct val="100000"/>
               <a:buFontTx/>
-              <a:buAutoNum type="arabicPeriod" startAt="1"/>
+              <a:buAutoNum type="arabicPeriod"/>
               <a:defRPr sz="2880"/>
             </a:pPr>
             <a:r>
@@ -5102,7 +5212,7 @@
               </a:spcBef>
               <a:buSzPct val="100000"/>
               <a:buFontTx/>
-              <a:buAutoNum type="arabicPeriod" startAt="1"/>
+              <a:buAutoNum type="arabicPeriod"/>
               <a:defRPr sz="2880"/>
             </a:pPr>
             <a:r>
@@ -5116,12 +5226,19 @@
   <p:clrMapOvr>
     <a:masterClrMapping/>
   </p:clrMapOvr>
-  <p:transition xmlns:p14="http://schemas.microsoft.com/office/powerpoint/2010/main" spd="med" advClick="1"/>
+  <p:transition spd="med"/>
+  <p:timing>
+    <p:tnLst>
+      <p:par>
+        <p:cTn id="1" dur="indefinite" restart="never" nodeType="tmRoot"/>
+      </p:par>
+    </p:tnLst>
+  </p:timing>
 </p:sld>
 </file>
 
 <file path=ppt/slides/slide4.xml><?xml version="1.0" encoding="utf-8"?>
-<p:sld xmlns:a="http://schemas.openxmlformats.org/drawingml/2006/main" xmlns:r="http://schemas.openxmlformats.org/officeDocument/2006/relationships" xmlns:p="http://schemas.openxmlformats.org/presentationml/2006/main" xmlns:m="http://schemas.openxmlformats.org/officeDocument/2006/math" xmlns:a14="http://schemas.microsoft.com/office/drawing/2010/main" showMasterSp="1" showMasterPhAnim="1">
+<p:sld xmlns:a="http://schemas.openxmlformats.org/drawingml/2006/main" xmlns:r="http://schemas.openxmlformats.org/officeDocument/2006/relationships" xmlns:p="http://schemas.openxmlformats.org/presentationml/2006/main">
   <p:cSld>
     <p:spTree>
       <p:nvGrpSpPr>
@@ -5140,7 +5257,9 @@
       <p:sp>
         <p:nvSpPr>
           <p:cNvPr id="179" name="Текст"/>
-          <p:cNvSpPr txBox="1"/>
+          <p:cNvSpPr txBox="1">
+            <a:spLocks noGrp="1"/>
+          </p:cNvSpPr>
           <p:nvPr>
             <p:ph type="body" idx="21"/>
           </p:nvPr>
@@ -5154,7 +5273,6 @@
           <a:bodyPr/>
           <a:lstStyle/>
           <a:p>
-            <a:pPr/>
             <a:r>
               <a:t>Текст</a:t>
             </a:r>
@@ -5164,7 +5282,9 @@
       <p:sp>
         <p:nvSpPr>
           <p:cNvPr id="180" name="Этапы описания"/>
-          <p:cNvSpPr txBox="1"/>
+          <p:cNvSpPr txBox="1">
+            <a:spLocks noGrp="1"/>
+          </p:cNvSpPr>
           <p:nvPr>
             <p:ph type="title"/>
           </p:nvPr>
@@ -5185,7 +5305,6 @@
             </a:lvl1pPr>
           </a:lstStyle>
           <a:p>
-            <a:pPr/>
             <a:r>
               <a:t>Этапы описания</a:t>
             </a:r>
@@ -5195,7 +5314,9 @@
       <p:sp>
         <p:nvSpPr>
           <p:cNvPr id="181" name="Вход в систему для игроков…"/>
-          <p:cNvSpPr txBox="1"/>
+          <p:cNvSpPr txBox="1">
+            <a:spLocks noGrp="1"/>
+          </p:cNvSpPr>
           <p:nvPr>
             <p:ph type="body" idx="1"/>
           </p:nvPr>
@@ -5216,7 +5337,7 @@
             <a:pPr marL="881742" indent="-881742">
               <a:buSzPct val="100000"/>
               <a:buFontTx/>
-              <a:buAutoNum type="arabicPeriod" startAt="1"/>
+              <a:buAutoNum type="arabicPeriod"/>
             </a:pPr>
             <a:r>
               <a:t>Вход в систему для игроков</a:t>
@@ -5226,7 +5347,7 @@
             <a:pPr marL="881742" indent="-881742">
               <a:buSzPct val="100000"/>
               <a:buFontTx/>
-              <a:buAutoNum type="arabicPeriod" startAt="1"/>
+              <a:buAutoNum type="arabicPeriod"/>
             </a:pPr>
             <a:r>
               <a:t>Главное игровое меню</a:t>
@@ -5236,7 +5357,7 @@
             <a:pPr marL="881742" indent="-881742">
               <a:buSzPct val="100000"/>
               <a:buFontTx/>
-              <a:buAutoNum type="arabicPeriod" startAt="1"/>
+              <a:buAutoNum type="arabicPeriod"/>
             </a:pPr>
             <a:r>
               <a:t>Игра в бильярд</a:t>
@@ -5278,12 +5399,19 @@
   <p:clrMapOvr>
     <a:masterClrMapping/>
   </p:clrMapOvr>
-  <p:transition xmlns:p14="http://schemas.microsoft.com/office/powerpoint/2010/main" spd="med" advClick="1"/>
+  <p:transition spd="med"/>
+  <p:timing>
+    <p:tnLst>
+      <p:par>
+        <p:cTn id="1" dur="indefinite" restart="never" nodeType="tmRoot"/>
+      </p:par>
+    </p:tnLst>
+  </p:timing>
 </p:sld>
 </file>
 
 <file path=ppt/slides/slide5.xml><?xml version="1.0" encoding="utf-8"?>
-<p:sld xmlns:a="http://schemas.openxmlformats.org/drawingml/2006/main" xmlns:r="http://schemas.openxmlformats.org/officeDocument/2006/relationships" xmlns:p="http://schemas.openxmlformats.org/presentationml/2006/main" xmlns:m="http://schemas.openxmlformats.org/officeDocument/2006/math" xmlns:a14="http://schemas.microsoft.com/office/drawing/2010/main" showMasterSp="1" showMasterPhAnim="1">
+<p:sld xmlns:a="http://schemas.openxmlformats.org/drawingml/2006/main" xmlns:r="http://schemas.openxmlformats.org/officeDocument/2006/relationships" xmlns:p="http://schemas.openxmlformats.org/presentationml/2006/main">
   <p:cSld>
     <p:spTree>
       <p:nvGrpSpPr>
@@ -5302,7 +5430,9 @@
       <p:sp>
         <p:nvSpPr>
           <p:cNvPr id="184" name="Вход в систему для игроков"/>
-          <p:cNvSpPr txBox="1"/>
+          <p:cNvSpPr txBox="1">
+            <a:spLocks noGrp="1"/>
+          </p:cNvSpPr>
           <p:nvPr>
             <p:ph type="title"/>
           </p:nvPr>
@@ -5327,7 +5457,6 @@
             </a:lvl1pPr>
           </a:lstStyle>
           <a:p>
-            <a:pPr/>
             <a:r>
               <a:t>Вход в систему для игроков</a:t>
             </a:r>
@@ -5368,12 +5497,19 @@
   <p:clrMapOvr>
     <a:masterClrMapping/>
   </p:clrMapOvr>
-  <p:transition xmlns:p14="http://schemas.microsoft.com/office/powerpoint/2010/main" spd="med" advClick="1"/>
+  <p:transition spd="med"/>
+  <p:timing>
+    <p:tnLst>
+      <p:par>
+        <p:cTn id="1" dur="indefinite" restart="never" nodeType="tmRoot"/>
+      </p:par>
+    </p:tnLst>
+  </p:timing>
 </p:sld>
 </file>
 
 <file path=ppt/slides/slide6.xml><?xml version="1.0" encoding="utf-8"?>
-<p:sld xmlns:a="http://schemas.openxmlformats.org/drawingml/2006/main" xmlns:r="http://schemas.openxmlformats.org/officeDocument/2006/relationships" xmlns:p="http://schemas.openxmlformats.org/presentationml/2006/main" xmlns:m="http://schemas.openxmlformats.org/officeDocument/2006/math" xmlns:a14="http://schemas.microsoft.com/office/drawing/2010/main" showMasterSp="1" showMasterPhAnim="1">
+<p:sld xmlns:a="http://schemas.openxmlformats.org/drawingml/2006/main" xmlns:r="http://schemas.openxmlformats.org/officeDocument/2006/relationships" xmlns:p="http://schemas.openxmlformats.org/presentationml/2006/main">
   <p:cSld>
     <p:spTree>
       <p:nvGrpSpPr>
@@ -5452,12 +5588,19 @@
   <p:clrMapOvr>
     <a:masterClrMapping/>
   </p:clrMapOvr>
-  <p:transition xmlns:p14="http://schemas.microsoft.com/office/powerpoint/2010/main" spd="med" advClick="1"/>
+  <p:transition spd="med"/>
+  <p:timing>
+    <p:tnLst>
+      <p:par>
+        <p:cTn id="1" dur="indefinite" restart="never" nodeType="tmRoot"/>
+      </p:par>
+    </p:tnLst>
+  </p:timing>
 </p:sld>
 </file>
 
 <file path=ppt/slides/slide7.xml><?xml version="1.0" encoding="utf-8"?>
-<p:sld xmlns:a="http://schemas.openxmlformats.org/drawingml/2006/main" xmlns:r="http://schemas.openxmlformats.org/officeDocument/2006/relationships" xmlns:p="http://schemas.openxmlformats.org/presentationml/2006/main" xmlns:m="http://schemas.openxmlformats.org/officeDocument/2006/math" xmlns:a14="http://schemas.microsoft.com/office/drawing/2010/main" showMasterSp="1" showMasterPhAnim="1">
+<p:sld xmlns:a="http://schemas.openxmlformats.org/drawingml/2006/main" xmlns:r="http://schemas.openxmlformats.org/officeDocument/2006/relationships" xmlns:p="http://schemas.openxmlformats.org/presentationml/2006/main">
   <p:cSld>
     <p:spTree>
       <p:nvGrpSpPr>
@@ -5476,7 +5619,9 @@
       <p:sp>
         <p:nvSpPr>
           <p:cNvPr id="190" name="Главное игровое меню."/>
-          <p:cNvSpPr txBox="1"/>
+          <p:cNvSpPr txBox="1">
+            <a:spLocks noGrp="1"/>
+          </p:cNvSpPr>
           <p:nvPr>
             <p:ph type="title"/>
           </p:nvPr>
@@ -5501,24 +5646,116 @@
             </a:lvl1pPr>
           </a:lstStyle>
           <a:p>
-            <a:pPr/>
             <a:r>
               <a:t>Главное игровое меню.</a:t>
             </a:r>
           </a:p>
         </p:txBody>
       </p:sp>
+      <p:pic>
+        <p:nvPicPr>
+          <p:cNvPr id="2" name="Рисунок 1"/>
+          <p:cNvPicPr>
+            <a:picLocks noChangeAspect="1"/>
+          </p:cNvPicPr>
+          <p:nvPr/>
+        </p:nvPicPr>
+        <p:blipFill>
+          <a:blip r:embed="rId2"/>
+          <a:stretch>
+            <a:fillRect/>
+          </a:stretch>
+        </p:blipFill>
+        <p:spPr>
+          <a:xfrm>
+            <a:off x="4045743" y="3097494"/>
+            <a:ext cx="16292512" cy="8765894"/>
+          </a:xfrm>
+          <a:prstGeom prst="rect">
+            <a:avLst/>
+          </a:prstGeom>
+        </p:spPr>
+      </p:pic>
     </p:spTree>
   </p:cSld>
   <p:clrMapOvr>
     <a:masterClrMapping/>
   </p:clrMapOvr>
-  <p:transition xmlns:p14="http://schemas.microsoft.com/office/powerpoint/2010/main" spd="med" advClick="1"/>
+  <p:transition spd="med"/>
+  <p:timing>
+    <p:tnLst>
+      <p:par>
+        <p:cTn id="1" dur="indefinite" restart="never" nodeType="tmRoot"/>
+      </p:par>
+    </p:tnLst>
+  </p:timing>
 </p:sld>
 </file>
 
 <file path=ppt/slides/slide8.xml><?xml version="1.0" encoding="utf-8"?>
-<p:sld xmlns:a="http://schemas.openxmlformats.org/drawingml/2006/main" xmlns:r="http://schemas.openxmlformats.org/officeDocument/2006/relationships" xmlns:p="http://schemas.openxmlformats.org/presentationml/2006/main" xmlns:m="http://schemas.openxmlformats.org/officeDocument/2006/math" xmlns:a14="http://schemas.microsoft.com/office/drawing/2010/main" showMasterSp="1" showMasterPhAnim="1">
+<p:sld xmlns:a="http://schemas.openxmlformats.org/drawingml/2006/main" xmlns:r="http://schemas.openxmlformats.org/officeDocument/2006/relationships" xmlns:p="http://schemas.openxmlformats.org/presentationml/2006/main">
+  <p:cSld>
+    <p:spTree>
+      <p:nvGrpSpPr>
+        <p:cNvPr id="1" name=""/>
+        <p:cNvGrpSpPr/>
+        <p:nvPr/>
+      </p:nvGrpSpPr>
+      <p:grpSpPr>
+        <a:xfrm>
+          <a:off x="0" y="0"/>
+          <a:ext cx="0" cy="0"/>
+          <a:chOff x="0" y="0"/>
+          <a:chExt cx="0" cy="0"/>
+        </a:xfrm>
+      </p:grpSpPr>
+      <p:pic>
+        <p:nvPicPr>
+          <p:cNvPr id="13" name="Рисунок 12"/>
+          <p:cNvPicPr>
+            <a:picLocks noChangeAspect="1"/>
+          </p:cNvPicPr>
+          <p:nvPr/>
+        </p:nvPicPr>
+        <p:blipFill>
+          <a:blip r:embed="rId2"/>
+          <a:stretch>
+            <a:fillRect/>
+          </a:stretch>
+        </p:blipFill>
+        <p:spPr>
+          <a:xfrm>
+            <a:off x="6572250" y="2116219"/>
+            <a:ext cx="12372975" cy="9737644"/>
+          </a:xfrm>
+          <a:prstGeom prst="rect">
+            <a:avLst/>
+          </a:prstGeom>
+        </p:spPr>
+      </p:pic>
+    </p:spTree>
+    <p:extLst>
+      <p:ext uri="{BB962C8B-B14F-4D97-AF65-F5344CB8AC3E}">
+        <p14:creationId xmlns:p14="http://schemas.microsoft.com/office/powerpoint/2010/main" val="3313772639"/>
+      </p:ext>
+    </p:extLst>
+  </p:cSld>
+  <p:clrMapOvr>
+    <a:masterClrMapping/>
+  </p:clrMapOvr>
+  <p:transition spd="med"/>
+  <p:timing>
+    <p:tnLst>
+      <p:par>
+        <p:cTn id="1" dur="indefinite" restart="never" nodeType="tmRoot"/>
+      </p:par>
+    </p:tnLst>
+  </p:timing>
+</p:sld>
+</file>
+
+<file path=ppt/slides/slide9.xml><?xml version="1.0" encoding="utf-8"?>
+<p:sld xmlns:a="http://schemas.openxmlformats.org/drawingml/2006/main" xmlns:r="http://schemas.openxmlformats.org/officeDocument/2006/relationships" xmlns:p="http://schemas.openxmlformats.org/presentationml/2006/main">
   <p:cSld>
     <p:spTree>
       <p:nvGrpSpPr>
@@ -5537,7 +5774,9 @@
       <p:sp>
         <p:nvSpPr>
           <p:cNvPr id="192" name="Игра в бильярд."/>
-          <p:cNvSpPr txBox="1"/>
+          <p:cNvSpPr txBox="1">
+            <a:spLocks noGrp="1"/>
+          </p:cNvSpPr>
           <p:nvPr>
             <p:ph type="title"/>
           </p:nvPr>
@@ -5562,7 +5801,6 @@
             </a:lvl1pPr>
           </a:lstStyle>
           <a:p>
-            <a:pPr/>
             <a:r>
               <a:t>Игра в бильярд.</a:t>
             </a:r>
@@ -5574,12 +5812,19 @@
   <p:clrMapOvr>
     <a:masterClrMapping/>
   </p:clrMapOvr>
-  <p:transition xmlns:p14="http://schemas.microsoft.com/office/powerpoint/2010/main" spd="med" advClick="1"/>
+  <p:transition spd="med"/>
+  <p:timing>
+    <p:tnLst>
+      <p:par>
+        <p:cTn id="1" dur="indefinite" restart="never" nodeType="tmRoot"/>
+      </p:par>
+    </p:tnLst>
+  </p:timing>
 </p:sld>
 </file>
 
 <file path=ppt/theme/theme1.xml><?xml version="1.0" encoding="utf-8"?>
-<a:theme xmlns:a="http://schemas.openxmlformats.org/drawingml/2006/main" xmlns:r="http://schemas.openxmlformats.org/officeDocument/2006/relationships" name="New_Template7">
+<a:theme xmlns:a="http://schemas.openxmlformats.org/drawingml/2006/main" name="New_Template7">
   <a:themeElements>
     <a:clrScheme name="New_Template7">
       <a:dk1>
@@ -5778,7 +6023,7 @@
         <a:effectLst/>
         <a:sp3d/>
       </a:spPr>
-      <a:bodyPr rot="0" spcFirstLastPara="1" vertOverflow="overflow" horzOverflow="overflow" vert="horz" wrap="square" lIns="50800" tIns="50800" rIns="50800" bIns="50800" numCol="1" spcCol="38100" rtlCol="0" anchor="ctr" upright="0">
+      <a:bodyPr rot="0" spcFirstLastPara="1" vertOverflow="overflow" horzOverflow="overflow" vert="horz" wrap="square" lIns="50800" tIns="50800" rIns="50800" bIns="50800" numCol="1" spcCol="38100" rtlCol="0" anchor="ctr">
         <a:spAutoFit/>
       </a:bodyPr>
       <a:lstStyle>
@@ -5797,7 +6042,7 @@
           <a:buFontTx/>
           <a:buNone/>
           <a:tabLst/>
-          <a:defRPr b="0" baseline="0" cap="all" i="0" spc="0" strike="noStrike" sz="4000" u="none" kumimoji="0" normalizeH="0">
+          <a:defRPr kumimoji="0" sz="4000" b="0" i="0" u="none" strike="noStrike" cap="all" spc="0" normalizeH="0" baseline="0">
             <a:ln>
               <a:noFill/>
             </a:ln>
@@ -5827,7 +6072,7 @@
           <a:buFontTx/>
           <a:buNone/>
           <a:tabLst/>
-          <a:defRPr b="0" baseline="0" cap="none" i="0" spc="0" strike="noStrike" sz="1800" u="none" kumimoji="0" normalizeH="0">
+          <a:defRPr kumimoji="0" sz="1800" b="0" i="0" u="none" strike="noStrike" cap="none" spc="0" normalizeH="0" baseline="0">
             <a:ln>
               <a:noFill/>
             </a:ln>
@@ -5853,7 +6098,7 @@
           <a:buFontTx/>
           <a:buNone/>
           <a:tabLst/>
-          <a:defRPr b="0" baseline="0" cap="none" i="0" spc="0" strike="noStrike" sz="1800" u="none" kumimoji="0" normalizeH="0">
+          <a:defRPr kumimoji="0" sz="1800" b="0" i="0" u="none" strike="noStrike" cap="none" spc="0" normalizeH="0" baseline="0">
             <a:ln>
               <a:noFill/>
             </a:ln>
@@ -5879,7 +6124,7 @@
           <a:buFontTx/>
           <a:buNone/>
           <a:tabLst/>
-          <a:defRPr b="0" baseline="0" cap="none" i="0" spc="0" strike="noStrike" sz="1800" u="none" kumimoji="0" normalizeH="0">
+          <a:defRPr kumimoji="0" sz="1800" b="0" i="0" u="none" strike="noStrike" cap="none" spc="0" normalizeH="0" baseline="0">
             <a:ln>
               <a:noFill/>
             </a:ln>
@@ -5905,7 +6150,7 @@
           <a:buFontTx/>
           <a:buNone/>
           <a:tabLst/>
-          <a:defRPr b="0" baseline="0" cap="none" i="0" spc="0" strike="noStrike" sz="1800" u="none" kumimoji="0" normalizeH="0">
+          <a:defRPr kumimoji="0" sz="1800" b="0" i="0" u="none" strike="noStrike" cap="none" spc="0" normalizeH="0" baseline="0">
             <a:ln>
               <a:noFill/>
             </a:ln>
@@ -5931,7 +6176,7 @@
           <a:buFontTx/>
           <a:buNone/>
           <a:tabLst/>
-          <a:defRPr b="0" baseline="0" cap="none" i="0" spc="0" strike="noStrike" sz="1800" u="none" kumimoji="0" normalizeH="0">
+          <a:defRPr kumimoji="0" sz="1800" b="0" i="0" u="none" strike="noStrike" cap="none" spc="0" normalizeH="0" baseline="0">
             <a:ln>
               <a:noFill/>
             </a:ln>
@@ -5957,7 +6202,7 @@
           <a:buFontTx/>
           <a:buNone/>
           <a:tabLst/>
-          <a:defRPr b="0" baseline="0" cap="none" i="0" spc="0" strike="noStrike" sz="1800" u="none" kumimoji="0" normalizeH="0">
+          <a:defRPr kumimoji="0" sz="1800" b="0" i="0" u="none" strike="noStrike" cap="none" spc="0" normalizeH="0" baseline="0">
             <a:ln>
               <a:noFill/>
             </a:ln>
@@ -5983,7 +6228,7 @@
           <a:buFontTx/>
           <a:buNone/>
           <a:tabLst/>
-          <a:defRPr b="0" baseline="0" cap="none" i="0" spc="0" strike="noStrike" sz="1800" u="none" kumimoji="0" normalizeH="0">
+          <a:defRPr kumimoji="0" sz="1800" b="0" i="0" u="none" strike="noStrike" cap="none" spc="0" normalizeH="0" baseline="0">
             <a:ln>
               <a:noFill/>
             </a:ln>
@@ -6009,7 +6254,7 @@
           <a:buFontTx/>
           <a:buNone/>
           <a:tabLst/>
-          <a:defRPr b="0" baseline="0" cap="none" i="0" spc="0" strike="noStrike" sz="1800" u="none" kumimoji="0" normalizeH="0">
+          <a:defRPr kumimoji="0" sz="1800" b="0" i="0" u="none" strike="noStrike" cap="none" spc="0" normalizeH="0" baseline="0">
             <a:ln>
               <a:noFill/>
             </a:ln>
@@ -6035,7 +6280,7 @@
           <a:buFontTx/>
           <a:buNone/>
           <a:tabLst/>
-          <a:defRPr b="0" baseline="0" cap="none" i="0" spc="0" strike="noStrike" sz="1800" u="none" kumimoji="0" normalizeH="0">
+          <a:defRPr kumimoji="0" sz="1800" b="0" i="0" u="none" strike="noStrike" cap="none" spc="0" normalizeH="0" baseline="0">
             <a:ln>
               <a:noFill/>
             </a:ln>
@@ -6048,9 +6293,15 @@
         </a:lvl9pPr>
       </a:lstStyle>
       <a:style>
-        <a:lnRef idx="0"/>
-        <a:fillRef idx="0"/>
-        <a:effectRef idx="0"/>
+        <a:lnRef idx="0">
+          <a:scrgbClr r="0" g="0" b="0"/>
+        </a:lnRef>
+        <a:fillRef idx="0">
+          <a:scrgbClr r="0" g="0" b="0"/>
+        </a:fillRef>
+        <a:effectRef idx="0">
+          <a:scrgbClr r="0" g="0" b="0"/>
+        </a:effectRef>
         <a:fontRef idx="none"/>
       </a:style>
     </a:spDef>
@@ -6067,7 +6318,7 @@
         <a:effectLst/>
         <a:sp3d/>
       </a:spPr>
-      <a:bodyPr rot="0" spcFirstLastPara="1" vertOverflow="overflow" horzOverflow="overflow" vert="horz" wrap="square" lIns="91439" tIns="45719" rIns="91439" bIns="45719" numCol="1" spcCol="38100" rtlCol="0" anchor="t" upright="0">
+      <a:bodyPr rot="0" spcFirstLastPara="1" vertOverflow="overflow" horzOverflow="overflow" vert="horz" wrap="square" lIns="91439" tIns="45719" rIns="91439" bIns="45719" numCol="1" spcCol="38100" rtlCol="0" anchor="t">
         <a:noAutofit/>
       </a:bodyPr>
       <a:lstStyle>
@@ -6086,7 +6337,7 @@
           <a:buFontTx/>
           <a:buNone/>
           <a:tabLst/>
-          <a:defRPr b="0" baseline="0" cap="none" i="0" spc="0" strike="noStrike" sz="1800" u="none" kumimoji="0" normalizeH="0">
+          <a:defRPr kumimoji="0" sz="1800" b="0" i="0" u="none" strike="noStrike" cap="none" spc="0" normalizeH="0" baseline="0">
             <a:ln>
               <a:noFill/>
             </a:ln>
@@ -6112,7 +6363,7 @@
           <a:buFontTx/>
           <a:buNone/>
           <a:tabLst/>
-          <a:defRPr b="0" baseline="0" cap="none" i="0" spc="0" strike="noStrike" sz="1800" u="none" kumimoji="0" normalizeH="0">
+          <a:defRPr kumimoji="0" sz="1800" b="0" i="0" u="none" strike="noStrike" cap="none" spc="0" normalizeH="0" baseline="0">
             <a:ln>
               <a:noFill/>
             </a:ln>
@@ -6138,7 +6389,7 @@
           <a:buFontTx/>
           <a:buNone/>
           <a:tabLst/>
-          <a:defRPr b="0" baseline="0" cap="none" i="0" spc="0" strike="noStrike" sz="1800" u="none" kumimoji="0" normalizeH="0">
+          <a:defRPr kumimoji="0" sz="1800" b="0" i="0" u="none" strike="noStrike" cap="none" spc="0" normalizeH="0" baseline="0">
             <a:ln>
               <a:noFill/>
             </a:ln>
@@ -6164,7 +6415,7 @@
           <a:buFontTx/>
           <a:buNone/>
           <a:tabLst/>
-          <a:defRPr b="0" baseline="0" cap="none" i="0" spc="0" strike="noStrike" sz="1800" u="none" kumimoji="0" normalizeH="0">
+          <a:defRPr kumimoji="0" sz="1800" b="0" i="0" u="none" strike="noStrike" cap="none" spc="0" normalizeH="0" baseline="0">
             <a:ln>
               <a:noFill/>
             </a:ln>
@@ -6190,7 +6441,7 @@
           <a:buFontTx/>
           <a:buNone/>
           <a:tabLst/>
-          <a:defRPr b="0" baseline="0" cap="none" i="0" spc="0" strike="noStrike" sz="1800" u="none" kumimoji="0" normalizeH="0">
+          <a:defRPr kumimoji="0" sz="1800" b="0" i="0" u="none" strike="noStrike" cap="none" spc="0" normalizeH="0" baseline="0">
             <a:ln>
               <a:noFill/>
             </a:ln>
@@ -6216,7 +6467,7 @@
           <a:buFontTx/>
           <a:buNone/>
           <a:tabLst/>
-          <a:defRPr b="0" baseline="0" cap="none" i="0" spc="0" strike="noStrike" sz="1800" u="none" kumimoji="0" normalizeH="0">
+          <a:defRPr kumimoji="0" sz="1800" b="0" i="0" u="none" strike="noStrike" cap="none" spc="0" normalizeH="0" baseline="0">
             <a:ln>
               <a:noFill/>
             </a:ln>
@@ -6242,7 +6493,7 @@
           <a:buFontTx/>
           <a:buNone/>
           <a:tabLst/>
-          <a:defRPr b="0" baseline="0" cap="none" i="0" spc="0" strike="noStrike" sz="1800" u="none" kumimoji="0" normalizeH="0">
+          <a:defRPr kumimoji="0" sz="1800" b="0" i="0" u="none" strike="noStrike" cap="none" spc="0" normalizeH="0" baseline="0">
             <a:ln>
               <a:noFill/>
             </a:ln>
@@ -6268,7 +6519,7 @@
           <a:buFontTx/>
           <a:buNone/>
           <a:tabLst/>
-          <a:defRPr b="0" baseline="0" cap="none" i="0" spc="0" strike="noStrike" sz="1800" u="none" kumimoji="0" normalizeH="0">
+          <a:defRPr kumimoji="0" sz="1800" b="0" i="0" u="none" strike="noStrike" cap="none" spc="0" normalizeH="0" baseline="0">
             <a:ln>
               <a:noFill/>
             </a:ln>
@@ -6294,7 +6545,7 @@
           <a:buFontTx/>
           <a:buNone/>
           <a:tabLst/>
-          <a:defRPr b="0" baseline="0" cap="none" i="0" spc="0" strike="noStrike" sz="1800" u="none" kumimoji="0" normalizeH="0">
+          <a:defRPr kumimoji="0" sz="1800" b="0" i="0" u="none" strike="noStrike" cap="none" spc="0" normalizeH="0" baseline="0">
             <a:ln>
               <a:noFill/>
             </a:ln>
@@ -6320,7 +6571,7 @@
           <a:buFontTx/>
           <a:buNone/>
           <a:tabLst/>
-          <a:defRPr b="0" baseline="0" cap="none" i="0" spc="0" strike="noStrike" sz="1800" u="none" kumimoji="0" normalizeH="0">
+          <a:defRPr kumimoji="0" sz="1800" b="0" i="0" u="none" strike="noStrike" cap="none" spc="0" normalizeH="0" baseline="0">
             <a:ln>
               <a:noFill/>
             </a:ln>
@@ -6333,9 +6584,15 @@
         </a:lvl9pPr>
       </a:lstStyle>
       <a:style>
-        <a:lnRef idx="0"/>
-        <a:fillRef idx="0"/>
-        <a:effectRef idx="0"/>
+        <a:lnRef idx="0">
+          <a:scrgbClr r="0" g="0" b="0"/>
+        </a:lnRef>
+        <a:fillRef idx="0">
+          <a:scrgbClr r="0" g="0" b="0"/>
+        </a:fillRef>
+        <a:effectRef idx="0">
+          <a:scrgbClr r="0" g="0" b="0"/>
+        </a:effectRef>
         <a:fontRef idx="none"/>
       </a:style>
     </a:lnDef>
@@ -6349,7 +6606,7 @@
         <a:effectLst/>
         <a:sp3d/>
       </a:spPr>
-      <a:bodyPr rot="0" spcFirstLastPara="1" vertOverflow="overflow" horzOverflow="overflow" vert="horz" wrap="square" lIns="50800" tIns="50800" rIns="50800" bIns="50800" numCol="1" spcCol="38100" rtlCol="0" anchor="ctr" upright="0">
+      <a:bodyPr rot="0" spcFirstLastPara="1" vertOverflow="overflow" horzOverflow="overflow" vert="horz" wrap="square" lIns="50800" tIns="50800" rIns="50800" bIns="50800" numCol="1" spcCol="38100" rtlCol="0" anchor="ctr">
         <a:spAutoFit/>
       </a:bodyPr>
       <a:lstStyle>
@@ -6368,7 +6625,7 @@
           <a:buFontTx/>
           <a:buNone/>
           <a:tabLst/>
-          <a:defRPr b="0" baseline="0" cap="none" i="0" spc="0" strike="noStrike" sz="3000" u="none" kumimoji="0" normalizeH="0">
+          <a:defRPr kumimoji="0" sz="3000" b="0" i="0" u="none" strike="noStrike" cap="none" spc="0" normalizeH="0" baseline="0">
             <a:ln>
               <a:noFill/>
             </a:ln>
@@ -6398,7 +6655,7 @@
           <a:buFontTx/>
           <a:buNone/>
           <a:tabLst/>
-          <a:defRPr b="0" baseline="0" cap="none" i="0" spc="0" strike="noStrike" sz="1800" u="none" kumimoji="0" normalizeH="0">
+          <a:defRPr kumimoji="0" sz="1800" b="0" i="0" u="none" strike="noStrike" cap="none" spc="0" normalizeH="0" baseline="0">
             <a:ln>
               <a:noFill/>
             </a:ln>
@@ -6424,7 +6681,7 @@
           <a:buFontTx/>
           <a:buNone/>
           <a:tabLst/>
-          <a:defRPr b="0" baseline="0" cap="none" i="0" spc="0" strike="noStrike" sz="1800" u="none" kumimoji="0" normalizeH="0">
+          <a:defRPr kumimoji="0" sz="1800" b="0" i="0" u="none" strike="noStrike" cap="none" spc="0" normalizeH="0" baseline="0">
             <a:ln>
               <a:noFill/>
             </a:ln>
@@ -6450,7 +6707,7 @@
           <a:buFontTx/>
           <a:buNone/>
           <a:tabLst/>
-          <a:defRPr b="0" baseline="0" cap="none" i="0" spc="0" strike="noStrike" sz="1800" u="none" kumimoji="0" normalizeH="0">
+          <a:defRPr kumimoji="0" sz="1800" b="0" i="0" u="none" strike="noStrike" cap="none" spc="0" normalizeH="0" baseline="0">
             <a:ln>
               <a:noFill/>
             </a:ln>
@@ -6476,7 +6733,7 @@
           <a:buFontTx/>
           <a:buNone/>
           <a:tabLst/>
-          <a:defRPr b="0" baseline="0" cap="none" i="0" spc="0" strike="noStrike" sz="1800" u="none" kumimoji="0" normalizeH="0">
+          <a:defRPr kumimoji="0" sz="1800" b="0" i="0" u="none" strike="noStrike" cap="none" spc="0" normalizeH="0" baseline="0">
             <a:ln>
               <a:noFill/>
             </a:ln>
@@ -6502,7 +6759,7 @@
           <a:buFontTx/>
           <a:buNone/>
           <a:tabLst/>
-          <a:defRPr b="0" baseline="0" cap="none" i="0" spc="0" strike="noStrike" sz="1800" u="none" kumimoji="0" normalizeH="0">
+          <a:defRPr kumimoji="0" sz="1800" b="0" i="0" u="none" strike="noStrike" cap="none" spc="0" normalizeH="0" baseline="0">
             <a:ln>
               <a:noFill/>
             </a:ln>
@@ -6528,7 +6785,7 @@
           <a:buFontTx/>
           <a:buNone/>
           <a:tabLst/>
-          <a:defRPr b="0" baseline="0" cap="none" i="0" spc="0" strike="noStrike" sz="1800" u="none" kumimoji="0" normalizeH="0">
+          <a:defRPr kumimoji="0" sz="1800" b="0" i="0" u="none" strike="noStrike" cap="none" spc="0" normalizeH="0" baseline="0">
             <a:ln>
               <a:noFill/>
             </a:ln>
@@ -6554,7 +6811,7 @@
           <a:buFontTx/>
           <a:buNone/>
           <a:tabLst/>
-          <a:defRPr b="0" baseline="0" cap="none" i="0" spc="0" strike="noStrike" sz="1800" u="none" kumimoji="0" normalizeH="0">
+          <a:defRPr kumimoji="0" sz="1800" b="0" i="0" u="none" strike="noStrike" cap="none" spc="0" normalizeH="0" baseline="0">
             <a:ln>
               <a:noFill/>
             </a:ln>
@@ -6580,7 +6837,7 @@
           <a:buFontTx/>
           <a:buNone/>
           <a:tabLst/>
-          <a:defRPr b="0" baseline="0" cap="none" i="0" spc="0" strike="noStrike" sz="1800" u="none" kumimoji="0" normalizeH="0">
+          <a:defRPr kumimoji="0" sz="1800" b="0" i="0" u="none" strike="noStrike" cap="none" spc="0" normalizeH="0" baseline="0">
             <a:ln>
               <a:noFill/>
             </a:ln>
@@ -6606,7 +6863,7 @@
           <a:buFontTx/>
           <a:buNone/>
           <a:tabLst/>
-          <a:defRPr b="0" baseline="0" cap="none" i="0" spc="0" strike="noStrike" sz="1800" u="none" kumimoji="0" normalizeH="0">
+          <a:defRPr kumimoji="0" sz="1800" b="0" i="0" u="none" strike="noStrike" cap="none" spc="0" normalizeH="0" baseline="0">
             <a:ln>
               <a:noFill/>
             </a:ln>
@@ -6619,18 +6876,25 @@
         </a:lvl9pPr>
       </a:lstStyle>
       <a:style>
-        <a:lnRef idx="0"/>
-        <a:fillRef idx="0"/>
-        <a:effectRef idx="0"/>
+        <a:lnRef idx="0">
+          <a:scrgbClr r="0" g="0" b="0"/>
+        </a:lnRef>
+        <a:fillRef idx="0">
+          <a:scrgbClr r="0" g="0" b="0"/>
+        </a:fillRef>
+        <a:effectRef idx="0">
+          <a:scrgbClr r="0" g="0" b="0"/>
+        </a:effectRef>
         <a:fontRef idx="none"/>
       </a:style>
     </a:txDef>
   </a:objectDefaults>
+  <a:extraClrSchemeLst/>
 </a:theme>
 </file>
 
 <file path=ppt/theme/theme2.xml><?xml version="1.0" encoding="utf-8"?>
-<a:theme xmlns:a="http://schemas.openxmlformats.org/drawingml/2006/main" xmlns:r="http://schemas.openxmlformats.org/officeDocument/2006/relationships" name="New_Template7">
+<a:theme xmlns:a="http://schemas.openxmlformats.org/drawingml/2006/main" name="New_Template7">
   <a:themeElements>
     <a:clrScheme name="New_Template7">
       <a:dk1>
@@ -6829,7 +7093,7 @@
         <a:effectLst/>
         <a:sp3d/>
       </a:spPr>
-      <a:bodyPr rot="0" spcFirstLastPara="1" vertOverflow="overflow" horzOverflow="overflow" vert="horz" wrap="square" lIns="50800" tIns="50800" rIns="50800" bIns="50800" numCol="1" spcCol="38100" rtlCol="0" anchor="ctr" upright="0">
+      <a:bodyPr rot="0" spcFirstLastPara="1" vertOverflow="overflow" horzOverflow="overflow" vert="horz" wrap="square" lIns="50800" tIns="50800" rIns="50800" bIns="50800" numCol="1" spcCol="38100" rtlCol="0" anchor="ctr">
         <a:spAutoFit/>
       </a:bodyPr>
       <a:lstStyle>
@@ -6848,7 +7112,7 @@
           <a:buFontTx/>
           <a:buNone/>
           <a:tabLst/>
-          <a:defRPr b="0" baseline="0" cap="all" i="0" spc="0" strike="noStrike" sz="4000" u="none" kumimoji="0" normalizeH="0">
+          <a:defRPr kumimoji="0" sz="4000" b="0" i="0" u="none" strike="noStrike" cap="all" spc="0" normalizeH="0" baseline="0">
             <a:ln>
               <a:noFill/>
             </a:ln>
@@ -6878,7 +7142,7 @@
           <a:buFontTx/>
           <a:buNone/>
           <a:tabLst/>
-          <a:defRPr b="0" baseline="0" cap="none" i="0" spc="0" strike="noStrike" sz="1800" u="none" kumimoji="0" normalizeH="0">
+          <a:defRPr kumimoji="0" sz="1800" b="0" i="0" u="none" strike="noStrike" cap="none" spc="0" normalizeH="0" baseline="0">
             <a:ln>
               <a:noFill/>
             </a:ln>
@@ -6904,7 +7168,7 @@
           <a:buFontTx/>
           <a:buNone/>
           <a:tabLst/>
-          <a:defRPr b="0" baseline="0" cap="none" i="0" spc="0" strike="noStrike" sz="1800" u="none" kumimoji="0" normalizeH="0">
+          <a:defRPr kumimoji="0" sz="1800" b="0" i="0" u="none" strike="noStrike" cap="none" spc="0" normalizeH="0" baseline="0">
             <a:ln>
               <a:noFill/>
             </a:ln>
@@ -6930,7 +7194,7 @@
           <a:buFontTx/>
           <a:buNone/>
           <a:tabLst/>
-          <a:defRPr b="0" baseline="0" cap="none" i="0" spc="0" strike="noStrike" sz="1800" u="none" kumimoji="0" normalizeH="0">
+          <a:defRPr kumimoji="0" sz="1800" b="0" i="0" u="none" strike="noStrike" cap="none" spc="0" normalizeH="0" baseline="0">
             <a:ln>
               <a:noFill/>
             </a:ln>
@@ -6956,7 +7220,7 @@
           <a:buFontTx/>
           <a:buNone/>
           <a:tabLst/>
-          <a:defRPr b="0" baseline="0" cap="none" i="0" spc="0" strike="noStrike" sz="1800" u="none" kumimoji="0" normalizeH="0">
+          <a:defRPr kumimoji="0" sz="1800" b="0" i="0" u="none" strike="noStrike" cap="none" spc="0" normalizeH="0" baseline="0">
             <a:ln>
               <a:noFill/>
             </a:ln>
@@ -6982,7 +7246,7 @@
           <a:buFontTx/>
           <a:buNone/>
           <a:tabLst/>
-          <a:defRPr b="0" baseline="0" cap="none" i="0" spc="0" strike="noStrike" sz="1800" u="none" kumimoji="0" normalizeH="0">
+          <a:defRPr kumimoji="0" sz="1800" b="0" i="0" u="none" strike="noStrike" cap="none" spc="0" normalizeH="0" baseline="0">
             <a:ln>
               <a:noFill/>
             </a:ln>
@@ -7008,7 +7272,7 @@
           <a:buFontTx/>
           <a:buNone/>
           <a:tabLst/>
-          <a:defRPr b="0" baseline="0" cap="none" i="0" spc="0" strike="noStrike" sz="1800" u="none" kumimoji="0" normalizeH="0">
+          <a:defRPr kumimoji="0" sz="1800" b="0" i="0" u="none" strike="noStrike" cap="none" spc="0" normalizeH="0" baseline="0">
             <a:ln>
               <a:noFill/>
             </a:ln>
@@ -7034,7 +7298,7 @@
           <a:buFontTx/>
           <a:buNone/>
           <a:tabLst/>
-          <a:defRPr b="0" baseline="0" cap="none" i="0" spc="0" strike="noStrike" sz="1800" u="none" kumimoji="0" normalizeH="0">
+          <a:defRPr kumimoji="0" sz="1800" b="0" i="0" u="none" strike="noStrike" cap="none" spc="0" normalizeH="0" baseline="0">
             <a:ln>
               <a:noFill/>
             </a:ln>
@@ -7060,7 +7324,7 @@
           <a:buFontTx/>
           <a:buNone/>
           <a:tabLst/>
-          <a:defRPr b="0" baseline="0" cap="none" i="0" spc="0" strike="noStrike" sz="1800" u="none" kumimoji="0" normalizeH="0">
+          <a:defRPr kumimoji="0" sz="1800" b="0" i="0" u="none" strike="noStrike" cap="none" spc="0" normalizeH="0" baseline="0">
             <a:ln>
               <a:noFill/>
             </a:ln>
@@ -7086,7 +7350,7 @@
           <a:buFontTx/>
           <a:buNone/>
           <a:tabLst/>
-          <a:defRPr b="0" baseline="0" cap="none" i="0" spc="0" strike="noStrike" sz="1800" u="none" kumimoji="0" normalizeH="0">
+          <a:defRPr kumimoji="0" sz="1800" b="0" i="0" u="none" strike="noStrike" cap="none" spc="0" normalizeH="0" baseline="0">
             <a:ln>
               <a:noFill/>
             </a:ln>
@@ -7099,9 +7363,15 @@
         </a:lvl9pPr>
       </a:lstStyle>
       <a:style>
-        <a:lnRef idx="0"/>
-        <a:fillRef idx="0"/>
-        <a:effectRef idx="0"/>
+        <a:lnRef idx="0">
+          <a:scrgbClr r="0" g="0" b="0"/>
+        </a:lnRef>
+        <a:fillRef idx="0">
+          <a:scrgbClr r="0" g="0" b="0"/>
+        </a:fillRef>
+        <a:effectRef idx="0">
+          <a:scrgbClr r="0" g="0" b="0"/>
+        </a:effectRef>
         <a:fontRef idx="none"/>
       </a:style>
     </a:spDef>
@@ -7118,7 +7388,7 @@
         <a:effectLst/>
         <a:sp3d/>
       </a:spPr>
-      <a:bodyPr rot="0" spcFirstLastPara="1" vertOverflow="overflow" horzOverflow="overflow" vert="horz" wrap="square" lIns="91439" tIns="45719" rIns="91439" bIns="45719" numCol="1" spcCol="38100" rtlCol="0" anchor="t" upright="0">
+      <a:bodyPr rot="0" spcFirstLastPara="1" vertOverflow="overflow" horzOverflow="overflow" vert="horz" wrap="square" lIns="91439" tIns="45719" rIns="91439" bIns="45719" numCol="1" spcCol="38100" rtlCol="0" anchor="t">
         <a:noAutofit/>
       </a:bodyPr>
       <a:lstStyle>
@@ -7137,7 +7407,7 @@
           <a:buFontTx/>
           <a:buNone/>
           <a:tabLst/>
-          <a:defRPr b="0" baseline="0" cap="none" i="0" spc="0" strike="noStrike" sz="1800" u="none" kumimoji="0" normalizeH="0">
+          <a:defRPr kumimoji="0" sz="1800" b="0" i="0" u="none" strike="noStrike" cap="none" spc="0" normalizeH="0" baseline="0">
             <a:ln>
               <a:noFill/>
             </a:ln>
@@ -7163,7 +7433,7 @@
           <a:buFontTx/>
           <a:buNone/>
           <a:tabLst/>
-          <a:defRPr b="0" baseline="0" cap="none" i="0" spc="0" strike="noStrike" sz="1800" u="none" kumimoji="0" normalizeH="0">
+          <a:defRPr kumimoji="0" sz="1800" b="0" i="0" u="none" strike="noStrike" cap="none" spc="0" normalizeH="0" baseline="0">
             <a:ln>
               <a:noFill/>
             </a:ln>
@@ -7189,7 +7459,7 @@
           <a:buFontTx/>
           <a:buNone/>
           <a:tabLst/>
-          <a:defRPr b="0" baseline="0" cap="none" i="0" spc="0" strike="noStrike" sz="1800" u="none" kumimoji="0" normalizeH="0">
+          <a:defRPr kumimoji="0" sz="1800" b="0" i="0" u="none" strike="noStrike" cap="none" spc="0" normalizeH="0" baseline="0">
             <a:ln>
               <a:noFill/>
             </a:ln>
@@ -7215,7 +7485,7 @@
           <a:buFontTx/>
           <a:buNone/>
           <a:tabLst/>
-          <a:defRPr b="0" baseline="0" cap="none" i="0" spc="0" strike="noStrike" sz="1800" u="none" kumimoji="0" normalizeH="0">
+          <a:defRPr kumimoji="0" sz="1800" b="0" i="0" u="none" strike="noStrike" cap="none" spc="0" normalizeH="0" baseline="0">
             <a:ln>
               <a:noFill/>
             </a:ln>
@@ -7241,7 +7511,7 @@
           <a:buFontTx/>
           <a:buNone/>
           <a:tabLst/>
-          <a:defRPr b="0" baseline="0" cap="none" i="0" spc="0" strike="noStrike" sz="1800" u="none" kumimoji="0" normalizeH="0">
+          <a:defRPr kumimoji="0" sz="1800" b="0" i="0" u="none" strike="noStrike" cap="none" spc="0" normalizeH="0" baseline="0">
             <a:ln>
               <a:noFill/>
             </a:ln>
@@ -7267,7 +7537,7 @@
           <a:buFontTx/>
           <a:buNone/>
           <a:tabLst/>
-          <a:defRPr b="0" baseline="0" cap="none" i="0" spc="0" strike="noStrike" sz="1800" u="none" kumimoji="0" normalizeH="0">
+          <a:defRPr kumimoji="0" sz="1800" b="0" i="0" u="none" strike="noStrike" cap="none" spc="0" normalizeH="0" baseline="0">
             <a:ln>
               <a:noFill/>
             </a:ln>
@@ -7293,7 +7563,7 @@
           <a:buFontTx/>
           <a:buNone/>
           <a:tabLst/>
-          <a:defRPr b="0" baseline="0" cap="none" i="0" spc="0" strike="noStrike" sz="1800" u="none" kumimoji="0" normalizeH="0">
+          <a:defRPr kumimoji="0" sz="1800" b="0" i="0" u="none" strike="noStrike" cap="none" spc="0" normalizeH="0" baseline="0">
             <a:ln>
               <a:noFill/>
             </a:ln>
@@ -7319,7 +7589,7 @@
           <a:buFontTx/>
           <a:buNone/>
           <a:tabLst/>
-          <a:defRPr b="0" baseline="0" cap="none" i="0" spc="0" strike="noStrike" sz="1800" u="none" kumimoji="0" normalizeH="0">
+          <a:defRPr kumimoji="0" sz="1800" b="0" i="0" u="none" strike="noStrike" cap="none" spc="0" normalizeH="0" baseline="0">
             <a:ln>
               <a:noFill/>
             </a:ln>
@@ -7345,7 +7615,7 @@
           <a:buFontTx/>
           <a:buNone/>
           <a:tabLst/>
-          <a:defRPr b="0" baseline="0" cap="none" i="0" spc="0" strike="noStrike" sz="1800" u="none" kumimoji="0" normalizeH="0">
+          <a:defRPr kumimoji="0" sz="1800" b="0" i="0" u="none" strike="noStrike" cap="none" spc="0" normalizeH="0" baseline="0">
             <a:ln>
               <a:noFill/>
             </a:ln>
@@ -7371,7 +7641,7 @@
           <a:buFontTx/>
           <a:buNone/>
           <a:tabLst/>
-          <a:defRPr b="0" baseline="0" cap="none" i="0" spc="0" strike="noStrike" sz="1800" u="none" kumimoji="0" normalizeH="0">
+          <a:defRPr kumimoji="0" sz="1800" b="0" i="0" u="none" strike="noStrike" cap="none" spc="0" normalizeH="0" baseline="0">
             <a:ln>
               <a:noFill/>
             </a:ln>
@@ -7384,9 +7654,15 @@
         </a:lvl9pPr>
       </a:lstStyle>
       <a:style>
-        <a:lnRef idx="0"/>
-        <a:fillRef idx="0"/>
-        <a:effectRef idx="0"/>
+        <a:lnRef idx="0">
+          <a:scrgbClr r="0" g="0" b="0"/>
+        </a:lnRef>
+        <a:fillRef idx="0">
+          <a:scrgbClr r="0" g="0" b="0"/>
+        </a:fillRef>
+        <a:effectRef idx="0">
+          <a:scrgbClr r="0" g="0" b="0"/>
+        </a:effectRef>
         <a:fontRef idx="none"/>
       </a:style>
     </a:lnDef>
@@ -7400,7 +7676,7 @@
         <a:effectLst/>
         <a:sp3d/>
       </a:spPr>
-      <a:bodyPr rot="0" spcFirstLastPara="1" vertOverflow="overflow" horzOverflow="overflow" vert="horz" wrap="square" lIns="50800" tIns="50800" rIns="50800" bIns="50800" numCol="1" spcCol="38100" rtlCol="0" anchor="ctr" upright="0">
+      <a:bodyPr rot="0" spcFirstLastPara="1" vertOverflow="overflow" horzOverflow="overflow" vert="horz" wrap="square" lIns="50800" tIns="50800" rIns="50800" bIns="50800" numCol="1" spcCol="38100" rtlCol="0" anchor="ctr">
         <a:spAutoFit/>
       </a:bodyPr>
       <a:lstStyle>
@@ -7419,7 +7695,7 @@
           <a:buFontTx/>
           <a:buNone/>
           <a:tabLst/>
-          <a:defRPr b="0" baseline="0" cap="none" i="0" spc="0" strike="noStrike" sz="3000" u="none" kumimoji="0" normalizeH="0">
+          <a:defRPr kumimoji="0" sz="3000" b="0" i="0" u="none" strike="noStrike" cap="none" spc="0" normalizeH="0" baseline="0">
             <a:ln>
               <a:noFill/>
             </a:ln>
@@ -7449,7 +7725,7 @@
           <a:buFontTx/>
           <a:buNone/>
           <a:tabLst/>
-          <a:defRPr b="0" baseline="0" cap="none" i="0" spc="0" strike="noStrike" sz="1800" u="none" kumimoji="0" normalizeH="0">
+          <a:defRPr kumimoji="0" sz="1800" b="0" i="0" u="none" strike="noStrike" cap="none" spc="0" normalizeH="0" baseline="0">
             <a:ln>
               <a:noFill/>
             </a:ln>
@@ -7475,7 +7751,7 @@
           <a:buFontTx/>
           <a:buNone/>
           <a:tabLst/>
-          <a:defRPr b="0" baseline="0" cap="none" i="0" spc="0" strike="noStrike" sz="1800" u="none" kumimoji="0" normalizeH="0">
+          <a:defRPr kumimoji="0" sz="1800" b="0" i="0" u="none" strike="noStrike" cap="none" spc="0" normalizeH="0" baseline="0">
             <a:ln>
               <a:noFill/>
             </a:ln>
@@ -7501,7 +7777,7 @@
           <a:buFontTx/>
           <a:buNone/>
           <a:tabLst/>
-          <a:defRPr b="0" baseline="0" cap="none" i="0" spc="0" strike="noStrike" sz="1800" u="none" kumimoji="0" normalizeH="0">
+          <a:defRPr kumimoji="0" sz="1800" b="0" i="0" u="none" strike="noStrike" cap="none" spc="0" normalizeH="0" baseline="0">
             <a:ln>
               <a:noFill/>
             </a:ln>
@@ -7527,7 +7803,7 @@
           <a:buFontTx/>
           <a:buNone/>
           <a:tabLst/>
-          <a:defRPr b="0" baseline="0" cap="none" i="0" spc="0" strike="noStrike" sz="1800" u="none" kumimoji="0" normalizeH="0">
+          <a:defRPr kumimoji="0" sz="1800" b="0" i="0" u="none" strike="noStrike" cap="none" spc="0" normalizeH="0" baseline="0">
             <a:ln>
               <a:noFill/>
             </a:ln>
@@ -7553,7 +7829,7 @@
           <a:buFontTx/>
           <a:buNone/>
           <a:tabLst/>
-          <a:defRPr b="0" baseline="0" cap="none" i="0" spc="0" strike="noStrike" sz="1800" u="none" kumimoji="0" normalizeH="0">
+          <a:defRPr kumimoji="0" sz="1800" b="0" i="0" u="none" strike="noStrike" cap="none" spc="0" normalizeH="0" baseline="0">
             <a:ln>
               <a:noFill/>
             </a:ln>
@@ -7579,7 +7855,7 @@
           <a:buFontTx/>
           <a:buNone/>
           <a:tabLst/>
-          <a:defRPr b="0" baseline="0" cap="none" i="0" spc="0" strike="noStrike" sz="1800" u="none" kumimoji="0" normalizeH="0">
+          <a:defRPr kumimoji="0" sz="1800" b="0" i="0" u="none" strike="noStrike" cap="none" spc="0" normalizeH="0" baseline="0">
             <a:ln>
               <a:noFill/>
             </a:ln>
@@ -7605,7 +7881,7 @@
           <a:buFontTx/>
           <a:buNone/>
           <a:tabLst/>
-          <a:defRPr b="0" baseline="0" cap="none" i="0" spc="0" strike="noStrike" sz="1800" u="none" kumimoji="0" normalizeH="0">
+          <a:defRPr kumimoji="0" sz="1800" b="0" i="0" u="none" strike="noStrike" cap="none" spc="0" normalizeH="0" baseline="0">
             <a:ln>
               <a:noFill/>
             </a:ln>
@@ -7631,7 +7907,7 @@
           <a:buFontTx/>
           <a:buNone/>
           <a:tabLst/>
-          <a:defRPr b="0" baseline="0" cap="none" i="0" spc="0" strike="noStrike" sz="1800" u="none" kumimoji="0" normalizeH="0">
+          <a:defRPr kumimoji="0" sz="1800" b="0" i="0" u="none" strike="noStrike" cap="none" spc="0" normalizeH="0" baseline="0">
             <a:ln>
               <a:noFill/>
             </a:ln>
@@ -7657,7 +7933,7 @@
           <a:buFontTx/>
           <a:buNone/>
           <a:tabLst/>
-          <a:defRPr b="0" baseline="0" cap="none" i="0" spc="0" strike="noStrike" sz="1800" u="none" kumimoji="0" normalizeH="0">
+          <a:defRPr kumimoji="0" sz="1800" b="0" i="0" u="none" strike="noStrike" cap="none" spc="0" normalizeH="0" baseline="0">
             <a:ln>
               <a:noFill/>
             </a:ln>
@@ -7670,12 +7946,19 @@
         </a:lvl9pPr>
       </a:lstStyle>
       <a:style>
-        <a:lnRef idx="0"/>
-        <a:fillRef idx="0"/>
-        <a:effectRef idx="0"/>
+        <a:lnRef idx="0">
+          <a:scrgbClr r="0" g="0" b="0"/>
+        </a:lnRef>
+        <a:fillRef idx="0">
+          <a:scrgbClr r="0" g="0" b="0"/>
+        </a:fillRef>
+        <a:effectRef idx="0">
+          <a:scrgbClr r="0" g="0" b="0"/>
+        </a:effectRef>
         <a:fontRef idx="none"/>
       </a:style>
     </a:txDef>
   </a:objectDefaults>
+  <a:extraClrSchemeLst/>
 </a:theme>
 </file>
--- a/Презентация биллиард.pptx
+++ b/Презентация биллиард.pptx
@@ -1,22 +1,23 @@
 
 <file path=ppt/presentation.xml><?xml version="1.0" encoding="utf-8"?>
-<p:presentation xmlns:a="http://schemas.openxmlformats.org/drawingml/2006/main" xmlns:r="http://schemas.openxmlformats.org/officeDocument/2006/relationships" xmlns:p="http://schemas.openxmlformats.org/presentationml/2006/main">
+<p:presentation xmlns:a="http://schemas.openxmlformats.org/drawingml/2006/main" xmlns:r="http://schemas.openxmlformats.org/officeDocument/2006/relationships" xmlns:p="http://schemas.openxmlformats.org/presentationml/2006/main" xmlns:m="http://schemas.openxmlformats.org/officeDocument/2006/math" xmlns:a14="http://schemas.microsoft.com/office/drawing/2010/main">
   <p:sldMasterIdLst>
-    <p:sldMasterId id="2147483648" r:id="rId1"/>
+    <p:sldMasterId id="2147483648" r:id="rId5"/>
   </p:sldMasterIdLst>
   <p:notesMasterIdLst>
-    <p:notesMasterId r:id="rId11"/>
+    <p:notesMasterId r:id="rId7"/>
   </p:notesMasterIdLst>
   <p:sldIdLst>
-    <p:sldId id="256" r:id="rId2"/>
-    <p:sldId id="257" r:id="rId3"/>
-    <p:sldId id="258" r:id="rId4"/>
-    <p:sldId id="259" r:id="rId5"/>
-    <p:sldId id="260" r:id="rId6"/>
-    <p:sldId id="261" r:id="rId7"/>
-    <p:sldId id="262" r:id="rId8"/>
-    <p:sldId id="264" r:id="rId9"/>
-    <p:sldId id="263" r:id="rId10"/>
+    <p:sldId id="256" r:id="rId8"/>
+    <p:sldId id="257" r:id="rId9"/>
+    <p:sldId id="258" r:id="rId10"/>
+    <p:sldId id="259" r:id="rId11"/>
+    <p:sldId id="260" r:id="rId12"/>
+    <p:sldId id="261" r:id="rId13"/>
+    <p:sldId id="262" r:id="rId14"/>
+    <p:sldId id="263" r:id="rId15"/>
+    <p:sldId id="264" r:id="rId16"/>
+    <p:sldId id="265" r:id="rId17"/>
   </p:sldIdLst>
   <p:sldSz cx="24384000" cy="13716000"/>
   <p:notesSz cx="6858000" cy="9144000"/>
@@ -36,7 +37,7 @@
       <a:buFontTx/>
       <a:buNone/>
       <a:tabLst/>
-      <a:defRPr kumimoji="0" sz="1800" b="0" i="0" u="none" strike="noStrike" cap="none" spc="0" normalizeH="0" baseline="0">
+      <a:defRPr b="0" baseline="0" cap="none" i="0" spc="0" strike="noStrike" sz="1800" u="none" kumimoji="0" normalizeH="0">
         <a:ln>
           <a:noFill/>
         </a:ln>
@@ -62,19 +63,19 @@
       <a:buFontTx/>
       <a:buNone/>
       <a:tabLst/>
-      <a:defRPr kumimoji="0" sz="3000" b="0" i="0" u="none" strike="noStrike" cap="none" spc="0" normalizeH="0" baseline="0">
+      <a:defRPr b="0" baseline="0" cap="none" i="0" spc="0" strike="noStrike" sz="3000" u="none" kumimoji="0" normalizeH="0">
         <a:ln>
           <a:noFill/>
         </a:ln>
         <a:solidFill>
-          <a:srgbClr val="838787"/>
+          <a:srgbClr val="222222"/>
         </a:solidFill>
         <a:effectLst/>
         <a:uFillTx/>
-        <a:latin typeface="Avenir Next Medium"/>
-        <a:ea typeface="Avenir Next Medium"/>
-        <a:cs typeface="Avenir Next Medium"/>
-        <a:sym typeface="Avenir Next Medium"/>
+        <a:latin typeface="DIN Condensed Bold"/>
+        <a:ea typeface="DIN Condensed Bold"/>
+        <a:cs typeface="DIN Condensed Bold"/>
+        <a:sym typeface="DIN Condensed Bold"/>
       </a:defRPr>
     </a:lvl1pPr>
     <a:lvl2pPr marL="0" marR="0" indent="0" algn="l" defTabSz="825500" rtl="0" fontAlgn="auto" latinLnBrk="0" hangingPunct="0">
@@ -92,19 +93,19 @@
       <a:buFontTx/>
       <a:buNone/>
       <a:tabLst/>
-      <a:defRPr kumimoji="0" sz="3000" b="0" i="0" u="none" strike="noStrike" cap="none" spc="0" normalizeH="0" baseline="0">
+      <a:defRPr b="0" baseline="0" cap="none" i="0" spc="0" strike="noStrike" sz="3000" u="none" kumimoji="0" normalizeH="0">
         <a:ln>
           <a:noFill/>
         </a:ln>
         <a:solidFill>
-          <a:srgbClr val="838787"/>
+          <a:srgbClr val="222222"/>
         </a:solidFill>
         <a:effectLst/>
         <a:uFillTx/>
-        <a:latin typeface="Avenir Next Medium"/>
-        <a:ea typeface="Avenir Next Medium"/>
-        <a:cs typeface="Avenir Next Medium"/>
-        <a:sym typeface="Avenir Next Medium"/>
+        <a:latin typeface="DIN Condensed Bold"/>
+        <a:ea typeface="DIN Condensed Bold"/>
+        <a:cs typeface="DIN Condensed Bold"/>
+        <a:sym typeface="DIN Condensed Bold"/>
       </a:defRPr>
     </a:lvl2pPr>
     <a:lvl3pPr marL="0" marR="0" indent="0" algn="l" defTabSz="825500" rtl="0" fontAlgn="auto" latinLnBrk="0" hangingPunct="0">
@@ -122,19 +123,19 @@
       <a:buFontTx/>
       <a:buNone/>
       <a:tabLst/>
-      <a:defRPr kumimoji="0" sz="3000" b="0" i="0" u="none" strike="noStrike" cap="none" spc="0" normalizeH="0" baseline="0">
+      <a:defRPr b="0" baseline="0" cap="none" i="0" spc="0" strike="noStrike" sz="3000" u="none" kumimoji="0" normalizeH="0">
         <a:ln>
           <a:noFill/>
         </a:ln>
         <a:solidFill>
-          <a:srgbClr val="838787"/>
+          <a:srgbClr val="222222"/>
         </a:solidFill>
         <a:effectLst/>
         <a:uFillTx/>
-        <a:latin typeface="Avenir Next Medium"/>
-        <a:ea typeface="Avenir Next Medium"/>
-        <a:cs typeface="Avenir Next Medium"/>
-        <a:sym typeface="Avenir Next Medium"/>
+        <a:latin typeface="DIN Condensed Bold"/>
+        <a:ea typeface="DIN Condensed Bold"/>
+        <a:cs typeface="DIN Condensed Bold"/>
+        <a:sym typeface="DIN Condensed Bold"/>
       </a:defRPr>
     </a:lvl3pPr>
     <a:lvl4pPr marL="0" marR="0" indent="0" algn="l" defTabSz="825500" rtl="0" fontAlgn="auto" latinLnBrk="0" hangingPunct="0">
@@ -152,19 +153,19 @@
       <a:buFontTx/>
       <a:buNone/>
       <a:tabLst/>
-      <a:defRPr kumimoji="0" sz="3000" b="0" i="0" u="none" strike="noStrike" cap="none" spc="0" normalizeH="0" baseline="0">
+      <a:defRPr b="0" baseline="0" cap="none" i="0" spc="0" strike="noStrike" sz="3000" u="none" kumimoji="0" normalizeH="0">
         <a:ln>
           <a:noFill/>
         </a:ln>
         <a:solidFill>
-          <a:srgbClr val="838787"/>
+          <a:srgbClr val="222222"/>
         </a:solidFill>
         <a:effectLst/>
         <a:uFillTx/>
-        <a:latin typeface="Avenir Next Medium"/>
-        <a:ea typeface="Avenir Next Medium"/>
-        <a:cs typeface="Avenir Next Medium"/>
-        <a:sym typeface="Avenir Next Medium"/>
+        <a:latin typeface="DIN Condensed Bold"/>
+        <a:ea typeface="DIN Condensed Bold"/>
+        <a:cs typeface="DIN Condensed Bold"/>
+        <a:sym typeface="DIN Condensed Bold"/>
       </a:defRPr>
     </a:lvl4pPr>
     <a:lvl5pPr marL="0" marR="0" indent="0" algn="l" defTabSz="825500" rtl="0" fontAlgn="auto" latinLnBrk="0" hangingPunct="0">
@@ -182,19 +183,19 @@
       <a:buFontTx/>
       <a:buNone/>
       <a:tabLst/>
-      <a:defRPr kumimoji="0" sz="3000" b="0" i="0" u="none" strike="noStrike" cap="none" spc="0" normalizeH="0" baseline="0">
+      <a:defRPr b="0" baseline="0" cap="none" i="0" spc="0" strike="noStrike" sz="3000" u="none" kumimoji="0" normalizeH="0">
         <a:ln>
           <a:noFill/>
         </a:ln>
         <a:solidFill>
-          <a:srgbClr val="838787"/>
+          <a:srgbClr val="222222"/>
         </a:solidFill>
         <a:effectLst/>
         <a:uFillTx/>
-        <a:latin typeface="Avenir Next Medium"/>
-        <a:ea typeface="Avenir Next Medium"/>
-        <a:cs typeface="Avenir Next Medium"/>
-        <a:sym typeface="Avenir Next Medium"/>
+        <a:latin typeface="DIN Condensed Bold"/>
+        <a:ea typeface="DIN Condensed Bold"/>
+        <a:cs typeface="DIN Condensed Bold"/>
+        <a:sym typeface="DIN Condensed Bold"/>
       </a:defRPr>
     </a:lvl5pPr>
     <a:lvl6pPr marL="0" marR="0" indent="0" algn="l" defTabSz="825500" rtl="0" fontAlgn="auto" latinLnBrk="0" hangingPunct="0">
@@ -212,19 +213,19 @@
       <a:buFontTx/>
       <a:buNone/>
       <a:tabLst/>
-      <a:defRPr kumimoji="0" sz="3000" b="0" i="0" u="none" strike="noStrike" cap="none" spc="0" normalizeH="0" baseline="0">
+      <a:defRPr b="0" baseline="0" cap="none" i="0" spc="0" strike="noStrike" sz="3000" u="none" kumimoji="0" normalizeH="0">
         <a:ln>
           <a:noFill/>
         </a:ln>
         <a:solidFill>
-          <a:srgbClr val="838787"/>
+          <a:srgbClr val="222222"/>
         </a:solidFill>
         <a:effectLst/>
         <a:uFillTx/>
-        <a:latin typeface="Avenir Next Medium"/>
-        <a:ea typeface="Avenir Next Medium"/>
-        <a:cs typeface="Avenir Next Medium"/>
-        <a:sym typeface="Avenir Next Medium"/>
+        <a:latin typeface="DIN Condensed Bold"/>
+        <a:ea typeface="DIN Condensed Bold"/>
+        <a:cs typeface="DIN Condensed Bold"/>
+        <a:sym typeface="DIN Condensed Bold"/>
       </a:defRPr>
     </a:lvl6pPr>
     <a:lvl7pPr marL="0" marR="0" indent="0" algn="l" defTabSz="825500" rtl="0" fontAlgn="auto" latinLnBrk="0" hangingPunct="0">
@@ -242,19 +243,19 @@
       <a:buFontTx/>
       <a:buNone/>
       <a:tabLst/>
-      <a:defRPr kumimoji="0" sz="3000" b="0" i="0" u="none" strike="noStrike" cap="none" spc="0" normalizeH="0" baseline="0">
+      <a:defRPr b="0" baseline="0" cap="none" i="0" spc="0" strike="noStrike" sz="3000" u="none" kumimoji="0" normalizeH="0">
         <a:ln>
           <a:noFill/>
         </a:ln>
         <a:solidFill>
-          <a:srgbClr val="838787"/>
+          <a:srgbClr val="222222"/>
         </a:solidFill>
         <a:effectLst/>
         <a:uFillTx/>
-        <a:latin typeface="Avenir Next Medium"/>
-        <a:ea typeface="Avenir Next Medium"/>
-        <a:cs typeface="Avenir Next Medium"/>
-        <a:sym typeface="Avenir Next Medium"/>
+        <a:latin typeface="DIN Condensed Bold"/>
+        <a:ea typeface="DIN Condensed Bold"/>
+        <a:cs typeface="DIN Condensed Bold"/>
+        <a:sym typeface="DIN Condensed Bold"/>
       </a:defRPr>
     </a:lvl7pPr>
     <a:lvl8pPr marL="0" marR="0" indent="0" algn="l" defTabSz="825500" rtl="0" fontAlgn="auto" latinLnBrk="0" hangingPunct="0">
@@ -272,19 +273,19 @@
       <a:buFontTx/>
       <a:buNone/>
       <a:tabLst/>
-      <a:defRPr kumimoji="0" sz="3000" b="0" i="0" u="none" strike="noStrike" cap="none" spc="0" normalizeH="0" baseline="0">
+      <a:defRPr b="0" baseline="0" cap="none" i="0" spc="0" strike="noStrike" sz="3000" u="none" kumimoji="0" normalizeH="0">
         <a:ln>
           <a:noFill/>
         </a:ln>
         <a:solidFill>
-          <a:srgbClr val="838787"/>
+          <a:srgbClr val="222222"/>
         </a:solidFill>
         <a:effectLst/>
         <a:uFillTx/>
-        <a:latin typeface="Avenir Next Medium"/>
-        <a:ea typeface="Avenir Next Medium"/>
-        <a:cs typeface="Avenir Next Medium"/>
-        <a:sym typeface="Avenir Next Medium"/>
+        <a:latin typeface="DIN Condensed Bold"/>
+        <a:ea typeface="DIN Condensed Bold"/>
+        <a:cs typeface="DIN Condensed Bold"/>
+        <a:sym typeface="DIN Condensed Bold"/>
       </a:defRPr>
     </a:lvl8pPr>
     <a:lvl9pPr marL="0" marR="0" indent="0" algn="l" defTabSz="825500" rtl="0" fontAlgn="auto" latinLnBrk="0" hangingPunct="0">
@@ -302,33 +303,32 @@
       <a:buFontTx/>
       <a:buNone/>
       <a:tabLst/>
-      <a:defRPr kumimoji="0" sz="3000" b="0" i="0" u="none" strike="noStrike" cap="none" spc="0" normalizeH="0" baseline="0">
+      <a:defRPr b="0" baseline="0" cap="none" i="0" spc="0" strike="noStrike" sz="3000" u="none" kumimoji="0" normalizeH="0">
         <a:ln>
           <a:noFill/>
         </a:ln>
         <a:solidFill>
-          <a:srgbClr val="838787"/>
+          <a:srgbClr val="222222"/>
         </a:solidFill>
         <a:effectLst/>
         <a:uFillTx/>
-        <a:latin typeface="Avenir Next Medium"/>
-        <a:ea typeface="Avenir Next Medium"/>
-        <a:cs typeface="Avenir Next Medium"/>
-        <a:sym typeface="Avenir Next Medium"/>
+        <a:latin typeface="DIN Condensed Bold"/>
+        <a:ea typeface="DIN Condensed Bold"/>
+        <a:cs typeface="DIN Condensed Bold"/>
+        <a:sym typeface="DIN Condensed Bold"/>
       </a:defRPr>
     </a:lvl9pPr>
   </p:defaultTextStyle>
 </p:presentation>
 </file>
 
+<file path=ppt/commentAuthors.xml><?xml version="1.0" encoding="utf-8"?>
+<p:cmAuthorLst xmlns:a="http://schemas.openxmlformats.org/drawingml/2006/main" xmlns:r="http://schemas.openxmlformats.org/officeDocument/2006/relationships" xmlns:p="http://schemas.openxmlformats.org/presentationml/2006/main" xmlns:m="http://schemas.openxmlformats.org/officeDocument/2006/math" xmlns:a14="http://schemas.microsoft.com/office/drawing/2010/main"/>
+</file>
+
 <file path=ppt/notesMasters/notesMaster1.xml><?xml version="1.0" encoding="utf-8"?>
-<p:notesMaster xmlns:a="http://schemas.openxmlformats.org/drawingml/2006/main" xmlns:r="http://schemas.openxmlformats.org/officeDocument/2006/relationships" xmlns:p="http://schemas.openxmlformats.org/presentationml/2006/main">
+<p:notesMaster xmlns:a="http://schemas.openxmlformats.org/drawingml/2006/main" xmlns:r="http://schemas.openxmlformats.org/officeDocument/2006/relationships" xmlns:p="http://schemas.openxmlformats.org/presentationml/2006/main" xmlns:m="http://schemas.openxmlformats.org/officeDocument/2006/math" xmlns:a14="http://schemas.microsoft.com/office/drawing/2010/main">
   <p:cSld>
-    <p:bg>
-      <p:bgRef idx="1001">
-        <a:schemeClr val="bg1"/>
-      </p:bgRef>
-    </p:bg>
     <p:spTree>
       <p:nvGrpSpPr>
         <p:cNvPr id="1" name=""/>
@@ -345,10 +345,8 @@
       </p:grpSpPr>
       <p:sp>
         <p:nvSpPr>
-          <p:cNvPr id="163" name="Shape 163"/>
-          <p:cNvSpPr>
-            <a:spLocks noGrp="1" noRot="1" noChangeAspect="1"/>
-          </p:cNvSpPr>
+          <p:cNvPr id="159" name="Shape 159"/>
+          <p:cNvSpPr/>
           <p:nvPr>
             <p:ph type="sldImg"/>
           </p:nvPr>
@@ -366,16 +364,14 @@
           <a:bodyPr/>
           <a:lstStyle/>
           <a:p>
-            <a:endParaRPr/>
+            <a:pPr/>
           </a:p>
         </p:txBody>
       </p:sp>
       <p:sp>
         <p:nvSpPr>
-          <p:cNvPr id="164" name="Shape 164"/>
-          <p:cNvSpPr>
-            <a:spLocks noGrp="1"/>
-          </p:cNvSpPr>
+          <p:cNvPr id="160" name="Shape 160"/>
+          <p:cNvSpPr/>
           <p:nvPr>
             <p:ph type="body" sz="quarter" idx="1"/>
           </p:nvPr>
@@ -393,7 +389,7 @@
           <a:bodyPr/>
           <a:lstStyle/>
           <a:p>
-            <a:endParaRPr/>
+            <a:pPr/>
           </a:p>
         </p:txBody>
       </p:sp>
@@ -406,9 +402,9 @@
         <a:spcPct val="117999"/>
       </a:lnSpc>
       <a:defRPr sz="2200">
-        <a:latin typeface="Helvetica Neue"/>
-        <a:ea typeface="Helvetica Neue"/>
-        <a:cs typeface="Helvetica Neue"/>
+        <a:latin typeface="+mn-lt"/>
+        <a:ea typeface="+mn-ea"/>
+        <a:cs typeface="+mn-cs"/>
         <a:sym typeface="Helvetica Neue"/>
       </a:defRPr>
     </a:lvl1pPr>
@@ -417,9 +413,9 @@
         <a:spcPct val="117999"/>
       </a:lnSpc>
       <a:defRPr sz="2200">
-        <a:latin typeface="Helvetica Neue"/>
-        <a:ea typeface="Helvetica Neue"/>
-        <a:cs typeface="Helvetica Neue"/>
+        <a:latin typeface="+mn-lt"/>
+        <a:ea typeface="+mn-ea"/>
+        <a:cs typeface="+mn-cs"/>
         <a:sym typeface="Helvetica Neue"/>
       </a:defRPr>
     </a:lvl2pPr>
@@ -428,9 +424,9 @@
         <a:spcPct val="117999"/>
       </a:lnSpc>
       <a:defRPr sz="2200">
-        <a:latin typeface="Helvetica Neue"/>
-        <a:ea typeface="Helvetica Neue"/>
-        <a:cs typeface="Helvetica Neue"/>
+        <a:latin typeface="+mn-lt"/>
+        <a:ea typeface="+mn-ea"/>
+        <a:cs typeface="+mn-cs"/>
         <a:sym typeface="Helvetica Neue"/>
       </a:defRPr>
     </a:lvl3pPr>
@@ -439,9 +435,9 @@
         <a:spcPct val="117999"/>
       </a:lnSpc>
       <a:defRPr sz="2200">
-        <a:latin typeface="Helvetica Neue"/>
-        <a:ea typeface="Helvetica Neue"/>
-        <a:cs typeface="Helvetica Neue"/>
+        <a:latin typeface="+mn-lt"/>
+        <a:ea typeface="+mn-ea"/>
+        <a:cs typeface="+mn-cs"/>
         <a:sym typeface="Helvetica Neue"/>
       </a:defRPr>
     </a:lvl4pPr>
@@ -450,9 +446,9 @@
         <a:spcPct val="117999"/>
       </a:lnSpc>
       <a:defRPr sz="2200">
-        <a:latin typeface="Helvetica Neue"/>
-        <a:ea typeface="Helvetica Neue"/>
-        <a:cs typeface="Helvetica Neue"/>
+        <a:latin typeface="+mn-lt"/>
+        <a:ea typeface="+mn-ea"/>
+        <a:cs typeface="+mn-cs"/>
         <a:sym typeface="Helvetica Neue"/>
       </a:defRPr>
     </a:lvl5pPr>
@@ -461,9 +457,9 @@
         <a:spcPct val="117999"/>
       </a:lnSpc>
       <a:defRPr sz="2200">
-        <a:latin typeface="Helvetica Neue"/>
-        <a:ea typeface="Helvetica Neue"/>
-        <a:cs typeface="Helvetica Neue"/>
+        <a:latin typeface="+mn-lt"/>
+        <a:ea typeface="+mn-ea"/>
+        <a:cs typeface="+mn-cs"/>
         <a:sym typeface="Helvetica Neue"/>
       </a:defRPr>
     </a:lvl6pPr>
@@ -472,9 +468,9 @@
         <a:spcPct val="117999"/>
       </a:lnSpc>
       <a:defRPr sz="2200">
-        <a:latin typeface="Helvetica Neue"/>
-        <a:ea typeface="Helvetica Neue"/>
-        <a:cs typeface="Helvetica Neue"/>
+        <a:latin typeface="+mn-lt"/>
+        <a:ea typeface="+mn-ea"/>
+        <a:cs typeface="+mn-cs"/>
         <a:sym typeface="Helvetica Neue"/>
       </a:defRPr>
     </a:lvl7pPr>
@@ -483,9 +479,9 @@
         <a:spcPct val="117999"/>
       </a:lnSpc>
       <a:defRPr sz="2200">
-        <a:latin typeface="Helvetica Neue"/>
-        <a:ea typeface="Helvetica Neue"/>
-        <a:cs typeface="Helvetica Neue"/>
+        <a:latin typeface="+mn-lt"/>
+        <a:ea typeface="+mn-ea"/>
+        <a:cs typeface="+mn-cs"/>
         <a:sym typeface="Helvetica Neue"/>
       </a:defRPr>
     </a:lvl8pPr>
@@ -494,9 +490,9 @@
         <a:spcPct val="117999"/>
       </a:lnSpc>
       <a:defRPr sz="2200">
-        <a:latin typeface="Helvetica Neue"/>
-        <a:ea typeface="Helvetica Neue"/>
-        <a:cs typeface="Helvetica Neue"/>
+        <a:latin typeface="+mn-lt"/>
+        <a:ea typeface="+mn-ea"/>
+        <a:cs typeface="+mn-cs"/>
         <a:sym typeface="Helvetica Neue"/>
       </a:defRPr>
     </a:lvl9pPr>
@@ -505,16 +501,8 @@
 </file>
 
 <file path=ppt/slideLayouts/slideLayout1.xml><?xml version="1.0" encoding="utf-8"?>
-<p:sldLayout xmlns:a="http://schemas.openxmlformats.org/drawingml/2006/main" xmlns:r="http://schemas.openxmlformats.org/officeDocument/2006/relationships" xmlns:p="http://schemas.openxmlformats.org/presentationml/2006/main" showMasterSp="0" type="title">
+<p:sldLayout xmlns:a="http://schemas.openxmlformats.org/drawingml/2006/main" xmlns:r="http://schemas.openxmlformats.org/officeDocument/2006/relationships" xmlns:p="http://schemas.openxmlformats.org/presentationml/2006/main" xmlns:m="http://schemas.openxmlformats.org/officeDocument/2006/math" xmlns:a14="http://schemas.microsoft.com/office/drawing/2010/main" type="title" showMasterSp="1" showMasterPhAnim="1">
   <p:cSld name="Заголовок и подзаголовок">
-    <p:bg>
-      <p:bgPr>
-        <a:solidFill>
-          <a:srgbClr val="222222"/>
-        </a:solidFill>
-        <a:effectLst/>
-      </p:bgPr>
-    </p:bg>
     <p:spTree>
       <p:nvGrpSpPr>
         <p:cNvPr id="1" name=""/>
@@ -531,257 +519,85 @@
       </p:grpSpPr>
       <p:sp>
         <p:nvSpPr>
-          <p:cNvPr id="12" name="Линия"/>
-          <p:cNvSpPr/>
-          <p:nvPr/>
+          <p:cNvPr id="12" name="Текст заголовка"/>
+          <p:cNvSpPr txBox="1"/>
+          <p:nvPr>
+            <p:ph type="title"/>
+          </p:nvPr>
         </p:nvSpPr>
         <p:spPr>
-          <a:xfrm flipV="1">
-            <a:off x="762000" y="8635632"/>
-            <a:ext cx="22859999" cy="369"/>
-          </a:xfrm>
-          <a:prstGeom prst="line">
-            <a:avLst/>
-          </a:prstGeom>
-          <a:ln w="50800">
-            <a:solidFill>
-              <a:srgbClr val="A6AAA9"/>
-            </a:solidFill>
-            <a:miter lim="400000"/>
-          </a:ln>
+          <a:prstGeom prst="rect">
+            <a:avLst/>
+          </a:prstGeom>
         </p:spPr>
         <p:txBody>
-          <a:bodyPr lIns="50800" tIns="50800" rIns="50800" bIns="50800" anchor="ctr"/>
+          <a:bodyPr/>
           <a:lstStyle/>
           <a:p>
-            <a:pPr defTabSz="457200">
-              <a:spcBef>
-                <a:spcPts val="0"/>
-              </a:spcBef>
-              <a:defRPr sz="1200">
-                <a:solidFill>
-                  <a:srgbClr val="000000"/>
-                </a:solidFill>
-                <a:latin typeface="Helvetica"/>
-                <a:ea typeface="Helvetica"/>
-                <a:cs typeface="Helvetica"/>
-                <a:sym typeface="Helvetica"/>
-              </a:defRPr>
-            </a:pPr>
-            <a:endParaRPr/>
+            <a:pPr/>
+            <a:r>
+              <a:t>Текст заголовка</a:t>
+            </a:r>
           </a:p>
         </p:txBody>
       </p:sp>
       <p:sp>
         <p:nvSpPr>
-          <p:cNvPr id="13" name="Текст заголовка"/>
-          <p:cNvSpPr txBox="1">
-            <a:spLocks noGrp="1"/>
-          </p:cNvSpPr>
+          <p:cNvPr id="13" name="Уровень текста 1…"/>
+          <p:cNvSpPr txBox="1"/>
           <p:nvPr>
-            <p:ph type="title"/>
+            <p:ph type="body" sz="quarter" idx="1"/>
           </p:nvPr>
         </p:nvSpPr>
         <p:spPr>
-          <a:xfrm>
-            <a:off x="762000" y="9042400"/>
-            <a:ext cx="22860000" cy="3810000"/>
-          </a:xfrm>
           <a:prstGeom prst="rect">
             <a:avLst/>
           </a:prstGeom>
         </p:spPr>
         <p:txBody>
           <a:bodyPr/>
-          <a:lstStyle>
-            <a:lvl1pPr>
-              <a:spcBef>
-                <a:spcPts val="0"/>
-              </a:spcBef>
-              <a:defRPr sz="30300"/>
-            </a:lvl1pPr>
-          </a:lstStyle>
-          <a:p>
-            <a:r>
-              <a:t>Текст заголовка</a:t>
+          <a:lstStyle/>
+          <a:p>
+            <a:pPr/>
+            <a:r>
+              <a:t>Уровень текста 1</a:t>
+            </a:r>
+          </a:p>
+          <a:p>
+            <a:pPr lvl="1"/>
+            <a:r>
+              <a:t>Уровень текста 2</a:t>
+            </a:r>
+          </a:p>
+          <a:p>
+            <a:pPr lvl="2"/>
+            <a:r>
+              <a:t>Уровень текста 3</a:t>
+            </a:r>
+          </a:p>
+          <a:p>
+            <a:pPr lvl="3"/>
+            <a:r>
+              <a:t>Уровень текста 4</a:t>
+            </a:r>
+          </a:p>
+          <a:p>
+            <a:pPr lvl="4"/>
+            <a:r>
+              <a:t>Уровень текста 5</a:t>
             </a:r>
           </a:p>
         </p:txBody>
       </p:sp>
       <p:sp>
         <p:nvSpPr>
-          <p:cNvPr id="14" name="Уровень текста 1…"/>
-          <p:cNvSpPr txBox="1">
-            <a:spLocks noGrp="1"/>
-          </p:cNvSpPr>
-          <p:nvPr>
-            <p:ph type="body" sz="quarter" idx="1"/>
-          </p:nvPr>
-        </p:nvSpPr>
-        <p:spPr>
-          <a:xfrm>
-            <a:off x="762000" y="5994400"/>
-            <a:ext cx="22860000" cy="2540000"/>
-          </a:xfrm>
-          <a:prstGeom prst="rect">
-            <a:avLst/>
-          </a:prstGeom>
-        </p:spPr>
-        <p:txBody>
-          <a:bodyPr anchor="b"/>
-          <a:lstStyle>
-            <a:lvl1pPr marL="0" indent="0">
-              <a:lnSpc>
-                <a:spcPct val="80000"/>
-              </a:lnSpc>
-              <a:spcBef>
-                <a:spcPts val="3200"/>
-              </a:spcBef>
-              <a:buClrTx/>
-              <a:buSzTx/>
-              <a:buFontTx/>
-              <a:buNone/>
-              <a:defRPr sz="7700" cap="all">
-                <a:solidFill>
-                  <a:srgbClr val="A6AAA9"/>
-                </a:solidFill>
-                <a:latin typeface="DIN Alternate Bold"/>
-                <a:ea typeface="DIN Alternate Bold"/>
-                <a:cs typeface="DIN Alternate Bold"/>
-                <a:sym typeface="DIN Alternate Bold"/>
-              </a:defRPr>
-            </a:lvl1pPr>
-            <a:lvl2pPr marL="0" indent="0">
-              <a:lnSpc>
-                <a:spcPct val="80000"/>
-              </a:lnSpc>
-              <a:spcBef>
-                <a:spcPts val="3200"/>
-              </a:spcBef>
-              <a:buClrTx/>
-              <a:buSzTx/>
-              <a:buFontTx/>
-              <a:buNone/>
-              <a:defRPr sz="7700" cap="all">
-                <a:solidFill>
-                  <a:srgbClr val="A6AAA9"/>
-                </a:solidFill>
-                <a:latin typeface="DIN Alternate Bold"/>
-                <a:ea typeface="DIN Alternate Bold"/>
-                <a:cs typeface="DIN Alternate Bold"/>
-                <a:sym typeface="DIN Alternate Bold"/>
-              </a:defRPr>
-            </a:lvl2pPr>
-            <a:lvl3pPr marL="0" indent="0">
-              <a:lnSpc>
-                <a:spcPct val="80000"/>
-              </a:lnSpc>
-              <a:spcBef>
-                <a:spcPts val="3200"/>
-              </a:spcBef>
-              <a:buClrTx/>
-              <a:buSzTx/>
-              <a:buFontTx/>
-              <a:buNone/>
-              <a:defRPr sz="7700" cap="all">
-                <a:solidFill>
-                  <a:srgbClr val="A6AAA9"/>
-                </a:solidFill>
-                <a:latin typeface="DIN Alternate Bold"/>
-                <a:ea typeface="DIN Alternate Bold"/>
-                <a:cs typeface="DIN Alternate Bold"/>
-                <a:sym typeface="DIN Alternate Bold"/>
-              </a:defRPr>
-            </a:lvl3pPr>
-            <a:lvl4pPr marL="0" indent="0">
-              <a:lnSpc>
-                <a:spcPct val="80000"/>
-              </a:lnSpc>
-              <a:spcBef>
-                <a:spcPts val="3200"/>
-              </a:spcBef>
-              <a:buClrTx/>
-              <a:buSzTx/>
-              <a:buFontTx/>
-              <a:buNone/>
-              <a:defRPr sz="7700" cap="all">
-                <a:solidFill>
-                  <a:srgbClr val="A6AAA9"/>
-                </a:solidFill>
-                <a:latin typeface="DIN Alternate Bold"/>
-                <a:ea typeface="DIN Alternate Bold"/>
-                <a:cs typeface="DIN Alternate Bold"/>
-                <a:sym typeface="DIN Alternate Bold"/>
-              </a:defRPr>
-            </a:lvl4pPr>
-            <a:lvl5pPr marL="0" indent="0">
-              <a:lnSpc>
-                <a:spcPct val="80000"/>
-              </a:lnSpc>
-              <a:spcBef>
-                <a:spcPts val="3200"/>
-              </a:spcBef>
-              <a:buClrTx/>
-              <a:buSzTx/>
-              <a:buFontTx/>
-              <a:buNone/>
-              <a:defRPr sz="7700" cap="all">
-                <a:solidFill>
-                  <a:srgbClr val="A6AAA9"/>
-                </a:solidFill>
-                <a:latin typeface="DIN Alternate Bold"/>
-                <a:ea typeface="DIN Alternate Bold"/>
-                <a:cs typeface="DIN Alternate Bold"/>
-                <a:sym typeface="DIN Alternate Bold"/>
-              </a:defRPr>
-            </a:lvl5pPr>
-          </a:lstStyle>
-          <a:p>
-            <a:r>
-              <a:t>Уровень текста 1</a:t>
-            </a:r>
-          </a:p>
-          <a:p>
-            <a:pPr lvl="1"/>
-            <a:r>
-              <a:t>Уровень текста 2</a:t>
-            </a:r>
-          </a:p>
-          <a:p>
-            <a:pPr lvl="2"/>
-            <a:r>
-              <a:t>Уровень текста 3</a:t>
-            </a:r>
-          </a:p>
-          <a:p>
-            <a:pPr lvl="3"/>
-            <a:r>
-              <a:t>Уровень текста 4</a:t>
-            </a:r>
-          </a:p>
-          <a:p>
-            <a:pPr lvl="4"/>
-            <a:r>
-              <a:t>Уровень текста 5</a:t>
-            </a:r>
-          </a:p>
-        </p:txBody>
-      </p:sp>
-      <p:sp>
-        <p:nvSpPr>
-          <p:cNvPr id="15" name="Номер слайда"/>
-          <p:cNvSpPr txBox="1">
-            <a:spLocks noGrp="1"/>
-          </p:cNvSpPr>
+          <p:cNvPr id="14" name="Номер слайда"/>
+          <p:cNvSpPr txBox="1"/>
           <p:nvPr>
             <p:ph type="sldNum" sz="quarter" idx="2"/>
           </p:nvPr>
         </p:nvSpPr>
         <p:spPr>
-          <a:xfrm>
-            <a:off x="23063200" y="609600"/>
-            <a:ext cx="553195" cy="635000"/>
-          </a:xfrm>
           <a:prstGeom prst="rect">
             <a:avLst/>
           </a:prstGeom>
@@ -790,10 +606,8 @@
           <a:bodyPr/>
           <a:lstStyle/>
           <a:p>
-            <a:fld id="{86CB4B4D-7CA3-9044-876B-883B54F8677D}" type="slidenum">
-              <a:t>‹#›</a:t>
-            </a:fld>
-            <a:endParaRPr/>
+            <a:pPr/>
+            <a:fld id="{86CB4B4D-7CA3-9044-876B-883B54F8677D}" type="slidenum"/>
           </a:p>
         </p:txBody>
       </p:sp>
@@ -802,21 +616,13 @@
   <p:clrMapOvr>
     <a:masterClrMapping/>
   </p:clrMapOvr>
-  <p:transition spd="med"/>
+  <p:transition xmlns:p14="http://schemas.microsoft.com/office/powerpoint/2010/main" spd="med" advClick="1"/>
 </p:sldLayout>
 </file>
 
 <file path=ppt/slideLayouts/slideLayout10.xml><?xml version="1.0" encoding="utf-8"?>
-<p:sldLayout xmlns:a="http://schemas.openxmlformats.org/drawingml/2006/main" xmlns:r="http://schemas.openxmlformats.org/officeDocument/2006/relationships" xmlns:p="http://schemas.openxmlformats.org/presentationml/2006/main" type="tx">
+<p:sldLayout xmlns:a="http://schemas.openxmlformats.org/drawingml/2006/main" xmlns:r="http://schemas.openxmlformats.org/officeDocument/2006/relationships" xmlns:p="http://schemas.openxmlformats.org/presentationml/2006/main" xmlns:m="http://schemas.openxmlformats.org/officeDocument/2006/math" xmlns:a14="http://schemas.microsoft.com/office/drawing/2010/main" type="tx" showMasterSp="0" showMasterPhAnim="1">
   <p:cSld name="Пункты">
-    <p:bg>
-      <p:bgPr>
-        <a:solidFill>
-          <a:srgbClr val="222222"/>
-        </a:solidFill>
-        <a:effectLst/>
-      </p:bgPr>
-    </p:bg>
     <p:spTree>
       <p:nvGrpSpPr>
         <p:cNvPr id="1" name=""/>
@@ -833,12 +639,45 @@
       </p:grpSpPr>
       <p:sp>
         <p:nvSpPr>
-          <p:cNvPr id="102" name="Текст"/>
-          <p:cNvSpPr txBox="1">
-            <a:spLocks noGrp="1"/>
-          </p:cNvSpPr>
+          <p:cNvPr id="103" name="Линия"/>
+          <p:cNvSpPr/>
+          <p:nvPr/>
+        </p:nvSpPr>
+        <p:spPr>
+          <a:xfrm flipV="1">
+            <a:off x="761999" y="1396631"/>
+            <a:ext cx="22860000" cy="370"/>
+          </a:xfrm>
+          <a:prstGeom prst="line">
+            <a:avLst/>
+          </a:prstGeom>
+          <a:ln w="25400">
+            <a:solidFill>
+              <a:srgbClr val="A6AAA9"/>
+            </a:solidFill>
+            <a:miter lim="400000"/>
+          </a:ln>
+        </p:spPr>
+        <p:txBody>
+          <a:bodyPr lIns="45718" tIns="45718" rIns="45718" bIns="45718"/>
+          <a:lstStyle/>
+          <a:p>
+            <a:pPr>
+              <a:defRPr>
+                <a:solidFill>
+                  <a:srgbClr val="838787"/>
+                </a:solidFill>
+              </a:defRPr>
+            </a:pPr>
+          </a:p>
+        </p:txBody>
+      </p:sp>
+      <p:sp>
+        <p:nvSpPr>
+          <p:cNvPr id="104" name="Уровень текста 1…"/>
+          <p:cNvSpPr txBox="1"/>
           <p:nvPr>
-            <p:ph type="body" sz="quarter" idx="21"/>
+            <p:ph type="body" sz="quarter" idx="1"/>
           </p:nvPr>
         </p:nvSpPr>
         <p:spPr>
@@ -851,132 +690,159 @@
           </a:prstGeom>
         </p:spPr>
         <p:txBody>
-          <a:bodyPr anchor="b">
-            <a:spAutoFit/>
-          </a:bodyPr>
+          <a:bodyPr/>
           <a:lstStyle>
-            <a:lvl1pPr marL="0" indent="0" defTabSz="647700">
-              <a:lnSpc>
-                <a:spcPct val="80000"/>
-              </a:lnSpc>
+            <a:lvl1pPr defTabSz="647700">
               <a:spcBef>
                 <a:spcPts val="0"/>
               </a:spcBef>
-              <a:buClrTx/>
-              <a:buSzTx/>
-              <a:buFontTx/>
-              <a:buNone/>
-              <a:defRPr sz="3600" cap="all" spc="180">
-                <a:latin typeface="DIN Alternate Bold"/>
-                <a:ea typeface="DIN Alternate Bold"/>
-                <a:cs typeface="DIN Alternate Bold"/>
-                <a:sym typeface="DIN Alternate Bold"/>
+              <a:defRPr spc="180" sz="3600">
+                <a:solidFill>
+                  <a:srgbClr val="838787"/>
+                </a:solidFill>
               </a:defRPr>
             </a:lvl1pPr>
+            <a:lvl2pPr marL="1111250" indent="-476250" defTabSz="647700">
+              <a:spcBef>
+                <a:spcPts val="0"/>
+              </a:spcBef>
+              <a:buSzPct val="104999"/>
+              <a:buChar char="‣"/>
+              <a:defRPr spc="180" sz="3600">
+                <a:solidFill>
+                  <a:srgbClr val="838787"/>
+                </a:solidFill>
+              </a:defRPr>
+            </a:lvl2pPr>
+            <a:lvl3pPr marL="1746250" indent="-476250" defTabSz="647700">
+              <a:spcBef>
+                <a:spcPts val="0"/>
+              </a:spcBef>
+              <a:buSzPct val="104999"/>
+              <a:buChar char="‣"/>
+              <a:defRPr spc="180" sz="3600">
+                <a:solidFill>
+                  <a:srgbClr val="838787"/>
+                </a:solidFill>
+              </a:defRPr>
+            </a:lvl3pPr>
+            <a:lvl4pPr marL="2381250" indent="-476250" defTabSz="647700">
+              <a:spcBef>
+                <a:spcPts val="0"/>
+              </a:spcBef>
+              <a:buSzPct val="104999"/>
+              <a:buChar char="‣"/>
+              <a:defRPr spc="180" sz="3600">
+                <a:solidFill>
+                  <a:srgbClr val="838787"/>
+                </a:solidFill>
+              </a:defRPr>
+            </a:lvl4pPr>
+            <a:lvl5pPr marL="3016250" indent="-476250" defTabSz="647700">
+              <a:spcBef>
+                <a:spcPts val="0"/>
+              </a:spcBef>
+              <a:buSzPct val="104999"/>
+              <a:buChar char="‣"/>
+              <a:defRPr spc="180" sz="3600">
+                <a:solidFill>
+                  <a:srgbClr val="838787"/>
+                </a:solidFill>
+              </a:defRPr>
+            </a:lvl5pPr>
           </a:lstStyle>
           <a:p>
-            <a:r>
-              <a:t>Текст</a:t>
+            <a:pPr/>
+            <a:r>
+              <a:t>Уровень текста 1</a:t>
+            </a:r>
+          </a:p>
+          <a:p>
+            <a:pPr lvl="1"/>
+            <a:r>
+              <a:t>Уровень текста 2</a:t>
+            </a:r>
+          </a:p>
+          <a:p>
+            <a:pPr lvl="2"/>
+            <a:r>
+              <a:t>Уровень текста 3</a:t>
+            </a:r>
+          </a:p>
+          <a:p>
+            <a:pPr lvl="3"/>
+            <a:r>
+              <a:t>Уровень текста 4</a:t>
+            </a:r>
+          </a:p>
+          <a:p>
+            <a:pPr lvl="4"/>
+            <a:r>
+              <a:t>Уровень текста 5</a:t>
             </a:r>
           </a:p>
         </p:txBody>
       </p:sp>
       <p:sp>
         <p:nvSpPr>
-          <p:cNvPr id="103" name="Уровень текста 1…"/>
-          <p:cNvSpPr txBox="1">
-            <a:spLocks noGrp="1"/>
-          </p:cNvSpPr>
+          <p:cNvPr id="105" name="Уровень текста 1…"/>
+          <p:cNvSpPr txBox="1"/>
           <p:nvPr>
-            <p:ph type="body" idx="1"/>
+            <p:ph type="body" idx="21"/>
           </p:nvPr>
         </p:nvSpPr>
         <p:spPr>
+          <a:xfrm>
+            <a:off x="762000" y="3860800"/>
+            <a:ext cx="22860000" cy="8585200"/>
+          </a:xfrm>
           <a:prstGeom prst="rect">
             <a:avLst/>
           </a:prstGeom>
         </p:spPr>
         <p:txBody>
-          <a:bodyPr/>
-          <a:lstStyle>
-            <a:lvl1pPr>
+          <a:bodyPr anchor="t"/>
+          <a:lstStyle/>
+          <a:p>
+            <a:pPr marL="635000" indent="-635000">
+              <a:lnSpc>
+                <a:spcPct val="100000"/>
+              </a:lnSpc>
+              <a:spcBef>
+                <a:spcPts val="3900"/>
+              </a:spcBef>
               <a:buClr>
                 <a:schemeClr val="accent1"/>
               </a:buClr>
               <a:buSzPct val="125000"/>
+              <a:buFont typeface="Avenir Next Regular"/>
               <a:buChar char="▸"/>
-            </a:lvl1pPr>
-            <a:lvl2pPr>
-              <a:buClr>
-                <a:schemeClr val="accent1"/>
-              </a:buClr>
-              <a:buSzPct val="125000"/>
-              <a:buChar char="▸"/>
-            </a:lvl2pPr>
-            <a:lvl3pPr>
-              <a:buClr>
-                <a:schemeClr val="accent1"/>
-              </a:buClr>
-              <a:buSzPct val="125000"/>
-              <a:buChar char="▸"/>
-            </a:lvl3pPr>
-            <a:lvl4pPr>
-              <a:buClr>
-                <a:schemeClr val="accent1"/>
-              </a:buClr>
-              <a:buSzPct val="125000"/>
-              <a:buChar char="▸"/>
-            </a:lvl4pPr>
-            <a:lvl5pPr>
-              <a:buClr>
-                <a:schemeClr val="accent1"/>
-              </a:buClr>
-              <a:buSzPct val="125000"/>
-              <a:buChar char="▸"/>
-            </a:lvl5pPr>
-          </a:lstStyle>
-          <a:p>
-            <a:r>
-              <a:t>Уровень текста 1</a:t>
-            </a:r>
-          </a:p>
-          <a:p>
-            <a:pPr lvl="1"/>
-            <a:r>
-              <a:t>Уровень текста 2</a:t>
-            </a:r>
-          </a:p>
-          <a:p>
-            <a:pPr lvl="2"/>
-            <a:r>
-              <a:t>Уровень текста 3</a:t>
-            </a:r>
-          </a:p>
-          <a:p>
-            <a:pPr lvl="3"/>
-            <a:r>
-              <a:t>Уровень текста 4</a:t>
-            </a:r>
-          </a:p>
-          <a:p>
-            <a:pPr lvl="4"/>
-            <a:r>
-              <a:t>Уровень текста 5</a:t>
-            </a:r>
+              <a:defRPr cap="none" sz="4800">
+                <a:solidFill>
+                  <a:srgbClr val="838787"/>
+                </a:solidFill>
+                <a:latin typeface="Avenir Next Medium"/>
+                <a:ea typeface="Avenir Next Medium"/>
+                <a:cs typeface="Avenir Next Medium"/>
+                <a:sym typeface="Avenir Next Medium"/>
+              </a:defRPr>
+            </a:pPr>
           </a:p>
         </p:txBody>
       </p:sp>
       <p:sp>
         <p:nvSpPr>
-          <p:cNvPr id="104" name="Номер слайда"/>
-          <p:cNvSpPr txBox="1">
-            <a:spLocks noGrp="1"/>
-          </p:cNvSpPr>
+          <p:cNvPr id="106" name="Номер слайда"/>
+          <p:cNvSpPr txBox="1"/>
           <p:nvPr>
             <p:ph type="sldNum" sz="quarter" idx="2"/>
           </p:nvPr>
         </p:nvSpPr>
         <p:spPr>
+          <a:xfrm>
+            <a:off x="23059652" y="609600"/>
+            <a:ext cx="553196" cy="635000"/>
+          </a:xfrm>
           <a:prstGeom prst="rect">
             <a:avLst/>
           </a:prstGeom>
@@ -985,10 +851,8 @@
           <a:bodyPr/>
           <a:lstStyle/>
           <a:p>
-            <a:fld id="{86CB4B4D-7CA3-9044-876B-883B54F8677D}" type="slidenum">
-              <a:t>‹#›</a:t>
-            </a:fld>
-            <a:endParaRPr/>
+            <a:pPr/>
+            <a:fld id="{86CB4B4D-7CA3-9044-876B-883B54F8677D}" type="slidenum"/>
           </a:p>
         </p:txBody>
       </p:sp>
@@ -997,21 +861,13 @@
   <p:clrMapOvr>
     <a:masterClrMapping/>
   </p:clrMapOvr>
-  <p:transition spd="med"/>
+  <p:transition xmlns:p14="http://schemas.microsoft.com/office/powerpoint/2010/main" spd="med" advClick="1"/>
 </p:sldLayout>
 </file>
 
 <file path=ppt/slideLayouts/slideLayout11.xml><?xml version="1.0" encoding="utf-8"?>
-<p:sldLayout xmlns:a="http://schemas.openxmlformats.org/drawingml/2006/main" xmlns:r="http://schemas.openxmlformats.org/officeDocument/2006/relationships" xmlns:p="http://schemas.openxmlformats.org/presentationml/2006/main" showMasterSp="0" type="tx">
+<p:sldLayout xmlns:a="http://schemas.openxmlformats.org/drawingml/2006/main" xmlns:r="http://schemas.openxmlformats.org/officeDocument/2006/relationships" xmlns:p="http://schemas.openxmlformats.org/presentationml/2006/main" xmlns:m="http://schemas.openxmlformats.org/officeDocument/2006/math" xmlns:a14="http://schemas.microsoft.com/office/drawing/2010/main" type="tx" showMasterSp="0" showMasterPhAnim="1">
   <p:cSld name="Фото (3 шт.)">
-    <p:bg>
-      <p:bgPr>
-        <a:solidFill>
-          <a:srgbClr val="222222"/>
-        </a:solidFill>
-        <a:effectLst/>
-      </p:bgPr>
-    </p:bg>
     <p:spTree>
       <p:nvGrpSpPr>
         <p:cNvPr id="1" name=""/>
@@ -1028,10 +884,8 @@
       </p:grpSpPr>
       <p:sp>
         <p:nvSpPr>
-          <p:cNvPr id="111" name="Чёрно-белое фото солнечной батареи"/>
-          <p:cNvSpPr>
-            <a:spLocks noGrp="1"/>
-          </p:cNvSpPr>
+          <p:cNvPr id="113" name="Чёрно-белое фото солнечной батареи"/>
+          <p:cNvSpPr/>
           <p:nvPr>
             <p:ph type="pic" sz="half" idx="21"/>
           </p:nvPr>
@@ -1046,21 +900,19 @@
           </a:prstGeom>
         </p:spPr>
         <p:txBody>
-          <a:bodyPr lIns="91439" tIns="45719" rIns="91439" bIns="45719">
+          <a:bodyPr lIns="91439" tIns="45719" rIns="91439" bIns="45719" anchor="t">
             <a:noAutofit/>
           </a:bodyPr>
           <a:lstStyle/>
           <a:p>
-            <a:endParaRPr/>
+            <a:pPr/>
           </a:p>
         </p:txBody>
       </p:sp>
       <p:sp>
         <p:nvSpPr>
-          <p:cNvPr id="112" name="Чёрно-белое фото воды, переливающейся через водосливные затворы дамбы"/>
-          <p:cNvSpPr>
-            <a:spLocks noGrp="1"/>
-          </p:cNvSpPr>
+          <p:cNvPr id="114" name="Чёрно-белое фото воды, переливающейся через водосливные затворы дамбы"/>
+          <p:cNvSpPr/>
           <p:nvPr>
             <p:ph type="pic" sz="half" idx="22"/>
           </p:nvPr>
@@ -1075,21 +927,19 @@
           </a:prstGeom>
         </p:spPr>
         <p:txBody>
-          <a:bodyPr lIns="91439" tIns="45719" rIns="91439" bIns="45719">
+          <a:bodyPr lIns="91439" tIns="45719" rIns="91439" bIns="45719" anchor="t">
             <a:noAutofit/>
           </a:bodyPr>
           <a:lstStyle/>
           <a:p>
-            <a:endParaRPr/>
+            <a:pPr/>
           </a:p>
         </p:txBody>
       </p:sp>
       <p:sp>
         <p:nvSpPr>
-          <p:cNvPr id="113" name="Чёрно-белое фото ветряных мельниц на фоне облаков"/>
-          <p:cNvSpPr>
-            <a:spLocks noGrp="1"/>
-          </p:cNvSpPr>
+          <p:cNvPr id="115" name="Чёрно-белое фото ветряных мельниц на фоне облаков"/>
+          <p:cNvSpPr/>
           <p:nvPr>
             <p:ph type="pic" idx="23"/>
           </p:nvPr>
@@ -1104,26 +954,28 @@
           </a:prstGeom>
         </p:spPr>
         <p:txBody>
-          <a:bodyPr lIns="91439" tIns="45719" rIns="91439" bIns="45719">
+          <a:bodyPr lIns="91439" tIns="45719" rIns="91439" bIns="45719" anchor="t">
             <a:noAutofit/>
           </a:bodyPr>
           <a:lstStyle/>
           <a:p>
-            <a:endParaRPr/>
+            <a:pPr/>
           </a:p>
         </p:txBody>
       </p:sp>
       <p:sp>
         <p:nvSpPr>
-          <p:cNvPr id="114" name="Номер слайда"/>
-          <p:cNvSpPr txBox="1">
-            <a:spLocks noGrp="1"/>
-          </p:cNvSpPr>
+          <p:cNvPr id="116" name="Номер слайда"/>
+          <p:cNvSpPr txBox="1"/>
           <p:nvPr>
             <p:ph type="sldNum" sz="quarter" idx="2"/>
           </p:nvPr>
         </p:nvSpPr>
         <p:spPr>
+          <a:xfrm>
+            <a:off x="23059652" y="609600"/>
+            <a:ext cx="553196" cy="635000"/>
+          </a:xfrm>
           <a:prstGeom prst="rect">
             <a:avLst/>
           </a:prstGeom>
@@ -1132,10 +984,8 @@
           <a:bodyPr/>
           <a:lstStyle/>
           <a:p>
-            <a:fld id="{86CB4B4D-7CA3-9044-876B-883B54F8677D}" type="slidenum">
-              <a:t>‹#›</a:t>
-            </a:fld>
-            <a:endParaRPr/>
+            <a:pPr/>
+            <a:fld id="{86CB4B4D-7CA3-9044-876B-883B54F8677D}" type="slidenum"/>
           </a:p>
         </p:txBody>
       </p:sp>
@@ -1144,21 +994,13 @@
   <p:clrMapOvr>
     <a:masterClrMapping/>
   </p:clrMapOvr>
-  <p:transition spd="med"/>
+  <p:transition xmlns:p14="http://schemas.microsoft.com/office/powerpoint/2010/main" spd="med" advClick="1"/>
 </p:sldLayout>
 </file>
 
 <file path=ppt/slideLayouts/slideLayout12.xml><?xml version="1.0" encoding="utf-8"?>
-<p:sldLayout xmlns:a="http://schemas.openxmlformats.org/drawingml/2006/main" xmlns:r="http://schemas.openxmlformats.org/officeDocument/2006/relationships" xmlns:p="http://schemas.openxmlformats.org/presentationml/2006/main" type="tx">
+<p:sldLayout xmlns:a="http://schemas.openxmlformats.org/drawingml/2006/main" xmlns:r="http://schemas.openxmlformats.org/officeDocument/2006/relationships" xmlns:p="http://schemas.openxmlformats.org/presentationml/2006/main" xmlns:m="http://schemas.openxmlformats.org/officeDocument/2006/math" xmlns:a14="http://schemas.microsoft.com/office/drawing/2010/main" type="tx" showMasterSp="0" showMasterPhAnim="1">
   <p:cSld name="Цитата">
-    <p:bg>
-      <p:bgPr>
-        <a:solidFill>
-          <a:srgbClr val="222222"/>
-        </a:solidFill>
-        <a:effectLst/>
-      </p:bgPr>
-    </p:bg>
     <p:spTree>
       <p:nvGrpSpPr>
         <p:cNvPr id="1" name=""/>
@@ -1175,14 +1017,49 @@
       </p:grpSpPr>
       <p:sp>
         <p:nvSpPr>
-          <p:cNvPr id="121" name="Прямоугольный комментарий"/>
+          <p:cNvPr id="123" name="Линия"/>
           <p:cNvSpPr/>
           <p:nvPr/>
         </p:nvSpPr>
         <p:spPr>
+          <a:xfrm flipV="1">
+            <a:off x="761999" y="1396631"/>
+            <a:ext cx="22860000" cy="370"/>
+          </a:xfrm>
+          <a:prstGeom prst="line">
+            <a:avLst/>
+          </a:prstGeom>
+          <a:ln w="25400">
+            <a:solidFill>
+              <a:srgbClr val="A6AAA9"/>
+            </a:solidFill>
+            <a:miter lim="400000"/>
+          </a:ln>
+        </p:spPr>
+        <p:txBody>
+          <a:bodyPr lIns="45718" tIns="45718" rIns="45718" bIns="45718"/>
+          <a:lstStyle/>
+          <a:p>
+            <a:pPr>
+              <a:defRPr>
+                <a:solidFill>
+                  <a:srgbClr val="838787"/>
+                </a:solidFill>
+              </a:defRPr>
+            </a:pPr>
+          </a:p>
+        </p:txBody>
+      </p:sp>
+      <p:sp>
+        <p:nvSpPr>
+          <p:cNvPr id="124" name="Прямоугольный комментарий"/>
+          <p:cNvSpPr/>
+          <p:nvPr/>
+        </p:nvSpPr>
+        <p:spPr>
           <a:xfrm>
             <a:off x="876300" y="3314700"/>
-            <a:ext cx="22631400" cy="7317185"/>
+            <a:ext cx="22631400" cy="7317186"/>
           </a:xfrm>
           <a:custGeom>
             <a:avLst/>
@@ -1204,7 +1081,7 @@
             </a:cxnLst>
             <a:rect l="0" t="0" r="r" b="b"/>
             <a:pathLst>
-              <a:path w="21600" h="21600" extrusionOk="0">
+              <a:path w="21600" h="21600" fill="norm" stroke="1" extrusionOk="0">
                 <a:moveTo>
                   <a:pt x="119" y="0"/>
                 </a:moveTo>
@@ -1271,28 +1148,21 @@
               <a:spcBef>
                 <a:spcPts val="0"/>
               </a:spcBef>
-              <a:defRPr sz="4000" cap="all">
+              <a:defRPr cap="all" sz="4000">
                 <a:solidFill>
                   <a:srgbClr val="FFFFFF"/>
                 </a:solidFill>
-                <a:latin typeface="+mn-lt"/>
-                <a:ea typeface="+mn-ea"/>
-                <a:cs typeface="+mn-cs"/>
-                <a:sym typeface="DIN Condensed Bold"/>
               </a:defRPr>
             </a:pPr>
-            <a:endParaRPr/>
           </a:p>
         </p:txBody>
       </p:sp>
       <p:sp>
         <p:nvSpPr>
-          <p:cNvPr id="122" name="Введите цитату…"/>
-          <p:cNvSpPr txBox="1">
-            <a:spLocks noGrp="1"/>
-          </p:cNvSpPr>
+          <p:cNvPr id="125" name="Уровень текста 1…"/>
+          <p:cNvSpPr txBox="1"/>
           <p:nvPr>
-            <p:ph type="body" sz="quarter" idx="21"/>
+            <p:ph type="body" sz="quarter" idx="1"/>
           </p:nvPr>
         </p:nvSpPr>
         <p:spPr>
@@ -1305,47 +1175,125 @@
           </a:prstGeom>
         </p:spPr>
         <p:txBody>
-          <a:bodyPr>
-            <a:spAutoFit/>
-          </a:bodyPr>
+          <a:bodyPr anchor="t"/>
           <a:lstStyle>
-            <a:lvl1pPr marL="0" indent="0">
-              <a:lnSpc>
-                <a:spcPct val="80000"/>
-              </a:lnSpc>
+            <a:lvl1pPr>
               <a:spcBef>
                 <a:spcPts val="0"/>
               </a:spcBef>
-              <a:buClrTx/>
-              <a:buSzTx/>
-              <a:buFontTx/>
-              <a:buNone/>
-              <a:defRPr sz="13400" cap="all">
+              <a:defRPr sz="13400">
                 <a:solidFill>
                   <a:srgbClr val="FFFFFF"/>
                 </a:solidFill>
-                <a:latin typeface="+mn-lt"/>
-                <a:ea typeface="+mn-ea"/>
-                <a:cs typeface="+mn-cs"/>
+                <a:latin typeface="DIN Condensed Bold"/>
+                <a:ea typeface="DIN Condensed Bold"/>
+                <a:cs typeface="DIN Condensed Bold"/>
                 <a:sym typeface="DIN Condensed Bold"/>
               </a:defRPr>
             </a:lvl1pPr>
+            <a:lvl2pPr marL="2407708" indent="-1772708">
+              <a:spcBef>
+                <a:spcPts val="0"/>
+              </a:spcBef>
+              <a:buSzPct val="104999"/>
+              <a:buChar char="‣"/>
+              <a:defRPr sz="13400">
+                <a:solidFill>
+                  <a:srgbClr val="FFFFFF"/>
+                </a:solidFill>
+                <a:latin typeface="DIN Condensed Bold"/>
+                <a:ea typeface="DIN Condensed Bold"/>
+                <a:cs typeface="DIN Condensed Bold"/>
+                <a:sym typeface="DIN Condensed Bold"/>
+              </a:defRPr>
+            </a:lvl2pPr>
+            <a:lvl3pPr marL="3042708" indent="-1772708">
+              <a:spcBef>
+                <a:spcPts val="0"/>
+              </a:spcBef>
+              <a:buSzPct val="104999"/>
+              <a:buChar char="‣"/>
+              <a:defRPr sz="13400">
+                <a:solidFill>
+                  <a:srgbClr val="FFFFFF"/>
+                </a:solidFill>
+                <a:latin typeface="DIN Condensed Bold"/>
+                <a:ea typeface="DIN Condensed Bold"/>
+                <a:cs typeface="DIN Condensed Bold"/>
+                <a:sym typeface="DIN Condensed Bold"/>
+              </a:defRPr>
+            </a:lvl3pPr>
+            <a:lvl4pPr marL="3677708" indent="-1772708">
+              <a:spcBef>
+                <a:spcPts val="0"/>
+              </a:spcBef>
+              <a:buSzPct val="104999"/>
+              <a:buChar char="‣"/>
+              <a:defRPr sz="13400">
+                <a:solidFill>
+                  <a:srgbClr val="FFFFFF"/>
+                </a:solidFill>
+                <a:latin typeface="DIN Condensed Bold"/>
+                <a:ea typeface="DIN Condensed Bold"/>
+                <a:cs typeface="DIN Condensed Bold"/>
+                <a:sym typeface="DIN Condensed Bold"/>
+              </a:defRPr>
+            </a:lvl4pPr>
+            <a:lvl5pPr marL="4312708" indent="-1772708">
+              <a:spcBef>
+                <a:spcPts val="0"/>
+              </a:spcBef>
+              <a:buSzPct val="104999"/>
+              <a:buChar char="‣"/>
+              <a:defRPr sz="13400">
+                <a:solidFill>
+                  <a:srgbClr val="FFFFFF"/>
+                </a:solidFill>
+                <a:latin typeface="DIN Condensed Bold"/>
+                <a:ea typeface="DIN Condensed Bold"/>
+                <a:cs typeface="DIN Condensed Bold"/>
+                <a:sym typeface="DIN Condensed Bold"/>
+              </a:defRPr>
+            </a:lvl5pPr>
           </a:lstStyle>
           <a:p>
-            <a:r>
-              <a:t>Введите цитату…</a:t>
+            <a:pPr/>
+            <a:r>
+              <a:t>Уровень текста 1</a:t>
+            </a:r>
+          </a:p>
+          <a:p>
+            <a:pPr lvl="1"/>
+            <a:r>
+              <a:t>Уровень текста 2</a:t>
+            </a:r>
+          </a:p>
+          <a:p>
+            <a:pPr lvl="2"/>
+            <a:r>
+              <a:t>Уровень текста 3</a:t>
+            </a:r>
+          </a:p>
+          <a:p>
+            <a:pPr lvl="3"/>
+            <a:r>
+              <a:t>Уровень текста 4</a:t>
+            </a:r>
+          </a:p>
+          <a:p>
+            <a:pPr lvl="4"/>
+            <a:r>
+              <a:t>Уровень текста 5</a:t>
             </a:r>
           </a:p>
         </p:txBody>
       </p:sp>
       <p:sp>
         <p:nvSpPr>
-          <p:cNvPr id="123" name="Иван Арсентьев"/>
-          <p:cNvSpPr txBox="1">
-            <a:spLocks noGrp="1"/>
-          </p:cNvSpPr>
+          <p:cNvPr id="126" name="Иван Арсентьев"/>
+          <p:cNvSpPr txBox="1"/>
           <p:nvPr>
-            <p:ph type="body" sz="quarter" idx="22"/>
+            <p:ph type="body" sz="quarter" idx="21"/>
           </p:nvPr>
         </p:nvSpPr>
         <p:spPr>
@@ -1358,44 +1306,32 @@
           </a:prstGeom>
         </p:spPr>
         <p:txBody>
-          <a:bodyPr anchor="ctr">
-            <a:spAutoFit/>
-          </a:bodyPr>
-          <a:lstStyle>
-            <a:lvl1pPr marL="0" indent="0" algn="r">
-              <a:lnSpc>
-                <a:spcPct val="80000"/>
-              </a:lnSpc>
+          <a:bodyPr anchor="ctr"/>
+          <a:lstStyle/>
+          <a:p>
+            <a:pPr algn="r">
               <a:spcBef>
                 <a:spcPts val="0"/>
               </a:spcBef>
-              <a:buClrTx/>
-              <a:buSzTx/>
-              <a:buFontTx/>
-              <a:buNone/>
-              <a:defRPr sz="8700">
-                <a:latin typeface="+mn-lt"/>
-                <a:ea typeface="+mn-ea"/>
-                <a:cs typeface="+mn-cs"/>
+              <a:defRPr cap="none" sz="8700">
+                <a:solidFill>
+                  <a:srgbClr val="838787"/>
+                </a:solidFill>
+                <a:latin typeface="DIN Condensed Bold"/>
+                <a:ea typeface="DIN Condensed Bold"/>
+                <a:cs typeface="DIN Condensed Bold"/>
                 <a:sym typeface="DIN Condensed Bold"/>
               </a:defRPr>
-            </a:lvl1pPr>
-          </a:lstStyle>
-          <a:p>
-            <a:r>
-              <a:t>Иван Арсентьев</a:t>
-            </a:r>
+            </a:pPr>
           </a:p>
         </p:txBody>
       </p:sp>
       <p:sp>
         <p:nvSpPr>
-          <p:cNvPr id="124" name="Текст"/>
-          <p:cNvSpPr txBox="1">
-            <a:spLocks noGrp="1"/>
-          </p:cNvSpPr>
+          <p:cNvPr id="127" name="Текст"/>
+          <p:cNvSpPr txBox="1"/>
           <p:nvPr>
-            <p:ph type="body" sz="quarter" idx="23"/>
+            <p:ph type="body" sz="quarter" idx="22"/>
           </p:nvPr>
         </p:nvSpPr>
         <p:spPr>
@@ -1408,47 +1344,35 @@
           </a:prstGeom>
         </p:spPr>
         <p:txBody>
-          <a:bodyPr anchor="b">
-            <a:spAutoFit/>
-          </a:bodyPr>
-          <a:lstStyle>
-            <a:lvl1pPr marL="0" indent="0" defTabSz="647700">
-              <a:lnSpc>
-                <a:spcPct val="80000"/>
-              </a:lnSpc>
+          <a:bodyPr/>
+          <a:lstStyle/>
+          <a:p>
+            <a:pPr defTabSz="647700">
               <a:spcBef>
                 <a:spcPts val="0"/>
               </a:spcBef>
-              <a:buClrTx/>
-              <a:buSzTx/>
-              <a:buFontTx/>
-              <a:buNone/>
-              <a:defRPr sz="3600" cap="all" spc="180">
-                <a:latin typeface="DIN Alternate Bold"/>
-                <a:ea typeface="DIN Alternate Bold"/>
-                <a:cs typeface="DIN Alternate Bold"/>
-                <a:sym typeface="DIN Alternate Bold"/>
+              <a:defRPr spc="100" sz="3600">
+                <a:solidFill>
+                  <a:srgbClr val="838787"/>
+                </a:solidFill>
               </a:defRPr>
-            </a:lvl1pPr>
-          </a:lstStyle>
-          <a:p>
-            <a:r>
-              <a:t>Текст</a:t>
-            </a:r>
+            </a:pPr>
           </a:p>
         </p:txBody>
       </p:sp>
       <p:sp>
         <p:nvSpPr>
-          <p:cNvPr id="125" name="Номер слайда"/>
-          <p:cNvSpPr txBox="1">
-            <a:spLocks noGrp="1"/>
-          </p:cNvSpPr>
+          <p:cNvPr id="128" name="Номер слайда"/>
+          <p:cNvSpPr txBox="1"/>
           <p:nvPr>
             <p:ph type="sldNum" sz="quarter" idx="2"/>
           </p:nvPr>
         </p:nvSpPr>
         <p:spPr>
+          <a:xfrm>
+            <a:off x="23059652" y="609600"/>
+            <a:ext cx="553196" cy="635000"/>
+          </a:xfrm>
           <a:prstGeom prst="rect">
             <a:avLst/>
           </a:prstGeom>
@@ -1457,10 +1381,8 @@
           <a:bodyPr/>
           <a:lstStyle/>
           <a:p>
-            <a:fld id="{86CB4B4D-7CA3-9044-876B-883B54F8677D}" type="slidenum">
-              <a:t>‹#›</a:t>
-            </a:fld>
-            <a:endParaRPr/>
+            <a:pPr/>
+            <a:fld id="{86CB4B4D-7CA3-9044-876B-883B54F8677D}" type="slidenum"/>
           </a:p>
         </p:txBody>
       </p:sp>
@@ -1469,19 +1391,18 @@
   <p:clrMapOvr>
     <a:masterClrMapping/>
   </p:clrMapOvr>
-  <p:transition spd="med"/>
+  <p:transition xmlns:p14="http://schemas.microsoft.com/office/powerpoint/2010/main" spd="med" advClick="1"/>
 </p:sldLayout>
 </file>
 
 <file path=ppt/slideLayouts/slideLayout13.xml><?xml version="1.0" encoding="utf-8"?>
-<p:sldLayout xmlns:a="http://schemas.openxmlformats.org/drawingml/2006/main" xmlns:r="http://schemas.openxmlformats.org/officeDocument/2006/relationships" xmlns:p="http://schemas.openxmlformats.org/presentationml/2006/main" showMasterSp="0" type="tx">
+<p:sldLayout xmlns:a="http://schemas.openxmlformats.org/drawingml/2006/main" xmlns:r="http://schemas.openxmlformats.org/officeDocument/2006/relationships" xmlns:p="http://schemas.openxmlformats.org/presentationml/2006/main" xmlns:m="http://schemas.openxmlformats.org/officeDocument/2006/math" xmlns:a14="http://schemas.microsoft.com/office/drawing/2010/main" type="tx" showMasterSp="0" showMasterPhAnim="1">
   <p:cSld name="Цитата (вариант)">
     <p:bg>
       <p:bgPr>
         <a:solidFill>
           <a:schemeClr val="accent1"/>
         </a:solidFill>
-        <a:effectLst/>
       </p:bgPr>
     </p:bg>
     <p:spTree>
@@ -1500,12 +1421,10 @@
       </p:grpSpPr>
       <p:sp>
         <p:nvSpPr>
-          <p:cNvPr id="132" name="Введите цитату…"/>
-          <p:cNvSpPr txBox="1">
-            <a:spLocks noGrp="1"/>
-          </p:cNvSpPr>
+          <p:cNvPr id="135" name="Уровень текста 1…"/>
+          <p:cNvSpPr txBox="1"/>
           <p:nvPr>
-            <p:ph type="body" sz="quarter" idx="21"/>
+            <p:ph type="body" sz="quarter" idx="1"/>
           </p:nvPr>
         </p:nvSpPr>
         <p:spPr>
@@ -1518,47 +1437,125 @@
           </a:prstGeom>
         </p:spPr>
         <p:txBody>
-          <a:bodyPr>
-            <a:spAutoFit/>
-          </a:bodyPr>
+          <a:bodyPr anchor="t"/>
           <a:lstStyle>
-            <a:lvl1pPr marL="0" indent="0">
-              <a:lnSpc>
-                <a:spcPct val="80000"/>
-              </a:lnSpc>
+            <a:lvl1pPr>
               <a:spcBef>
                 <a:spcPts val="0"/>
               </a:spcBef>
-              <a:buClrTx/>
-              <a:buSzTx/>
-              <a:buFontTx/>
-              <a:buNone/>
-              <a:defRPr sz="13400" cap="all">
+              <a:defRPr sz="13400">
                 <a:solidFill>
                   <a:srgbClr val="FFFFFF"/>
                 </a:solidFill>
-                <a:latin typeface="+mn-lt"/>
-                <a:ea typeface="+mn-ea"/>
-                <a:cs typeface="+mn-cs"/>
+                <a:latin typeface="DIN Condensed Bold"/>
+                <a:ea typeface="DIN Condensed Bold"/>
+                <a:cs typeface="DIN Condensed Bold"/>
                 <a:sym typeface="DIN Condensed Bold"/>
               </a:defRPr>
             </a:lvl1pPr>
+            <a:lvl2pPr marL="2407708" indent="-1772708">
+              <a:spcBef>
+                <a:spcPts val="0"/>
+              </a:spcBef>
+              <a:buSzPct val="104999"/>
+              <a:buChar char="‣"/>
+              <a:defRPr sz="13400">
+                <a:solidFill>
+                  <a:srgbClr val="FFFFFF"/>
+                </a:solidFill>
+                <a:latin typeface="DIN Condensed Bold"/>
+                <a:ea typeface="DIN Condensed Bold"/>
+                <a:cs typeface="DIN Condensed Bold"/>
+                <a:sym typeface="DIN Condensed Bold"/>
+              </a:defRPr>
+            </a:lvl2pPr>
+            <a:lvl3pPr marL="3042708" indent="-1772708">
+              <a:spcBef>
+                <a:spcPts val="0"/>
+              </a:spcBef>
+              <a:buSzPct val="104999"/>
+              <a:buChar char="‣"/>
+              <a:defRPr sz="13400">
+                <a:solidFill>
+                  <a:srgbClr val="FFFFFF"/>
+                </a:solidFill>
+                <a:latin typeface="DIN Condensed Bold"/>
+                <a:ea typeface="DIN Condensed Bold"/>
+                <a:cs typeface="DIN Condensed Bold"/>
+                <a:sym typeface="DIN Condensed Bold"/>
+              </a:defRPr>
+            </a:lvl3pPr>
+            <a:lvl4pPr marL="3677708" indent="-1772708">
+              <a:spcBef>
+                <a:spcPts val="0"/>
+              </a:spcBef>
+              <a:buSzPct val="104999"/>
+              <a:buChar char="‣"/>
+              <a:defRPr sz="13400">
+                <a:solidFill>
+                  <a:srgbClr val="FFFFFF"/>
+                </a:solidFill>
+                <a:latin typeface="DIN Condensed Bold"/>
+                <a:ea typeface="DIN Condensed Bold"/>
+                <a:cs typeface="DIN Condensed Bold"/>
+                <a:sym typeface="DIN Condensed Bold"/>
+              </a:defRPr>
+            </a:lvl4pPr>
+            <a:lvl5pPr marL="4312708" indent="-1772708">
+              <a:spcBef>
+                <a:spcPts val="0"/>
+              </a:spcBef>
+              <a:buSzPct val="104999"/>
+              <a:buChar char="‣"/>
+              <a:defRPr sz="13400">
+                <a:solidFill>
+                  <a:srgbClr val="FFFFFF"/>
+                </a:solidFill>
+                <a:latin typeface="DIN Condensed Bold"/>
+                <a:ea typeface="DIN Condensed Bold"/>
+                <a:cs typeface="DIN Condensed Bold"/>
+                <a:sym typeface="DIN Condensed Bold"/>
+              </a:defRPr>
+            </a:lvl5pPr>
           </a:lstStyle>
           <a:p>
-            <a:r>
-              <a:t>Введите цитату…</a:t>
+            <a:pPr/>
+            <a:r>
+              <a:t>Уровень текста 1</a:t>
+            </a:r>
+          </a:p>
+          <a:p>
+            <a:pPr lvl="1"/>
+            <a:r>
+              <a:t>Уровень текста 2</a:t>
+            </a:r>
+          </a:p>
+          <a:p>
+            <a:pPr lvl="2"/>
+            <a:r>
+              <a:t>Уровень текста 3</a:t>
+            </a:r>
+          </a:p>
+          <a:p>
+            <a:pPr lvl="3"/>
+            <a:r>
+              <a:t>Уровень текста 4</a:t>
+            </a:r>
+          </a:p>
+          <a:p>
+            <a:pPr lvl="4"/>
+            <a:r>
+              <a:t>Уровень текста 5</a:t>
             </a:r>
           </a:p>
         </p:txBody>
       </p:sp>
       <p:sp>
         <p:nvSpPr>
-          <p:cNvPr id="133" name="Чёрно-белое фото ветряных мельниц на фоне облаков"/>
-          <p:cNvSpPr>
-            <a:spLocks noGrp="1"/>
-          </p:cNvSpPr>
+          <p:cNvPr id="136" name="Чёрно-белое фото ветряных мельниц на фоне облаков"/>
+          <p:cNvSpPr/>
           <p:nvPr>
-            <p:ph type="pic" idx="22"/>
+            <p:ph type="pic" idx="21"/>
           </p:nvPr>
         </p:nvSpPr>
         <p:spPr>
@@ -1571,23 +1568,21 @@
           </a:prstGeom>
         </p:spPr>
         <p:txBody>
-          <a:bodyPr lIns="91439" tIns="45719" rIns="91439" bIns="45719">
+          <a:bodyPr lIns="91439" tIns="45719" rIns="91439" bIns="45719" anchor="t">
             <a:noAutofit/>
           </a:bodyPr>
           <a:lstStyle/>
           <a:p>
-            <a:endParaRPr/>
+            <a:pPr/>
           </a:p>
         </p:txBody>
       </p:sp>
       <p:sp>
         <p:nvSpPr>
-          <p:cNvPr id="134" name="Иван Арсентьев"/>
-          <p:cNvSpPr txBox="1">
-            <a:spLocks noGrp="1"/>
-          </p:cNvSpPr>
+          <p:cNvPr id="137" name="Иван Арсентьев"/>
+          <p:cNvSpPr txBox="1"/>
           <p:nvPr>
-            <p:ph type="body" sz="quarter" idx="23"/>
+            <p:ph type="body" sz="quarter" idx="22"/>
           </p:nvPr>
         </p:nvSpPr>
         <p:spPr>
@@ -1600,47 +1595,42 @@
           </a:prstGeom>
         </p:spPr>
         <p:txBody>
-          <a:bodyPr anchor="ctr">
-            <a:spAutoFit/>
-          </a:bodyPr>
-          <a:lstStyle>
-            <a:lvl1pPr marL="0" indent="0" defTabSz="647700">
+          <a:bodyPr anchor="ctr"/>
+          <a:lstStyle/>
+          <a:p>
+            <a:pPr defTabSz="647700">
+              <a:lnSpc>
+                <a:spcPct val="100000"/>
+              </a:lnSpc>
               <a:spcBef>
                 <a:spcPts val="0"/>
               </a:spcBef>
-              <a:buClrTx/>
-              <a:buSzTx/>
-              <a:buFontTx/>
-              <a:buNone/>
-              <a:defRPr sz="8700">
+              <a:defRPr cap="none" sz="8700">
                 <a:solidFill>
                   <a:srgbClr val="232323"/>
                 </a:solidFill>
-                <a:latin typeface="+mn-lt"/>
-                <a:ea typeface="+mn-ea"/>
-                <a:cs typeface="+mn-cs"/>
+                <a:latin typeface="DIN Condensed Bold"/>
+                <a:ea typeface="DIN Condensed Bold"/>
+                <a:cs typeface="DIN Condensed Bold"/>
                 <a:sym typeface="DIN Condensed Bold"/>
               </a:defRPr>
-            </a:lvl1pPr>
-          </a:lstStyle>
-          <a:p>
-            <a:r>
-              <a:t>Иван Арсентьев</a:t>
-            </a:r>
+            </a:pPr>
           </a:p>
         </p:txBody>
       </p:sp>
       <p:sp>
         <p:nvSpPr>
-          <p:cNvPr id="135" name="Номер слайда"/>
-          <p:cNvSpPr txBox="1">
-            <a:spLocks noGrp="1"/>
-          </p:cNvSpPr>
+          <p:cNvPr id="138" name="Номер слайда"/>
+          <p:cNvSpPr txBox="1"/>
           <p:nvPr>
             <p:ph type="sldNum" sz="quarter" idx="2"/>
           </p:nvPr>
         </p:nvSpPr>
         <p:spPr>
+          <a:xfrm>
+            <a:off x="23059652" y="609600"/>
+            <a:ext cx="553196" cy="635000"/>
+          </a:xfrm>
           <a:prstGeom prst="rect">
             <a:avLst/>
           </a:prstGeom>
@@ -1649,10 +1639,8 @@
           <a:bodyPr/>
           <a:lstStyle/>
           <a:p>
-            <a:fld id="{86CB4B4D-7CA3-9044-876B-883B54F8677D}" type="slidenum">
-              <a:t>‹#›</a:t>
-            </a:fld>
-            <a:endParaRPr/>
+            <a:pPr/>
+            <a:fld id="{86CB4B4D-7CA3-9044-876B-883B54F8677D}" type="slidenum"/>
           </a:p>
         </p:txBody>
       </p:sp>
@@ -1661,19 +1649,296 @@
   <p:clrMapOvr>
     <a:masterClrMapping/>
   </p:clrMapOvr>
-  <p:transition spd="med"/>
+  <p:transition xmlns:p14="http://schemas.microsoft.com/office/powerpoint/2010/main" spd="med" advClick="1"/>
 </p:sldLayout>
 </file>
 
 <file path=ppt/slideLayouts/slideLayout14.xml><?xml version="1.0" encoding="utf-8"?>
-<p:sldLayout xmlns:a="http://schemas.openxmlformats.org/drawingml/2006/main" xmlns:r="http://schemas.openxmlformats.org/officeDocument/2006/relationships" xmlns:p="http://schemas.openxmlformats.org/presentationml/2006/main" showMasterSp="0" type="tx">
+<p:sldLayout xmlns:a="http://schemas.openxmlformats.org/drawingml/2006/main" xmlns:r="http://schemas.openxmlformats.org/officeDocument/2006/relationships" xmlns:p="http://schemas.openxmlformats.org/presentationml/2006/main" xmlns:m="http://schemas.openxmlformats.org/officeDocument/2006/math" xmlns:a14="http://schemas.microsoft.com/office/drawing/2010/main" type="tx" showMasterSp="0" showMasterPhAnim="1">
   <p:cSld name="Фото">
+    <p:spTree>
+      <p:nvGrpSpPr>
+        <p:cNvPr id="1" name=""/>
+        <p:cNvGrpSpPr/>
+        <p:nvPr/>
+      </p:nvGrpSpPr>
+      <p:grpSpPr>
+        <a:xfrm>
+          <a:off x="0" y="0"/>
+          <a:ext cx="0" cy="0"/>
+          <a:chOff x="0" y="0"/>
+          <a:chExt cx="0" cy="0"/>
+        </a:xfrm>
+      </p:grpSpPr>
+      <p:sp>
+        <p:nvSpPr>
+          <p:cNvPr id="145" name="Чёрно-белый аэрофотоснимок человека, стоящего на дамбе"/>
+          <p:cNvSpPr/>
+          <p:nvPr>
+            <p:ph type="pic" idx="21"/>
+          </p:nvPr>
+        </p:nvSpPr>
+        <p:spPr>
+          <a:xfrm>
+            <a:off x="-38100" y="-1219200"/>
+            <a:ext cx="24460200" cy="16145934"/>
+          </a:xfrm>
+          <a:prstGeom prst="rect">
+            <a:avLst/>
+          </a:prstGeom>
+        </p:spPr>
+        <p:txBody>
+          <a:bodyPr lIns="91439" tIns="45719" rIns="91439" bIns="45719" anchor="t">
+            <a:noAutofit/>
+          </a:bodyPr>
+          <a:lstStyle/>
+          <a:p>
+            <a:pPr/>
+          </a:p>
+        </p:txBody>
+      </p:sp>
+      <p:sp>
+        <p:nvSpPr>
+          <p:cNvPr id="146" name="Номер слайда"/>
+          <p:cNvSpPr txBox="1"/>
+          <p:nvPr>
+            <p:ph type="sldNum" sz="quarter" idx="2"/>
+          </p:nvPr>
+        </p:nvSpPr>
+        <p:spPr>
+          <a:xfrm>
+            <a:off x="23059652" y="609600"/>
+            <a:ext cx="553196" cy="635000"/>
+          </a:xfrm>
+          <a:prstGeom prst="rect">
+            <a:avLst/>
+          </a:prstGeom>
+        </p:spPr>
+        <p:txBody>
+          <a:bodyPr/>
+          <a:lstStyle/>
+          <a:p>
+            <a:pPr/>
+            <a:fld id="{86CB4B4D-7CA3-9044-876B-883B54F8677D}" type="slidenum"/>
+          </a:p>
+        </p:txBody>
+      </p:sp>
+    </p:spTree>
+  </p:cSld>
+  <p:clrMapOvr>
+    <a:masterClrMapping/>
+  </p:clrMapOvr>
+  <p:transition xmlns:p14="http://schemas.microsoft.com/office/powerpoint/2010/main" spd="med" advClick="1"/>
+</p:sldLayout>
+</file>
+
+<file path=ppt/slideLayouts/slideLayout15.xml><?xml version="1.0" encoding="utf-8"?>
+<p:sldLayout xmlns:a="http://schemas.openxmlformats.org/drawingml/2006/main" xmlns:r="http://schemas.openxmlformats.org/officeDocument/2006/relationships" xmlns:p="http://schemas.openxmlformats.org/presentationml/2006/main" xmlns:m="http://schemas.openxmlformats.org/officeDocument/2006/math" xmlns:a14="http://schemas.microsoft.com/office/drawing/2010/main" type="tx" showMasterSp="0" showMasterPhAnim="1">
+  <p:cSld name="Пустой">
+    <p:spTree>
+      <p:nvGrpSpPr>
+        <p:cNvPr id="1" name=""/>
+        <p:cNvGrpSpPr/>
+        <p:nvPr/>
+      </p:nvGrpSpPr>
+      <p:grpSpPr>
+        <a:xfrm>
+          <a:off x="0" y="0"/>
+          <a:ext cx="0" cy="0"/>
+          <a:chOff x="0" y="0"/>
+          <a:chExt cx="0" cy="0"/>
+        </a:xfrm>
+      </p:grpSpPr>
+      <p:sp>
+        <p:nvSpPr>
+          <p:cNvPr id="153" name="Номер слайда"/>
+          <p:cNvSpPr txBox="1"/>
+          <p:nvPr>
+            <p:ph type="sldNum" sz="quarter" idx="2"/>
+          </p:nvPr>
+        </p:nvSpPr>
+        <p:spPr>
+          <a:xfrm>
+            <a:off x="23059652" y="609600"/>
+            <a:ext cx="553196" cy="635000"/>
+          </a:xfrm>
+          <a:prstGeom prst="rect">
+            <a:avLst/>
+          </a:prstGeom>
+        </p:spPr>
+        <p:txBody>
+          <a:bodyPr/>
+          <a:lstStyle/>
+          <a:p>
+            <a:pPr/>
+            <a:fld id="{86CB4B4D-7CA3-9044-876B-883B54F8677D}" type="slidenum"/>
+          </a:p>
+        </p:txBody>
+      </p:sp>
+    </p:spTree>
+  </p:cSld>
+  <p:clrMapOvr>
+    <a:masterClrMapping/>
+  </p:clrMapOvr>
+  <p:transition xmlns:p14="http://schemas.microsoft.com/office/powerpoint/2010/main" spd="med" advClick="1"/>
+</p:sldLayout>
+</file>
+
+<file path=ppt/slideLayouts/slideLayout2.xml><?xml version="1.0" encoding="utf-8"?>
+<p:sldLayout xmlns:a="http://schemas.openxmlformats.org/drawingml/2006/main" xmlns:r="http://schemas.openxmlformats.org/officeDocument/2006/relationships" xmlns:p="http://schemas.openxmlformats.org/presentationml/2006/main" xmlns:m="http://schemas.openxmlformats.org/officeDocument/2006/math" xmlns:a14="http://schemas.microsoft.com/office/drawing/2010/main" type="tx" showMasterSp="1" showMasterPhAnim="1">
+  <p:cSld name="Фото — горизонтально">
+    <p:spTree>
+      <p:nvGrpSpPr>
+        <p:cNvPr id="1" name=""/>
+        <p:cNvGrpSpPr/>
+        <p:nvPr/>
+      </p:nvGrpSpPr>
+      <p:grpSpPr>
+        <a:xfrm>
+          <a:off x="0" y="0"/>
+          <a:ext cx="0" cy="0"/>
+          <a:chOff x="0" y="0"/>
+          <a:chExt cx="0" cy="0"/>
+        </a:xfrm>
+      </p:grpSpPr>
+      <p:sp>
+        <p:nvSpPr>
+          <p:cNvPr id="21" name="Чёрно-белый аэрофотоснимок человека, стоящего на дамбе"/>
+          <p:cNvSpPr/>
+          <p:nvPr>
+            <p:ph type="pic" idx="21"/>
+          </p:nvPr>
+        </p:nvSpPr>
+        <p:spPr>
+          <a:xfrm>
+            <a:off x="-38100" y="-1219200"/>
+            <a:ext cx="24460200" cy="16145934"/>
+          </a:xfrm>
+          <a:prstGeom prst="rect">
+            <a:avLst/>
+          </a:prstGeom>
+        </p:spPr>
+        <p:txBody>
+          <a:bodyPr lIns="91439" tIns="45719" rIns="91439" bIns="45719" anchor="t">
+            <a:noAutofit/>
+          </a:bodyPr>
+          <a:lstStyle/>
+          <a:p>
+            <a:pPr/>
+          </a:p>
+        </p:txBody>
+      </p:sp>
+      <p:sp>
+        <p:nvSpPr>
+          <p:cNvPr id="22" name="Текст заголовка"/>
+          <p:cNvSpPr txBox="1"/>
+          <p:nvPr>
+            <p:ph type="title"/>
+          </p:nvPr>
+        </p:nvSpPr>
+        <p:spPr>
+          <a:prstGeom prst="rect">
+            <a:avLst/>
+          </a:prstGeom>
+        </p:spPr>
+        <p:txBody>
+          <a:bodyPr/>
+          <a:lstStyle/>
+          <a:p>
+            <a:pPr/>
+            <a:r>
+              <a:t>Текст заголовка</a:t>
+            </a:r>
+          </a:p>
+        </p:txBody>
+      </p:sp>
+      <p:sp>
+        <p:nvSpPr>
+          <p:cNvPr id="23" name="Уровень текста 1…"/>
+          <p:cNvSpPr txBox="1"/>
+          <p:nvPr>
+            <p:ph type="body" sz="quarter" idx="1"/>
+          </p:nvPr>
+        </p:nvSpPr>
+        <p:spPr>
+          <a:prstGeom prst="rect">
+            <a:avLst/>
+          </a:prstGeom>
+        </p:spPr>
+        <p:txBody>
+          <a:bodyPr/>
+          <a:lstStyle/>
+          <a:p>
+            <a:pPr/>
+            <a:r>
+              <a:t>Уровень текста 1</a:t>
+            </a:r>
+          </a:p>
+          <a:p>
+            <a:pPr lvl="1"/>
+            <a:r>
+              <a:t>Уровень текста 2</a:t>
+            </a:r>
+          </a:p>
+          <a:p>
+            <a:pPr lvl="2"/>
+            <a:r>
+              <a:t>Уровень текста 3</a:t>
+            </a:r>
+          </a:p>
+          <a:p>
+            <a:pPr lvl="3"/>
+            <a:r>
+              <a:t>Уровень текста 4</a:t>
+            </a:r>
+          </a:p>
+          <a:p>
+            <a:pPr lvl="4"/>
+            <a:r>
+              <a:t>Уровень текста 5</a:t>
+            </a:r>
+          </a:p>
+        </p:txBody>
+      </p:sp>
+      <p:sp>
+        <p:nvSpPr>
+          <p:cNvPr id="24" name="Номер слайда"/>
+          <p:cNvSpPr txBox="1"/>
+          <p:nvPr>
+            <p:ph type="sldNum" sz="quarter" idx="2"/>
+          </p:nvPr>
+        </p:nvSpPr>
+        <p:spPr>
+          <a:prstGeom prst="rect">
+            <a:avLst/>
+          </a:prstGeom>
+        </p:spPr>
+        <p:txBody>
+          <a:bodyPr/>
+          <a:lstStyle/>
+          <a:p>
+            <a:pPr/>
+            <a:fld id="{86CB4B4D-7CA3-9044-876B-883B54F8677D}" type="slidenum"/>
+          </a:p>
+        </p:txBody>
+      </p:sp>
+    </p:spTree>
+  </p:cSld>
+  <p:clrMapOvr>
+    <a:masterClrMapping/>
+  </p:clrMapOvr>
+  <p:transition xmlns:p14="http://schemas.microsoft.com/office/powerpoint/2010/main" spd="med" advClick="1"/>
+</p:sldLayout>
+</file>
+
+<file path=ppt/slideLayouts/slideLayout3.xml><?xml version="1.0" encoding="utf-8"?>
+<p:sldLayout xmlns:a="http://schemas.openxmlformats.org/drawingml/2006/main" xmlns:r="http://schemas.openxmlformats.org/officeDocument/2006/relationships" xmlns:p="http://schemas.openxmlformats.org/presentationml/2006/main" xmlns:m="http://schemas.openxmlformats.org/officeDocument/2006/math" xmlns:a14="http://schemas.microsoft.com/office/drawing/2010/main" type="tx" showMasterSp="1" showMasterPhAnim="1">
+  <p:cSld name="Заголовок и подзаголовок (вариант)">
     <p:bg>
       <p:bgPr>
         <a:solidFill>
-          <a:srgbClr val="222222"/>
+          <a:srgbClr val="FFFFFF"/>
         </a:solidFill>
-        <a:effectLst/>
       </p:bgPr>
     </p:bg>
     <p:spTree>
@@ -1692,44 +1957,89 @@
       </p:grpSpPr>
       <p:sp>
         <p:nvSpPr>
-          <p:cNvPr id="142" name="Чёрно-белый аэрофотоснимок человека, стоящего на дамбе"/>
-          <p:cNvSpPr>
-            <a:spLocks noGrp="1"/>
-          </p:cNvSpPr>
+          <p:cNvPr id="31" name="Текст заголовка"/>
+          <p:cNvSpPr txBox="1"/>
           <p:nvPr>
-            <p:ph type="pic" idx="21"/>
+            <p:ph type="title"/>
           </p:nvPr>
         </p:nvSpPr>
         <p:spPr>
-          <a:xfrm>
-            <a:off x="-38100" y="-1219200"/>
-            <a:ext cx="24460200" cy="16145934"/>
-          </a:xfrm>
           <a:prstGeom prst="rect">
             <a:avLst/>
           </a:prstGeom>
         </p:spPr>
         <p:txBody>
-          <a:bodyPr lIns="91439" tIns="45719" rIns="91439" bIns="45719">
-            <a:noAutofit/>
-          </a:bodyPr>
+          <a:bodyPr/>
           <a:lstStyle/>
           <a:p>
-            <a:endParaRPr/>
+            <a:pPr/>
+            <a:r>
+              <a:t>Текст заголовка</a:t>
+            </a:r>
           </a:p>
         </p:txBody>
       </p:sp>
       <p:sp>
         <p:nvSpPr>
-          <p:cNvPr id="143" name="Номер слайда"/>
-          <p:cNvSpPr txBox="1">
-            <a:spLocks noGrp="1"/>
-          </p:cNvSpPr>
+          <p:cNvPr id="32" name="Уровень текста 1…"/>
+          <p:cNvSpPr txBox="1"/>
+          <p:nvPr>
+            <p:ph type="body" sz="quarter" idx="1"/>
+          </p:nvPr>
+        </p:nvSpPr>
+        <p:spPr>
+          <a:prstGeom prst="rect">
+            <a:avLst/>
+          </a:prstGeom>
+        </p:spPr>
+        <p:txBody>
+          <a:bodyPr/>
+          <a:lstStyle/>
+          <a:p>
+            <a:pPr/>
+            <a:r>
+              <a:t>Уровень текста 1</a:t>
+            </a:r>
+          </a:p>
+          <a:p>
+            <a:pPr lvl="1"/>
+            <a:r>
+              <a:t>Уровень текста 2</a:t>
+            </a:r>
+          </a:p>
+          <a:p>
+            <a:pPr lvl="2"/>
+            <a:r>
+              <a:t>Уровень текста 3</a:t>
+            </a:r>
+          </a:p>
+          <a:p>
+            <a:pPr lvl="3"/>
+            <a:r>
+              <a:t>Уровень текста 4</a:t>
+            </a:r>
+          </a:p>
+          <a:p>
+            <a:pPr lvl="4"/>
+            <a:r>
+              <a:t>Уровень текста 5</a:t>
+            </a:r>
+          </a:p>
+        </p:txBody>
+      </p:sp>
+      <p:sp>
+        <p:nvSpPr>
+          <p:cNvPr id="33" name="Номер слайда"/>
+          <p:cNvSpPr txBox="1"/>
           <p:nvPr>
             <p:ph type="sldNum" sz="quarter" idx="2"/>
           </p:nvPr>
         </p:nvSpPr>
         <p:spPr>
+          <a:xfrm>
+            <a:off x="23013223" y="584200"/>
+            <a:ext cx="553195" cy="635000"/>
+          </a:xfrm>
           <a:prstGeom prst="rect">
             <a:avLst/>
           </a:prstGeom>
@@ -1738,10 +2048,8 @@
           <a:bodyPr/>
           <a:lstStyle/>
           <a:p>
-            <a:fld id="{86CB4B4D-7CA3-9044-876B-883B54F8677D}" type="slidenum">
-              <a:t>‹#›</a:t>
-            </a:fld>
-            <a:endParaRPr/>
+            <a:pPr/>
+            <a:fld id="{86CB4B4D-7CA3-9044-876B-883B54F8677D}" type="slidenum"/>
           </a:p>
         </p:txBody>
       </p:sp>
@@ -1750,19 +2058,284 @@
   <p:clrMapOvr>
     <a:masterClrMapping/>
   </p:clrMapOvr>
-  <p:transition spd="med"/>
+  <p:transition xmlns:p14="http://schemas.microsoft.com/office/powerpoint/2010/main" spd="med" advClick="1"/>
 </p:sldLayout>
 </file>
 
-<file path=ppt/slideLayouts/slideLayout15.xml><?xml version="1.0" encoding="utf-8"?>
-<p:sldLayout xmlns:a="http://schemas.openxmlformats.org/drawingml/2006/main" xmlns:r="http://schemas.openxmlformats.org/officeDocument/2006/relationships" xmlns:p="http://schemas.openxmlformats.org/presentationml/2006/main" showMasterSp="0" type="tx">
-  <p:cSld name="Пустой">
+<file path=ppt/slideLayouts/slideLayout4.xml><?xml version="1.0" encoding="utf-8"?>
+<p:sldLayout xmlns:a="http://schemas.openxmlformats.org/drawingml/2006/main" xmlns:r="http://schemas.openxmlformats.org/officeDocument/2006/relationships" xmlns:p="http://schemas.openxmlformats.org/presentationml/2006/main" xmlns:m="http://schemas.openxmlformats.org/officeDocument/2006/math" xmlns:a14="http://schemas.microsoft.com/office/drawing/2010/main" type="tx" showMasterSp="0" showMasterPhAnim="1">
+  <p:cSld name="Заголовок — по центру">
+    <p:spTree>
+      <p:nvGrpSpPr>
+        <p:cNvPr id="1" name=""/>
+        <p:cNvGrpSpPr/>
+        <p:nvPr/>
+      </p:nvGrpSpPr>
+      <p:grpSpPr>
+        <a:xfrm>
+          <a:off x="0" y="0"/>
+          <a:ext cx="0" cy="0"/>
+          <a:chOff x="0" y="0"/>
+          <a:chExt cx="0" cy="0"/>
+        </a:xfrm>
+      </p:grpSpPr>
+      <p:sp>
+        <p:nvSpPr>
+          <p:cNvPr id="40" name="Текст заголовка"/>
+          <p:cNvSpPr txBox="1"/>
+          <p:nvPr>
+            <p:ph type="title"/>
+          </p:nvPr>
+        </p:nvSpPr>
+        <p:spPr>
+          <a:xfrm>
+            <a:off x="762000" y="5676900"/>
+            <a:ext cx="22860000" cy="6350000"/>
+          </a:xfrm>
+          <a:prstGeom prst="rect">
+            <a:avLst/>
+          </a:prstGeom>
+        </p:spPr>
+        <p:txBody>
+          <a:bodyPr/>
+          <a:lstStyle/>
+          <a:p>
+            <a:pPr/>
+            <a:r>
+              <a:t>Текст заголовка</a:t>
+            </a:r>
+          </a:p>
+        </p:txBody>
+      </p:sp>
+      <p:sp>
+        <p:nvSpPr>
+          <p:cNvPr id="41" name="Номер слайда"/>
+          <p:cNvSpPr txBox="1"/>
+          <p:nvPr>
+            <p:ph type="sldNum" sz="quarter" idx="2"/>
+          </p:nvPr>
+        </p:nvSpPr>
+        <p:spPr>
+          <a:prstGeom prst="rect">
+            <a:avLst/>
+          </a:prstGeom>
+        </p:spPr>
+        <p:txBody>
+          <a:bodyPr/>
+          <a:lstStyle/>
+          <a:p>
+            <a:pPr/>
+            <a:fld id="{86CB4B4D-7CA3-9044-876B-883B54F8677D}" type="slidenum"/>
+          </a:p>
+        </p:txBody>
+      </p:sp>
+    </p:spTree>
+  </p:cSld>
+  <p:clrMapOvr>
+    <a:masterClrMapping/>
+  </p:clrMapOvr>
+  <p:transition xmlns:p14="http://schemas.microsoft.com/office/powerpoint/2010/main" spd="med" advClick="1"/>
+</p:sldLayout>
+</file>
+
+<file path=ppt/slideLayouts/slideLayout5.xml><?xml version="1.0" encoding="utf-8"?>
+<p:sldLayout xmlns:a="http://schemas.openxmlformats.org/drawingml/2006/main" xmlns:r="http://schemas.openxmlformats.org/officeDocument/2006/relationships" xmlns:p="http://schemas.openxmlformats.org/presentationml/2006/main" xmlns:m="http://schemas.openxmlformats.org/officeDocument/2006/math" xmlns:a14="http://schemas.microsoft.com/office/drawing/2010/main" type="tx" showMasterSp="0" showMasterPhAnim="1">
+  <p:cSld name="Фото — вертикально">
+    <p:spTree>
+      <p:nvGrpSpPr>
+        <p:cNvPr id="1" name=""/>
+        <p:cNvGrpSpPr/>
+        <p:nvPr/>
+      </p:nvGrpSpPr>
+      <p:grpSpPr>
+        <a:xfrm>
+          <a:off x="0" y="0"/>
+          <a:ext cx="0" cy="0"/>
+          <a:chOff x="0" y="0"/>
+          <a:chExt cx="0" cy="0"/>
+        </a:xfrm>
+      </p:grpSpPr>
+      <p:sp>
+        <p:nvSpPr>
+          <p:cNvPr id="48" name="Линия"/>
+          <p:cNvSpPr/>
+          <p:nvPr/>
+        </p:nvSpPr>
+        <p:spPr>
+          <a:xfrm flipV="1">
+            <a:off x="11049000" y="8635797"/>
+            <a:ext cx="12572997" cy="204"/>
+          </a:xfrm>
+          <a:prstGeom prst="line">
+            <a:avLst/>
+          </a:prstGeom>
+          <a:ln w="50800">
+            <a:solidFill>
+              <a:srgbClr val="A6AAA9"/>
+            </a:solidFill>
+            <a:miter lim="400000"/>
+          </a:ln>
+        </p:spPr>
+        <p:txBody>
+          <a:bodyPr lIns="45718" tIns="45718" rIns="45718" bIns="45718"/>
+          <a:lstStyle/>
+          <a:p>
+            <a:pPr>
+              <a:defRPr>
+                <a:solidFill>
+                  <a:srgbClr val="838787"/>
+                </a:solidFill>
+              </a:defRPr>
+            </a:pPr>
+          </a:p>
+        </p:txBody>
+      </p:sp>
+      <p:sp>
+        <p:nvSpPr>
+          <p:cNvPr id="49" name="Чёрно-белое фото ветряных мельниц на фоне облаков"/>
+          <p:cNvSpPr/>
+          <p:nvPr>
+            <p:ph type="pic" idx="21"/>
+          </p:nvPr>
+        </p:nvSpPr>
+        <p:spPr>
+          <a:xfrm>
+            <a:off x="-190500" y="0"/>
+            <a:ext cx="12428272" cy="13716000"/>
+          </a:xfrm>
+          <a:prstGeom prst="rect">
+            <a:avLst/>
+          </a:prstGeom>
+        </p:spPr>
+        <p:txBody>
+          <a:bodyPr lIns="91439" tIns="45719" rIns="91439" bIns="45719" anchor="t">
+            <a:noAutofit/>
+          </a:bodyPr>
+          <a:lstStyle/>
+          <a:p>
+            <a:pPr/>
+          </a:p>
+        </p:txBody>
+      </p:sp>
+      <p:sp>
+        <p:nvSpPr>
+          <p:cNvPr id="50" name="Текст заголовка"/>
+          <p:cNvSpPr txBox="1"/>
+          <p:nvPr>
+            <p:ph type="title"/>
+          </p:nvPr>
+        </p:nvSpPr>
+        <p:spPr>
+          <a:xfrm>
+            <a:off x="11049000" y="9042400"/>
+            <a:ext cx="12573000" cy="3810000"/>
+          </a:xfrm>
+          <a:prstGeom prst="rect">
+            <a:avLst/>
+          </a:prstGeom>
+        </p:spPr>
+        <p:txBody>
+          <a:bodyPr/>
+          <a:lstStyle/>
+          <a:p>
+            <a:pPr/>
+            <a:r>
+              <a:t>Текст заголовка</a:t>
+            </a:r>
+          </a:p>
+        </p:txBody>
+      </p:sp>
+      <p:sp>
+        <p:nvSpPr>
+          <p:cNvPr id="51" name="Уровень текста 1…"/>
+          <p:cNvSpPr txBox="1"/>
+          <p:nvPr>
+            <p:ph type="body" sz="quarter" idx="1"/>
+          </p:nvPr>
+        </p:nvSpPr>
+        <p:spPr>
+          <a:xfrm>
+            <a:off x="11049000" y="5994400"/>
+            <a:ext cx="12573000" cy="2540000"/>
+          </a:xfrm>
+          <a:prstGeom prst="rect">
+            <a:avLst/>
+          </a:prstGeom>
+        </p:spPr>
+        <p:txBody>
+          <a:bodyPr/>
+          <a:lstStyle/>
+          <a:p>
+            <a:pPr/>
+            <a:r>
+              <a:t>Уровень текста 1</a:t>
+            </a:r>
+          </a:p>
+          <a:p>
+            <a:pPr lvl="1"/>
+            <a:r>
+              <a:t>Уровень текста 2</a:t>
+            </a:r>
+          </a:p>
+          <a:p>
+            <a:pPr lvl="2"/>
+            <a:r>
+              <a:t>Уровень текста 3</a:t>
+            </a:r>
+          </a:p>
+          <a:p>
+            <a:pPr lvl="3"/>
+            <a:r>
+              <a:t>Уровень текста 4</a:t>
+            </a:r>
+          </a:p>
+          <a:p>
+            <a:pPr lvl="4"/>
+            <a:r>
+              <a:t>Уровень текста 5</a:t>
+            </a:r>
+          </a:p>
+        </p:txBody>
+      </p:sp>
+      <p:sp>
+        <p:nvSpPr>
+          <p:cNvPr id="52" name="Номер слайда"/>
+          <p:cNvSpPr txBox="1"/>
+          <p:nvPr>
+            <p:ph type="sldNum" sz="quarter" idx="2"/>
+          </p:nvPr>
+        </p:nvSpPr>
+        <p:spPr>
+          <a:prstGeom prst="rect">
+            <a:avLst/>
+          </a:prstGeom>
+        </p:spPr>
+        <p:txBody>
+          <a:bodyPr/>
+          <a:lstStyle/>
+          <a:p>
+            <a:pPr/>
+            <a:fld id="{86CB4B4D-7CA3-9044-876B-883B54F8677D}" type="slidenum"/>
+          </a:p>
+        </p:txBody>
+      </p:sp>
+    </p:spTree>
+  </p:cSld>
+  <p:clrMapOvr>
+    <a:masterClrMapping/>
+  </p:clrMapOvr>
+  <p:transition xmlns:p14="http://schemas.microsoft.com/office/powerpoint/2010/main" spd="med" advClick="1"/>
+</p:sldLayout>
+</file>
+
+<file path=ppt/slideLayouts/slideLayout6.xml><?xml version="1.0" encoding="utf-8"?>
+<p:sldLayout xmlns:a="http://schemas.openxmlformats.org/drawingml/2006/main" xmlns:r="http://schemas.openxmlformats.org/officeDocument/2006/relationships" xmlns:p="http://schemas.openxmlformats.org/presentationml/2006/main" xmlns:m="http://schemas.openxmlformats.org/officeDocument/2006/math" xmlns:a14="http://schemas.microsoft.com/office/drawing/2010/main" type="tx" showMasterSp="0" showMasterPhAnim="1">
+  <p:cSld name="Заголовок — сверху">
     <p:bg>
       <p:bgPr>
         <a:solidFill>
-          <a:srgbClr val="222222"/>
+          <a:srgbClr val="FFFFFF"/>
         </a:solidFill>
-        <a:effectLst/>
       </p:bgPr>
     </p:bg>
     <p:spTree>
@@ -1781,15 +2354,198 @@
       </p:grpSpPr>
       <p:sp>
         <p:nvSpPr>
-          <p:cNvPr id="150" name="Номер слайда"/>
-          <p:cNvSpPr txBox="1">
-            <a:spLocks noGrp="1"/>
-          </p:cNvSpPr>
+          <p:cNvPr id="59" name="Линия"/>
+          <p:cNvSpPr/>
+          <p:nvPr/>
+        </p:nvSpPr>
+        <p:spPr>
+          <a:xfrm flipV="1">
+            <a:off x="761999" y="1396631"/>
+            <a:ext cx="22860000" cy="370"/>
+          </a:xfrm>
+          <a:prstGeom prst="line">
+            <a:avLst/>
+          </a:prstGeom>
+          <a:ln w="25400">
+            <a:solidFill>
+              <a:srgbClr val="A6AAA9"/>
+            </a:solidFill>
+            <a:miter lim="400000"/>
+          </a:ln>
+        </p:spPr>
+        <p:txBody>
+          <a:bodyPr lIns="45718" tIns="45718" rIns="45718" bIns="45718"/>
+          <a:lstStyle/>
+          <a:p>
+            <a:pPr>
+              <a:defRPr>
+                <a:solidFill>
+                  <a:srgbClr val="838787"/>
+                </a:solidFill>
+              </a:defRPr>
+            </a:pPr>
+          </a:p>
+        </p:txBody>
+      </p:sp>
+      <p:sp>
+        <p:nvSpPr>
+          <p:cNvPr id="60" name="Уровень текста 1…"/>
+          <p:cNvSpPr txBox="1"/>
+          <p:nvPr>
+            <p:ph type="body" sz="quarter" idx="1"/>
+          </p:nvPr>
+        </p:nvSpPr>
+        <p:spPr>
+          <a:xfrm>
+            <a:off x="762000" y="635000"/>
+            <a:ext cx="20955000" cy="635000"/>
+          </a:xfrm>
+          <a:prstGeom prst="rect">
+            <a:avLst/>
+          </a:prstGeom>
+        </p:spPr>
+        <p:txBody>
+          <a:bodyPr/>
+          <a:lstStyle>
+            <a:lvl1pPr defTabSz="647700">
+              <a:spcBef>
+                <a:spcPts val="0"/>
+              </a:spcBef>
+              <a:defRPr spc="180" sz="3600">
+                <a:solidFill>
+                  <a:srgbClr val="838787"/>
+                </a:solidFill>
+              </a:defRPr>
+            </a:lvl1pPr>
+            <a:lvl2pPr marL="1111250" indent="-476250" defTabSz="647700">
+              <a:spcBef>
+                <a:spcPts val="0"/>
+              </a:spcBef>
+              <a:buSzPct val="104999"/>
+              <a:buChar char="‣"/>
+              <a:defRPr spc="180" sz="3600">
+                <a:solidFill>
+                  <a:srgbClr val="838787"/>
+                </a:solidFill>
+              </a:defRPr>
+            </a:lvl2pPr>
+            <a:lvl3pPr marL="1746250" indent="-476250" defTabSz="647700">
+              <a:spcBef>
+                <a:spcPts val="0"/>
+              </a:spcBef>
+              <a:buSzPct val="104999"/>
+              <a:buChar char="‣"/>
+              <a:defRPr spc="180" sz="3600">
+                <a:solidFill>
+                  <a:srgbClr val="838787"/>
+                </a:solidFill>
+              </a:defRPr>
+            </a:lvl3pPr>
+            <a:lvl4pPr marL="2381250" indent="-476250" defTabSz="647700">
+              <a:spcBef>
+                <a:spcPts val="0"/>
+              </a:spcBef>
+              <a:buSzPct val="104999"/>
+              <a:buChar char="‣"/>
+              <a:defRPr spc="180" sz="3600">
+                <a:solidFill>
+                  <a:srgbClr val="838787"/>
+                </a:solidFill>
+              </a:defRPr>
+            </a:lvl4pPr>
+            <a:lvl5pPr marL="3016250" indent="-476250" defTabSz="647700">
+              <a:spcBef>
+                <a:spcPts val="0"/>
+              </a:spcBef>
+              <a:buSzPct val="104999"/>
+              <a:buChar char="‣"/>
+              <a:defRPr spc="180" sz="3600">
+                <a:solidFill>
+                  <a:srgbClr val="838787"/>
+                </a:solidFill>
+              </a:defRPr>
+            </a:lvl5pPr>
+          </a:lstStyle>
+          <a:p>
+            <a:pPr/>
+            <a:r>
+              <a:t>Уровень текста 1</a:t>
+            </a:r>
+          </a:p>
+          <a:p>
+            <a:pPr lvl="1"/>
+            <a:r>
+              <a:t>Уровень текста 2</a:t>
+            </a:r>
+          </a:p>
+          <a:p>
+            <a:pPr lvl="2"/>
+            <a:r>
+              <a:t>Уровень текста 3</a:t>
+            </a:r>
+          </a:p>
+          <a:p>
+            <a:pPr lvl="3"/>
+            <a:r>
+              <a:t>Уровень текста 4</a:t>
+            </a:r>
+          </a:p>
+          <a:p>
+            <a:pPr lvl="4"/>
+            <a:r>
+              <a:t>Уровень текста 5</a:t>
+            </a:r>
+          </a:p>
+        </p:txBody>
+      </p:sp>
+      <p:sp>
+        <p:nvSpPr>
+          <p:cNvPr id="61" name="Текст заголовка"/>
+          <p:cNvSpPr txBox="1"/>
+          <p:nvPr>
+            <p:ph type="title"/>
+          </p:nvPr>
+        </p:nvSpPr>
+        <p:spPr>
+          <a:xfrm>
+            <a:off x="762000" y="2159000"/>
+            <a:ext cx="22860000" cy="1016000"/>
+          </a:xfrm>
+          <a:prstGeom prst="rect">
+            <a:avLst/>
+          </a:prstGeom>
+        </p:spPr>
+        <p:txBody>
+          <a:bodyPr/>
+          <a:lstStyle>
+            <a:lvl1pPr>
+              <a:spcBef>
+                <a:spcPts val="3900"/>
+              </a:spcBef>
+              <a:defRPr sz="8700"/>
+            </a:lvl1pPr>
+          </a:lstStyle>
+          <a:p>
+            <a:pPr/>
+            <a:r>
+              <a:t>Текст заголовка</a:t>
+            </a:r>
+          </a:p>
+        </p:txBody>
+      </p:sp>
+      <p:sp>
+        <p:nvSpPr>
+          <p:cNvPr id="62" name="Номер слайда"/>
+          <p:cNvSpPr txBox="1"/>
           <p:nvPr>
             <p:ph type="sldNum" sz="quarter" idx="2"/>
           </p:nvPr>
         </p:nvSpPr>
         <p:spPr>
+          <a:xfrm>
+            <a:off x="23059652" y="609600"/>
+            <a:ext cx="553196" cy="635000"/>
+          </a:xfrm>
           <a:prstGeom prst="rect">
             <a:avLst/>
           </a:prstGeom>
@@ -1798,10 +2554,8 @@
           <a:bodyPr/>
           <a:lstStyle/>
           <a:p>
-            <a:fld id="{86CB4B4D-7CA3-9044-876B-883B54F8677D}" type="slidenum">
-              <a:t>‹#›</a:t>
-            </a:fld>
-            <a:endParaRPr/>
+            <a:pPr/>
+            <a:fld id="{86CB4B4D-7CA3-9044-876B-883B54F8677D}" type="slidenum"/>
           </a:p>
         </p:txBody>
       </p:sp>
@@ -1810,19 +2564,298 @@
   <p:clrMapOvr>
     <a:masterClrMapping/>
   </p:clrMapOvr>
-  <p:transition spd="med"/>
+  <p:transition xmlns:p14="http://schemas.microsoft.com/office/powerpoint/2010/main" spd="med" advClick="1"/>
 </p:sldLayout>
 </file>
 
-<file path=ppt/slideLayouts/slideLayout2.xml><?xml version="1.0" encoding="utf-8"?>
-<p:sldLayout xmlns:a="http://schemas.openxmlformats.org/drawingml/2006/main" xmlns:r="http://schemas.openxmlformats.org/officeDocument/2006/relationships" xmlns:p="http://schemas.openxmlformats.org/presentationml/2006/main" showMasterSp="0" type="tx">
-  <p:cSld name="Фото — горизонтально">
+<file path=ppt/slideLayouts/slideLayout7.xml><?xml version="1.0" encoding="utf-8"?>
+<p:sldLayout xmlns:a="http://schemas.openxmlformats.org/drawingml/2006/main" xmlns:r="http://schemas.openxmlformats.org/officeDocument/2006/relationships" xmlns:p="http://schemas.openxmlformats.org/presentationml/2006/main" xmlns:m="http://schemas.openxmlformats.org/officeDocument/2006/math" xmlns:a14="http://schemas.microsoft.com/office/drawing/2010/main" type="tx" showMasterSp="0" showMasterPhAnim="1">
+  <p:cSld name="Заголовок и пункты">
+    <p:spTree>
+      <p:nvGrpSpPr>
+        <p:cNvPr id="1" name=""/>
+        <p:cNvGrpSpPr/>
+        <p:nvPr/>
+      </p:nvGrpSpPr>
+      <p:grpSpPr>
+        <a:xfrm>
+          <a:off x="0" y="0"/>
+          <a:ext cx="0" cy="0"/>
+          <a:chOff x="0" y="0"/>
+          <a:chExt cx="0" cy="0"/>
+        </a:xfrm>
+      </p:grpSpPr>
+      <p:sp>
+        <p:nvSpPr>
+          <p:cNvPr id="69" name="Линия"/>
+          <p:cNvSpPr/>
+          <p:nvPr/>
+        </p:nvSpPr>
+        <p:spPr>
+          <a:xfrm flipV="1">
+            <a:off x="761999" y="1396631"/>
+            <a:ext cx="22860000" cy="370"/>
+          </a:xfrm>
+          <a:prstGeom prst="line">
+            <a:avLst/>
+          </a:prstGeom>
+          <a:ln w="25400">
+            <a:solidFill>
+              <a:srgbClr val="A6AAA9"/>
+            </a:solidFill>
+            <a:miter lim="400000"/>
+          </a:ln>
+        </p:spPr>
+        <p:txBody>
+          <a:bodyPr lIns="45718" tIns="45718" rIns="45718" bIns="45718"/>
+          <a:lstStyle/>
+          <a:p>
+            <a:pPr>
+              <a:defRPr>
+                <a:solidFill>
+                  <a:srgbClr val="838787"/>
+                </a:solidFill>
+              </a:defRPr>
+            </a:pPr>
+          </a:p>
+        </p:txBody>
+      </p:sp>
+      <p:sp>
+        <p:nvSpPr>
+          <p:cNvPr id="70" name="Уровень текста 1…"/>
+          <p:cNvSpPr txBox="1"/>
+          <p:nvPr>
+            <p:ph type="body" sz="quarter" idx="1"/>
+          </p:nvPr>
+        </p:nvSpPr>
+        <p:spPr>
+          <a:xfrm>
+            <a:off x="762000" y="635000"/>
+            <a:ext cx="20955000" cy="635000"/>
+          </a:xfrm>
+          <a:prstGeom prst="rect">
+            <a:avLst/>
+          </a:prstGeom>
+        </p:spPr>
+        <p:txBody>
+          <a:bodyPr/>
+          <a:lstStyle>
+            <a:lvl1pPr defTabSz="647700">
+              <a:spcBef>
+                <a:spcPts val="0"/>
+              </a:spcBef>
+              <a:defRPr spc="180" sz="3600">
+                <a:solidFill>
+                  <a:srgbClr val="838787"/>
+                </a:solidFill>
+              </a:defRPr>
+            </a:lvl1pPr>
+            <a:lvl2pPr marL="1111250" indent="-476250" defTabSz="647700">
+              <a:spcBef>
+                <a:spcPts val="0"/>
+              </a:spcBef>
+              <a:buSzPct val="104999"/>
+              <a:buChar char="‣"/>
+              <a:defRPr spc="180" sz="3600">
+                <a:solidFill>
+                  <a:srgbClr val="838787"/>
+                </a:solidFill>
+              </a:defRPr>
+            </a:lvl2pPr>
+            <a:lvl3pPr marL="1746250" indent="-476250" defTabSz="647700">
+              <a:spcBef>
+                <a:spcPts val="0"/>
+              </a:spcBef>
+              <a:buSzPct val="104999"/>
+              <a:buChar char="‣"/>
+              <a:defRPr spc="180" sz="3600">
+                <a:solidFill>
+                  <a:srgbClr val="838787"/>
+                </a:solidFill>
+              </a:defRPr>
+            </a:lvl3pPr>
+            <a:lvl4pPr marL="2381250" indent="-476250" defTabSz="647700">
+              <a:spcBef>
+                <a:spcPts val="0"/>
+              </a:spcBef>
+              <a:buSzPct val="104999"/>
+              <a:buChar char="‣"/>
+              <a:defRPr spc="180" sz="3600">
+                <a:solidFill>
+                  <a:srgbClr val="838787"/>
+                </a:solidFill>
+              </a:defRPr>
+            </a:lvl4pPr>
+            <a:lvl5pPr marL="3016250" indent="-476250" defTabSz="647700">
+              <a:spcBef>
+                <a:spcPts val="0"/>
+              </a:spcBef>
+              <a:buSzPct val="104999"/>
+              <a:buChar char="‣"/>
+              <a:defRPr spc="180" sz="3600">
+                <a:solidFill>
+                  <a:srgbClr val="838787"/>
+                </a:solidFill>
+              </a:defRPr>
+            </a:lvl5pPr>
+          </a:lstStyle>
+          <a:p>
+            <a:pPr/>
+            <a:r>
+              <a:t>Уровень текста 1</a:t>
+            </a:r>
+          </a:p>
+          <a:p>
+            <a:pPr lvl="1"/>
+            <a:r>
+              <a:t>Уровень текста 2</a:t>
+            </a:r>
+          </a:p>
+          <a:p>
+            <a:pPr lvl="2"/>
+            <a:r>
+              <a:t>Уровень текста 3</a:t>
+            </a:r>
+          </a:p>
+          <a:p>
+            <a:pPr lvl="3"/>
+            <a:r>
+              <a:t>Уровень текста 4</a:t>
+            </a:r>
+          </a:p>
+          <a:p>
+            <a:pPr lvl="4"/>
+            <a:r>
+              <a:t>Уровень текста 5</a:t>
+            </a:r>
+          </a:p>
+        </p:txBody>
+      </p:sp>
+      <p:sp>
+        <p:nvSpPr>
+          <p:cNvPr id="71" name="Текст заголовка"/>
+          <p:cNvSpPr txBox="1"/>
+          <p:nvPr>
+            <p:ph type="title"/>
+          </p:nvPr>
+        </p:nvSpPr>
+        <p:spPr>
+          <a:xfrm>
+            <a:off x="762000" y="2159000"/>
+            <a:ext cx="22860000" cy="1016000"/>
+          </a:xfrm>
+          <a:prstGeom prst="rect">
+            <a:avLst/>
+          </a:prstGeom>
+        </p:spPr>
+        <p:txBody>
+          <a:bodyPr/>
+          <a:lstStyle>
+            <a:lvl1pPr>
+              <a:spcBef>
+                <a:spcPts val="3900"/>
+              </a:spcBef>
+              <a:defRPr sz="8700"/>
+            </a:lvl1pPr>
+          </a:lstStyle>
+          <a:p>
+            <a:pPr/>
+            <a:r>
+              <a:t>Текст заголовка</a:t>
+            </a:r>
+          </a:p>
+        </p:txBody>
+      </p:sp>
+      <p:sp>
+        <p:nvSpPr>
+          <p:cNvPr id="72" name="Уровень текста 1…"/>
+          <p:cNvSpPr txBox="1"/>
+          <p:nvPr>
+            <p:ph type="body" idx="21"/>
+          </p:nvPr>
+        </p:nvSpPr>
+        <p:spPr>
+          <a:xfrm>
+            <a:off x="762000" y="3860800"/>
+            <a:ext cx="22860000" cy="8585200"/>
+          </a:xfrm>
+          <a:prstGeom prst="rect">
+            <a:avLst/>
+          </a:prstGeom>
+        </p:spPr>
+        <p:txBody>
+          <a:bodyPr anchor="t"/>
+          <a:lstStyle/>
+          <a:p>
+            <a:pPr marL="635000" indent="-635000">
+              <a:lnSpc>
+                <a:spcPct val="100000"/>
+              </a:lnSpc>
+              <a:spcBef>
+                <a:spcPts val="3900"/>
+              </a:spcBef>
+              <a:buClr>
+                <a:schemeClr val="accent1"/>
+              </a:buClr>
+              <a:buSzPct val="104999"/>
+              <a:buFont typeface="Avenir Next Regular"/>
+              <a:buChar char="▸"/>
+              <a:defRPr cap="none" sz="4800">
+                <a:solidFill>
+                  <a:srgbClr val="838787"/>
+                </a:solidFill>
+                <a:latin typeface="Avenir Next Medium"/>
+                <a:ea typeface="Avenir Next Medium"/>
+                <a:cs typeface="Avenir Next Medium"/>
+                <a:sym typeface="Avenir Next Medium"/>
+              </a:defRPr>
+            </a:pPr>
+          </a:p>
+        </p:txBody>
+      </p:sp>
+      <p:sp>
+        <p:nvSpPr>
+          <p:cNvPr id="73" name="Номер слайда"/>
+          <p:cNvSpPr txBox="1"/>
+          <p:nvPr>
+            <p:ph type="sldNum" sz="quarter" idx="2"/>
+          </p:nvPr>
+        </p:nvSpPr>
+        <p:spPr>
+          <a:xfrm>
+            <a:off x="23059652" y="609600"/>
+            <a:ext cx="553196" cy="635000"/>
+          </a:xfrm>
+          <a:prstGeom prst="rect">
+            <a:avLst/>
+          </a:prstGeom>
+        </p:spPr>
+        <p:txBody>
+          <a:bodyPr/>
+          <a:lstStyle/>
+          <a:p>
+            <a:pPr/>
+            <a:fld id="{86CB4B4D-7CA3-9044-876B-883B54F8677D}" type="slidenum"/>
+          </a:p>
+        </p:txBody>
+      </p:sp>
+    </p:spTree>
+  </p:cSld>
+  <p:clrMapOvr>
+    <a:masterClrMapping/>
+  </p:clrMapOvr>
+  <p:transition xmlns:p14="http://schemas.microsoft.com/office/powerpoint/2010/main" spd="med" advClick="1"/>
+</p:sldLayout>
+</file>
+
+<file path=ppt/slideLayouts/slideLayout8.xml><?xml version="1.0" encoding="utf-8"?>
+<p:sldLayout xmlns:a="http://schemas.openxmlformats.org/drawingml/2006/main" xmlns:r="http://schemas.openxmlformats.org/officeDocument/2006/relationships" xmlns:p="http://schemas.openxmlformats.org/presentationml/2006/main" xmlns:m="http://schemas.openxmlformats.org/officeDocument/2006/math" xmlns:a14="http://schemas.microsoft.com/office/drawing/2010/main" type="tx" showMasterSp="0" showMasterPhAnim="1">
+  <p:cSld name="Заголовок и пункты (вариант)">
     <p:bg>
       <p:bgPr>
         <a:solidFill>
-          <a:srgbClr val="222222"/>
+          <a:srgbClr val="FFFFFF"/>
         </a:solidFill>
-        <a:effectLst/>
       </p:bgPr>
     </p:bg>
     <p:spTree>
@@ -1841,48 +2874,19 @@
       </p:grpSpPr>
       <p:sp>
         <p:nvSpPr>
-          <p:cNvPr id="22" name="Чёрно-белый аэрофотоснимок человека, стоящего на дамбе"/>
-          <p:cNvSpPr>
-            <a:spLocks noGrp="1"/>
-          </p:cNvSpPr>
-          <p:nvPr>
-            <p:ph type="pic" idx="21"/>
-          </p:nvPr>
-        </p:nvSpPr>
-        <p:spPr>
-          <a:xfrm>
-            <a:off x="-38100" y="-1219200"/>
-            <a:ext cx="24460200" cy="16145934"/>
-          </a:xfrm>
-          <a:prstGeom prst="rect">
-            <a:avLst/>
-          </a:prstGeom>
-        </p:spPr>
-        <p:txBody>
-          <a:bodyPr lIns="91439" tIns="45719" rIns="91439" bIns="45719">
-            <a:noAutofit/>
-          </a:bodyPr>
-          <a:lstStyle/>
-          <a:p>
-            <a:endParaRPr/>
-          </a:p>
-        </p:txBody>
-      </p:sp>
-      <p:sp>
-        <p:nvSpPr>
-          <p:cNvPr id="23" name="Линия"/>
+          <p:cNvPr id="80" name="Линия"/>
           <p:cNvSpPr/>
           <p:nvPr/>
         </p:nvSpPr>
         <p:spPr>
           <a:xfrm flipV="1">
-            <a:off x="762000" y="8635632"/>
-            <a:ext cx="22859999" cy="369"/>
+            <a:off x="761999" y="1396631"/>
+            <a:ext cx="22860000" cy="370"/>
           </a:xfrm>
           <a:prstGeom prst="line">
             <a:avLst/>
           </a:prstGeom>
-          <a:ln w="50800">
+          <a:ln w="25400">
             <a:solidFill>
               <a:srgbClr val="A6AAA9"/>
             </a:solidFill>
@@ -1890,41 +2894,142 @@
           </a:ln>
         </p:spPr>
         <p:txBody>
-          <a:bodyPr lIns="50800" tIns="50800" rIns="50800" bIns="50800" anchor="ctr"/>
+          <a:bodyPr lIns="45718" tIns="45718" rIns="45718" bIns="45718"/>
           <a:lstStyle/>
           <a:p>
-            <a:pPr defTabSz="457200">
-              <a:spcBef>
-                <a:spcPts val="0"/>
-              </a:spcBef>
-              <a:defRPr sz="1200">
+            <a:pPr>
+              <a:defRPr>
                 <a:solidFill>
-                  <a:srgbClr val="000000"/>
+                  <a:srgbClr val="838787"/>
                 </a:solidFill>
-                <a:latin typeface="Helvetica"/>
-                <a:ea typeface="Helvetica"/>
-                <a:cs typeface="Helvetica"/>
-                <a:sym typeface="Helvetica"/>
               </a:defRPr>
             </a:pPr>
-            <a:endParaRPr/>
           </a:p>
         </p:txBody>
       </p:sp>
       <p:sp>
         <p:nvSpPr>
-          <p:cNvPr id="24" name="Текст заголовка"/>
-          <p:cNvSpPr txBox="1">
-            <a:spLocks noGrp="1"/>
-          </p:cNvSpPr>
+          <p:cNvPr id="81" name="Уровень текста 1…"/>
+          <p:cNvSpPr txBox="1"/>
+          <p:nvPr>
+            <p:ph type="body" sz="quarter" idx="1"/>
+          </p:nvPr>
+        </p:nvSpPr>
+        <p:spPr>
+          <a:xfrm>
+            <a:off x="762000" y="635000"/>
+            <a:ext cx="20955000" cy="635000"/>
+          </a:xfrm>
+          <a:prstGeom prst="rect">
+            <a:avLst/>
+          </a:prstGeom>
+        </p:spPr>
+        <p:txBody>
+          <a:bodyPr/>
+          <a:lstStyle>
+            <a:lvl1pPr defTabSz="647700">
+              <a:spcBef>
+                <a:spcPts val="0"/>
+              </a:spcBef>
+              <a:defRPr spc="180" sz="3600">
+                <a:solidFill>
+                  <a:srgbClr val="838787"/>
+                </a:solidFill>
+              </a:defRPr>
+            </a:lvl1pPr>
+            <a:lvl2pPr marL="1111250" indent="-476250" defTabSz="647700">
+              <a:spcBef>
+                <a:spcPts val="0"/>
+              </a:spcBef>
+              <a:buSzPct val="104999"/>
+              <a:buChar char="‣"/>
+              <a:defRPr spc="180" sz="3600">
+                <a:solidFill>
+                  <a:srgbClr val="838787"/>
+                </a:solidFill>
+              </a:defRPr>
+            </a:lvl2pPr>
+            <a:lvl3pPr marL="1746250" indent="-476250" defTabSz="647700">
+              <a:spcBef>
+                <a:spcPts val="0"/>
+              </a:spcBef>
+              <a:buSzPct val="104999"/>
+              <a:buChar char="‣"/>
+              <a:defRPr spc="180" sz="3600">
+                <a:solidFill>
+                  <a:srgbClr val="838787"/>
+                </a:solidFill>
+              </a:defRPr>
+            </a:lvl3pPr>
+            <a:lvl4pPr marL="2381250" indent="-476250" defTabSz="647700">
+              <a:spcBef>
+                <a:spcPts val="0"/>
+              </a:spcBef>
+              <a:buSzPct val="104999"/>
+              <a:buChar char="‣"/>
+              <a:defRPr spc="180" sz="3600">
+                <a:solidFill>
+                  <a:srgbClr val="838787"/>
+                </a:solidFill>
+              </a:defRPr>
+            </a:lvl4pPr>
+            <a:lvl5pPr marL="3016250" indent="-476250" defTabSz="647700">
+              <a:spcBef>
+                <a:spcPts val="0"/>
+              </a:spcBef>
+              <a:buSzPct val="104999"/>
+              <a:buChar char="‣"/>
+              <a:defRPr spc="180" sz="3600">
+                <a:solidFill>
+                  <a:srgbClr val="838787"/>
+                </a:solidFill>
+              </a:defRPr>
+            </a:lvl5pPr>
+          </a:lstStyle>
+          <a:p>
+            <a:pPr/>
+            <a:r>
+              <a:t>Уровень текста 1</a:t>
+            </a:r>
+          </a:p>
+          <a:p>
+            <a:pPr lvl="1"/>
+            <a:r>
+              <a:t>Уровень текста 2</a:t>
+            </a:r>
+          </a:p>
+          <a:p>
+            <a:pPr lvl="2"/>
+            <a:r>
+              <a:t>Уровень текста 3</a:t>
+            </a:r>
+          </a:p>
+          <a:p>
+            <a:pPr lvl="3"/>
+            <a:r>
+              <a:t>Уровень текста 4</a:t>
+            </a:r>
+          </a:p>
+          <a:p>
+            <a:pPr lvl="4"/>
+            <a:r>
+              <a:t>Уровень текста 5</a:t>
+            </a:r>
+          </a:p>
+        </p:txBody>
+      </p:sp>
+      <p:sp>
+        <p:nvSpPr>
+          <p:cNvPr id="82" name="Текст заголовка"/>
+          <p:cNvSpPr txBox="1"/>
           <p:nvPr>
             <p:ph type="title"/>
           </p:nvPr>
         </p:nvSpPr>
         <p:spPr>
           <a:xfrm>
-            <a:off x="762000" y="9042400"/>
-            <a:ext cx="22860000" cy="3810000"/>
+            <a:off x="762000" y="2159000"/>
+            <a:ext cx="22860000" cy="1016000"/>
           </a:xfrm>
           <a:prstGeom prst="rect">
             <a:avLst/>
@@ -1935,12 +3040,13 @@
           <a:lstStyle>
             <a:lvl1pPr>
               <a:spcBef>
-                <a:spcPts val="0"/>
+                <a:spcPts val="3900"/>
               </a:spcBef>
-              <a:defRPr sz="30300"/>
+              <a:defRPr sz="8700"/>
             </a:lvl1pPr>
           </a:lstStyle>
           <a:p>
+            <a:pPr/>
             <a:r>
               <a:t>Текст заголовка</a:t>
             </a:r>
@@ -1949,177 +3055,63 @@
       </p:sp>
       <p:sp>
         <p:nvSpPr>
-          <p:cNvPr id="25" name="Уровень текста 1…"/>
-          <p:cNvSpPr txBox="1">
-            <a:spLocks noGrp="1"/>
-          </p:cNvSpPr>
+          <p:cNvPr id="83" name="Уровень текста 1…"/>
+          <p:cNvSpPr txBox="1"/>
           <p:nvPr>
-            <p:ph type="body" sz="quarter" idx="1"/>
+            <p:ph type="body" idx="21"/>
           </p:nvPr>
         </p:nvSpPr>
         <p:spPr>
           <a:xfrm>
-            <a:off x="762000" y="5994400"/>
-            <a:ext cx="22860000" cy="2540000"/>
+            <a:off x="762000" y="3860800"/>
+            <a:ext cx="22860000" cy="8585200"/>
           </a:xfrm>
           <a:prstGeom prst="rect">
             <a:avLst/>
           </a:prstGeom>
         </p:spPr>
         <p:txBody>
-          <a:bodyPr anchor="b"/>
-          <a:lstStyle>
-            <a:lvl1pPr marL="0" indent="0">
+          <a:bodyPr anchor="t"/>
+          <a:lstStyle/>
+          <a:p>
+            <a:pPr marL="635000" indent="-635000">
               <a:lnSpc>
-                <a:spcPct val="80000"/>
+                <a:spcPct val="100000"/>
               </a:lnSpc>
               <a:spcBef>
-                <a:spcPts val="3200"/>
+                <a:spcPts val="3900"/>
               </a:spcBef>
-              <a:buClrTx/>
-              <a:buSzTx/>
-              <a:buFontTx/>
-              <a:buNone/>
-              <a:defRPr sz="7700" cap="all">
+              <a:buClr>
+                <a:schemeClr val="accent1"/>
+              </a:buClr>
+              <a:buSzPct val="104999"/>
+              <a:buFont typeface="Avenir Next Regular"/>
+              <a:buChar char="▸"/>
+              <a:defRPr cap="none" sz="4800">
                 <a:solidFill>
-                  <a:srgbClr val="A6AAA9"/>
+                  <a:srgbClr val="838787"/>
                 </a:solidFill>
-                <a:latin typeface="DIN Alternate Bold"/>
-                <a:ea typeface="DIN Alternate Bold"/>
-                <a:cs typeface="DIN Alternate Bold"/>
-                <a:sym typeface="DIN Alternate Bold"/>
+                <a:latin typeface="Avenir Next Medium"/>
+                <a:ea typeface="Avenir Next Medium"/>
+                <a:cs typeface="Avenir Next Medium"/>
+                <a:sym typeface="Avenir Next Medium"/>
               </a:defRPr>
-            </a:lvl1pPr>
-            <a:lvl2pPr marL="0" indent="0">
-              <a:lnSpc>
-                <a:spcPct val="80000"/>
-              </a:lnSpc>
-              <a:spcBef>
-                <a:spcPts val="3200"/>
-              </a:spcBef>
-              <a:buClrTx/>
-              <a:buSzTx/>
-              <a:buFontTx/>
-              <a:buNone/>
-              <a:defRPr sz="7700" cap="all">
-                <a:solidFill>
-                  <a:srgbClr val="A6AAA9"/>
-                </a:solidFill>
-                <a:latin typeface="DIN Alternate Bold"/>
-                <a:ea typeface="DIN Alternate Bold"/>
-                <a:cs typeface="DIN Alternate Bold"/>
-                <a:sym typeface="DIN Alternate Bold"/>
-              </a:defRPr>
-            </a:lvl2pPr>
-            <a:lvl3pPr marL="0" indent="0">
-              <a:lnSpc>
-                <a:spcPct val="80000"/>
-              </a:lnSpc>
-              <a:spcBef>
-                <a:spcPts val="3200"/>
-              </a:spcBef>
-              <a:buClrTx/>
-              <a:buSzTx/>
-              <a:buFontTx/>
-              <a:buNone/>
-              <a:defRPr sz="7700" cap="all">
-                <a:solidFill>
-                  <a:srgbClr val="A6AAA9"/>
-                </a:solidFill>
-                <a:latin typeface="DIN Alternate Bold"/>
-                <a:ea typeface="DIN Alternate Bold"/>
-                <a:cs typeface="DIN Alternate Bold"/>
-                <a:sym typeface="DIN Alternate Bold"/>
-              </a:defRPr>
-            </a:lvl3pPr>
-            <a:lvl4pPr marL="0" indent="0">
-              <a:lnSpc>
-                <a:spcPct val="80000"/>
-              </a:lnSpc>
-              <a:spcBef>
-                <a:spcPts val="3200"/>
-              </a:spcBef>
-              <a:buClrTx/>
-              <a:buSzTx/>
-              <a:buFontTx/>
-              <a:buNone/>
-              <a:defRPr sz="7700" cap="all">
-                <a:solidFill>
-                  <a:srgbClr val="A6AAA9"/>
-                </a:solidFill>
-                <a:latin typeface="DIN Alternate Bold"/>
-                <a:ea typeface="DIN Alternate Bold"/>
-                <a:cs typeface="DIN Alternate Bold"/>
-                <a:sym typeface="DIN Alternate Bold"/>
-              </a:defRPr>
-            </a:lvl4pPr>
-            <a:lvl5pPr marL="0" indent="0">
-              <a:lnSpc>
-                <a:spcPct val="80000"/>
-              </a:lnSpc>
-              <a:spcBef>
-                <a:spcPts val="3200"/>
-              </a:spcBef>
-              <a:buClrTx/>
-              <a:buSzTx/>
-              <a:buFontTx/>
-              <a:buNone/>
-              <a:defRPr sz="7700" cap="all">
-                <a:solidFill>
-                  <a:srgbClr val="A6AAA9"/>
-                </a:solidFill>
-                <a:latin typeface="DIN Alternate Bold"/>
-                <a:ea typeface="DIN Alternate Bold"/>
-                <a:cs typeface="DIN Alternate Bold"/>
-                <a:sym typeface="DIN Alternate Bold"/>
-              </a:defRPr>
-            </a:lvl5pPr>
-          </a:lstStyle>
-          <a:p>
-            <a:r>
-              <a:t>Уровень текста 1</a:t>
-            </a:r>
-          </a:p>
-          <a:p>
-            <a:pPr lvl="1"/>
-            <a:r>
-              <a:t>Уровень текста 2</a:t>
-            </a:r>
-          </a:p>
-          <a:p>
-            <a:pPr lvl="2"/>
-            <a:r>
-              <a:t>Уровень текста 3</a:t>
-            </a:r>
-          </a:p>
-          <a:p>
-            <a:pPr lvl="3"/>
-            <a:r>
-              <a:t>Уровень текста 4</a:t>
-            </a:r>
-          </a:p>
-          <a:p>
-            <a:pPr lvl="4"/>
-            <a:r>
-              <a:t>Уровень текста 5</a:t>
-            </a:r>
+            </a:pPr>
           </a:p>
         </p:txBody>
       </p:sp>
       <p:sp>
         <p:nvSpPr>
-          <p:cNvPr id="26" name="Номер слайда"/>
-          <p:cNvSpPr txBox="1">
-            <a:spLocks noGrp="1"/>
-          </p:cNvSpPr>
+          <p:cNvPr id="84" name="Номер слайда"/>
+          <p:cNvSpPr txBox="1"/>
           <p:nvPr>
             <p:ph type="sldNum" sz="quarter" idx="2"/>
           </p:nvPr>
         </p:nvSpPr>
         <p:spPr>
           <a:xfrm>
-            <a:off x="23063200" y="609600"/>
-            <a:ext cx="553195" cy="635000"/>
+            <a:off x="23059652" y="609600"/>
+            <a:ext cx="553196" cy="635000"/>
           </a:xfrm>
           <a:prstGeom prst="rect">
             <a:avLst/>
@@ -2129,10 +3121,8 @@
           <a:bodyPr/>
           <a:lstStyle/>
           <a:p>
-            <a:fld id="{86CB4B4D-7CA3-9044-876B-883B54F8677D}" type="slidenum">
-              <a:t>‹#›</a:t>
-            </a:fld>
-            <a:endParaRPr/>
+            <a:pPr/>
+            <a:fld id="{86CB4B4D-7CA3-9044-876B-883B54F8677D}" type="slidenum"/>
           </a:p>
         </p:txBody>
       </p:sp>
@@ -2141,13 +3131,13 @@
   <p:clrMapOvr>
     <a:masterClrMapping/>
   </p:clrMapOvr>
-  <p:transition spd="med"/>
+  <p:transition xmlns:p14="http://schemas.microsoft.com/office/powerpoint/2010/main" spd="med" advClick="1"/>
 </p:sldLayout>
 </file>
 
-<file path=ppt/slideLayouts/slideLayout3.xml><?xml version="1.0" encoding="utf-8"?>
-<p:sldLayout xmlns:a="http://schemas.openxmlformats.org/drawingml/2006/main" xmlns:r="http://schemas.openxmlformats.org/officeDocument/2006/relationships" xmlns:p="http://schemas.openxmlformats.org/presentationml/2006/main" showMasterSp="0" type="tx">
-  <p:cSld name="Заголовок и подзаголовок (вариант)">
+<file path=ppt/slideLayouts/slideLayout9.xml><?xml version="1.0" encoding="utf-8"?>
+<p:sldLayout xmlns:a="http://schemas.openxmlformats.org/drawingml/2006/main" xmlns:r="http://schemas.openxmlformats.org/officeDocument/2006/relationships" xmlns:p="http://schemas.openxmlformats.org/presentationml/2006/main" xmlns:m="http://schemas.openxmlformats.org/officeDocument/2006/math" xmlns:a14="http://schemas.microsoft.com/office/drawing/2010/main" type="tx" showMasterSp="0" showMasterPhAnim="1">
+  <p:cSld name="Заголовок, пункты и фото">
     <p:spTree>
       <p:nvGrpSpPr>
         <p:cNvPr id="1" name=""/>
@@ -2164,19 +3154,19 @@
       </p:grpSpPr>
       <p:sp>
         <p:nvSpPr>
-          <p:cNvPr id="33" name="Линия"/>
+          <p:cNvPr id="91" name="Линия"/>
           <p:cNvSpPr/>
           <p:nvPr/>
         </p:nvSpPr>
         <p:spPr>
           <a:xfrm flipV="1">
-            <a:off x="762000" y="8635632"/>
-            <a:ext cx="22859999" cy="369"/>
+            <a:off x="761999" y="1396631"/>
+            <a:ext cx="22860000" cy="370"/>
           </a:xfrm>
           <a:prstGeom prst="line">
             <a:avLst/>
           </a:prstGeom>
-          <a:ln w="50800">
+          <a:ln w="25400">
             <a:solidFill>
               <a:srgbClr val="A6AAA9"/>
             </a:solidFill>
@@ -2184,41 +3174,169 @@
           </a:ln>
         </p:spPr>
         <p:txBody>
-          <a:bodyPr lIns="50800" tIns="50800" rIns="50800" bIns="50800" anchor="ctr"/>
+          <a:bodyPr lIns="45718" tIns="45718" rIns="45718" bIns="45718"/>
           <a:lstStyle/>
           <a:p>
-            <a:pPr defTabSz="457200">
-              <a:spcBef>
-                <a:spcPts val="0"/>
-              </a:spcBef>
-              <a:defRPr sz="1200">
+            <a:pPr>
+              <a:defRPr>
                 <a:solidFill>
-                  <a:srgbClr val="000000"/>
+                  <a:srgbClr val="838787"/>
                 </a:solidFill>
-                <a:latin typeface="Helvetica"/>
-                <a:ea typeface="Helvetica"/>
-                <a:cs typeface="Helvetica"/>
-                <a:sym typeface="Helvetica"/>
               </a:defRPr>
             </a:pPr>
-            <a:endParaRPr/>
           </a:p>
         </p:txBody>
       </p:sp>
       <p:sp>
         <p:nvSpPr>
-          <p:cNvPr id="34" name="Текст заголовка"/>
-          <p:cNvSpPr txBox="1">
-            <a:spLocks noGrp="1"/>
-          </p:cNvSpPr>
+          <p:cNvPr id="92" name="Уровень текста 1…"/>
+          <p:cNvSpPr txBox="1"/>
+          <p:nvPr>
+            <p:ph type="body" sz="quarter" idx="1"/>
+          </p:nvPr>
+        </p:nvSpPr>
+        <p:spPr>
+          <a:xfrm>
+            <a:off x="762000" y="635000"/>
+            <a:ext cx="20955000" cy="635000"/>
+          </a:xfrm>
+          <a:prstGeom prst="rect">
+            <a:avLst/>
+          </a:prstGeom>
+        </p:spPr>
+        <p:txBody>
+          <a:bodyPr/>
+          <a:lstStyle>
+            <a:lvl1pPr defTabSz="647700">
+              <a:spcBef>
+                <a:spcPts val="0"/>
+              </a:spcBef>
+              <a:defRPr spc="180" sz="3600">
+                <a:solidFill>
+                  <a:srgbClr val="838787"/>
+                </a:solidFill>
+              </a:defRPr>
+            </a:lvl1pPr>
+            <a:lvl2pPr marL="1111250" indent="-476250" defTabSz="647700">
+              <a:spcBef>
+                <a:spcPts val="0"/>
+              </a:spcBef>
+              <a:buSzPct val="104999"/>
+              <a:buChar char="‣"/>
+              <a:defRPr spc="180" sz="3600">
+                <a:solidFill>
+                  <a:srgbClr val="838787"/>
+                </a:solidFill>
+              </a:defRPr>
+            </a:lvl2pPr>
+            <a:lvl3pPr marL="1746250" indent="-476250" defTabSz="647700">
+              <a:spcBef>
+                <a:spcPts val="0"/>
+              </a:spcBef>
+              <a:buSzPct val="104999"/>
+              <a:buChar char="‣"/>
+              <a:defRPr spc="180" sz="3600">
+                <a:solidFill>
+                  <a:srgbClr val="838787"/>
+                </a:solidFill>
+              </a:defRPr>
+            </a:lvl3pPr>
+            <a:lvl4pPr marL="2381250" indent="-476250" defTabSz="647700">
+              <a:spcBef>
+                <a:spcPts val="0"/>
+              </a:spcBef>
+              <a:buSzPct val="104999"/>
+              <a:buChar char="‣"/>
+              <a:defRPr spc="180" sz="3600">
+                <a:solidFill>
+                  <a:srgbClr val="838787"/>
+                </a:solidFill>
+              </a:defRPr>
+            </a:lvl4pPr>
+            <a:lvl5pPr marL="3016250" indent="-476250" defTabSz="647700">
+              <a:spcBef>
+                <a:spcPts val="0"/>
+              </a:spcBef>
+              <a:buSzPct val="104999"/>
+              <a:buChar char="‣"/>
+              <a:defRPr spc="180" sz="3600">
+                <a:solidFill>
+                  <a:srgbClr val="838787"/>
+                </a:solidFill>
+              </a:defRPr>
+            </a:lvl5pPr>
+          </a:lstStyle>
+          <a:p>
+            <a:pPr/>
+            <a:r>
+              <a:t>Уровень текста 1</a:t>
+            </a:r>
+          </a:p>
+          <a:p>
+            <a:pPr lvl="1"/>
+            <a:r>
+              <a:t>Уровень текста 2</a:t>
+            </a:r>
+          </a:p>
+          <a:p>
+            <a:pPr lvl="2"/>
+            <a:r>
+              <a:t>Уровень текста 3</a:t>
+            </a:r>
+          </a:p>
+          <a:p>
+            <a:pPr lvl="3"/>
+            <a:r>
+              <a:t>Уровень текста 4</a:t>
+            </a:r>
+          </a:p>
+          <a:p>
+            <a:pPr lvl="4"/>
+            <a:r>
+              <a:t>Уровень текста 5</a:t>
+            </a:r>
+          </a:p>
+        </p:txBody>
+      </p:sp>
+      <p:sp>
+        <p:nvSpPr>
+          <p:cNvPr id="93" name="Чёрно-белое фото ветряных мельниц на фоне облаков"/>
+          <p:cNvSpPr/>
+          <p:nvPr>
+            <p:ph type="pic" idx="21"/>
+          </p:nvPr>
+        </p:nvSpPr>
+        <p:spPr>
+          <a:xfrm>
+            <a:off x="13258800" y="0"/>
+            <a:ext cx="12428272" cy="13716000"/>
+          </a:xfrm>
+          <a:prstGeom prst="rect">
+            <a:avLst/>
+          </a:prstGeom>
+        </p:spPr>
+        <p:txBody>
+          <a:bodyPr lIns="91439" tIns="45719" rIns="91439" bIns="45719" anchor="t">
+            <a:noAutofit/>
+          </a:bodyPr>
+          <a:lstStyle/>
+          <a:p>
+            <a:pPr/>
+          </a:p>
+        </p:txBody>
+      </p:sp>
+      <p:sp>
+        <p:nvSpPr>
+          <p:cNvPr id="94" name="Текст заголовка"/>
+          <p:cNvSpPr txBox="1"/>
           <p:nvPr>
             <p:ph type="title"/>
           </p:nvPr>
         </p:nvSpPr>
         <p:spPr>
           <a:xfrm>
-            <a:off x="762000" y="9042400"/>
-            <a:ext cx="22860000" cy="3810000"/>
+            <a:off x="762000" y="2159000"/>
+            <a:ext cx="11811000" cy="1016000"/>
           </a:xfrm>
           <a:prstGeom prst="rect">
             <a:avLst/>
@@ -2229,12 +3347,13 @@
           <a:lstStyle>
             <a:lvl1pPr>
               <a:spcBef>
-                <a:spcPts val="0"/>
+                <a:spcPts val="3900"/>
               </a:spcBef>
-              <a:defRPr sz="30300"/>
+              <a:defRPr sz="8700"/>
             </a:lvl1pPr>
           </a:lstStyle>
           <a:p>
+            <a:pPr/>
             <a:r>
               <a:t>Текст заголовка</a:t>
             </a:r>
@@ -2243,177 +3362,63 @@
       </p:sp>
       <p:sp>
         <p:nvSpPr>
-          <p:cNvPr id="35" name="Уровень текста 1…"/>
-          <p:cNvSpPr txBox="1">
-            <a:spLocks noGrp="1"/>
-          </p:cNvSpPr>
+          <p:cNvPr id="95" name="Уровень текста 1…"/>
+          <p:cNvSpPr txBox="1"/>
           <p:nvPr>
-            <p:ph type="body" sz="quarter" idx="1"/>
+            <p:ph type="body" sz="half" idx="22"/>
           </p:nvPr>
         </p:nvSpPr>
         <p:spPr>
           <a:xfrm>
-            <a:off x="762000" y="5994400"/>
-            <a:ext cx="22860000" cy="2540000"/>
+            <a:off x="762000" y="3860800"/>
+            <a:ext cx="11811000" cy="8585200"/>
           </a:xfrm>
           <a:prstGeom prst="rect">
             <a:avLst/>
           </a:prstGeom>
         </p:spPr>
         <p:txBody>
-          <a:bodyPr anchor="b"/>
-          <a:lstStyle>
-            <a:lvl1pPr marL="0" indent="0">
+          <a:bodyPr anchor="t"/>
+          <a:lstStyle/>
+          <a:p>
+            <a:pPr marL="635000" indent="-635000">
               <a:lnSpc>
-                <a:spcPct val="80000"/>
+                <a:spcPct val="100000"/>
               </a:lnSpc>
               <a:spcBef>
-                <a:spcPts val="3200"/>
+                <a:spcPts val="3900"/>
               </a:spcBef>
-              <a:buClrTx/>
-              <a:buSzTx/>
-              <a:buFontTx/>
-              <a:buNone/>
-              <a:defRPr sz="7700" cap="all">
+              <a:buClr>
+                <a:schemeClr val="accent1"/>
+              </a:buClr>
+              <a:buSzPct val="104999"/>
+              <a:buFont typeface="Avenir Next Regular"/>
+              <a:buChar char="▸"/>
+              <a:defRPr cap="none" sz="4000">
                 <a:solidFill>
-                  <a:srgbClr val="A6AAA9"/>
+                  <a:srgbClr val="838787"/>
                 </a:solidFill>
-                <a:latin typeface="DIN Alternate Bold"/>
-                <a:ea typeface="DIN Alternate Bold"/>
-                <a:cs typeface="DIN Alternate Bold"/>
-                <a:sym typeface="DIN Alternate Bold"/>
+                <a:latin typeface="Avenir Next Medium"/>
+                <a:ea typeface="Avenir Next Medium"/>
+                <a:cs typeface="Avenir Next Medium"/>
+                <a:sym typeface="Avenir Next Medium"/>
               </a:defRPr>
-            </a:lvl1pPr>
-            <a:lvl2pPr marL="0" indent="0">
-              <a:lnSpc>
-                <a:spcPct val="80000"/>
-              </a:lnSpc>
-              <a:spcBef>
-                <a:spcPts val="3200"/>
-              </a:spcBef>
-              <a:buClrTx/>
-              <a:buSzTx/>
-              <a:buFontTx/>
-              <a:buNone/>
-              <a:defRPr sz="7700" cap="all">
-                <a:solidFill>
-                  <a:srgbClr val="A6AAA9"/>
-                </a:solidFill>
-                <a:latin typeface="DIN Alternate Bold"/>
-                <a:ea typeface="DIN Alternate Bold"/>
-                <a:cs typeface="DIN Alternate Bold"/>
-                <a:sym typeface="DIN Alternate Bold"/>
-              </a:defRPr>
-            </a:lvl2pPr>
-            <a:lvl3pPr marL="0" indent="0">
-              <a:lnSpc>
-                <a:spcPct val="80000"/>
-              </a:lnSpc>
-              <a:spcBef>
-                <a:spcPts val="3200"/>
-              </a:spcBef>
-              <a:buClrTx/>
-              <a:buSzTx/>
-              <a:buFontTx/>
-              <a:buNone/>
-              <a:defRPr sz="7700" cap="all">
-                <a:solidFill>
-                  <a:srgbClr val="A6AAA9"/>
-                </a:solidFill>
-                <a:latin typeface="DIN Alternate Bold"/>
-                <a:ea typeface="DIN Alternate Bold"/>
-                <a:cs typeface="DIN Alternate Bold"/>
-                <a:sym typeface="DIN Alternate Bold"/>
-              </a:defRPr>
-            </a:lvl3pPr>
-            <a:lvl4pPr marL="0" indent="0">
-              <a:lnSpc>
-                <a:spcPct val="80000"/>
-              </a:lnSpc>
-              <a:spcBef>
-                <a:spcPts val="3200"/>
-              </a:spcBef>
-              <a:buClrTx/>
-              <a:buSzTx/>
-              <a:buFontTx/>
-              <a:buNone/>
-              <a:defRPr sz="7700" cap="all">
-                <a:solidFill>
-                  <a:srgbClr val="A6AAA9"/>
-                </a:solidFill>
-                <a:latin typeface="DIN Alternate Bold"/>
-                <a:ea typeface="DIN Alternate Bold"/>
-                <a:cs typeface="DIN Alternate Bold"/>
-                <a:sym typeface="DIN Alternate Bold"/>
-              </a:defRPr>
-            </a:lvl4pPr>
-            <a:lvl5pPr marL="0" indent="0">
-              <a:lnSpc>
-                <a:spcPct val="80000"/>
-              </a:lnSpc>
-              <a:spcBef>
-                <a:spcPts val="3200"/>
-              </a:spcBef>
-              <a:buClrTx/>
-              <a:buSzTx/>
-              <a:buFontTx/>
-              <a:buNone/>
-              <a:defRPr sz="7700" cap="all">
-                <a:solidFill>
-                  <a:srgbClr val="A6AAA9"/>
-                </a:solidFill>
-                <a:latin typeface="DIN Alternate Bold"/>
-                <a:ea typeface="DIN Alternate Bold"/>
-                <a:cs typeface="DIN Alternate Bold"/>
-                <a:sym typeface="DIN Alternate Bold"/>
-              </a:defRPr>
-            </a:lvl5pPr>
-          </a:lstStyle>
-          <a:p>
-            <a:r>
-              <a:t>Уровень текста 1</a:t>
-            </a:r>
-          </a:p>
-          <a:p>
-            <a:pPr lvl="1"/>
-            <a:r>
-              <a:t>Уровень текста 2</a:t>
-            </a:r>
-          </a:p>
-          <a:p>
-            <a:pPr lvl="2"/>
-            <a:r>
-              <a:t>Уровень текста 3</a:t>
-            </a:r>
-          </a:p>
-          <a:p>
-            <a:pPr lvl="3"/>
-            <a:r>
-              <a:t>Уровень текста 4</a:t>
-            </a:r>
-          </a:p>
-          <a:p>
-            <a:pPr lvl="4"/>
-            <a:r>
-              <a:t>Уровень текста 5</a:t>
-            </a:r>
+            </a:pPr>
           </a:p>
         </p:txBody>
       </p:sp>
       <p:sp>
         <p:nvSpPr>
-          <p:cNvPr id="36" name="Номер слайда"/>
-          <p:cNvSpPr txBox="1">
-            <a:spLocks noGrp="1"/>
-          </p:cNvSpPr>
+          <p:cNvPr id="96" name="Номер слайда"/>
+          <p:cNvSpPr txBox="1"/>
           <p:nvPr>
             <p:ph type="sldNum" sz="quarter" idx="2"/>
           </p:nvPr>
         </p:nvSpPr>
         <p:spPr>
           <a:xfrm>
-            <a:off x="23013221" y="584200"/>
-            <a:ext cx="553195" cy="635000"/>
+            <a:off x="23059652" y="609600"/>
+            <a:ext cx="553196" cy="635000"/>
           </a:xfrm>
           <a:prstGeom prst="rect">
             <a:avLst/>
@@ -2423,10 +3428,8 @@
           <a:bodyPr/>
           <a:lstStyle/>
           <a:p>
-            <a:fld id="{86CB4B4D-7CA3-9044-876B-883B54F8677D}" type="slidenum">
-              <a:t>‹#›</a:t>
-            </a:fld>
-            <a:endParaRPr/>
+            <a:pPr/>
+            <a:fld id="{86CB4B4D-7CA3-9044-876B-883B54F8677D}" type="slidenum"/>
           </a:p>
         </p:txBody>
       </p:sp>
@@ -2435,1256 +3438,18 @@
   <p:clrMapOvr>
     <a:masterClrMapping/>
   </p:clrMapOvr>
-  <p:transition spd="med"/>
+  <p:transition xmlns:p14="http://schemas.microsoft.com/office/powerpoint/2010/main" spd="med" advClick="1"/>
 </p:sldLayout>
 </file>
 
-<file path=ppt/slideLayouts/slideLayout4.xml><?xml version="1.0" encoding="utf-8"?>
-<p:sldLayout xmlns:a="http://schemas.openxmlformats.org/drawingml/2006/main" xmlns:r="http://schemas.openxmlformats.org/officeDocument/2006/relationships" xmlns:p="http://schemas.openxmlformats.org/presentationml/2006/main" showMasterSp="0" type="tx">
-  <p:cSld name="Заголовок — по центру">
+<file path=ppt/slideMasters/slideMaster1.xml><?xml version="1.0" encoding="utf-8"?>
+<p:sldMaster xmlns:a="http://schemas.openxmlformats.org/drawingml/2006/main" xmlns:r="http://schemas.openxmlformats.org/officeDocument/2006/relationships" xmlns:p="http://schemas.openxmlformats.org/presentationml/2006/main" xmlns:m="http://schemas.openxmlformats.org/officeDocument/2006/math" xmlns:a14="http://schemas.microsoft.com/office/drawing/2010/main">
+  <p:cSld>
     <p:bg>
       <p:bgPr>
         <a:solidFill>
           <a:srgbClr val="222222"/>
         </a:solidFill>
-        <a:effectLst/>
-      </p:bgPr>
-    </p:bg>
-    <p:spTree>
-      <p:nvGrpSpPr>
-        <p:cNvPr id="1" name=""/>
-        <p:cNvGrpSpPr/>
-        <p:nvPr/>
-      </p:nvGrpSpPr>
-      <p:grpSpPr>
-        <a:xfrm>
-          <a:off x="0" y="0"/>
-          <a:ext cx="0" cy="0"/>
-          <a:chOff x="0" y="0"/>
-          <a:chExt cx="0" cy="0"/>
-        </a:xfrm>
-      </p:grpSpPr>
-      <p:sp>
-        <p:nvSpPr>
-          <p:cNvPr id="43" name="Текст заголовка"/>
-          <p:cNvSpPr txBox="1">
-            <a:spLocks noGrp="1"/>
-          </p:cNvSpPr>
-          <p:nvPr>
-            <p:ph type="title"/>
-          </p:nvPr>
-        </p:nvSpPr>
-        <p:spPr>
-          <a:xfrm>
-            <a:off x="762000" y="5676900"/>
-            <a:ext cx="22860000" cy="6350000"/>
-          </a:xfrm>
-          <a:prstGeom prst="rect">
-            <a:avLst/>
-          </a:prstGeom>
-        </p:spPr>
-        <p:txBody>
-          <a:bodyPr/>
-          <a:lstStyle>
-            <a:lvl1pPr>
-              <a:spcBef>
-                <a:spcPts val="0"/>
-              </a:spcBef>
-              <a:defRPr sz="30300"/>
-            </a:lvl1pPr>
-          </a:lstStyle>
-          <a:p>
-            <a:r>
-              <a:t>Текст заголовка</a:t>
-            </a:r>
-          </a:p>
-        </p:txBody>
-      </p:sp>
-      <p:sp>
-        <p:nvSpPr>
-          <p:cNvPr id="44" name="Номер слайда"/>
-          <p:cNvSpPr txBox="1">
-            <a:spLocks noGrp="1"/>
-          </p:cNvSpPr>
-          <p:nvPr>
-            <p:ph type="sldNum" sz="quarter" idx="2"/>
-          </p:nvPr>
-        </p:nvSpPr>
-        <p:spPr>
-          <a:xfrm>
-            <a:off x="23063200" y="609600"/>
-            <a:ext cx="553195" cy="635000"/>
-          </a:xfrm>
-          <a:prstGeom prst="rect">
-            <a:avLst/>
-          </a:prstGeom>
-        </p:spPr>
-        <p:txBody>
-          <a:bodyPr/>
-          <a:lstStyle/>
-          <a:p>
-            <a:fld id="{86CB4B4D-7CA3-9044-876B-883B54F8677D}" type="slidenum">
-              <a:t>‹#›</a:t>
-            </a:fld>
-            <a:endParaRPr/>
-          </a:p>
-        </p:txBody>
-      </p:sp>
-    </p:spTree>
-  </p:cSld>
-  <p:clrMapOvr>
-    <a:masterClrMapping/>
-  </p:clrMapOvr>
-  <p:transition spd="med"/>
-</p:sldLayout>
-</file>
-
-<file path=ppt/slideLayouts/slideLayout5.xml><?xml version="1.0" encoding="utf-8"?>
-<p:sldLayout xmlns:a="http://schemas.openxmlformats.org/drawingml/2006/main" xmlns:r="http://schemas.openxmlformats.org/officeDocument/2006/relationships" xmlns:p="http://schemas.openxmlformats.org/presentationml/2006/main" showMasterSp="0" type="tx">
-  <p:cSld name="Фото — вертикально">
-    <p:bg>
-      <p:bgPr>
-        <a:solidFill>
-          <a:srgbClr val="222222"/>
-        </a:solidFill>
-        <a:effectLst/>
-      </p:bgPr>
-    </p:bg>
-    <p:spTree>
-      <p:nvGrpSpPr>
-        <p:cNvPr id="1" name=""/>
-        <p:cNvGrpSpPr/>
-        <p:nvPr/>
-      </p:nvGrpSpPr>
-      <p:grpSpPr>
-        <a:xfrm>
-          <a:off x="0" y="0"/>
-          <a:ext cx="0" cy="0"/>
-          <a:chOff x="0" y="0"/>
-          <a:chExt cx="0" cy="0"/>
-        </a:xfrm>
-      </p:grpSpPr>
-      <p:sp>
-        <p:nvSpPr>
-          <p:cNvPr id="51" name="Линия"/>
-          <p:cNvSpPr/>
-          <p:nvPr/>
-        </p:nvSpPr>
-        <p:spPr>
-          <a:xfrm flipV="1">
-            <a:off x="11049000" y="8635798"/>
-            <a:ext cx="12572997" cy="203"/>
-          </a:xfrm>
-          <a:prstGeom prst="line">
-            <a:avLst/>
-          </a:prstGeom>
-          <a:ln w="50800">
-            <a:solidFill>
-              <a:srgbClr val="A6AAA9"/>
-            </a:solidFill>
-            <a:miter lim="400000"/>
-          </a:ln>
-        </p:spPr>
-        <p:txBody>
-          <a:bodyPr lIns="50800" tIns="50800" rIns="50800" bIns="50800" anchor="ctr"/>
-          <a:lstStyle/>
-          <a:p>
-            <a:pPr defTabSz="457200">
-              <a:spcBef>
-                <a:spcPts val="0"/>
-              </a:spcBef>
-              <a:defRPr sz="1200">
-                <a:solidFill>
-                  <a:srgbClr val="000000"/>
-                </a:solidFill>
-                <a:latin typeface="Helvetica"/>
-                <a:ea typeface="Helvetica"/>
-                <a:cs typeface="Helvetica"/>
-                <a:sym typeface="Helvetica"/>
-              </a:defRPr>
-            </a:pPr>
-            <a:endParaRPr/>
-          </a:p>
-        </p:txBody>
-      </p:sp>
-      <p:sp>
-        <p:nvSpPr>
-          <p:cNvPr id="52" name="Чёрно-белое фото ветряных мельниц на фоне облаков"/>
-          <p:cNvSpPr>
-            <a:spLocks noGrp="1"/>
-          </p:cNvSpPr>
-          <p:nvPr>
-            <p:ph type="pic" idx="21"/>
-          </p:nvPr>
-        </p:nvSpPr>
-        <p:spPr>
-          <a:xfrm>
-            <a:off x="-190500" y="0"/>
-            <a:ext cx="12428272" cy="13716000"/>
-          </a:xfrm>
-          <a:prstGeom prst="rect">
-            <a:avLst/>
-          </a:prstGeom>
-        </p:spPr>
-        <p:txBody>
-          <a:bodyPr lIns="91439" tIns="45719" rIns="91439" bIns="45719">
-            <a:noAutofit/>
-          </a:bodyPr>
-          <a:lstStyle/>
-          <a:p>
-            <a:endParaRPr/>
-          </a:p>
-        </p:txBody>
-      </p:sp>
-      <p:sp>
-        <p:nvSpPr>
-          <p:cNvPr id="53" name="Текст заголовка"/>
-          <p:cNvSpPr txBox="1">
-            <a:spLocks noGrp="1"/>
-          </p:cNvSpPr>
-          <p:nvPr>
-            <p:ph type="title"/>
-          </p:nvPr>
-        </p:nvSpPr>
-        <p:spPr>
-          <a:xfrm>
-            <a:off x="11049000" y="9042400"/>
-            <a:ext cx="12573000" cy="3810000"/>
-          </a:xfrm>
-          <a:prstGeom prst="rect">
-            <a:avLst/>
-          </a:prstGeom>
-        </p:spPr>
-        <p:txBody>
-          <a:bodyPr/>
-          <a:lstStyle>
-            <a:lvl1pPr>
-              <a:spcBef>
-                <a:spcPts val="0"/>
-              </a:spcBef>
-              <a:defRPr sz="30300"/>
-            </a:lvl1pPr>
-          </a:lstStyle>
-          <a:p>
-            <a:r>
-              <a:t>Текст заголовка</a:t>
-            </a:r>
-          </a:p>
-        </p:txBody>
-      </p:sp>
-      <p:sp>
-        <p:nvSpPr>
-          <p:cNvPr id="54" name="Уровень текста 1…"/>
-          <p:cNvSpPr txBox="1">
-            <a:spLocks noGrp="1"/>
-          </p:cNvSpPr>
-          <p:nvPr>
-            <p:ph type="body" sz="quarter" idx="1"/>
-          </p:nvPr>
-        </p:nvSpPr>
-        <p:spPr>
-          <a:xfrm>
-            <a:off x="11049000" y="5994400"/>
-            <a:ext cx="12573000" cy="2540000"/>
-          </a:xfrm>
-          <a:prstGeom prst="rect">
-            <a:avLst/>
-          </a:prstGeom>
-        </p:spPr>
-        <p:txBody>
-          <a:bodyPr anchor="b"/>
-          <a:lstStyle>
-            <a:lvl1pPr marL="0" indent="0">
-              <a:lnSpc>
-                <a:spcPct val="80000"/>
-              </a:lnSpc>
-              <a:spcBef>
-                <a:spcPts val="3200"/>
-              </a:spcBef>
-              <a:buClrTx/>
-              <a:buSzTx/>
-              <a:buFontTx/>
-              <a:buNone/>
-              <a:defRPr sz="7700" cap="all">
-                <a:solidFill>
-                  <a:srgbClr val="A6AAA9"/>
-                </a:solidFill>
-                <a:latin typeface="DIN Alternate Bold"/>
-                <a:ea typeface="DIN Alternate Bold"/>
-                <a:cs typeface="DIN Alternate Bold"/>
-                <a:sym typeface="DIN Alternate Bold"/>
-              </a:defRPr>
-            </a:lvl1pPr>
-            <a:lvl2pPr marL="0" indent="0">
-              <a:lnSpc>
-                <a:spcPct val="80000"/>
-              </a:lnSpc>
-              <a:spcBef>
-                <a:spcPts val="3200"/>
-              </a:spcBef>
-              <a:buClrTx/>
-              <a:buSzTx/>
-              <a:buFontTx/>
-              <a:buNone/>
-              <a:defRPr sz="7700" cap="all">
-                <a:solidFill>
-                  <a:srgbClr val="A6AAA9"/>
-                </a:solidFill>
-                <a:latin typeface="DIN Alternate Bold"/>
-                <a:ea typeface="DIN Alternate Bold"/>
-                <a:cs typeface="DIN Alternate Bold"/>
-                <a:sym typeface="DIN Alternate Bold"/>
-              </a:defRPr>
-            </a:lvl2pPr>
-            <a:lvl3pPr marL="0" indent="0">
-              <a:lnSpc>
-                <a:spcPct val="80000"/>
-              </a:lnSpc>
-              <a:spcBef>
-                <a:spcPts val="3200"/>
-              </a:spcBef>
-              <a:buClrTx/>
-              <a:buSzTx/>
-              <a:buFontTx/>
-              <a:buNone/>
-              <a:defRPr sz="7700" cap="all">
-                <a:solidFill>
-                  <a:srgbClr val="A6AAA9"/>
-                </a:solidFill>
-                <a:latin typeface="DIN Alternate Bold"/>
-                <a:ea typeface="DIN Alternate Bold"/>
-                <a:cs typeface="DIN Alternate Bold"/>
-                <a:sym typeface="DIN Alternate Bold"/>
-              </a:defRPr>
-            </a:lvl3pPr>
-            <a:lvl4pPr marL="0" indent="0">
-              <a:lnSpc>
-                <a:spcPct val="80000"/>
-              </a:lnSpc>
-              <a:spcBef>
-                <a:spcPts val="3200"/>
-              </a:spcBef>
-              <a:buClrTx/>
-              <a:buSzTx/>
-              <a:buFontTx/>
-              <a:buNone/>
-              <a:defRPr sz="7700" cap="all">
-                <a:solidFill>
-                  <a:srgbClr val="A6AAA9"/>
-                </a:solidFill>
-                <a:latin typeface="DIN Alternate Bold"/>
-                <a:ea typeface="DIN Alternate Bold"/>
-                <a:cs typeface="DIN Alternate Bold"/>
-                <a:sym typeface="DIN Alternate Bold"/>
-              </a:defRPr>
-            </a:lvl4pPr>
-            <a:lvl5pPr marL="0" indent="0">
-              <a:lnSpc>
-                <a:spcPct val="80000"/>
-              </a:lnSpc>
-              <a:spcBef>
-                <a:spcPts val="3200"/>
-              </a:spcBef>
-              <a:buClrTx/>
-              <a:buSzTx/>
-              <a:buFontTx/>
-              <a:buNone/>
-              <a:defRPr sz="7700" cap="all">
-                <a:solidFill>
-                  <a:srgbClr val="A6AAA9"/>
-                </a:solidFill>
-                <a:latin typeface="DIN Alternate Bold"/>
-                <a:ea typeface="DIN Alternate Bold"/>
-                <a:cs typeface="DIN Alternate Bold"/>
-                <a:sym typeface="DIN Alternate Bold"/>
-              </a:defRPr>
-            </a:lvl5pPr>
-          </a:lstStyle>
-          <a:p>
-            <a:r>
-              <a:t>Уровень текста 1</a:t>
-            </a:r>
-          </a:p>
-          <a:p>
-            <a:pPr lvl="1"/>
-            <a:r>
-              <a:t>Уровень текста 2</a:t>
-            </a:r>
-          </a:p>
-          <a:p>
-            <a:pPr lvl="2"/>
-            <a:r>
-              <a:t>Уровень текста 3</a:t>
-            </a:r>
-          </a:p>
-          <a:p>
-            <a:pPr lvl="3"/>
-            <a:r>
-              <a:t>Уровень текста 4</a:t>
-            </a:r>
-          </a:p>
-          <a:p>
-            <a:pPr lvl="4"/>
-            <a:r>
-              <a:t>Уровень текста 5</a:t>
-            </a:r>
-          </a:p>
-        </p:txBody>
-      </p:sp>
-      <p:sp>
-        <p:nvSpPr>
-          <p:cNvPr id="55" name="Номер слайда"/>
-          <p:cNvSpPr txBox="1">
-            <a:spLocks noGrp="1"/>
-          </p:cNvSpPr>
-          <p:nvPr>
-            <p:ph type="sldNum" sz="quarter" idx="2"/>
-          </p:nvPr>
-        </p:nvSpPr>
-        <p:spPr>
-          <a:xfrm>
-            <a:off x="23063200" y="609600"/>
-            <a:ext cx="553195" cy="635000"/>
-          </a:xfrm>
-          <a:prstGeom prst="rect">
-            <a:avLst/>
-          </a:prstGeom>
-        </p:spPr>
-        <p:txBody>
-          <a:bodyPr/>
-          <a:lstStyle/>
-          <a:p>
-            <a:fld id="{86CB4B4D-7CA3-9044-876B-883B54F8677D}" type="slidenum">
-              <a:t>‹#›</a:t>
-            </a:fld>
-            <a:endParaRPr/>
-          </a:p>
-        </p:txBody>
-      </p:sp>
-    </p:spTree>
-  </p:cSld>
-  <p:clrMapOvr>
-    <a:masterClrMapping/>
-  </p:clrMapOvr>
-  <p:transition spd="med"/>
-</p:sldLayout>
-</file>
-
-<file path=ppt/slideLayouts/slideLayout6.xml><?xml version="1.0" encoding="utf-8"?>
-<p:sldLayout xmlns:a="http://schemas.openxmlformats.org/drawingml/2006/main" xmlns:r="http://schemas.openxmlformats.org/officeDocument/2006/relationships" xmlns:p="http://schemas.openxmlformats.org/presentationml/2006/main" type="tx">
-  <p:cSld name="Заголовок — сверху">
-    <p:spTree>
-      <p:nvGrpSpPr>
-        <p:cNvPr id="1" name=""/>
-        <p:cNvGrpSpPr/>
-        <p:nvPr/>
-      </p:nvGrpSpPr>
-      <p:grpSpPr>
-        <a:xfrm>
-          <a:off x="0" y="0"/>
-          <a:ext cx="0" cy="0"/>
-          <a:chOff x="0" y="0"/>
-          <a:chExt cx="0" cy="0"/>
-        </a:xfrm>
-      </p:grpSpPr>
-      <p:sp>
-        <p:nvSpPr>
-          <p:cNvPr id="62" name="Текст"/>
-          <p:cNvSpPr txBox="1">
-            <a:spLocks noGrp="1"/>
-          </p:cNvSpPr>
-          <p:nvPr>
-            <p:ph type="body" sz="quarter" idx="21"/>
-          </p:nvPr>
-        </p:nvSpPr>
-        <p:spPr>
-          <a:xfrm>
-            <a:off x="762000" y="635000"/>
-            <a:ext cx="20955000" cy="635000"/>
-          </a:xfrm>
-          <a:prstGeom prst="rect">
-            <a:avLst/>
-          </a:prstGeom>
-        </p:spPr>
-        <p:txBody>
-          <a:bodyPr anchor="b">
-            <a:spAutoFit/>
-          </a:bodyPr>
-          <a:lstStyle>
-            <a:lvl1pPr marL="0" indent="0" defTabSz="647700">
-              <a:lnSpc>
-                <a:spcPct val="80000"/>
-              </a:lnSpc>
-              <a:spcBef>
-                <a:spcPts val="0"/>
-              </a:spcBef>
-              <a:buClrTx/>
-              <a:buSzTx/>
-              <a:buFontTx/>
-              <a:buNone/>
-              <a:defRPr sz="3600" cap="all" spc="180">
-                <a:latin typeface="DIN Alternate Bold"/>
-                <a:ea typeface="DIN Alternate Bold"/>
-                <a:cs typeface="DIN Alternate Bold"/>
-                <a:sym typeface="DIN Alternate Bold"/>
-              </a:defRPr>
-            </a:lvl1pPr>
-          </a:lstStyle>
-          <a:p>
-            <a:r>
-              <a:t>Текст</a:t>
-            </a:r>
-          </a:p>
-        </p:txBody>
-      </p:sp>
-      <p:sp>
-        <p:nvSpPr>
-          <p:cNvPr id="63" name="Текст заголовка"/>
-          <p:cNvSpPr txBox="1">
-            <a:spLocks noGrp="1"/>
-          </p:cNvSpPr>
-          <p:nvPr>
-            <p:ph type="title"/>
-          </p:nvPr>
-        </p:nvSpPr>
-        <p:spPr>
-          <a:prstGeom prst="rect">
-            <a:avLst/>
-          </a:prstGeom>
-        </p:spPr>
-        <p:txBody>
-          <a:bodyPr/>
-          <a:lstStyle/>
-          <a:p>
-            <a:r>
-              <a:t>Текст заголовка</a:t>
-            </a:r>
-          </a:p>
-        </p:txBody>
-      </p:sp>
-      <p:sp>
-        <p:nvSpPr>
-          <p:cNvPr id="64" name="Номер слайда"/>
-          <p:cNvSpPr txBox="1">
-            <a:spLocks noGrp="1"/>
-          </p:cNvSpPr>
-          <p:nvPr>
-            <p:ph type="sldNum" sz="quarter" idx="2"/>
-          </p:nvPr>
-        </p:nvSpPr>
-        <p:spPr>
-          <a:prstGeom prst="rect">
-            <a:avLst/>
-          </a:prstGeom>
-        </p:spPr>
-        <p:txBody>
-          <a:bodyPr/>
-          <a:lstStyle/>
-          <a:p>
-            <a:fld id="{86CB4B4D-7CA3-9044-876B-883B54F8677D}" type="slidenum">
-              <a:t>‹#›</a:t>
-            </a:fld>
-            <a:endParaRPr/>
-          </a:p>
-        </p:txBody>
-      </p:sp>
-    </p:spTree>
-  </p:cSld>
-  <p:clrMapOvr>
-    <a:masterClrMapping/>
-  </p:clrMapOvr>
-  <p:transition spd="med"/>
-</p:sldLayout>
-</file>
-
-<file path=ppt/slideLayouts/slideLayout7.xml><?xml version="1.0" encoding="utf-8"?>
-<p:sldLayout xmlns:a="http://schemas.openxmlformats.org/drawingml/2006/main" xmlns:r="http://schemas.openxmlformats.org/officeDocument/2006/relationships" xmlns:p="http://schemas.openxmlformats.org/presentationml/2006/main" type="tx">
-  <p:cSld name="Заголовок и пункты">
-    <p:bg>
-      <p:bgPr>
-        <a:solidFill>
-          <a:srgbClr val="222222"/>
-        </a:solidFill>
-        <a:effectLst/>
-      </p:bgPr>
-    </p:bg>
-    <p:spTree>
-      <p:nvGrpSpPr>
-        <p:cNvPr id="1" name=""/>
-        <p:cNvGrpSpPr/>
-        <p:nvPr/>
-      </p:nvGrpSpPr>
-      <p:grpSpPr>
-        <a:xfrm>
-          <a:off x="0" y="0"/>
-          <a:ext cx="0" cy="0"/>
-          <a:chOff x="0" y="0"/>
-          <a:chExt cx="0" cy="0"/>
-        </a:xfrm>
-      </p:grpSpPr>
-      <p:sp>
-        <p:nvSpPr>
-          <p:cNvPr id="71" name="Текст"/>
-          <p:cNvSpPr txBox="1">
-            <a:spLocks noGrp="1"/>
-          </p:cNvSpPr>
-          <p:nvPr>
-            <p:ph type="body" sz="quarter" idx="21"/>
-          </p:nvPr>
-        </p:nvSpPr>
-        <p:spPr>
-          <a:xfrm>
-            <a:off x="762000" y="635000"/>
-            <a:ext cx="20955000" cy="635000"/>
-          </a:xfrm>
-          <a:prstGeom prst="rect">
-            <a:avLst/>
-          </a:prstGeom>
-        </p:spPr>
-        <p:txBody>
-          <a:bodyPr anchor="b">
-            <a:spAutoFit/>
-          </a:bodyPr>
-          <a:lstStyle>
-            <a:lvl1pPr marL="0" indent="0" defTabSz="647700">
-              <a:lnSpc>
-                <a:spcPct val="80000"/>
-              </a:lnSpc>
-              <a:spcBef>
-                <a:spcPts val="0"/>
-              </a:spcBef>
-              <a:buClrTx/>
-              <a:buSzTx/>
-              <a:buFontTx/>
-              <a:buNone/>
-              <a:defRPr sz="3600" cap="all" spc="180">
-                <a:latin typeface="DIN Alternate Bold"/>
-                <a:ea typeface="DIN Alternate Bold"/>
-                <a:cs typeface="DIN Alternate Bold"/>
-                <a:sym typeface="DIN Alternate Bold"/>
-              </a:defRPr>
-            </a:lvl1pPr>
-          </a:lstStyle>
-          <a:p>
-            <a:r>
-              <a:t>Текст</a:t>
-            </a:r>
-          </a:p>
-        </p:txBody>
-      </p:sp>
-      <p:sp>
-        <p:nvSpPr>
-          <p:cNvPr id="72" name="Текст заголовка"/>
-          <p:cNvSpPr txBox="1">
-            <a:spLocks noGrp="1"/>
-          </p:cNvSpPr>
-          <p:nvPr>
-            <p:ph type="title"/>
-          </p:nvPr>
-        </p:nvSpPr>
-        <p:spPr>
-          <a:prstGeom prst="rect">
-            <a:avLst/>
-          </a:prstGeom>
-        </p:spPr>
-        <p:txBody>
-          <a:bodyPr/>
-          <a:lstStyle/>
-          <a:p>
-            <a:r>
-              <a:t>Текст заголовка</a:t>
-            </a:r>
-          </a:p>
-        </p:txBody>
-      </p:sp>
-      <p:sp>
-        <p:nvSpPr>
-          <p:cNvPr id="73" name="Уровень текста 1…"/>
-          <p:cNvSpPr txBox="1">
-            <a:spLocks noGrp="1"/>
-          </p:cNvSpPr>
-          <p:nvPr>
-            <p:ph type="body" idx="1"/>
-          </p:nvPr>
-        </p:nvSpPr>
-        <p:spPr>
-          <a:prstGeom prst="rect">
-            <a:avLst/>
-          </a:prstGeom>
-        </p:spPr>
-        <p:txBody>
-          <a:bodyPr/>
-          <a:lstStyle>
-            <a:lvl1pPr>
-              <a:buClr>
-                <a:schemeClr val="accent1"/>
-              </a:buClr>
-              <a:buChar char="▸"/>
-            </a:lvl1pPr>
-            <a:lvl2pPr>
-              <a:buClr>
-                <a:schemeClr val="accent1"/>
-              </a:buClr>
-              <a:buChar char="▸"/>
-            </a:lvl2pPr>
-            <a:lvl3pPr>
-              <a:buClr>
-                <a:schemeClr val="accent1"/>
-              </a:buClr>
-              <a:buChar char="▸"/>
-            </a:lvl3pPr>
-            <a:lvl4pPr>
-              <a:buClr>
-                <a:schemeClr val="accent1"/>
-              </a:buClr>
-              <a:buChar char="▸"/>
-            </a:lvl4pPr>
-            <a:lvl5pPr>
-              <a:buClr>
-                <a:schemeClr val="accent1"/>
-              </a:buClr>
-              <a:buChar char="▸"/>
-            </a:lvl5pPr>
-          </a:lstStyle>
-          <a:p>
-            <a:r>
-              <a:t>Уровень текста 1</a:t>
-            </a:r>
-          </a:p>
-          <a:p>
-            <a:pPr lvl="1"/>
-            <a:r>
-              <a:t>Уровень текста 2</a:t>
-            </a:r>
-          </a:p>
-          <a:p>
-            <a:pPr lvl="2"/>
-            <a:r>
-              <a:t>Уровень текста 3</a:t>
-            </a:r>
-          </a:p>
-          <a:p>
-            <a:pPr lvl="3"/>
-            <a:r>
-              <a:t>Уровень текста 4</a:t>
-            </a:r>
-          </a:p>
-          <a:p>
-            <a:pPr lvl="4"/>
-            <a:r>
-              <a:t>Уровень текста 5</a:t>
-            </a:r>
-          </a:p>
-        </p:txBody>
-      </p:sp>
-      <p:sp>
-        <p:nvSpPr>
-          <p:cNvPr id="74" name="Номер слайда"/>
-          <p:cNvSpPr txBox="1">
-            <a:spLocks noGrp="1"/>
-          </p:cNvSpPr>
-          <p:nvPr>
-            <p:ph type="sldNum" sz="quarter" idx="2"/>
-          </p:nvPr>
-        </p:nvSpPr>
-        <p:spPr>
-          <a:prstGeom prst="rect">
-            <a:avLst/>
-          </a:prstGeom>
-        </p:spPr>
-        <p:txBody>
-          <a:bodyPr/>
-          <a:lstStyle/>
-          <a:p>
-            <a:fld id="{86CB4B4D-7CA3-9044-876B-883B54F8677D}" type="slidenum">
-              <a:t>‹#›</a:t>
-            </a:fld>
-            <a:endParaRPr/>
-          </a:p>
-        </p:txBody>
-      </p:sp>
-    </p:spTree>
-  </p:cSld>
-  <p:clrMapOvr>
-    <a:masterClrMapping/>
-  </p:clrMapOvr>
-  <p:transition spd="med"/>
-</p:sldLayout>
-</file>
-
-<file path=ppt/slideLayouts/slideLayout8.xml><?xml version="1.0" encoding="utf-8"?>
-<p:sldLayout xmlns:a="http://schemas.openxmlformats.org/drawingml/2006/main" xmlns:r="http://schemas.openxmlformats.org/officeDocument/2006/relationships" xmlns:p="http://schemas.openxmlformats.org/presentationml/2006/main" type="tx">
-  <p:cSld name="Заголовок и пункты (вариант)">
-    <p:spTree>
-      <p:nvGrpSpPr>
-        <p:cNvPr id="1" name=""/>
-        <p:cNvGrpSpPr/>
-        <p:nvPr/>
-      </p:nvGrpSpPr>
-      <p:grpSpPr>
-        <a:xfrm>
-          <a:off x="0" y="0"/>
-          <a:ext cx="0" cy="0"/>
-          <a:chOff x="0" y="0"/>
-          <a:chExt cx="0" cy="0"/>
-        </a:xfrm>
-      </p:grpSpPr>
-      <p:sp>
-        <p:nvSpPr>
-          <p:cNvPr id="81" name="Текст"/>
-          <p:cNvSpPr txBox="1">
-            <a:spLocks noGrp="1"/>
-          </p:cNvSpPr>
-          <p:nvPr>
-            <p:ph type="body" sz="quarter" idx="21"/>
-          </p:nvPr>
-        </p:nvSpPr>
-        <p:spPr>
-          <a:xfrm>
-            <a:off x="762000" y="635000"/>
-            <a:ext cx="20955000" cy="635000"/>
-          </a:xfrm>
-          <a:prstGeom prst="rect">
-            <a:avLst/>
-          </a:prstGeom>
-        </p:spPr>
-        <p:txBody>
-          <a:bodyPr anchor="b">
-            <a:spAutoFit/>
-          </a:bodyPr>
-          <a:lstStyle>
-            <a:lvl1pPr marL="0" indent="0" defTabSz="647700">
-              <a:lnSpc>
-                <a:spcPct val="80000"/>
-              </a:lnSpc>
-              <a:spcBef>
-                <a:spcPts val="0"/>
-              </a:spcBef>
-              <a:buClrTx/>
-              <a:buSzTx/>
-              <a:buFontTx/>
-              <a:buNone/>
-              <a:defRPr sz="3600" cap="all" spc="180">
-                <a:latin typeface="DIN Alternate Bold"/>
-                <a:ea typeface="DIN Alternate Bold"/>
-                <a:cs typeface="DIN Alternate Bold"/>
-                <a:sym typeface="DIN Alternate Bold"/>
-              </a:defRPr>
-            </a:lvl1pPr>
-          </a:lstStyle>
-          <a:p>
-            <a:r>
-              <a:t>Текст</a:t>
-            </a:r>
-          </a:p>
-        </p:txBody>
-      </p:sp>
-      <p:sp>
-        <p:nvSpPr>
-          <p:cNvPr id="82" name="Текст заголовка"/>
-          <p:cNvSpPr txBox="1">
-            <a:spLocks noGrp="1"/>
-          </p:cNvSpPr>
-          <p:nvPr>
-            <p:ph type="title"/>
-          </p:nvPr>
-        </p:nvSpPr>
-        <p:spPr>
-          <a:prstGeom prst="rect">
-            <a:avLst/>
-          </a:prstGeom>
-        </p:spPr>
-        <p:txBody>
-          <a:bodyPr/>
-          <a:lstStyle/>
-          <a:p>
-            <a:r>
-              <a:t>Текст заголовка</a:t>
-            </a:r>
-          </a:p>
-        </p:txBody>
-      </p:sp>
-      <p:sp>
-        <p:nvSpPr>
-          <p:cNvPr id="83" name="Уровень текста 1…"/>
-          <p:cNvSpPr txBox="1">
-            <a:spLocks noGrp="1"/>
-          </p:cNvSpPr>
-          <p:nvPr>
-            <p:ph type="body" idx="1"/>
-          </p:nvPr>
-        </p:nvSpPr>
-        <p:spPr>
-          <a:prstGeom prst="rect">
-            <a:avLst/>
-          </a:prstGeom>
-        </p:spPr>
-        <p:txBody>
-          <a:bodyPr/>
-          <a:lstStyle>
-            <a:lvl1pPr>
-              <a:buClr>
-                <a:schemeClr val="accent1"/>
-              </a:buClr>
-              <a:buChar char="▸"/>
-            </a:lvl1pPr>
-            <a:lvl2pPr>
-              <a:buClr>
-                <a:schemeClr val="accent1"/>
-              </a:buClr>
-              <a:buChar char="▸"/>
-            </a:lvl2pPr>
-            <a:lvl3pPr>
-              <a:buClr>
-                <a:schemeClr val="accent1"/>
-              </a:buClr>
-              <a:buChar char="▸"/>
-            </a:lvl3pPr>
-            <a:lvl4pPr>
-              <a:buClr>
-                <a:schemeClr val="accent1"/>
-              </a:buClr>
-              <a:buChar char="▸"/>
-            </a:lvl4pPr>
-            <a:lvl5pPr>
-              <a:buClr>
-                <a:schemeClr val="accent1"/>
-              </a:buClr>
-              <a:buChar char="▸"/>
-            </a:lvl5pPr>
-          </a:lstStyle>
-          <a:p>
-            <a:r>
-              <a:t>Уровень текста 1</a:t>
-            </a:r>
-          </a:p>
-          <a:p>
-            <a:pPr lvl="1"/>
-            <a:r>
-              <a:t>Уровень текста 2</a:t>
-            </a:r>
-          </a:p>
-          <a:p>
-            <a:pPr lvl="2"/>
-            <a:r>
-              <a:t>Уровень текста 3</a:t>
-            </a:r>
-          </a:p>
-          <a:p>
-            <a:pPr lvl="3"/>
-            <a:r>
-              <a:t>Уровень текста 4</a:t>
-            </a:r>
-          </a:p>
-          <a:p>
-            <a:pPr lvl="4"/>
-            <a:r>
-              <a:t>Уровень текста 5</a:t>
-            </a:r>
-          </a:p>
-        </p:txBody>
-      </p:sp>
-      <p:sp>
-        <p:nvSpPr>
-          <p:cNvPr id="84" name="Номер слайда"/>
-          <p:cNvSpPr txBox="1">
-            <a:spLocks noGrp="1"/>
-          </p:cNvSpPr>
-          <p:nvPr>
-            <p:ph type="sldNum" sz="quarter" idx="2"/>
-          </p:nvPr>
-        </p:nvSpPr>
-        <p:spPr>
-          <a:prstGeom prst="rect">
-            <a:avLst/>
-          </a:prstGeom>
-        </p:spPr>
-        <p:txBody>
-          <a:bodyPr/>
-          <a:lstStyle/>
-          <a:p>
-            <a:fld id="{86CB4B4D-7CA3-9044-876B-883B54F8677D}" type="slidenum">
-              <a:t>‹#›</a:t>
-            </a:fld>
-            <a:endParaRPr/>
-          </a:p>
-        </p:txBody>
-      </p:sp>
-    </p:spTree>
-  </p:cSld>
-  <p:clrMapOvr>
-    <a:masterClrMapping/>
-  </p:clrMapOvr>
-  <p:transition spd="med"/>
-</p:sldLayout>
-</file>
-
-<file path=ppt/slideLayouts/slideLayout9.xml><?xml version="1.0" encoding="utf-8"?>
-<p:sldLayout xmlns:a="http://schemas.openxmlformats.org/drawingml/2006/main" xmlns:r="http://schemas.openxmlformats.org/officeDocument/2006/relationships" xmlns:p="http://schemas.openxmlformats.org/presentationml/2006/main" type="tx">
-  <p:cSld name="Заголовок, пункты и фото">
-    <p:bg>
-      <p:bgPr>
-        <a:solidFill>
-          <a:srgbClr val="222222"/>
-        </a:solidFill>
-        <a:effectLst/>
-      </p:bgPr>
-    </p:bg>
-    <p:spTree>
-      <p:nvGrpSpPr>
-        <p:cNvPr id="1" name=""/>
-        <p:cNvGrpSpPr/>
-        <p:nvPr/>
-      </p:nvGrpSpPr>
-      <p:grpSpPr>
-        <a:xfrm>
-          <a:off x="0" y="0"/>
-          <a:ext cx="0" cy="0"/>
-          <a:chOff x="0" y="0"/>
-          <a:chExt cx="0" cy="0"/>
-        </a:xfrm>
-      </p:grpSpPr>
-      <p:sp>
-        <p:nvSpPr>
-          <p:cNvPr id="91" name="Текст"/>
-          <p:cNvSpPr txBox="1">
-            <a:spLocks noGrp="1"/>
-          </p:cNvSpPr>
-          <p:nvPr>
-            <p:ph type="body" sz="quarter" idx="21"/>
-          </p:nvPr>
-        </p:nvSpPr>
-        <p:spPr>
-          <a:xfrm>
-            <a:off x="762000" y="635000"/>
-            <a:ext cx="20955000" cy="635000"/>
-          </a:xfrm>
-          <a:prstGeom prst="rect">
-            <a:avLst/>
-          </a:prstGeom>
-        </p:spPr>
-        <p:txBody>
-          <a:bodyPr anchor="b">
-            <a:spAutoFit/>
-          </a:bodyPr>
-          <a:lstStyle>
-            <a:lvl1pPr marL="0" indent="0" defTabSz="647700">
-              <a:lnSpc>
-                <a:spcPct val="80000"/>
-              </a:lnSpc>
-              <a:spcBef>
-                <a:spcPts val="0"/>
-              </a:spcBef>
-              <a:buClrTx/>
-              <a:buSzTx/>
-              <a:buFontTx/>
-              <a:buNone/>
-              <a:defRPr sz="3600" cap="all" spc="180">
-                <a:latin typeface="DIN Alternate Bold"/>
-                <a:ea typeface="DIN Alternate Bold"/>
-                <a:cs typeface="DIN Alternate Bold"/>
-                <a:sym typeface="DIN Alternate Bold"/>
-              </a:defRPr>
-            </a:lvl1pPr>
-          </a:lstStyle>
-          <a:p>
-            <a:r>
-              <a:t>Текст</a:t>
-            </a:r>
-          </a:p>
-        </p:txBody>
-      </p:sp>
-      <p:sp>
-        <p:nvSpPr>
-          <p:cNvPr id="92" name="Чёрно-белое фото ветряных мельниц на фоне облаков"/>
-          <p:cNvSpPr>
-            <a:spLocks noGrp="1"/>
-          </p:cNvSpPr>
-          <p:nvPr>
-            <p:ph type="pic" idx="22"/>
-          </p:nvPr>
-        </p:nvSpPr>
-        <p:spPr>
-          <a:xfrm>
-            <a:off x="13258800" y="0"/>
-            <a:ext cx="12428272" cy="13716000"/>
-          </a:xfrm>
-          <a:prstGeom prst="rect">
-            <a:avLst/>
-          </a:prstGeom>
-        </p:spPr>
-        <p:txBody>
-          <a:bodyPr lIns="91439" tIns="45719" rIns="91439" bIns="45719">
-            <a:noAutofit/>
-          </a:bodyPr>
-          <a:lstStyle/>
-          <a:p>
-            <a:endParaRPr/>
-          </a:p>
-        </p:txBody>
-      </p:sp>
-      <p:sp>
-        <p:nvSpPr>
-          <p:cNvPr id="93" name="Текст заголовка"/>
-          <p:cNvSpPr txBox="1">
-            <a:spLocks noGrp="1"/>
-          </p:cNvSpPr>
-          <p:nvPr>
-            <p:ph type="title"/>
-          </p:nvPr>
-        </p:nvSpPr>
-        <p:spPr>
-          <a:xfrm>
-            <a:off x="762000" y="2159000"/>
-            <a:ext cx="11811000" cy="1016000"/>
-          </a:xfrm>
-          <a:prstGeom prst="rect">
-            <a:avLst/>
-          </a:prstGeom>
-        </p:spPr>
-        <p:txBody>
-          <a:bodyPr/>
-          <a:lstStyle/>
-          <a:p>
-            <a:r>
-              <a:t>Текст заголовка</a:t>
-            </a:r>
-          </a:p>
-        </p:txBody>
-      </p:sp>
-      <p:sp>
-        <p:nvSpPr>
-          <p:cNvPr id="94" name="Уровень текста 1…"/>
-          <p:cNvSpPr txBox="1">
-            <a:spLocks noGrp="1"/>
-          </p:cNvSpPr>
-          <p:nvPr>
-            <p:ph type="body" sz="half" idx="1"/>
-          </p:nvPr>
-        </p:nvSpPr>
-        <p:spPr>
-          <a:xfrm>
-            <a:off x="762000" y="3860800"/>
-            <a:ext cx="11811000" cy="8585200"/>
-          </a:xfrm>
-          <a:prstGeom prst="rect">
-            <a:avLst/>
-          </a:prstGeom>
-        </p:spPr>
-        <p:txBody>
-          <a:bodyPr/>
-          <a:lstStyle>
-            <a:lvl1pPr>
-              <a:buClr>
-                <a:schemeClr val="accent1"/>
-              </a:buClr>
-              <a:buChar char="▸"/>
-              <a:defRPr sz="4000"/>
-            </a:lvl1pPr>
-            <a:lvl2pPr>
-              <a:buClr>
-                <a:schemeClr val="accent1"/>
-              </a:buClr>
-              <a:buChar char="▸"/>
-              <a:defRPr sz="4000"/>
-            </a:lvl2pPr>
-            <a:lvl3pPr>
-              <a:buClr>
-                <a:schemeClr val="accent1"/>
-              </a:buClr>
-              <a:buChar char="▸"/>
-              <a:defRPr sz="4000"/>
-            </a:lvl3pPr>
-            <a:lvl4pPr>
-              <a:buClr>
-                <a:schemeClr val="accent1"/>
-              </a:buClr>
-              <a:buChar char="▸"/>
-              <a:defRPr sz="4000"/>
-            </a:lvl4pPr>
-            <a:lvl5pPr>
-              <a:buClr>
-                <a:schemeClr val="accent1"/>
-              </a:buClr>
-              <a:buChar char="▸"/>
-              <a:defRPr sz="4000"/>
-            </a:lvl5pPr>
-          </a:lstStyle>
-          <a:p>
-            <a:r>
-              <a:t>Уровень текста 1</a:t>
-            </a:r>
-          </a:p>
-          <a:p>
-            <a:pPr lvl="1"/>
-            <a:r>
-              <a:t>Уровень текста 2</a:t>
-            </a:r>
-          </a:p>
-          <a:p>
-            <a:pPr lvl="2"/>
-            <a:r>
-              <a:t>Уровень текста 3</a:t>
-            </a:r>
-          </a:p>
-          <a:p>
-            <a:pPr lvl="3"/>
-            <a:r>
-              <a:t>Уровень текста 4</a:t>
-            </a:r>
-          </a:p>
-          <a:p>
-            <a:pPr lvl="4"/>
-            <a:r>
-              <a:t>Уровень текста 5</a:t>
-            </a:r>
-          </a:p>
-        </p:txBody>
-      </p:sp>
-      <p:sp>
-        <p:nvSpPr>
-          <p:cNvPr id="95" name="Номер слайда"/>
-          <p:cNvSpPr txBox="1">
-            <a:spLocks noGrp="1"/>
-          </p:cNvSpPr>
-          <p:nvPr>
-            <p:ph type="sldNum" sz="quarter" idx="2"/>
-          </p:nvPr>
-        </p:nvSpPr>
-        <p:spPr>
-          <a:prstGeom prst="rect">
-            <a:avLst/>
-          </a:prstGeom>
-        </p:spPr>
-        <p:txBody>
-          <a:bodyPr/>
-          <a:lstStyle/>
-          <a:p>
-            <a:fld id="{86CB4B4D-7CA3-9044-876B-883B54F8677D}" type="slidenum">
-              <a:t>‹#›</a:t>
-            </a:fld>
-            <a:endParaRPr/>
-          </a:p>
-        </p:txBody>
-      </p:sp>
-    </p:spTree>
-  </p:cSld>
-  <p:clrMapOvr>
-    <a:masterClrMapping/>
-  </p:clrMapOvr>
-  <p:transition spd="med"/>
-</p:sldLayout>
-</file>
-
-<file path=ppt/slideMasters/slideMaster1.xml><?xml version="1.0" encoding="utf-8"?>
-<p:sldMaster xmlns:a="http://schemas.openxmlformats.org/drawingml/2006/main" xmlns:r="http://schemas.openxmlformats.org/officeDocument/2006/relationships" xmlns:p="http://schemas.openxmlformats.org/presentationml/2006/main">
-  <p:cSld>
-    <p:bg>
-      <p:bgPr>
-        <a:solidFill>
-          <a:srgbClr val="FFFFFF"/>
-        </a:solidFill>
-        <a:effectLst/>
       </p:bgPr>
     </p:bg>
     <p:spTree>
@@ -3709,13 +3474,13 @@
         </p:nvSpPr>
         <p:spPr>
           <a:xfrm flipV="1">
-            <a:off x="762000" y="1396632"/>
-            <a:ext cx="22859999" cy="369"/>
+            <a:off x="761999" y="8635631"/>
+            <a:ext cx="22860000" cy="370"/>
           </a:xfrm>
           <a:prstGeom prst="line">
             <a:avLst/>
           </a:prstGeom>
-          <a:ln w="25400">
+          <a:ln w="50800">
             <a:solidFill>
               <a:srgbClr val="A6AAA9"/>
             </a:solidFill>
@@ -3723,41 +3488,31 @@
           </a:ln>
         </p:spPr>
         <p:txBody>
-          <a:bodyPr lIns="50800" tIns="50800" rIns="50800" bIns="50800" anchor="ctr"/>
+          <a:bodyPr lIns="45718" tIns="45718" rIns="45718" bIns="45718"/>
           <a:lstStyle/>
           <a:p>
-            <a:pPr defTabSz="457200">
-              <a:spcBef>
-                <a:spcPts val="0"/>
-              </a:spcBef>
-              <a:defRPr sz="1200">
+            <a:pPr>
+              <a:defRPr>
                 <a:solidFill>
-                  <a:srgbClr val="000000"/>
+                  <a:srgbClr val="838787"/>
                 </a:solidFill>
-                <a:latin typeface="Helvetica"/>
-                <a:ea typeface="Helvetica"/>
-                <a:cs typeface="Helvetica"/>
-                <a:sym typeface="Helvetica"/>
               </a:defRPr>
             </a:pPr>
-            <a:endParaRPr/>
           </a:p>
         </p:txBody>
       </p:sp>
       <p:sp>
         <p:nvSpPr>
           <p:cNvPr id="3" name="Текст заголовка"/>
-          <p:cNvSpPr txBox="1">
-            <a:spLocks noGrp="1"/>
-          </p:cNvSpPr>
+          <p:cNvSpPr txBox="1"/>
           <p:nvPr>
             <p:ph type="title"/>
           </p:nvPr>
         </p:nvSpPr>
         <p:spPr>
           <a:xfrm>
-            <a:off x="762000" y="2159000"/>
-            <a:ext cx="22860000" cy="1016000"/>
+            <a:off x="762000" y="9042400"/>
+            <a:ext cx="22860000" cy="3810000"/>
           </a:xfrm>
           <a:prstGeom prst="rect">
             <a:avLst/>
@@ -3767,16 +3522,17 @@
           </a:ln>
           <a:extLst>
             <a:ext uri="{C572A759-6A51-4108-AA02-DFA0A04FC94B}">
-              <ma14:wrappingTextBoxFlag xmlns:ma14="http://schemas.microsoft.com/office/mac/drawingml/2011/main" xmlns:a14="http://schemas.microsoft.com/office/drawing/2010/main" xmlns:m="http://schemas.openxmlformats.org/officeDocument/2006/math" xmlns="" val="1"/>
+              <ma14:wrappingTextBoxFlag xmlns:ma14="http://schemas.microsoft.com/office/mac/drawingml/2011/main" val="1"/>
             </a:ext>
           </a:extLst>
         </p:spPr>
         <p:txBody>
           <a:bodyPr lIns="50800" tIns="50800" rIns="50800" bIns="50800">
-            <a:normAutofit/>
+            <a:normAutofit fontScale="100000" lnSpcReduction="0"/>
           </a:bodyPr>
           <a:lstStyle/>
           <a:p>
+            <a:pPr/>
             <a:r>
               <a:t>Текст заголовка</a:t>
             </a:r>
@@ -3786,17 +3542,15 @@
       <p:sp>
         <p:nvSpPr>
           <p:cNvPr id="4" name="Уровень текста 1…"/>
-          <p:cNvSpPr txBox="1">
-            <a:spLocks noGrp="1"/>
-          </p:cNvSpPr>
+          <p:cNvSpPr txBox="1"/>
           <p:nvPr>
             <p:ph type="body" idx="1"/>
           </p:nvPr>
         </p:nvSpPr>
         <p:spPr>
           <a:xfrm>
-            <a:off x="762000" y="3860800"/>
-            <a:ext cx="22860000" cy="8585200"/>
+            <a:off x="762000" y="5994400"/>
+            <a:ext cx="22860000" cy="2540000"/>
           </a:xfrm>
           <a:prstGeom prst="rect">
             <a:avLst/>
@@ -3806,16 +3560,17 @@
           </a:ln>
           <a:extLst>
             <a:ext uri="{C572A759-6A51-4108-AA02-DFA0A04FC94B}">
-              <ma14:wrappingTextBoxFlag xmlns:ma14="http://schemas.microsoft.com/office/mac/drawingml/2011/main" xmlns:a14="http://schemas.microsoft.com/office/drawing/2010/main" xmlns:m="http://schemas.openxmlformats.org/officeDocument/2006/math" xmlns="" val="1"/>
+              <ma14:wrappingTextBoxFlag xmlns:ma14="http://schemas.microsoft.com/office/mac/drawingml/2011/main" val="1"/>
             </a:ext>
           </a:extLst>
         </p:spPr>
         <p:txBody>
-          <a:bodyPr lIns="50800" tIns="50800" rIns="50800" bIns="50800">
-            <a:normAutofit/>
+          <a:bodyPr lIns="50800" tIns="50800" rIns="50800" bIns="50800" anchor="b">
+            <a:normAutofit fontScale="100000" lnSpcReduction="0"/>
           </a:bodyPr>
           <a:lstStyle/>
           <a:p>
+            <a:pPr/>
             <a:r>
               <a:t>Уровень текста 1</a:t>
             </a:r>
@@ -3849,17 +3604,15 @@
       <p:sp>
         <p:nvSpPr>
           <p:cNvPr id="5" name="Номер слайда"/>
-          <p:cNvSpPr txBox="1">
-            <a:spLocks noGrp="1"/>
-          </p:cNvSpPr>
+          <p:cNvSpPr txBox="1"/>
           <p:nvPr>
             <p:ph type="sldNum" sz="quarter" idx="2"/>
           </p:nvPr>
         </p:nvSpPr>
         <p:spPr>
           <a:xfrm>
-            <a:off x="23059652" y="609600"/>
-            <a:ext cx="553196" cy="635000"/>
+            <a:off x="23063201" y="609600"/>
+            <a:ext cx="553195" cy="635000"/>
           </a:xfrm>
           <a:prstGeom prst="rect">
             <a:avLst/>
@@ -3881,6 +3634,9 @@
                 <a:spcPts val="0"/>
               </a:spcBef>
               <a:defRPr sz="3600">
+                <a:solidFill>
+                  <a:srgbClr val="838787"/>
+                </a:solidFill>
                 <a:latin typeface="DIN Alternate Bold"/>
                 <a:ea typeface="DIN Alternate Bold"/>
                 <a:cs typeface="DIN Alternate Bold"/>
@@ -3889,545 +3645,35 @@
             </a:lvl1pPr>
           </a:lstStyle>
           <a:p>
-            <a:fld id="{86CB4B4D-7CA3-9044-876B-883B54F8677D}" type="slidenum">
-              <a:t>‹#›</a:t>
-            </a:fld>
-            <a:endParaRPr/>
+            <a:pPr/>
+            <a:fld id="{86CB4B4D-7CA3-9044-876B-883B54F8677D}" type="slidenum"/>
           </a:p>
         </p:txBody>
       </p:sp>
     </p:spTree>
   </p:cSld>
-  <p:clrMap bg1="dk1" tx1="lt1" bg2="dk2" tx2="lt2" accent1="accent1" accent2="accent2" accent3="accent3" accent4="accent4" accent5="accent5" accent6="accent6" hlink="hlink" folHlink="folHlink"/>
+  <p:clrMap bg1="lt1" tx1="dk1" bg2="lt2" tx2="dk2" accent1="accent1" accent2="accent2" accent3="accent3" accent4="accent4" accent5="accent5" accent6="accent6" hlink="hlink" folHlink="folHlink"/>
   <p:sldLayoutIdLst>
-    <p:sldLayoutId id="2147483649" r:id="rId1"/>
-    <p:sldLayoutId id="2147483650" r:id="rId2"/>
-    <p:sldLayoutId id="2147483651" r:id="rId3"/>
-    <p:sldLayoutId id="2147483652" r:id="rId4"/>
-    <p:sldLayoutId id="2147483653" r:id="rId5"/>
-    <p:sldLayoutId id="2147483654" r:id="rId6"/>
-    <p:sldLayoutId id="2147483655" r:id="rId7"/>
-    <p:sldLayoutId id="2147483656" r:id="rId8"/>
-    <p:sldLayoutId id="2147483657" r:id="rId9"/>
-    <p:sldLayoutId id="2147483658" r:id="rId10"/>
-    <p:sldLayoutId id="2147483659" r:id="rId11"/>
-    <p:sldLayoutId id="2147483660" r:id="rId12"/>
-    <p:sldLayoutId id="2147483661" r:id="rId13"/>
-    <p:sldLayoutId id="2147483662" r:id="rId14"/>
-    <p:sldLayoutId id="2147483663" r:id="rId15"/>
+    <p:sldLayoutId id="2147483649" r:id="rId2"/>
+    <p:sldLayoutId id="2147483650" r:id="rId3"/>
+    <p:sldLayoutId id="2147483651" r:id="rId4"/>
+    <p:sldLayoutId id="2147483652" r:id="rId5"/>
+    <p:sldLayoutId id="2147483653" r:id="rId6"/>
+    <p:sldLayoutId id="2147483654" r:id="rId7"/>
+    <p:sldLayoutId id="2147483655" r:id="rId8"/>
+    <p:sldLayoutId id="2147483656" r:id="rId9"/>
+    <p:sldLayoutId id="2147483657" r:id="rId10"/>
+    <p:sldLayoutId id="2147483658" r:id="rId11"/>
+    <p:sldLayoutId id="2147483659" r:id="rId12"/>
+    <p:sldLayoutId id="2147483660" r:id="rId13"/>
+    <p:sldLayoutId id="2147483661" r:id="rId14"/>
+    <p:sldLayoutId id="2147483662" r:id="rId15"/>
+    <p:sldLayoutId id="2147483663" r:id="rId16"/>
   </p:sldLayoutIdLst>
-  <p:transition spd="med"/>
+  <p:transition xmlns:p14="http://schemas.microsoft.com/office/powerpoint/2010/main" spd="med" advClick="1"/>
   <p:txStyles>
     <p:titleStyle>
       <a:lvl1pPr marL="0" marR="0" indent="0" algn="l" defTabSz="825500" rtl="0" latinLnBrk="0">
-        <a:lnSpc>
-          <a:spcPct val="80000"/>
-        </a:lnSpc>
-        <a:spcBef>
-          <a:spcPts val="3900"/>
-        </a:spcBef>
-        <a:spcAft>
-          <a:spcPts val="0"/>
-        </a:spcAft>
-        <a:buClrTx/>
-        <a:buSzTx/>
-        <a:buFontTx/>
-        <a:buNone/>
-        <a:tabLst/>
-        <a:defRPr sz="8700" b="0" i="0" u="none" strike="noStrike" cap="all" spc="0" baseline="0">
-          <a:solidFill>
-            <a:schemeClr val="accent1"/>
-          </a:solidFill>
-          <a:uFillTx/>
-          <a:latin typeface="+mn-lt"/>
-          <a:ea typeface="+mn-ea"/>
-          <a:cs typeface="+mn-cs"/>
-          <a:sym typeface="DIN Condensed Bold"/>
-        </a:defRPr>
-      </a:lvl1pPr>
-      <a:lvl2pPr marL="0" marR="0" indent="0" algn="l" defTabSz="825500" rtl="0" latinLnBrk="0">
-        <a:lnSpc>
-          <a:spcPct val="80000"/>
-        </a:lnSpc>
-        <a:spcBef>
-          <a:spcPts val="3900"/>
-        </a:spcBef>
-        <a:spcAft>
-          <a:spcPts val="0"/>
-        </a:spcAft>
-        <a:buClrTx/>
-        <a:buSzTx/>
-        <a:buFontTx/>
-        <a:buNone/>
-        <a:tabLst/>
-        <a:defRPr sz="8700" b="0" i="0" u="none" strike="noStrike" cap="all" spc="0" baseline="0">
-          <a:solidFill>
-            <a:schemeClr val="accent1"/>
-          </a:solidFill>
-          <a:uFillTx/>
-          <a:latin typeface="+mn-lt"/>
-          <a:ea typeface="+mn-ea"/>
-          <a:cs typeface="+mn-cs"/>
-          <a:sym typeface="DIN Condensed Bold"/>
-        </a:defRPr>
-      </a:lvl2pPr>
-      <a:lvl3pPr marL="0" marR="0" indent="0" algn="l" defTabSz="825500" rtl="0" latinLnBrk="0">
-        <a:lnSpc>
-          <a:spcPct val="80000"/>
-        </a:lnSpc>
-        <a:spcBef>
-          <a:spcPts val="3900"/>
-        </a:spcBef>
-        <a:spcAft>
-          <a:spcPts val="0"/>
-        </a:spcAft>
-        <a:buClrTx/>
-        <a:buSzTx/>
-        <a:buFontTx/>
-        <a:buNone/>
-        <a:tabLst/>
-        <a:defRPr sz="8700" b="0" i="0" u="none" strike="noStrike" cap="all" spc="0" baseline="0">
-          <a:solidFill>
-            <a:schemeClr val="accent1"/>
-          </a:solidFill>
-          <a:uFillTx/>
-          <a:latin typeface="+mn-lt"/>
-          <a:ea typeface="+mn-ea"/>
-          <a:cs typeface="+mn-cs"/>
-          <a:sym typeface="DIN Condensed Bold"/>
-        </a:defRPr>
-      </a:lvl3pPr>
-      <a:lvl4pPr marL="0" marR="0" indent="0" algn="l" defTabSz="825500" rtl="0" latinLnBrk="0">
-        <a:lnSpc>
-          <a:spcPct val="80000"/>
-        </a:lnSpc>
-        <a:spcBef>
-          <a:spcPts val="3900"/>
-        </a:spcBef>
-        <a:spcAft>
-          <a:spcPts val="0"/>
-        </a:spcAft>
-        <a:buClrTx/>
-        <a:buSzTx/>
-        <a:buFontTx/>
-        <a:buNone/>
-        <a:tabLst/>
-        <a:defRPr sz="8700" b="0" i="0" u="none" strike="noStrike" cap="all" spc="0" baseline="0">
-          <a:solidFill>
-            <a:schemeClr val="accent1"/>
-          </a:solidFill>
-          <a:uFillTx/>
-          <a:latin typeface="+mn-lt"/>
-          <a:ea typeface="+mn-ea"/>
-          <a:cs typeface="+mn-cs"/>
-          <a:sym typeface="DIN Condensed Bold"/>
-        </a:defRPr>
-      </a:lvl4pPr>
-      <a:lvl5pPr marL="0" marR="0" indent="0" algn="l" defTabSz="825500" rtl="0" latinLnBrk="0">
-        <a:lnSpc>
-          <a:spcPct val="80000"/>
-        </a:lnSpc>
-        <a:spcBef>
-          <a:spcPts val="3900"/>
-        </a:spcBef>
-        <a:spcAft>
-          <a:spcPts val="0"/>
-        </a:spcAft>
-        <a:buClrTx/>
-        <a:buSzTx/>
-        <a:buFontTx/>
-        <a:buNone/>
-        <a:tabLst/>
-        <a:defRPr sz="8700" b="0" i="0" u="none" strike="noStrike" cap="all" spc="0" baseline="0">
-          <a:solidFill>
-            <a:schemeClr val="accent1"/>
-          </a:solidFill>
-          <a:uFillTx/>
-          <a:latin typeface="+mn-lt"/>
-          <a:ea typeface="+mn-ea"/>
-          <a:cs typeface="+mn-cs"/>
-          <a:sym typeface="DIN Condensed Bold"/>
-        </a:defRPr>
-      </a:lvl5pPr>
-      <a:lvl6pPr marL="0" marR="0" indent="0" algn="l" defTabSz="825500" rtl="0" latinLnBrk="0">
-        <a:lnSpc>
-          <a:spcPct val="80000"/>
-        </a:lnSpc>
-        <a:spcBef>
-          <a:spcPts val="3900"/>
-        </a:spcBef>
-        <a:spcAft>
-          <a:spcPts val="0"/>
-        </a:spcAft>
-        <a:buClrTx/>
-        <a:buSzTx/>
-        <a:buFontTx/>
-        <a:buNone/>
-        <a:tabLst/>
-        <a:defRPr sz="8700" b="0" i="0" u="none" strike="noStrike" cap="all" spc="0" baseline="0">
-          <a:solidFill>
-            <a:schemeClr val="accent1"/>
-          </a:solidFill>
-          <a:uFillTx/>
-          <a:latin typeface="+mn-lt"/>
-          <a:ea typeface="+mn-ea"/>
-          <a:cs typeface="+mn-cs"/>
-          <a:sym typeface="DIN Condensed Bold"/>
-        </a:defRPr>
-      </a:lvl6pPr>
-      <a:lvl7pPr marL="0" marR="0" indent="0" algn="l" defTabSz="825500" rtl="0" latinLnBrk="0">
-        <a:lnSpc>
-          <a:spcPct val="80000"/>
-        </a:lnSpc>
-        <a:spcBef>
-          <a:spcPts val="3900"/>
-        </a:spcBef>
-        <a:spcAft>
-          <a:spcPts val="0"/>
-        </a:spcAft>
-        <a:buClrTx/>
-        <a:buSzTx/>
-        <a:buFontTx/>
-        <a:buNone/>
-        <a:tabLst/>
-        <a:defRPr sz="8700" b="0" i="0" u="none" strike="noStrike" cap="all" spc="0" baseline="0">
-          <a:solidFill>
-            <a:schemeClr val="accent1"/>
-          </a:solidFill>
-          <a:uFillTx/>
-          <a:latin typeface="+mn-lt"/>
-          <a:ea typeface="+mn-ea"/>
-          <a:cs typeface="+mn-cs"/>
-          <a:sym typeface="DIN Condensed Bold"/>
-        </a:defRPr>
-      </a:lvl7pPr>
-      <a:lvl8pPr marL="0" marR="0" indent="0" algn="l" defTabSz="825500" rtl="0" latinLnBrk="0">
-        <a:lnSpc>
-          <a:spcPct val="80000"/>
-        </a:lnSpc>
-        <a:spcBef>
-          <a:spcPts val="3900"/>
-        </a:spcBef>
-        <a:spcAft>
-          <a:spcPts val="0"/>
-        </a:spcAft>
-        <a:buClrTx/>
-        <a:buSzTx/>
-        <a:buFontTx/>
-        <a:buNone/>
-        <a:tabLst/>
-        <a:defRPr sz="8700" b="0" i="0" u="none" strike="noStrike" cap="all" spc="0" baseline="0">
-          <a:solidFill>
-            <a:schemeClr val="accent1"/>
-          </a:solidFill>
-          <a:uFillTx/>
-          <a:latin typeface="+mn-lt"/>
-          <a:ea typeface="+mn-ea"/>
-          <a:cs typeface="+mn-cs"/>
-          <a:sym typeface="DIN Condensed Bold"/>
-        </a:defRPr>
-      </a:lvl8pPr>
-      <a:lvl9pPr marL="0" marR="0" indent="0" algn="l" defTabSz="825500" rtl="0" latinLnBrk="0">
-        <a:lnSpc>
-          <a:spcPct val="80000"/>
-        </a:lnSpc>
-        <a:spcBef>
-          <a:spcPts val="3900"/>
-        </a:spcBef>
-        <a:spcAft>
-          <a:spcPts val="0"/>
-        </a:spcAft>
-        <a:buClrTx/>
-        <a:buSzTx/>
-        <a:buFontTx/>
-        <a:buNone/>
-        <a:tabLst/>
-        <a:defRPr sz="8700" b="0" i="0" u="none" strike="noStrike" cap="all" spc="0" baseline="0">
-          <a:solidFill>
-            <a:schemeClr val="accent1"/>
-          </a:solidFill>
-          <a:uFillTx/>
-          <a:latin typeface="+mn-lt"/>
-          <a:ea typeface="+mn-ea"/>
-          <a:cs typeface="+mn-cs"/>
-          <a:sym typeface="DIN Condensed Bold"/>
-        </a:defRPr>
-      </a:lvl9pPr>
-    </p:titleStyle>
-    <p:bodyStyle>
-      <a:lvl1pPr marL="635000" marR="0" indent="-635000" algn="l" defTabSz="825500" rtl="0" latinLnBrk="0">
-        <a:lnSpc>
-          <a:spcPct val="100000"/>
-        </a:lnSpc>
-        <a:spcBef>
-          <a:spcPts val="3900"/>
-        </a:spcBef>
-        <a:spcAft>
-          <a:spcPts val="0"/>
-        </a:spcAft>
-        <a:buClr>
-          <a:schemeClr val="accent1">
-            <a:satOff val="-4060"/>
-          </a:schemeClr>
-        </a:buClr>
-        <a:buSzPct val="104999"/>
-        <a:buFont typeface="Avenir Next Regular"/>
-        <a:buChar char="‣"/>
-        <a:tabLst/>
-        <a:defRPr sz="4800" b="0" i="0" u="none" strike="noStrike" cap="none" spc="0" baseline="0">
-          <a:solidFill>
-            <a:srgbClr val="838787"/>
-          </a:solidFill>
-          <a:uFillTx/>
-          <a:latin typeface="Avenir Next Medium"/>
-          <a:ea typeface="Avenir Next Medium"/>
-          <a:cs typeface="Avenir Next Medium"/>
-          <a:sym typeface="Avenir Next Medium"/>
-        </a:defRPr>
-      </a:lvl1pPr>
-      <a:lvl2pPr marL="1270000" marR="0" indent="-635000" algn="l" defTabSz="825500" rtl="0" latinLnBrk="0">
-        <a:lnSpc>
-          <a:spcPct val="100000"/>
-        </a:lnSpc>
-        <a:spcBef>
-          <a:spcPts val="3900"/>
-        </a:spcBef>
-        <a:spcAft>
-          <a:spcPts val="0"/>
-        </a:spcAft>
-        <a:buClr>
-          <a:schemeClr val="accent1">
-            <a:satOff val="-4060"/>
-          </a:schemeClr>
-        </a:buClr>
-        <a:buSzPct val="104999"/>
-        <a:buFont typeface="Avenir Next Regular"/>
-        <a:buChar char="‣"/>
-        <a:tabLst/>
-        <a:defRPr sz="4800" b="0" i="0" u="none" strike="noStrike" cap="none" spc="0" baseline="0">
-          <a:solidFill>
-            <a:srgbClr val="838787"/>
-          </a:solidFill>
-          <a:uFillTx/>
-          <a:latin typeface="Avenir Next Medium"/>
-          <a:ea typeface="Avenir Next Medium"/>
-          <a:cs typeface="Avenir Next Medium"/>
-          <a:sym typeface="Avenir Next Medium"/>
-        </a:defRPr>
-      </a:lvl2pPr>
-      <a:lvl3pPr marL="1905000" marR="0" indent="-635000" algn="l" defTabSz="825500" rtl="0" latinLnBrk="0">
-        <a:lnSpc>
-          <a:spcPct val="100000"/>
-        </a:lnSpc>
-        <a:spcBef>
-          <a:spcPts val="3900"/>
-        </a:spcBef>
-        <a:spcAft>
-          <a:spcPts val="0"/>
-        </a:spcAft>
-        <a:buClr>
-          <a:schemeClr val="accent1">
-            <a:satOff val="-4060"/>
-          </a:schemeClr>
-        </a:buClr>
-        <a:buSzPct val="104999"/>
-        <a:buFont typeface="Avenir Next Regular"/>
-        <a:buChar char="‣"/>
-        <a:tabLst/>
-        <a:defRPr sz="4800" b="0" i="0" u="none" strike="noStrike" cap="none" spc="0" baseline="0">
-          <a:solidFill>
-            <a:srgbClr val="838787"/>
-          </a:solidFill>
-          <a:uFillTx/>
-          <a:latin typeface="Avenir Next Medium"/>
-          <a:ea typeface="Avenir Next Medium"/>
-          <a:cs typeface="Avenir Next Medium"/>
-          <a:sym typeface="Avenir Next Medium"/>
-        </a:defRPr>
-      </a:lvl3pPr>
-      <a:lvl4pPr marL="2540000" marR="0" indent="-635000" algn="l" defTabSz="825500" rtl="0" latinLnBrk="0">
-        <a:lnSpc>
-          <a:spcPct val="100000"/>
-        </a:lnSpc>
-        <a:spcBef>
-          <a:spcPts val="3900"/>
-        </a:spcBef>
-        <a:spcAft>
-          <a:spcPts val="0"/>
-        </a:spcAft>
-        <a:buClr>
-          <a:schemeClr val="accent1">
-            <a:satOff val="-4060"/>
-          </a:schemeClr>
-        </a:buClr>
-        <a:buSzPct val="104999"/>
-        <a:buFont typeface="Avenir Next Regular"/>
-        <a:buChar char="‣"/>
-        <a:tabLst/>
-        <a:defRPr sz="4800" b="0" i="0" u="none" strike="noStrike" cap="none" spc="0" baseline="0">
-          <a:solidFill>
-            <a:srgbClr val="838787"/>
-          </a:solidFill>
-          <a:uFillTx/>
-          <a:latin typeface="Avenir Next Medium"/>
-          <a:ea typeface="Avenir Next Medium"/>
-          <a:cs typeface="Avenir Next Medium"/>
-          <a:sym typeface="Avenir Next Medium"/>
-        </a:defRPr>
-      </a:lvl4pPr>
-      <a:lvl5pPr marL="3175000" marR="0" indent="-635000" algn="l" defTabSz="825500" rtl="0" latinLnBrk="0">
-        <a:lnSpc>
-          <a:spcPct val="100000"/>
-        </a:lnSpc>
-        <a:spcBef>
-          <a:spcPts val="3900"/>
-        </a:spcBef>
-        <a:spcAft>
-          <a:spcPts val="0"/>
-        </a:spcAft>
-        <a:buClr>
-          <a:schemeClr val="accent1">
-            <a:satOff val="-4060"/>
-          </a:schemeClr>
-        </a:buClr>
-        <a:buSzPct val="104999"/>
-        <a:buFont typeface="Avenir Next Regular"/>
-        <a:buChar char="‣"/>
-        <a:tabLst/>
-        <a:defRPr sz="4800" b="0" i="0" u="none" strike="noStrike" cap="none" spc="0" baseline="0">
-          <a:solidFill>
-            <a:srgbClr val="838787"/>
-          </a:solidFill>
-          <a:uFillTx/>
-          <a:latin typeface="Avenir Next Medium"/>
-          <a:ea typeface="Avenir Next Medium"/>
-          <a:cs typeface="Avenir Next Medium"/>
-          <a:sym typeface="Avenir Next Medium"/>
-        </a:defRPr>
-      </a:lvl5pPr>
-      <a:lvl6pPr marL="3810000" marR="0" indent="-635000" algn="l" defTabSz="825500" rtl="0" latinLnBrk="0">
-        <a:lnSpc>
-          <a:spcPct val="100000"/>
-        </a:lnSpc>
-        <a:spcBef>
-          <a:spcPts val="3900"/>
-        </a:spcBef>
-        <a:spcAft>
-          <a:spcPts val="0"/>
-        </a:spcAft>
-        <a:buClr>
-          <a:schemeClr val="accent1">
-            <a:satOff val="-4060"/>
-          </a:schemeClr>
-        </a:buClr>
-        <a:buSzPct val="104999"/>
-        <a:buFont typeface="Avenir Next Regular"/>
-        <a:buChar char="‣"/>
-        <a:tabLst/>
-        <a:defRPr sz="4800" b="0" i="0" u="none" strike="noStrike" cap="none" spc="0" baseline="0">
-          <a:solidFill>
-            <a:srgbClr val="838787"/>
-          </a:solidFill>
-          <a:uFillTx/>
-          <a:latin typeface="Avenir Next Medium"/>
-          <a:ea typeface="Avenir Next Medium"/>
-          <a:cs typeface="Avenir Next Medium"/>
-          <a:sym typeface="Avenir Next Medium"/>
-        </a:defRPr>
-      </a:lvl6pPr>
-      <a:lvl7pPr marL="4445000" marR="0" indent="-635000" algn="l" defTabSz="825500" rtl="0" latinLnBrk="0">
-        <a:lnSpc>
-          <a:spcPct val="100000"/>
-        </a:lnSpc>
-        <a:spcBef>
-          <a:spcPts val="3900"/>
-        </a:spcBef>
-        <a:spcAft>
-          <a:spcPts val="0"/>
-        </a:spcAft>
-        <a:buClr>
-          <a:schemeClr val="accent1">
-            <a:satOff val="-4060"/>
-          </a:schemeClr>
-        </a:buClr>
-        <a:buSzPct val="104999"/>
-        <a:buFont typeface="Avenir Next Regular"/>
-        <a:buChar char="‣"/>
-        <a:tabLst/>
-        <a:defRPr sz="4800" b="0" i="0" u="none" strike="noStrike" cap="none" spc="0" baseline="0">
-          <a:solidFill>
-            <a:srgbClr val="838787"/>
-          </a:solidFill>
-          <a:uFillTx/>
-          <a:latin typeface="Avenir Next Medium"/>
-          <a:ea typeface="Avenir Next Medium"/>
-          <a:cs typeface="Avenir Next Medium"/>
-          <a:sym typeface="Avenir Next Medium"/>
-        </a:defRPr>
-      </a:lvl7pPr>
-      <a:lvl8pPr marL="5080000" marR="0" indent="-635000" algn="l" defTabSz="825500" rtl="0" latinLnBrk="0">
-        <a:lnSpc>
-          <a:spcPct val="100000"/>
-        </a:lnSpc>
-        <a:spcBef>
-          <a:spcPts val="3900"/>
-        </a:spcBef>
-        <a:spcAft>
-          <a:spcPts val="0"/>
-        </a:spcAft>
-        <a:buClr>
-          <a:schemeClr val="accent1">
-            <a:satOff val="-4060"/>
-          </a:schemeClr>
-        </a:buClr>
-        <a:buSzPct val="104999"/>
-        <a:buFont typeface="Avenir Next Regular"/>
-        <a:buChar char="‣"/>
-        <a:tabLst/>
-        <a:defRPr sz="4800" b="0" i="0" u="none" strike="noStrike" cap="none" spc="0" baseline="0">
-          <a:solidFill>
-            <a:srgbClr val="838787"/>
-          </a:solidFill>
-          <a:uFillTx/>
-          <a:latin typeface="Avenir Next Medium"/>
-          <a:ea typeface="Avenir Next Medium"/>
-          <a:cs typeface="Avenir Next Medium"/>
-          <a:sym typeface="Avenir Next Medium"/>
-        </a:defRPr>
-      </a:lvl8pPr>
-      <a:lvl9pPr marL="5715000" marR="0" indent="-635000" algn="l" defTabSz="825500" rtl="0" latinLnBrk="0">
-        <a:lnSpc>
-          <a:spcPct val="100000"/>
-        </a:lnSpc>
-        <a:spcBef>
-          <a:spcPts val="3900"/>
-        </a:spcBef>
-        <a:spcAft>
-          <a:spcPts val="0"/>
-        </a:spcAft>
-        <a:buClr>
-          <a:schemeClr val="accent1">
-            <a:satOff val="-4060"/>
-          </a:schemeClr>
-        </a:buClr>
-        <a:buSzPct val="104999"/>
-        <a:buFont typeface="Avenir Next Regular"/>
-        <a:buChar char="‣"/>
-        <a:tabLst/>
-        <a:defRPr sz="4800" b="0" i="0" u="none" strike="noStrike" cap="none" spc="0" baseline="0">
-          <a:solidFill>
-            <a:srgbClr val="838787"/>
-          </a:solidFill>
-          <a:uFillTx/>
-          <a:latin typeface="Avenir Next Medium"/>
-          <a:ea typeface="Avenir Next Medium"/>
-          <a:cs typeface="Avenir Next Medium"/>
-          <a:sym typeface="Avenir Next Medium"/>
-        </a:defRPr>
-      </a:lvl9pPr>
-    </p:bodyStyle>
-    <p:otherStyle>
-      <a:lvl1pPr marL="0" marR="0" indent="0" algn="r" defTabSz="825500" latinLnBrk="0">
         <a:lnSpc>
           <a:spcPct val="80000"/>
         </a:lnSpc>
@@ -4442,18 +3688,18 @@
         <a:buFontTx/>
         <a:buNone/>
         <a:tabLst/>
-        <a:defRPr sz="3600" b="0" i="0" u="none" strike="noStrike" cap="none" spc="0" baseline="0">
+        <a:defRPr b="0" baseline="0" cap="all" i="0" spc="0" strike="noStrike" sz="30300" u="none">
           <a:solidFill>
-            <a:schemeClr val="tx1"/>
+            <a:schemeClr val="accent1"/>
           </a:solidFill>
           <a:uFillTx/>
-          <a:latin typeface="+mn-lt"/>
-          <a:ea typeface="+mn-ea"/>
-          <a:cs typeface="+mn-cs"/>
-          <a:sym typeface="DIN Alternate Bold"/>
+          <a:latin typeface="DIN Condensed Bold"/>
+          <a:ea typeface="DIN Condensed Bold"/>
+          <a:cs typeface="DIN Condensed Bold"/>
+          <a:sym typeface="DIN Condensed Bold"/>
         </a:defRPr>
       </a:lvl1pPr>
-      <a:lvl2pPr marL="0" marR="0" indent="228600" algn="r" defTabSz="825500" latinLnBrk="0">
+      <a:lvl2pPr marL="0" marR="0" indent="0" algn="l" defTabSz="825500" rtl="0" latinLnBrk="0">
         <a:lnSpc>
           <a:spcPct val="80000"/>
         </a:lnSpc>
@@ -4468,18 +3714,18 @@
         <a:buFontTx/>
         <a:buNone/>
         <a:tabLst/>
-        <a:defRPr sz="3600" b="0" i="0" u="none" strike="noStrike" cap="none" spc="0" baseline="0">
+        <a:defRPr b="0" baseline="0" cap="all" i="0" spc="0" strike="noStrike" sz="30300" u="none">
           <a:solidFill>
-            <a:schemeClr val="tx1"/>
+            <a:schemeClr val="accent1"/>
           </a:solidFill>
           <a:uFillTx/>
-          <a:latin typeface="+mn-lt"/>
-          <a:ea typeface="+mn-ea"/>
-          <a:cs typeface="+mn-cs"/>
-          <a:sym typeface="DIN Alternate Bold"/>
+          <a:latin typeface="DIN Condensed Bold"/>
+          <a:ea typeface="DIN Condensed Bold"/>
+          <a:cs typeface="DIN Condensed Bold"/>
+          <a:sym typeface="DIN Condensed Bold"/>
         </a:defRPr>
       </a:lvl2pPr>
-      <a:lvl3pPr marL="0" marR="0" indent="457200" algn="r" defTabSz="825500" latinLnBrk="0">
+      <a:lvl3pPr marL="0" marR="0" indent="0" algn="l" defTabSz="825500" rtl="0" latinLnBrk="0">
         <a:lnSpc>
           <a:spcPct val="80000"/>
         </a:lnSpc>
@@ -4494,18 +3740,18 @@
         <a:buFontTx/>
         <a:buNone/>
         <a:tabLst/>
-        <a:defRPr sz="3600" b="0" i="0" u="none" strike="noStrike" cap="none" spc="0" baseline="0">
+        <a:defRPr b="0" baseline="0" cap="all" i="0" spc="0" strike="noStrike" sz="30300" u="none">
           <a:solidFill>
-            <a:schemeClr val="tx1"/>
+            <a:schemeClr val="accent1"/>
           </a:solidFill>
           <a:uFillTx/>
-          <a:latin typeface="+mn-lt"/>
-          <a:ea typeface="+mn-ea"/>
-          <a:cs typeface="+mn-cs"/>
-          <a:sym typeface="DIN Alternate Bold"/>
+          <a:latin typeface="DIN Condensed Bold"/>
+          <a:ea typeface="DIN Condensed Bold"/>
+          <a:cs typeface="DIN Condensed Bold"/>
+          <a:sym typeface="DIN Condensed Bold"/>
         </a:defRPr>
       </a:lvl3pPr>
-      <a:lvl4pPr marL="0" marR="0" indent="685800" algn="r" defTabSz="825500" latinLnBrk="0">
+      <a:lvl4pPr marL="0" marR="0" indent="0" algn="l" defTabSz="825500" rtl="0" latinLnBrk="0">
         <a:lnSpc>
           <a:spcPct val="80000"/>
         </a:lnSpc>
@@ -4520,18 +3766,18 @@
         <a:buFontTx/>
         <a:buNone/>
         <a:tabLst/>
-        <a:defRPr sz="3600" b="0" i="0" u="none" strike="noStrike" cap="none" spc="0" baseline="0">
+        <a:defRPr b="0" baseline="0" cap="all" i="0" spc="0" strike="noStrike" sz="30300" u="none">
           <a:solidFill>
-            <a:schemeClr val="tx1"/>
+            <a:schemeClr val="accent1"/>
           </a:solidFill>
           <a:uFillTx/>
-          <a:latin typeface="+mn-lt"/>
-          <a:ea typeface="+mn-ea"/>
-          <a:cs typeface="+mn-cs"/>
-          <a:sym typeface="DIN Alternate Bold"/>
+          <a:latin typeface="DIN Condensed Bold"/>
+          <a:ea typeface="DIN Condensed Bold"/>
+          <a:cs typeface="DIN Condensed Bold"/>
+          <a:sym typeface="DIN Condensed Bold"/>
         </a:defRPr>
       </a:lvl4pPr>
-      <a:lvl5pPr marL="0" marR="0" indent="914400" algn="r" defTabSz="825500" latinLnBrk="0">
+      <a:lvl5pPr marL="0" marR="0" indent="0" algn="l" defTabSz="825500" rtl="0" latinLnBrk="0">
         <a:lnSpc>
           <a:spcPct val="80000"/>
         </a:lnSpc>
@@ -4546,18 +3792,18 @@
         <a:buFontTx/>
         <a:buNone/>
         <a:tabLst/>
-        <a:defRPr sz="3600" b="0" i="0" u="none" strike="noStrike" cap="none" spc="0" baseline="0">
+        <a:defRPr b="0" baseline="0" cap="all" i="0" spc="0" strike="noStrike" sz="30300" u="none">
           <a:solidFill>
-            <a:schemeClr val="tx1"/>
+            <a:schemeClr val="accent1"/>
           </a:solidFill>
           <a:uFillTx/>
-          <a:latin typeface="+mn-lt"/>
-          <a:ea typeface="+mn-ea"/>
-          <a:cs typeface="+mn-cs"/>
-          <a:sym typeface="DIN Alternate Bold"/>
+          <a:latin typeface="DIN Condensed Bold"/>
+          <a:ea typeface="DIN Condensed Bold"/>
+          <a:cs typeface="DIN Condensed Bold"/>
+          <a:sym typeface="DIN Condensed Bold"/>
         </a:defRPr>
       </a:lvl5pPr>
-      <a:lvl6pPr marL="0" marR="0" indent="1143000" algn="r" defTabSz="825500" latinLnBrk="0">
+      <a:lvl6pPr marL="0" marR="0" indent="0" algn="l" defTabSz="825500" rtl="0" latinLnBrk="0">
         <a:lnSpc>
           <a:spcPct val="80000"/>
         </a:lnSpc>
@@ -4572,18 +3818,18 @@
         <a:buFontTx/>
         <a:buNone/>
         <a:tabLst/>
-        <a:defRPr sz="3600" b="0" i="0" u="none" strike="noStrike" cap="none" spc="0" baseline="0">
+        <a:defRPr b="0" baseline="0" cap="all" i="0" spc="0" strike="noStrike" sz="30300" u="none">
           <a:solidFill>
-            <a:schemeClr val="tx1"/>
+            <a:schemeClr val="accent1"/>
           </a:solidFill>
           <a:uFillTx/>
-          <a:latin typeface="+mn-lt"/>
-          <a:ea typeface="+mn-ea"/>
-          <a:cs typeface="+mn-cs"/>
-          <a:sym typeface="DIN Alternate Bold"/>
+          <a:latin typeface="DIN Condensed Bold"/>
+          <a:ea typeface="DIN Condensed Bold"/>
+          <a:cs typeface="DIN Condensed Bold"/>
+          <a:sym typeface="DIN Condensed Bold"/>
         </a:defRPr>
       </a:lvl6pPr>
-      <a:lvl7pPr marL="0" marR="0" indent="1371600" algn="r" defTabSz="825500" latinLnBrk="0">
+      <a:lvl7pPr marL="0" marR="0" indent="0" algn="l" defTabSz="825500" rtl="0" latinLnBrk="0">
         <a:lnSpc>
           <a:spcPct val="80000"/>
         </a:lnSpc>
@@ -4598,18 +3844,18 @@
         <a:buFontTx/>
         <a:buNone/>
         <a:tabLst/>
-        <a:defRPr sz="3600" b="0" i="0" u="none" strike="noStrike" cap="none" spc="0" baseline="0">
+        <a:defRPr b="0" baseline="0" cap="all" i="0" spc="0" strike="noStrike" sz="30300" u="none">
           <a:solidFill>
-            <a:schemeClr val="tx1"/>
+            <a:schemeClr val="accent1"/>
           </a:solidFill>
           <a:uFillTx/>
-          <a:latin typeface="+mn-lt"/>
-          <a:ea typeface="+mn-ea"/>
-          <a:cs typeface="+mn-cs"/>
-          <a:sym typeface="DIN Alternate Bold"/>
+          <a:latin typeface="DIN Condensed Bold"/>
+          <a:ea typeface="DIN Condensed Bold"/>
+          <a:cs typeface="DIN Condensed Bold"/>
+          <a:sym typeface="DIN Condensed Bold"/>
         </a:defRPr>
       </a:lvl7pPr>
-      <a:lvl8pPr marL="0" marR="0" indent="1600200" algn="r" defTabSz="825500" latinLnBrk="0">
+      <a:lvl8pPr marL="0" marR="0" indent="0" algn="l" defTabSz="825500" rtl="0" latinLnBrk="0">
         <a:lnSpc>
           <a:spcPct val="80000"/>
         </a:lnSpc>
@@ -4624,18 +3870,18 @@
         <a:buFontTx/>
         <a:buNone/>
         <a:tabLst/>
-        <a:defRPr sz="3600" b="0" i="0" u="none" strike="noStrike" cap="none" spc="0" baseline="0">
+        <a:defRPr b="0" baseline="0" cap="all" i="0" spc="0" strike="noStrike" sz="30300" u="none">
           <a:solidFill>
-            <a:schemeClr val="tx1"/>
+            <a:schemeClr val="accent1"/>
           </a:solidFill>
           <a:uFillTx/>
-          <a:latin typeface="+mn-lt"/>
-          <a:ea typeface="+mn-ea"/>
-          <a:cs typeface="+mn-cs"/>
-          <a:sym typeface="DIN Alternate Bold"/>
+          <a:latin typeface="DIN Condensed Bold"/>
+          <a:ea typeface="DIN Condensed Bold"/>
+          <a:cs typeface="DIN Condensed Bold"/>
+          <a:sym typeface="DIN Condensed Bold"/>
         </a:defRPr>
       </a:lvl8pPr>
-      <a:lvl9pPr marL="0" marR="0" indent="1828800" algn="r" defTabSz="825500" latinLnBrk="0">
+      <a:lvl9pPr marL="0" marR="0" indent="0" algn="l" defTabSz="825500" rtl="0" latinLnBrk="0">
         <a:lnSpc>
           <a:spcPct val="80000"/>
         </a:lnSpc>
@@ -4650,7 +3896,479 @@
         <a:buFontTx/>
         <a:buNone/>
         <a:tabLst/>
-        <a:defRPr sz="3600" b="0" i="0" u="none" strike="noStrike" cap="none" spc="0" baseline="0">
+        <a:defRPr b="0" baseline="0" cap="all" i="0" spc="0" strike="noStrike" sz="30300" u="none">
+          <a:solidFill>
+            <a:schemeClr val="accent1"/>
+          </a:solidFill>
+          <a:uFillTx/>
+          <a:latin typeface="DIN Condensed Bold"/>
+          <a:ea typeface="DIN Condensed Bold"/>
+          <a:cs typeface="DIN Condensed Bold"/>
+          <a:sym typeface="DIN Condensed Bold"/>
+        </a:defRPr>
+      </a:lvl9pPr>
+    </p:titleStyle>
+    <p:bodyStyle>
+      <a:lvl1pPr marL="0" marR="0" indent="0" algn="l" defTabSz="825500" rtl="0" latinLnBrk="0">
+        <a:lnSpc>
+          <a:spcPct val="80000"/>
+        </a:lnSpc>
+        <a:spcBef>
+          <a:spcPts val="3200"/>
+        </a:spcBef>
+        <a:spcAft>
+          <a:spcPts val="0"/>
+        </a:spcAft>
+        <a:buClrTx/>
+        <a:buSzTx/>
+        <a:buFontTx/>
+        <a:buNone/>
+        <a:tabLst/>
+        <a:defRPr b="0" baseline="0" cap="all" i="0" spc="0" strike="noStrike" sz="7700" u="none">
+          <a:solidFill>
+            <a:srgbClr val="A6AAA9"/>
+          </a:solidFill>
+          <a:uFillTx/>
+          <a:latin typeface="DIN Alternate Bold"/>
+          <a:ea typeface="DIN Alternate Bold"/>
+          <a:cs typeface="DIN Alternate Bold"/>
+          <a:sym typeface="DIN Alternate Bold"/>
+        </a:defRPr>
+      </a:lvl1pPr>
+      <a:lvl2pPr marL="0" marR="0" indent="0" algn="l" defTabSz="825500" rtl="0" latinLnBrk="0">
+        <a:lnSpc>
+          <a:spcPct val="80000"/>
+        </a:lnSpc>
+        <a:spcBef>
+          <a:spcPts val="3200"/>
+        </a:spcBef>
+        <a:spcAft>
+          <a:spcPts val="0"/>
+        </a:spcAft>
+        <a:buClrTx/>
+        <a:buSzTx/>
+        <a:buFontTx/>
+        <a:buNone/>
+        <a:tabLst/>
+        <a:defRPr b="0" baseline="0" cap="all" i="0" spc="0" strike="noStrike" sz="7700" u="none">
+          <a:solidFill>
+            <a:srgbClr val="A6AAA9"/>
+          </a:solidFill>
+          <a:uFillTx/>
+          <a:latin typeface="DIN Alternate Bold"/>
+          <a:ea typeface="DIN Alternate Bold"/>
+          <a:cs typeface="DIN Alternate Bold"/>
+          <a:sym typeface="DIN Alternate Bold"/>
+        </a:defRPr>
+      </a:lvl2pPr>
+      <a:lvl3pPr marL="0" marR="0" indent="0" algn="l" defTabSz="825500" rtl="0" latinLnBrk="0">
+        <a:lnSpc>
+          <a:spcPct val="80000"/>
+        </a:lnSpc>
+        <a:spcBef>
+          <a:spcPts val="3200"/>
+        </a:spcBef>
+        <a:spcAft>
+          <a:spcPts val="0"/>
+        </a:spcAft>
+        <a:buClrTx/>
+        <a:buSzTx/>
+        <a:buFontTx/>
+        <a:buNone/>
+        <a:tabLst/>
+        <a:defRPr b="0" baseline="0" cap="all" i="0" spc="0" strike="noStrike" sz="7700" u="none">
+          <a:solidFill>
+            <a:srgbClr val="A6AAA9"/>
+          </a:solidFill>
+          <a:uFillTx/>
+          <a:latin typeface="DIN Alternate Bold"/>
+          <a:ea typeface="DIN Alternate Bold"/>
+          <a:cs typeface="DIN Alternate Bold"/>
+          <a:sym typeface="DIN Alternate Bold"/>
+        </a:defRPr>
+      </a:lvl3pPr>
+      <a:lvl4pPr marL="0" marR="0" indent="0" algn="l" defTabSz="825500" rtl="0" latinLnBrk="0">
+        <a:lnSpc>
+          <a:spcPct val="80000"/>
+        </a:lnSpc>
+        <a:spcBef>
+          <a:spcPts val="3200"/>
+        </a:spcBef>
+        <a:spcAft>
+          <a:spcPts val="0"/>
+        </a:spcAft>
+        <a:buClrTx/>
+        <a:buSzTx/>
+        <a:buFontTx/>
+        <a:buNone/>
+        <a:tabLst/>
+        <a:defRPr b="0" baseline="0" cap="all" i="0" spc="0" strike="noStrike" sz="7700" u="none">
+          <a:solidFill>
+            <a:srgbClr val="A6AAA9"/>
+          </a:solidFill>
+          <a:uFillTx/>
+          <a:latin typeface="DIN Alternate Bold"/>
+          <a:ea typeface="DIN Alternate Bold"/>
+          <a:cs typeface="DIN Alternate Bold"/>
+          <a:sym typeface="DIN Alternate Bold"/>
+        </a:defRPr>
+      </a:lvl4pPr>
+      <a:lvl5pPr marL="0" marR="0" indent="0" algn="l" defTabSz="825500" rtl="0" latinLnBrk="0">
+        <a:lnSpc>
+          <a:spcPct val="80000"/>
+        </a:lnSpc>
+        <a:spcBef>
+          <a:spcPts val="3200"/>
+        </a:spcBef>
+        <a:spcAft>
+          <a:spcPts val="0"/>
+        </a:spcAft>
+        <a:buClrTx/>
+        <a:buSzTx/>
+        <a:buFontTx/>
+        <a:buNone/>
+        <a:tabLst/>
+        <a:defRPr b="0" baseline="0" cap="all" i="0" spc="0" strike="noStrike" sz="7700" u="none">
+          <a:solidFill>
+            <a:srgbClr val="A6AAA9"/>
+          </a:solidFill>
+          <a:uFillTx/>
+          <a:latin typeface="DIN Alternate Bold"/>
+          <a:ea typeface="DIN Alternate Bold"/>
+          <a:cs typeface="DIN Alternate Bold"/>
+          <a:sym typeface="DIN Alternate Bold"/>
+        </a:defRPr>
+      </a:lvl5pPr>
+      <a:lvl6pPr marL="4193645" marR="0" indent="-1018645" algn="l" defTabSz="825500" rtl="0" latinLnBrk="0">
+        <a:lnSpc>
+          <a:spcPct val="80000"/>
+        </a:lnSpc>
+        <a:spcBef>
+          <a:spcPts val="3200"/>
+        </a:spcBef>
+        <a:spcAft>
+          <a:spcPts val="0"/>
+        </a:spcAft>
+        <a:buClrTx/>
+        <a:buSzPct val="104999"/>
+        <a:buFontTx/>
+        <a:buChar char="‣"/>
+        <a:tabLst/>
+        <a:defRPr b="0" baseline="0" cap="all" i="0" spc="0" strike="noStrike" sz="7700" u="none">
+          <a:solidFill>
+            <a:srgbClr val="A6AAA9"/>
+          </a:solidFill>
+          <a:uFillTx/>
+          <a:latin typeface="DIN Alternate Bold"/>
+          <a:ea typeface="DIN Alternate Bold"/>
+          <a:cs typeface="DIN Alternate Bold"/>
+          <a:sym typeface="DIN Alternate Bold"/>
+        </a:defRPr>
+      </a:lvl6pPr>
+      <a:lvl7pPr marL="4828645" marR="0" indent="-1018645" algn="l" defTabSz="825500" rtl="0" latinLnBrk="0">
+        <a:lnSpc>
+          <a:spcPct val="80000"/>
+        </a:lnSpc>
+        <a:spcBef>
+          <a:spcPts val="3200"/>
+        </a:spcBef>
+        <a:spcAft>
+          <a:spcPts val="0"/>
+        </a:spcAft>
+        <a:buClrTx/>
+        <a:buSzPct val="104999"/>
+        <a:buFontTx/>
+        <a:buChar char="‣"/>
+        <a:tabLst/>
+        <a:defRPr b="0" baseline="0" cap="all" i="0" spc="0" strike="noStrike" sz="7700" u="none">
+          <a:solidFill>
+            <a:srgbClr val="A6AAA9"/>
+          </a:solidFill>
+          <a:uFillTx/>
+          <a:latin typeface="DIN Alternate Bold"/>
+          <a:ea typeface="DIN Alternate Bold"/>
+          <a:cs typeface="DIN Alternate Bold"/>
+          <a:sym typeface="DIN Alternate Bold"/>
+        </a:defRPr>
+      </a:lvl7pPr>
+      <a:lvl8pPr marL="5463645" marR="0" indent="-1018645" algn="l" defTabSz="825500" rtl="0" latinLnBrk="0">
+        <a:lnSpc>
+          <a:spcPct val="80000"/>
+        </a:lnSpc>
+        <a:spcBef>
+          <a:spcPts val="3200"/>
+        </a:spcBef>
+        <a:spcAft>
+          <a:spcPts val="0"/>
+        </a:spcAft>
+        <a:buClrTx/>
+        <a:buSzPct val="104999"/>
+        <a:buFontTx/>
+        <a:buChar char="‣"/>
+        <a:tabLst/>
+        <a:defRPr b="0" baseline="0" cap="all" i="0" spc="0" strike="noStrike" sz="7700" u="none">
+          <a:solidFill>
+            <a:srgbClr val="A6AAA9"/>
+          </a:solidFill>
+          <a:uFillTx/>
+          <a:latin typeface="DIN Alternate Bold"/>
+          <a:ea typeface="DIN Alternate Bold"/>
+          <a:cs typeface="DIN Alternate Bold"/>
+          <a:sym typeface="DIN Alternate Bold"/>
+        </a:defRPr>
+      </a:lvl8pPr>
+      <a:lvl9pPr marL="6098645" marR="0" indent="-1018645" algn="l" defTabSz="825500" rtl="0" latinLnBrk="0">
+        <a:lnSpc>
+          <a:spcPct val="80000"/>
+        </a:lnSpc>
+        <a:spcBef>
+          <a:spcPts val="3200"/>
+        </a:spcBef>
+        <a:spcAft>
+          <a:spcPts val="0"/>
+        </a:spcAft>
+        <a:buClrTx/>
+        <a:buSzPct val="104999"/>
+        <a:buFontTx/>
+        <a:buChar char="‣"/>
+        <a:tabLst/>
+        <a:defRPr b="0" baseline="0" cap="all" i="0" spc="0" strike="noStrike" sz="7700" u="none">
+          <a:solidFill>
+            <a:srgbClr val="A6AAA9"/>
+          </a:solidFill>
+          <a:uFillTx/>
+          <a:latin typeface="DIN Alternate Bold"/>
+          <a:ea typeface="DIN Alternate Bold"/>
+          <a:cs typeface="DIN Alternate Bold"/>
+          <a:sym typeface="DIN Alternate Bold"/>
+        </a:defRPr>
+      </a:lvl9pPr>
+    </p:bodyStyle>
+    <p:otherStyle>
+      <a:lvl1pPr marL="0" marR="0" indent="0" algn="r" defTabSz="825500" rtl="0" latinLnBrk="0">
+        <a:lnSpc>
+          <a:spcPct val="80000"/>
+        </a:lnSpc>
+        <a:spcBef>
+          <a:spcPts val="0"/>
+        </a:spcBef>
+        <a:spcAft>
+          <a:spcPts val="0"/>
+        </a:spcAft>
+        <a:buClrTx/>
+        <a:buSzTx/>
+        <a:buFontTx/>
+        <a:buNone/>
+        <a:tabLst/>
+        <a:defRPr b="0" baseline="0" cap="none" i="0" spc="0" strike="noStrike" sz="3600" u="none">
+          <a:solidFill>
+            <a:schemeClr val="tx1"/>
+          </a:solidFill>
+          <a:uFillTx/>
+          <a:latin typeface="+mn-lt"/>
+          <a:ea typeface="+mn-ea"/>
+          <a:cs typeface="+mn-cs"/>
+          <a:sym typeface="DIN Alternate Bold"/>
+        </a:defRPr>
+      </a:lvl1pPr>
+      <a:lvl2pPr marL="0" marR="0" indent="0" algn="r" defTabSz="825500" rtl="0" latinLnBrk="0">
+        <a:lnSpc>
+          <a:spcPct val="80000"/>
+        </a:lnSpc>
+        <a:spcBef>
+          <a:spcPts val="0"/>
+        </a:spcBef>
+        <a:spcAft>
+          <a:spcPts val="0"/>
+        </a:spcAft>
+        <a:buClrTx/>
+        <a:buSzTx/>
+        <a:buFontTx/>
+        <a:buNone/>
+        <a:tabLst/>
+        <a:defRPr b="0" baseline="0" cap="none" i="0" spc="0" strike="noStrike" sz="3600" u="none">
+          <a:solidFill>
+            <a:schemeClr val="tx1"/>
+          </a:solidFill>
+          <a:uFillTx/>
+          <a:latin typeface="+mn-lt"/>
+          <a:ea typeface="+mn-ea"/>
+          <a:cs typeface="+mn-cs"/>
+          <a:sym typeface="DIN Alternate Bold"/>
+        </a:defRPr>
+      </a:lvl2pPr>
+      <a:lvl3pPr marL="0" marR="0" indent="0" algn="r" defTabSz="825500" rtl="0" latinLnBrk="0">
+        <a:lnSpc>
+          <a:spcPct val="80000"/>
+        </a:lnSpc>
+        <a:spcBef>
+          <a:spcPts val="0"/>
+        </a:spcBef>
+        <a:spcAft>
+          <a:spcPts val="0"/>
+        </a:spcAft>
+        <a:buClrTx/>
+        <a:buSzTx/>
+        <a:buFontTx/>
+        <a:buNone/>
+        <a:tabLst/>
+        <a:defRPr b="0" baseline="0" cap="none" i="0" spc="0" strike="noStrike" sz="3600" u="none">
+          <a:solidFill>
+            <a:schemeClr val="tx1"/>
+          </a:solidFill>
+          <a:uFillTx/>
+          <a:latin typeface="+mn-lt"/>
+          <a:ea typeface="+mn-ea"/>
+          <a:cs typeface="+mn-cs"/>
+          <a:sym typeface="DIN Alternate Bold"/>
+        </a:defRPr>
+      </a:lvl3pPr>
+      <a:lvl4pPr marL="0" marR="0" indent="0" algn="r" defTabSz="825500" rtl="0" latinLnBrk="0">
+        <a:lnSpc>
+          <a:spcPct val="80000"/>
+        </a:lnSpc>
+        <a:spcBef>
+          <a:spcPts val="0"/>
+        </a:spcBef>
+        <a:spcAft>
+          <a:spcPts val="0"/>
+        </a:spcAft>
+        <a:buClrTx/>
+        <a:buSzTx/>
+        <a:buFontTx/>
+        <a:buNone/>
+        <a:tabLst/>
+        <a:defRPr b="0" baseline="0" cap="none" i="0" spc="0" strike="noStrike" sz="3600" u="none">
+          <a:solidFill>
+            <a:schemeClr val="tx1"/>
+          </a:solidFill>
+          <a:uFillTx/>
+          <a:latin typeface="+mn-lt"/>
+          <a:ea typeface="+mn-ea"/>
+          <a:cs typeface="+mn-cs"/>
+          <a:sym typeface="DIN Alternate Bold"/>
+        </a:defRPr>
+      </a:lvl4pPr>
+      <a:lvl5pPr marL="0" marR="0" indent="0" algn="r" defTabSz="825500" rtl="0" latinLnBrk="0">
+        <a:lnSpc>
+          <a:spcPct val="80000"/>
+        </a:lnSpc>
+        <a:spcBef>
+          <a:spcPts val="0"/>
+        </a:spcBef>
+        <a:spcAft>
+          <a:spcPts val="0"/>
+        </a:spcAft>
+        <a:buClrTx/>
+        <a:buSzTx/>
+        <a:buFontTx/>
+        <a:buNone/>
+        <a:tabLst/>
+        <a:defRPr b="0" baseline="0" cap="none" i="0" spc="0" strike="noStrike" sz="3600" u="none">
+          <a:solidFill>
+            <a:schemeClr val="tx1"/>
+          </a:solidFill>
+          <a:uFillTx/>
+          <a:latin typeface="+mn-lt"/>
+          <a:ea typeface="+mn-ea"/>
+          <a:cs typeface="+mn-cs"/>
+          <a:sym typeface="DIN Alternate Bold"/>
+        </a:defRPr>
+      </a:lvl5pPr>
+      <a:lvl6pPr marL="0" marR="0" indent="0" algn="r" defTabSz="825500" rtl="0" latinLnBrk="0">
+        <a:lnSpc>
+          <a:spcPct val="80000"/>
+        </a:lnSpc>
+        <a:spcBef>
+          <a:spcPts val="0"/>
+        </a:spcBef>
+        <a:spcAft>
+          <a:spcPts val="0"/>
+        </a:spcAft>
+        <a:buClrTx/>
+        <a:buSzTx/>
+        <a:buFontTx/>
+        <a:buNone/>
+        <a:tabLst/>
+        <a:defRPr b="0" baseline="0" cap="none" i="0" spc="0" strike="noStrike" sz="3600" u="none">
+          <a:solidFill>
+            <a:schemeClr val="tx1"/>
+          </a:solidFill>
+          <a:uFillTx/>
+          <a:latin typeface="+mn-lt"/>
+          <a:ea typeface="+mn-ea"/>
+          <a:cs typeface="+mn-cs"/>
+          <a:sym typeface="DIN Alternate Bold"/>
+        </a:defRPr>
+      </a:lvl6pPr>
+      <a:lvl7pPr marL="0" marR="0" indent="0" algn="r" defTabSz="825500" rtl="0" latinLnBrk="0">
+        <a:lnSpc>
+          <a:spcPct val="80000"/>
+        </a:lnSpc>
+        <a:spcBef>
+          <a:spcPts val="0"/>
+        </a:spcBef>
+        <a:spcAft>
+          <a:spcPts val="0"/>
+        </a:spcAft>
+        <a:buClrTx/>
+        <a:buSzTx/>
+        <a:buFontTx/>
+        <a:buNone/>
+        <a:tabLst/>
+        <a:defRPr b="0" baseline="0" cap="none" i="0" spc="0" strike="noStrike" sz="3600" u="none">
+          <a:solidFill>
+            <a:schemeClr val="tx1"/>
+          </a:solidFill>
+          <a:uFillTx/>
+          <a:latin typeface="+mn-lt"/>
+          <a:ea typeface="+mn-ea"/>
+          <a:cs typeface="+mn-cs"/>
+          <a:sym typeface="DIN Alternate Bold"/>
+        </a:defRPr>
+      </a:lvl7pPr>
+      <a:lvl8pPr marL="0" marR="0" indent="0" algn="r" defTabSz="825500" rtl="0" latinLnBrk="0">
+        <a:lnSpc>
+          <a:spcPct val="80000"/>
+        </a:lnSpc>
+        <a:spcBef>
+          <a:spcPts val="0"/>
+        </a:spcBef>
+        <a:spcAft>
+          <a:spcPts val="0"/>
+        </a:spcAft>
+        <a:buClrTx/>
+        <a:buSzTx/>
+        <a:buFontTx/>
+        <a:buNone/>
+        <a:tabLst/>
+        <a:defRPr b="0" baseline="0" cap="none" i="0" spc="0" strike="noStrike" sz="3600" u="none">
+          <a:solidFill>
+            <a:schemeClr val="tx1"/>
+          </a:solidFill>
+          <a:uFillTx/>
+          <a:latin typeface="+mn-lt"/>
+          <a:ea typeface="+mn-ea"/>
+          <a:cs typeface="+mn-cs"/>
+          <a:sym typeface="DIN Alternate Bold"/>
+        </a:defRPr>
+      </a:lvl8pPr>
+      <a:lvl9pPr marL="0" marR="0" indent="0" algn="r" defTabSz="825500" rtl="0" latinLnBrk="0">
+        <a:lnSpc>
+          <a:spcPct val="80000"/>
+        </a:lnSpc>
+        <a:spcBef>
+          <a:spcPts val="0"/>
+        </a:spcBef>
+        <a:spcAft>
+          <a:spcPts val="0"/>
+        </a:spcAft>
+        <a:buClrTx/>
+        <a:buSzTx/>
+        <a:buFontTx/>
+        <a:buNone/>
+        <a:tabLst/>
+        <a:defRPr b="0" baseline="0" cap="none" i="0" spc="0" strike="noStrike" sz="3600" u="none">
           <a:solidFill>
             <a:schemeClr val="tx1"/>
           </a:solidFill>
@@ -4667,7 +4385,7 @@
 </file>
 
 <file path=ppt/slides/slide1.xml><?xml version="1.0" encoding="utf-8"?>
-<p:sld xmlns:a="http://schemas.openxmlformats.org/drawingml/2006/main" xmlns:r="http://schemas.openxmlformats.org/officeDocument/2006/relationships" xmlns:p="http://schemas.openxmlformats.org/presentationml/2006/main">
+<p:sld xmlns:a="http://schemas.openxmlformats.org/drawingml/2006/main" xmlns:r="http://schemas.openxmlformats.org/officeDocument/2006/relationships" xmlns:p="http://schemas.openxmlformats.org/presentationml/2006/main" xmlns:m="http://schemas.openxmlformats.org/officeDocument/2006/math" xmlns:a14="http://schemas.microsoft.com/office/drawing/2010/main" showMasterSp="1" showMasterPhAnim="1">
   <p:cSld>
     <p:spTree>
       <p:nvGrpSpPr>
@@ -4685,10 +4403,8 @@
       </p:grpSpPr>
       <p:sp>
         <p:nvSpPr>
-          <p:cNvPr id="166" name="Шарики"/>
-          <p:cNvSpPr txBox="1">
-            <a:spLocks noGrp="1"/>
-          </p:cNvSpPr>
+          <p:cNvPr id="162" name="Шарики"/>
+          <p:cNvSpPr txBox="1"/>
           <p:nvPr>
             <p:ph type="ctrTitle"/>
           </p:nvPr>
@@ -4702,10 +4418,11 @@
           <a:bodyPr/>
           <a:lstStyle>
             <a:lvl1pPr defTabSz="792479">
-              <a:defRPr sz="29088"/>
+              <a:defRPr sz="29000"/>
             </a:lvl1pPr>
           </a:lstStyle>
           <a:p>
+            <a:pPr/>
             <a:r>
               <a:t>Шарики</a:t>
             </a:r>
@@ -4714,10 +4431,8 @@
       </p:sp>
       <p:sp>
         <p:nvSpPr>
-          <p:cNvPr id="167" name="Проект Pygame"/>
-          <p:cNvSpPr txBox="1">
-            <a:spLocks noGrp="1"/>
-          </p:cNvSpPr>
+          <p:cNvPr id="163" name="Проект Pygame"/>
+          <p:cNvSpPr txBox="1"/>
           <p:nvPr>
             <p:ph type="subTitle" sz="quarter" idx="1"/>
           </p:nvPr>
@@ -4731,6 +4446,7 @@
           <a:bodyPr/>
           <a:lstStyle/>
           <a:p>
+            <a:pPr/>
             <a:r>
               <a:t>Проект Pygame</a:t>
             </a:r>
@@ -4739,7 +4455,7 @@
       </p:sp>
       <p:pic>
         <p:nvPicPr>
-          <p:cNvPr id="168" name="8.png" descr="8.png"/>
+          <p:cNvPr id="164" name="8.png" descr="8.png"/>
           <p:cNvPicPr>
             <a:picLocks noChangeAspect="1"/>
           </p:cNvPicPr>
@@ -4755,8 +4471,8 @@
         </p:blipFill>
         <p:spPr>
           <a:xfrm>
-            <a:off x="14684423" y="2328"/>
-            <a:ext cx="8455981" cy="8455981"/>
+            <a:off x="14684423" y="2327"/>
+            <a:ext cx="8455981" cy="8455982"/>
           </a:xfrm>
           <a:prstGeom prst="rect">
             <a:avLst/>
@@ -4771,19 +4487,68 @@
   <p:clrMapOvr>
     <a:masterClrMapping/>
   </p:clrMapOvr>
-  <p:transition spd="med"/>
-  <p:timing>
-    <p:tnLst>
-      <p:par>
-        <p:cTn id="1" dur="indefinite" restart="never" nodeType="tmRoot"/>
-      </p:par>
-    </p:tnLst>
-  </p:timing>
+  <p:transition xmlns:p14="http://schemas.microsoft.com/office/powerpoint/2010/main" spd="med" advClick="1"/>
+</p:sld>
+</file>
+
+<file path=ppt/slides/slide10.xml><?xml version="1.0" encoding="utf-8"?>
+<p:sld xmlns:a="http://schemas.openxmlformats.org/drawingml/2006/main" xmlns:r="http://schemas.openxmlformats.org/officeDocument/2006/relationships" xmlns:p="http://schemas.openxmlformats.org/presentationml/2006/main" xmlns:m="http://schemas.openxmlformats.org/officeDocument/2006/math" xmlns:a14="http://schemas.microsoft.com/office/drawing/2010/main" showMasterSp="1" showMasterPhAnim="1">
+  <p:cSld>
+    <p:spTree>
+      <p:nvGrpSpPr>
+        <p:cNvPr id="1" name=""/>
+        <p:cNvGrpSpPr/>
+        <p:nvPr/>
+      </p:nvGrpSpPr>
+      <p:grpSpPr>
+        <a:xfrm>
+          <a:off x="0" y="0"/>
+          <a:ext cx="0" cy="0"/>
+          <a:chOff x="0" y="0"/>
+          <a:chExt cx="0" cy="0"/>
+        </a:xfrm>
+      </p:grpSpPr>
+      <p:pic>
+        <p:nvPicPr>
+          <p:cNvPr id="194" name="L8NjBlhag9k.jpg" descr="L8NjBlhag9k.jpg"/>
+          <p:cNvPicPr>
+            <a:picLocks noChangeAspect="1"/>
+          </p:cNvPicPr>
+          <p:nvPr/>
+        </p:nvPicPr>
+        <p:blipFill>
+          <a:blip r:embed="rId2">
+            <a:extLst/>
+          </a:blip>
+          <a:srcRect l="14839" t="0" r="14839" b="0"/>
+          <a:stretch>
+            <a:fillRect/>
+          </a:stretch>
+        </p:blipFill>
+        <p:spPr>
+          <a:xfrm>
+            <a:off x="6459934" y="3432037"/>
+            <a:ext cx="11464251" cy="9170214"/>
+          </a:xfrm>
+          <a:prstGeom prst="rect">
+            <a:avLst/>
+          </a:prstGeom>
+          <a:ln w="12700">
+            <a:miter lim="400000"/>
+          </a:ln>
+        </p:spPr>
+      </p:pic>
+    </p:spTree>
+  </p:cSld>
+  <p:clrMapOvr>
+    <a:masterClrMapping/>
+  </p:clrMapOvr>
+  <p:transition xmlns:p14="http://schemas.microsoft.com/office/powerpoint/2010/main" spd="med" advClick="1"/>
 </p:sld>
 </file>
 
 <file path=ppt/slides/slide2.xml><?xml version="1.0" encoding="utf-8"?>
-<p:sld xmlns:a="http://schemas.openxmlformats.org/drawingml/2006/main" xmlns:r="http://schemas.openxmlformats.org/officeDocument/2006/relationships" xmlns:p="http://schemas.openxmlformats.org/presentationml/2006/main">
+<p:sld xmlns:a="http://schemas.openxmlformats.org/drawingml/2006/main" xmlns:r="http://schemas.openxmlformats.org/officeDocument/2006/relationships" xmlns:p="http://schemas.openxmlformats.org/presentationml/2006/main" xmlns:m="http://schemas.openxmlformats.org/officeDocument/2006/math" xmlns:a14="http://schemas.microsoft.com/office/drawing/2010/main" showMasterSp="1" showMasterPhAnim="1">
   <p:cSld>
     <p:spTree>
       <p:nvGrpSpPr>
@@ -4801,12 +4566,10 @@
       </p:grpSpPr>
       <p:sp>
         <p:nvSpPr>
-          <p:cNvPr id="170" name="Текст"/>
-          <p:cNvSpPr txBox="1">
-            <a:spLocks noGrp="1"/>
-          </p:cNvSpPr>
+          <p:cNvPr id="166" name="Текст"/>
+          <p:cNvSpPr txBox="1"/>
           <p:nvPr>
-            <p:ph type="body" idx="21"/>
+            <p:ph type="body" sz="quarter" idx="1"/>
           </p:nvPr>
         </p:nvSpPr>
         <p:spPr>
@@ -4816,8 +4579,13 @@
         </p:spPr>
         <p:txBody>
           <a:bodyPr/>
-          <a:lstStyle/>
-          <a:p>
+          <a:lstStyle>
+            <a:lvl1pPr>
+              <a:defRPr spc="100"/>
+            </a:lvl1pPr>
+          </a:lstStyle>
+          <a:p>
+            <a:pPr/>
             <a:r>
               <a:t>Текст</a:t>
             </a:r>
@@ -4826,36 +4594,33 @@
       </p:sp>
       <p:sp>
         <p:nvSpPr>
-          <p:cNvPr id="171" name="Цель"/>
-          <p:cNvSpPr txBox="1">
-            <a:spLocks noGrp="1"/>
-          </p:cNvSpPr>
+          <p:cNvPr id="167" name="Цель"/>
+          <p:cNvSpPr txBox="1"/>
           <p:nvPr>
             <p:ph type="title"/>
           </p:nvPr>
         </p:nvSpPr>
         <p:spPr>
           <a:xfrm>
-            <a:off x="762000" y="1883917"/>
-            <a:ext cx="22860000" cy="1502667"/>
+            <a:off x="762000" y="1883916"/>
+            <a:ext cx="22860000" cy="1502668"/>
           </a:xfrm>
           <a:prstGeom prst="rect">
             <a:avLst/>
           </a:prstGeom>
         </p:spPr>
         <p:txBody>
-          <a:bodyPr>
-            <a:normAutofit fontScale="90000"/>
-          </a:bodyPr>
+          <a:bodyPr/>
           <a:lstStyle>
             <a:lvl1pPr defTabSz="330200">
               <a:spcBef>
                 <a:spcPts val="0"/>
               </a:spcBef>
-              <a:defRPr sz="12120"/>
+              <a:defRPr sz="10800"/>
             </a:lvl1pPr>
           </a:lstStyle>
           <a:p>
+            <a:pPr/>
             <a:r>
               <a:t>Цель</a:t>
             </a:r>
@@ -4864,35 +4629,53 @@
       </p:sp>
       <p:sp>
         <p:nvSpPr>
-          <p:cNvPr id="172" name="Написать и представить игру бильярд для двух пользователей с возможностью выбора режима игры в бильярд: классический, русский."/>
-          <p:cNvSpPr txBox="1">
-            <a:spLocks noGrp="1"/>
-          </p:cNvSpPr>
+          <p:cNvPr id="168" name="Написать и представить игру бильярд для двух пользователей с возможностью выбора режима игры в бильярд: классический, русский."/>
+          <p:cNvSpPr txBox="1"/>
           <p:nvPr>
-            <p:ph type="body" idx="1"/>
+            <p:ph type="body" idx="21"/>
           </p:nvPr>
         </p:nvSpPr>
         <p:spPr>
           <a:xfrm>
-            <a:off x="762000" y="4541312"/>
-            <a:ext cx="22860001" cy="7274976"/>
+            <a:off x="761999" y="4541311"/>
+            <a:ext cx="22860004" cy="7274978"/>
           </a:xfrm>
           <a:prstGeom prst="rect">
             <a:avLst/>
           </a:prstGeom>
+          <a:extLst>
+            <a:ext uri="{C572A759-6A51-4108-AA02-DFA0A04FC94B}">
+              <ma14:wrappingTextBoxFlag xmlns:ma14="http://schemas.microsoft.com/office/mac/drawingml/2011/main" val="1"/>
+            </a:ext>
+          </a:extLst>
         </p:spPr>
         <p:txBody>
           <a:bodyPr/>
           <a:lstStyle>
-            <a:lvl1pPr marL="0" indent="0">
-              <a:buClrTx/>
-              <a:buSzTx/>
-              <a:buFont typeface="Arial"/>
-              <a:buNone/>
-              <a:defRPr sz="5700"/>
+            <a:lvl1pPr>
+              <a:lnSpc>
+                <a:spcPct val="100000"/>
+              </a:lnSpc>
+              <a:spcBef>
+                <a:spcPts val="3900"/>
+              </a:spcBef>
+              <a:buClr>
+                <a:schemeClr val="accent1"/>
+              </a:buClr>
+              <a:buFont typeface="Avenir Next Regular"/>
+              <a:defRPr cap="none" sz="5700">
+                <a:solidFill>
+                  <a:srgbClr val="838787"/>
+                </a:solidFill>
+                <a:latin typeface="Avenir Next Medium"/>
+                <a:ea typeface="Avenir Next Medium"/>
+                <a:cs typeface="Avenir Next Medium"/>
+                <a:sym typeface="Avenir Next Medium"/>
+              </a:defRPr>
             </a:lvl1pPr>
           </a:lstStyle>
           <a:p>
+            <a:pPr/>
             <a:r>
               <a:t>Написать и представить игру бильярд для двух пользователей с возможностью выбора режима игры в бильярд: классический, русский.</a:t>
             </a:r>
@@ -4901,7 +4684,7 @@
       </p:sp>
       <p:pic>
         <p:nvPicPr>
-          <p:cNvPr id="173" name="8.png" descr="8.png"/>
+          <p:cNvPr id="169" name="8.png" descr="8.png"/>
           <p:cNvPicPr>
             <a:picLocks noChangeAspect="1"/>
           </p:cNvPicPr>
@@ -4918,7 +4701,7 @@
         <p:spPr>
           <a:xfrm>
             <a:off x="-2199907" y="9504087"/>
-            <a:ext cx="6135945" cy="6135945"/>
+            <a:ext cx="6135945" cy="6135946"/>
           </a:xfrm>
           <a:prstGeom prst="rect">
             <a:avLst/>
@@ -4933,19 +4716,459 @@
   <p:clrMapOvr>
     <a:masterClrMapping/>
   </p:clrMapOvr>
-  <p:transition spd="med"/>
-  <p:timing>
-    <p:tnLst>
-      <p:par>
-        <p:cTn id="1" dur="indefinite" restart="never" nodeType="tmRoot"/>
-      </p:par>
-    </p:tnLst>
-  </p:timing>
+  <p:transition xmlns:p14="http://schemas.microsoft.com/office/powerpoint/2010/main" spd="med" advClick="1"/>
 </p:sld>
 </file>
 
 <file path=ppt/slides/slide3.xml><?xml version="1.0" encoding="utf-8"?>
-<p:sld xmlns:a="http://schemas.openxmlformats.org/drawingml/2006/main" xmlns:r="http://schemas.openxmlformats.org/officeDocument/2006/relationships" xmlns:p="http://schemas.openxmlformats.org/presentationml/2006/main">
+<p:sld xmlns:a="http://schemas.openxmlformats.org/drawingml/2006/main" xmlns:r="http://schemas.openxmlformats.org/officeDocument/2006/relationships" xmlns:p="http://schemas.openxmlformats.org/presentationml/2006/main" xmlns:m="http://schemas.openxmlformats.org/officeDocument/2006/math" xmlns:a14="http://schemas.microsoft.com/office/drawing/2010/main" showMasterSp="1" showMasterPhAnim="1">
+  <p:cSld>
+    <p:spTree>
+      <p:nvGrpSpPr>
+        <p:cNvPr id="1" name=""/>
+        <p:cNvGrpSpPr/>
+        <p:nvPr/>
+      </p:nvGrpSpPr>
+      <p:grpSpPr>
+        <a:xfrm>
+          <a:off x="0" y="0"/>
+          <a:ext cx="0" cy="0"/>
+          <a:chOff x="0" y="0"/>
+          <a:chExt cx="0" cy="0"/>
+        </a:xfrm>
+      </p:grpSpPr>
+      <p:sp>
+        <p:nvSpPr>
+          <p:cNvPr id="171" name="Текст"/>
+          <p:cNvSpPr txBox="1"/>
+          <p:nvPr>
+            <p:ph type="body" sz="quarter" idx="1"/>
+          </p:nvPr>
+        </p:nvSpPr>
+        <p:spPr>
+          <a:prstGeom prst="rect">
+            <a:avLst/>
+          </a:prstGeom>
+        </p:spPr>
+        <p:txBody>
+          <a:bodyPr/>
+          <a:lstStyle>
+            <a:lvl1pPr>
+              <a:defRPr spc="100"/>
+            </a:lvl1pPr>
+          </a:lstStyle>
+          <a:p>
+            <a:pPr/>
+            <a:r>
+              <a:t>Текст</a:t>
+            </a:r>
+          </a:p>
+        </p:txBody>
+      </p:sp>
+      <p:sp>
+        <p:nvSpPr>
+          <p:cNvPr id="172" name="Задачи"/>
+          <p:cNvSpPr txBox="1"/>
+          <p:nvPr>
+            <p:ph type="title"/>
+          </p:nvPr>
+        </p:nvSpPr>
+        <p:spPr>
+          <a:prstGeom prst="rect">
+            <a:avLst/>
+          </a:prstGeom>
+        </p:spPr>
+        <p:txBody>
+          <a:bodyPr/>
+          <a:lstStyle>
+            <a:lvl1pPr defTabSz="685165">
+              <a:spcBef>
+                <a:spcPts val="3200"/>
+              </a:spcBef>
+              <a:defRPr sz="7200"/>
+            </a:lvl1pPr>
+          </a:lstStyle>
+          <a:p>
+            <a:pPr/>
+            <a:r>
+              <a:t>Задачи</a:t>
+            </a:r>
+          </a:p>
+        </p:txBody>
+      </p:sp>
+      <p:sp>
+        <p:nvSpPr>
+          <p:cNvPr id="173" name="Создать систему создания аккаунта и входа в уже существующий.…"/>
+          <p:cNvSpPr txBox="1"/>
+          <p:nvPr>
+            <p:ph type="body" idx="21"/>
+          </p:nvPr>
+        </p:nvSpPr>
+        <p:spPr>
+          <a:xfrm>
+            <a:off x="761998" y="3430316"/>
+            <a:ext cx="22860004" cy="9496968"/>
+          </a:xfrm>
+          <a:prstGeom prst="rect">
+            <a:avLst/>
+          </a:prstGeom>
+          <a:extLst>
+            <a:ext uri="{C572A759-6A51-4108-AA02-DFA0A04FC94B}">
+              <ma14:wrappingTextBoxFlag xmlns:ma14="http://schemas.microsoft.com/office/mac/drawingml/2011/main" val="1"/>
+            </a:ext>
+          </a:extLst>
+        </p:spPr>
+        <p:txBody>
+          <a:bodyPr/>
+          <a:lstStyle/>
+          <a:p>
+            <a:pPr marL="779646" indent="-779646" defTabSz="495300">
+              <a:lnSpc>
+                <a:spcPct val="100000"/>
+              </a:lnSpc>
+              <a:spcBef>
+                <a:spcPts val="2300"/>
+              </a:spcBef>
+              <a:buClr>
+                <a:schemeClr val="accent1"/>
+              </a:buClr>
+              <a:buSzPct val="100000"/>
+              <a:buAutoNum type="arabicPeriod" startAt="1"/>
+              <a:defRPr cap="none" sz="2800">
+                <a:solidFill>
+                  <a:srgbClr val="838787"/>
+                </a:solidFill>
+                <a:latin typeface="Avenir Next Medium"/>
+                <a:ea typeface="Avenir Next Medium"/>
+                <a:cs typeface="Avenir Next Medium"/>
+                <a:sym typeface="Avenir Next Medium"/>
+              </a:defRPr>
+            </a:pPr>
+            <a:r>
+              <a:t>Создать систему создания аккаунта и входа в уже существующий. </a:t>
+            </a:r>
+            <a:endParaRPr sz="1100"/>
+          </a:p>
+          <a:p>
+            <a:pPr marL="779646" indent="-779646" defTabSz="495300">
+              <a:lnSpc>
+                <a:spcPct val="100000"/>
+              </a:lnSpc>
+              <a:spcBef>
+                <a:spcPts val="2300"/>
+              </a:spcBef>
+              <a:buClr>
+                <a:schemeClr val="accent1"/>
+              </a:buClr>
+              <a:buSzPct val="100000"/>
+              <a:buAutoNum type="arabicPeriod" startAt="1"/>
+              <a:defRPr cap="none" sz="2800">
+                <a:solidFill>
+                  <a:srgbClr val="838787"/>
+                </a:solidFill>
+                <a:latin typeface="Avenir Next Medium"/>
+                <a:ea typeface="Avenir Next Medium"/>
+                <a:cs typeface="Avenir Next Medium"/>
+                <a:sym typeface="Avenir Next Medium"/>
+              </a:defRPr>
+            </a:pPr>
+            <a:r>
+              <a:t>Создать бд в которой будет храниться имя игроков с количеством побед. </a:t>
+            </a:r>
+            <a:endParaRPr sz="1100"/>
+          </a:p>
+          <a:p>
+            <a:pPr marL="779646" indent="-779646" defTabSz="495300">
+              <a:lnSpc>
+                <a:spcPct val="100000"/>
+              </a:lnSpc>
+              <a:spcBef>
+                <a:spcPts val="2300"/>
+              </a:spcBef>
+              <a:buClr>
+                <a:schemeClr val="accent1"/>
+              </a:buClr>
+              <a:buSzPct val="100000"/>
+              <a:buAutoNum type="arabicPeriod" startAt="1"/>
+              <a:defRPr cap="none" sz="2800">
+                <a:solidFill>
+                  <a:srgbClr val="838787"/>
+                </a:solidFill>
+                <a:latin typeface="Avenir Next Medium"/>
+                <a:ea typeface="Avenir Next Medium"/>
+                <a:cs typeface="Avenir Next Medium"/>
+                <a:sym typeface="Avenir Next Medium"/>
+              </a:defRPr>
+            </a:pPr>
+            <a:r>
+              <a:t>Создать главное меню. </a:t>
+            </a:r>
+            <a:endParaRPr sz="1100"/>
+          </a:p>
+          <a:p>
+            <a:pPr marL="779646" indent="-779646" defTabSz="495300">
+              <a:lnSpc>
+                <a:spcPct val="100000"/>
+              </a:lnSpc>
+              <a:spcBef>
+                <a:spcPts val="2300"/>
+              </a:spcBef>
+              <a:buClr>
+                <a:schemeClr val="accent1"/>
+              </a:buClr>
+              <a:buSzPct val="100000"/>
+              <a:buAutoNum type="arabicPeriod" startAt="1"/>
+              <a:defRPr cap="none" sz="2800">
+                <a:solidFill>
+                  <a:srgbClr val="838787"/>
+                </a:solidFill>
+                <a:latin typeface="Avenir Next Medium"/>
+                <a:ea typeface="Avenir Next Medium"/>
+                <a:cs typeface="Avenir Next Medium"/>
+                <a:sym typeface="Avenir Next Medium"/>
+              </a:defRPr>
+            </a:pPr>
+            <a:r>
+              <a:t>Создать возможность выбора в какой бильярд играть.</a:t>
+            </a:r>
+            <a:endParaRPr sz="1100"/>
+          </a:p>
+          <a:p>
+            <a:pPr marL="779646" indent="-779646" defTabSz="495300">
+              <a:lnSpc>
+                <a:spcPct val="100000"/>
+              </a:lnSpc>
+              <a:spcBef>
+                <a:spcPts val="2300"/>
+              </a:spcBef>
+              <a:buClr>
+                <a:schemeClr val="accent1"/>
+              </a:buClr>
+              <a:buSzPct val="100000"/>
+              <a:buAutoNum type="arabicPeriod" startAt="1"/>
+              <a:defRPr cap="none" sz="2800">
+                <a:solidFill>
+                  <a:srgbClr val="838787"/>
+                </a:solidFill>
+                <a:latin typeface="Avenir Next Medium"/>
+                <a:ea typeface="Avenir Next Medium"/>
+                <a:cs typeface="Avenir Next Medium"/>
+                <a:sym typeface="Avenir Next Medium"/>
+              </a:defRPr>
+            </a:pPr>
+            <a:r>
+              <a:t>Создать функцию просмотра правил игры.</a:t>
+            </a:r>
+            <a:endParaRPr sz="1100"/>
+          </a:p>
+          <a:p>
+            <a:pPr marL="779646" indent="-779646" defTabSz="495300">
+              <a:lnSpc>
+                <a:spcPct val="100000"/>
+              </a:lnSpc>
+              <a:spcBef>
+                <a:spcPts val="2300"/>
+              </a:spcBef>
+              <a:buClr>
+                <a:schemeClr val="accent1"/>
+              </a:buClr>
+              <a:buSzPct val="100000"/>
+              <a:buAutoNum type="arabicPeriod" startAt="1"/>
+              <a:defRPr cap="none" sz="2800">
+                <a:solidFill>
+                  <a:srgbClr val="838787"/>
+                </a:solidFill>
+                <a:latin typeface="Avenir Next Medium"/>
+                <a:ea typeface="Avenir Next Medium"/>
+                <a:cs typeface="Avenir Next Medium"/>
+                <a:sym typeface="Avenir Next Medium"/>
+              </a:defRPr>
+            </a:pPr>
+            <a:r>
+              <a:t>Создать игровое поле для игры бильярд.</a:t>
+            </a:r>
+            <a:endParaRPr sz="1100"/>
+          </a:p>
+          <a:p>
+            <a:pPr marL="779646" indent="-779646" defTabSz="495300">
+              <a:lnSpc>
+                <a:spcPct val="100000"/>
+              </a:lnSpc>
+              <a:spcBef>
+                <a:spcPts val="2300"/>
+              </a:spcBef>
+              <a:buClr>
+                <a:schemeClr val="accent1"/>
+              </a:buClr>
+              <a:buSzPct val="100000"/>
+              <a:buAutoNum type="arabicPeriod" startAt="1"/>
+              <a:defRPr cap="none" sz="2800">
+                <a:solidFill>
+                  <a:srgbClr val="838787"/>
+                </a:solidFill>
+                <a:latin typeface="Avenir Next Medium"/>
+                <a:ea typeface="Avenir Next Medium"/>
+                <a:cs typeface="Avenir Next Medium"/>
+                <a:sym typeface="Avenir Next Medium"/>
+              </a:defRPr>
+            </a:pPr>
+            <a:r>
+              <a:t>Создать шары и кий.</a:t>
+            </a:r>
+            <a:endParaRPr sz="1100"/>
+          </a:p>
+          <a:p>
+            <a:pPr marL="779646" indent="-779646" defTabSz="495300">
+              <a:lnSpc>
+                <a:spcPct val="100000"/>
+              </a:lnSpc>
+              <a:spcBef>
+                <a:spcPts val="2300"/>
+              </a:spcBef>
+              <a:buClr>
+                <a:schemeClr val="accent1"/>
+              </a:buClr>
+              <a:buSzPct val="100000"/>
+              <a:buAutoNum type="arabicPeriod" startAt="1"/>
+              <a:defRPr cap="none" sz="2800">
+                <a:solidFill>
+                  <a:srgbClr val="838787"/>
+                </a:solidFill>
+                <a:latin typeface="Avenir Next Medium"/>
+                <a:ea typeface="Avenir Next Medium"/>
+                <a:cs typeface="Avenir Next Medium"/>
+                <a:sym typeface="Avenir Next Medium"/>
+              </a:defRPr>
+            </a:pPr>
+            <a:r>
+              <a:t>Создать функцию прорабатывающую столкновение шаров с бортами поля и друг с другом.</a:t>
+            </a:r>
+            <a:endParaRPr sz="1100"/>
+          </a:p>
+          <a:p>
+            <a:pPr marL="779646" indent="-779646" defTabSz="495300">
+              <a:lnSpc>
+                <a:spcPct val="100000"/>
+              </a:lnSpc>
+              <a:spcBef>
+                <a:spcPts val="2300"/>
+              </a:spcBef>
+              <a:buClr>
+                <a:schemeClr val="accent1"/>
+              </a:buClr>
+              <a:buSzPct val="100000"/>
+              <a:buAutoNum type="arabicPeriod" startAt="1"/>
+              <a:defRPr cap="none" sz="2800">
+                <a:solidFill>
+                  <a:srgbClr val="838787"/>
+                </a:solidFill>
+                <a:latin typeface="Avenir Next Medium"/>
+                <a:ea typeface="Avenir Next Medium"/>
+                <a:cs typeface="Avenir Next Medium"/>
+                <a:sym typeface="Avenir Next Medium"/>
+              </a:defRPr>
+            </a:pPr>
+            <a:r>
+              <a:t>Создать функцию подсчёта очков.</a:t>
+            </a:r>
+            <a:endParaRPr sz="1100"/>
+          </a:p>
+          <a:p>
+            <a:pPr marL="779646" indent="-779646" defTabSz="495300">
+              <a:lnSpc>
+                <a:spcPct val="100000"/>
+              </a:lnSpc>
+              <a:spcBef>
+                <a:spcPts val="2300"/>
+              </a:spcBef>
+              <a:buClr>
+                <a:schemeClr val="accent1"/>
+              </a:buClr>
+              <a:buSzPct val="100000"/>
+              <a:buAutoNum type="arabicPeriod" startAt="1"/>
+              <a:defRPr cap="none" sz="2800">
+                <a:solidFill>
+                  <a:srgbClr val="838787"/>
+                </a:solidFill>
+                <a:latin typeface="Avenir Next Medium"/>
+                <a:ea typeface="Avenir Next Medium"/>
+                <a:cs typeface="Avenir Next Medium"/>
+                <a:sym typeface="Avenir Next Medium"/>
+              </a:defRPr>
+            </a:pPr>
+            <a:r>
+              <a:t>Создать финальный экран, на котором пишется победитель и его рейтинг.</a:t>
+            </a:r>
+            <a:endParaRPr sz="1100"/>
+          </a:p>
+          <a:p>
+            <a:pPr marL="779646" indent="-779646" defTabSz="495300">
+              <a:lnSpc>
+                <a:spcPct val="100000"/>
+              </a:lnSpc>
+              <a:spcBef>
+                <a:spcPts val="2300"/>
+              </a:spcBef>
+              <a:buClr>
+                <a:schemeClr val="accent1"/>
+              </a:buClr>
+              <a:buSzPct val="100000"/>
+              <a:buAutoNum type="arabicPeriod" startAt="1"/>
+              <a:defRPr cap="none" sz="2800">
+                <a:solidFill>
+                  <a:srgbClr val="838787"/>
+                </a:solidFill>
+                <a:latin typeface="Avenir Next Medium"/>
+                <a:ea typeface="Avenir Next Medium"/>
+                <a:cs typeface="Avenir Next Medium"/>
+                <a:sym typeface="Avenir Next Medium"/>
+              </a:defRPr>
+            </a:pPr>
+            <a:r>
+              <a:t>Создать возможность вернуться в главное меню.</a:t>
+            </a:r>
+            <a:endParaRPr sz="1100"/>
+          </a:p>
+          <a:p>
+            <a:pPr marL="779646" indent="-779646" defTabSz="495300">
+              <a:lnSpc>
+                <a:spcPct val="100000"/>
+              </a:lnSpc>
+              <a:spcBef>
+                <a:spcPts val="2300"/>
+              </a:spcBef>
+              <a:buClr>
+                <a:schemeClr val="accent1"/>
+              </a:buClr>
+              <a:buSzPct val="100000"/>
+              <a:buAutoNum type="arabicPeriod" startAt="1"/>
+              <a:defRPr cap="none" sz="2800">
+                <a:solidFill>
+                  <a:srgbClr val="838787"/>
+                </a:solidFill>
+                <a:latin typeface="Avenir Next Medium"/>
+                <a:ea typeface="Avenir Next Medium"/>
+                <a:cs typeface="Avenir Next Medium"/>
+                <a:sym typeface="Avenir Next Medium"/>
+              </a:defRPr>
+            </a:pPr>
+            <a:r>
+              <a:t>Создать функцию показа рейтинга.</a:t>
+            </a:r>
+          </a:p>
+        </p:txBody>
+      </p:sp>
+    </p:spTree>
+  </p:cSld>
+  <p:clrMapOvr>
+    <a:masterClrMapping/>
+  </p:clrMapOvr>
+  <p:transition xmlns:p14="http://schemas.microsoft.com/office/powerpoint/2010/main" spd="med" advClick="1"/>
+</p:sld>
+</file>
+
+<file path=ppt/slides/slide4.xml><?xml version="1.0" encoding="utf-8"?>
+<p:sld xmlns:a="http://schemas.openxmlformats.org/drawingml/2006/main" xmlns:r="http://schemas.openxmlformats.org/officeDocument/2006/relationships" xmlns:p="http://schemas.openxmlformats.org/presentationml/2006/main" xmlns:m="http://schemas.openxmlformats.org/officeDocument/2006/math" xmlns:a14="http://schemas.microsoft.com/office/drawing/2010/main" showMasterSp="1" showMasterPhAnim="1">
   <p:cSld>
     <p:spTree>
       <p:nvGrpSpPr>
@@ -4964,11 +5187,9 @@
       <p:sp>
         <p:nvSpPr>
           <p:cNvPr id="175" name="Текст"/>
-          <p:cNvSpPr txBox="1">
-            <a:spLocks noGrp="1"/>
-          </p:cNvSpPr>
+          <p:cNvSpPr txBox="1"/>
           <p:nvPr>
-            <p:ph type="body" idx="21"/>
+            <p:ph type="body" sz="quarter" idx="1"/>
           </p:nvPr>
         </p:nvSpPr>
         <p:spPr>
@@ -4978,8 +5199,13 @@
         </p:spPr>
         <p:txBody>
           <a:bodyPr/>
-          <a:lstStyle/>
-          <a:p>
+          <a:lstStyle>
+            <a:lvl1pPr>
+              <a:defRPr spc="100"/>
+            </a:lvl1pPr>
+          </a:lstStyle>
+          <a:p>
+            <a:pPr/>
             <a:r>
               <a:t>Текст</a:t>
             </a:r>
@@ -4988,10 +5214,8 @@
       </p:sp>
       <p:sp>
         <p:nvSpPr>
-          <p:cNvPr id="176" name="Задачи"/>
-          <p:cNvSpPr txBox="1">
-            <a:spLocks noGrp="1"/>
-          </p:cNvSpPr>
+          <p:cNvPr id="176" name="Этапы описания"/>
+          <p:cNvSpPr txBox="1"/>
           <p:nvPr>
             <p:ph type="title"/>
           </p:nvPr>
@@ -5008,237 +5232,165 @@
               <a:spcBef>
                 <a:spcPts val="3200"/>
               </a:spcBef>
-              <a:defRPr sz="7221"/>
+              <a:defRPr sz="7200"/>
             </a:lvl1pPr>
           </a:lstStyle>
           <a:p>
-            <a:r>
-              <a:t>Задачи</a:t>
+            <a:pPr/>
+            <a:r>
+              <a:t>Этапы описания</a:t>
             </a:r>
           </a:p>
         </p:txBody>
       </p:sp>
       <p:sp>
         <p:nvSpPr>
-          <p:cNvPr id="177" name="Создать систему создания аккаунта и входа в уже существующий.…"/>
-          <p:cNvSpPr txBox="1">
-            <a:spLocks noGrp="1"/>
-          </p:cNvSpPr>
+          <p:cNvPr id="177" name="Вход в систему для игроков…"/>
+          <p:cNvSpPr txBox="1"/>
           <p:nvPr>
-            <p:ph type="body" idx="1"/>
+            <p:ph type="body" idx="21"/>
           </p:nvPr>
         </p:nvSpPr>
         <p:spPr>
           <a:xfrm>
-            <a:off x="761999" y="3430317"/>
-            <a:ext cx="22860001" cy="9496966"/>
+            <a:off x="762000" y="4302776"/>
+            <a:ext cx="22860000" cy="7752048"/>
           </a:xfrm>
           <a:prstGeom prst="rect">
             <a:avLst/>
           </a:prstGeom>
+          <a:extLst>
+            <a:ext uri="{C572A759-6A51-4108-AA02-DFA0A04FC94B}">
+              <ma14:wrappingTextBoxFlag xmlns:ma14="http://schemas.microsoft.com/office/mac/drawingml/2011/main" val="1"/>
+            </a:ext>
+          </a:extLst>
         </p:spPr>
         <p:txBody>
           <a:bodyPr/>
           <a:lstStyle/>
           <a:p>
-            <a:pPr marL="779646" indent="-779646" defTabSz="495300">
+            <a:pPr marL="881742" indent="-881742">
+              <a:lnSpc>
+                <a:spcPct val="100000"/>
+              </a:lnSpc>
               <a:spcBef>
-                <a:spcPts val="2300"/>
+                <a:spcPts val="3900"/>
               </a:spcBef>
+              <a:buClr>
+                <a:schemeClr val="accent1"/>
+              </a:buClr>
               <a:buSzPct val="100000"/>
-              <a:buFontTx/>
-              <a:buAutoNum type="arabicPeriod"/>
-              <a:defRPr sz="2880"/>
+              <a:buAutoNum type="arabicPeriod" startAt="1"/>
+              <a:defRPr cap="none" sz="4800">
+                <a:solidFill>
+                  <a:srgbClr val="838787"/>
+                </a:solidFill>
+                <a:latin typeface="Avenir Next Medium"/>
+                <a:ea typeface="Avenir Next Medium"/>
+                <a:cs typeface="Avenir Next Medium"/>
+                <a:sym typeface="Avenir Next Medium"/>
+              </a:defRPr>
             </a:pPr>
             <a:r>
-              <a:t>Создать систему создания аккаунта и входа в уже существующий. </a:t>
-            </a:r>
-            <a:endParaRPr sz="1140"/>
-          </a:p>
-          <a:p>
-            <a:pPr marL="779646" indent="-779646" defTabSz="495300">
+              <a:t>Вход в систему для игроков</a:t>
+            </a:r>
+          </a:p>
+          <a:p>
+            <a:pPr marL="881742" indent="-881742">
+              <a:lnSpc>
+                <a:spcPct val="100000"/>
+              </a:lnSpc>
               <a:spcBef>
-                <a:spcPts val="2300"/>
+                <a:spcPts val="3900"/>
               </a:spcBef>
+              <a:buClr>
+                <a:schemeClr val="accent1"/>
+              </a:buClr>
               <a:buSzPct val="100000"/>
-              <a:buFontTx/>
-              <a:buAutoNum type="arabicPeriod"/>
-              <a:defRPr sz="2880"/>
+              <a:buAutoNum type="arabicPeriod" startAt="1"/>
+              <a:defRPr cap="none" sz="4800">
+                <a:solidFill>
+                  <a:srgbClr val="838787"/>
+                </a:solidFill>
+                <a:latin typeface="Avenir Next Medium"/>
+                <a:ea typeface="Avenir Next Medium"/>
+                <a:cs typeface="Avenir Next Medium"/>
+                <a:sym typeface="Avenir Next Medium"/>
+              </a:defRPr>
             </a:pPr>
             <a:r>
-              <a:t>Создать бд в которой будет храниться имя игроков с количеством побед. </a:t>
-            </a:r>
-            <a:endParaRPr sz="1140"/>
-          </a:p>
-          <a:p>
-            <a:pPr marL="779646" indent="-779646" defTabSz="495300">
+              <a:t>Главное игровое меню</a:t>
+            </a:r>
+          </a:p>
+          <a:p>
+            <a:pPr marL="881742" indent="-881742">
+              <a:lnSpc>
+                <a:spcPct val="100000"/>
+              </a:lnSpc>
               <a:spcBef>
-                <a:spcPts val="2300"/>
+                <a:spcPts val="3900"/>
               </a:spcBef>
+              <a:buClr>
+                <a:schemeClr val="accent1"/>
+              </a:buClr>
               <a:buSzPct val="100000"/>
-              <a:buFontTx/>
-              <a:buAutoNum type="arabicPeriod"/>
-              <a:defRPr sz="2880"/>
+              <a:buAutoNum type="arabicPeriod" startAt="1"/>
+              <a:defRPr cap="none" sz="4800">
+                <a:solidFill>
+                  <a:srgbClr val="838787"/>
+                </a:solidFill>
+                <a:latin typeface="Avenir Next Medium"/>
+                <a:ea typeface="Avenir Next Medium"/>
+                <a:cs typeface="Avenir Next Medium"/>
+                <a:sym typeface="Avenir Next Medium"/>
+              </a:defRPr>
             </a:pPr>
             <a:r>
-              <a:t>Создать главное меню. </a:t>
-            </a:r>
-            <a:endParaRPr sz="1140"/>
-          </a:p>
-          <a:p>
-            <a:pPr marL="779646" indent="-779646" defTabSz="495300">
-              <a:spcBef>
-                <a:spcPts val="2300"/>
-              </a:spcBef>
-              <a:buSzPct val="100000"/>
-              <a:buFontTx/>
-              <a:buAutoNum type="arabicPeriod"/>
-              <a:defRPr sz="2880"/>
-            </a:pPr>
-            <a:r>
-              <a:t>Создать возможность выбора в какой бильярд играть.</a:t>
-            </a:r>
-            <a:endParaRPr sz="1140"/>
-          </a:p>
-          <a:p>
-            <a:pPr marL="779646" indent="-779646" defTabSz="495300">
-              <a:spcBef>
-                <a:spcPts val="2300"/>
-              </a:spcBef>
-              <a:buSzPct val="100000"/>
-              <a:buFontTx/>
-              <a:buAutoNum type="arabicPeriod"/>
-              <a:defRPr sz="2880"/>
-            </a:pPr>
-            <a:r>
-              <a:t>Создать функцию просмотра правил игры.</a:t>
-            </a:r>
-            <a:endParaRPr sz="1140"/>
-          </a:p>
-          <a:p>
-            <a:pPr marL="779646" indent="-779646" defTabSz="495300">
-              <a:spcBef>
-                <a:spcPts val="2300"/>
-              </a:spcBef>
-              <a:buSzPct val="100000"/>
-              <a:buFontTx/>
-              <a:buAutoNum type="arabicPeriod"/>
-              <a:defRPr sz="2880"/>
-            </a:pPr>
-            <a:r>
-              <a:t>Создать игровое поле для игры бильярд.</a:t>
-            </a:r>
-            <a:endParaRPr sz="1140"/>
-          </a:p>
-          <a:p>
-            <a:pPr marL="779646" indent="-779646" defTabSz="495300">
-              <a:spcBef>
-                <a:spcPts val="2300"/>
-              </a:spcBef>
-              <a:buSzPct val="100000"/>
-              <a:buFontTx/>
-              <a:buAutoNum type="arabicPeriod"/>
-              <a:defRPr sz="2880"/>
-            </a:pPr>
-            <a:r>
-              <a:t>Создать шары и кий.</a:t>
-            </a:r>
-            <a:endParaRPr sz="1140"/>
-          </a:p>
-          <a:p>
-            <a:pPr marL="779646" indent="-779646" defTabSz="495300">
-              <a:spcBef>
-                <a:spcPts val="2300"/>
-              </a:spcBef>
-              <a:buSzPct val="100000"/>
-              <a:buFontTx/>
-              <a:buAutoNum type="arabicPeriod"/>
-              <a:defRPr sz="2880"/>
-            </a:pPr>
-            <a:r>
-              <a:t>Создать функцию прорабатывающую столкновение шаров с бортами поля и друг с другом.</a:t>
-            </a:r>
-            <a:endParaRPr sz="1140"/>
-          </a:p>
-          <a:p>
-            <a:pPr marL="779646" indent="-779646" defTabSz="495300">
-              <a:spcBef>
-                <a:spcPts val="2300"/>
-              </a:spcBef>
-              <a:buSzPct val="100000"/>
-              <a:buFontTx/>
-              <a:buAutoNum type="arabicPeriod"/>
-              <a:defRPr sz="2880"/>
-            </a:pPr>
-            <a:r>
-              <a:t>Создать функцию подсчёта очков.</a:t>
-            </a:r>
-            <a:endParaRPr sz="1140"/>
-          </a:p>
-          <a:p>
-            <a:pPr marL="779646" indent="-779646" defTabSz="495300">
-              <a:spcBef>
-                <a:spcPts val="2300"/>
-              </a:spcBef>
-              <a:buSzPct val="100000"/>
-              <a:buFontTx/>
-              <a:buAutoNum type="arabicPeriod"/>
-              <a:defRPr sz="2880"/>
-            </a:pPr>
-            <a:r>
-              <a:t>Создать финальный экран, на котором пишется победитель и его рейтинг.</a:t>
-            </a:r>
-            <a:endParaRPr sz="1140"/>
-          </a:p>
-          <a:p>
-            <a:pPr marL="779646" indent="-779646" defTabSz="495300">
-              <a:spcBef>
-                <a:spcPts val="2300"/>
-              </a:spcBef>
-              <a:buSzPct val="100000"/>
-              <a:buFontTx/>
-              <a:buAutoNum type="arabicPeriod"/>
-              <a:defRPr sz="2880"/>
-            </a:pPr>
-            <a:r>
-              <a:t>Создать возможность вернуться в главное меню.</a:t>
-            </a:r>
-            <a:endParaRPr sz="1140"/>
-          </a:p>
-          <a:p>
-            <a:pPr marL="779646" indent="-779646" defTabSz="495300">
-              <a:spcBef>
-                <a:spcPts val="2300"/>
-              </a:spcBef>
-              <a:buSzPct val="100000"/>
-              <a:buFontTx/>
-              <a:buAutoNum type="arabicPeriod"/>
-              <a:defRPr sz="2880"/>
-            </a:pPr>
-            <a:r>
-              <a:t>Создать функцию показа рейтинга.</a:t>
+              <a:t>Игра в бильярд</a:t>
             </a:r>
           </a:p>
         </p:txBody>
       </p:sp>
+      <p:pic>
+        <p:nvPicPr>
+          <p:cNvPr id="178" name="8.png" descr="8.png"/>
+          <p:cNvPicPr>
+            <a:picLocks noChangeAspect="1"/>
+          </p:cNvPicPr>
+          <p:nvPr/>
+        </p:nvPicPr>
+        <p:blipFill>
+          <a:blip r:embed="rId2">
+            <a:extLst/>
+          </a:blip>
+          <a:stretch>
+            <a:fillRect/>
+          </a:stretch>
+        </p:blipFill>
+        <p:spPr>
+          <a:xfrm>
+            <a:off x="19286819" y="8218195"/>
+            <a:ext cx="8073777" cy="8073777"/>
+          </a:xfrm>
+          <a:prstGeom prst="rect">
+            <a:avLst/>
+          </a:prstGeom>
+          <a:ln w="12700">
+            <a:miter lim="400000"/>
+          </a:ln>
+        </p:spPr>
+      </p:pic>
     </p:spTree>
   </p:cSld>
   <p:clrMapOvr>
     <a:masterClrMapping/>
   </p:clrMapOvr>
-  <p:transition spd="med"/>
-  <p:timing>
-    <p:tnLst>
-      <p:par>
-        <p:cTn id="1" dur="indefinite" restart="never" nodeType="tmRoot"/>
-      </p:par>
-    </p:tnLst>
-  </p:timing>
+  <p:transition xmlns:p14="http://schemas.microsoft.com/office/powerpoint/2010/main" spd="med" advClick="1"/>
 </p:sld>
 </file>
 
-<file path=ppt/slides/slide4.xml><?xml version="1.0" encoding="utf-8"?>
-<p:sld xmlns:a="http://schemas.openxmlformats.org/drawingml/2006/main" xmlns:r="http://schemas.openxmlformats.org/officeDocument/2006/relationships" xmlns:p="http://schemas.openxmlformats.org/presentationml/2006/main">
+<file path=ppt/slides/slide5.xml><?xml version="1.0" encoding="utf-8"?>
+<p:sld xmlns:a="http://schemas.openxmlformats.org/drawingml/2006/main" xmlns:r="http://schemas.openxmlformats.org/officeDocument/2006/relationships" xmlns:p="http://schemas.openxmlformats.org/presentationml/2006/main" xmlns:m="http://schemas.openxmlformats.org/officeDocument/2006/math" xmlns:a14="http://schemas.microsoft.com/office/drawing/2010/main" showMasterSp="1" showMasterPhAnim="1">
   <p:cSld>
     <p:spTree>
       <p:nvGrpSpPr>
@@ -5256,40 +5408,17 @@
       </p:grpSpPr>
       <p:sp>
         <p:nvSpPr>
-          <p:cNvPr id="179" name="Текст"/>
-          <p:cNvSpPr txBox="1">
-            <a:spLocks noGrp="1"/>
-          </p:cNvSpPr>
-          <p:nvPr>
-            <p:ph type="body" idx="21"/>
-          </p:nvPr>
-        </p:nvSpPr>
-        <p:spPr>
-          <a:prstGeom prst="rect">
-            <a:avLst/>
-          </a:prstGeom>
-        </p:spPr>
-        <p:txBody>
-          <a:bodyPr/>
-          <a:lstStyle/>
-          <a:p>
-            <a:r>
-              <a:t>Текст</a:t>
-            </a:r>
-          </a:p>
-        </p:txBody>
-      </p:sp>
-      <p:sp>
-        <p:nvSpPr>
-          <p:cNvPr id="180" name="Этапы описания"/>
-          <p:cNvSpPr txBox="1">
-            <a:spLocks noGrp="1"/>
-          </p:cNvSpPr>
+          <p:cNvPr id="180" name="Вход в систему для игроков"/>
+          <p:cNvSpPr txBox="1"/>
           <p:nvPr>
             <p:ph type="title"/>
           </p:nvPr>
         </p:nvSpPr>
         <p:spPr>
+          <a:xfrm>
+            <a:off x="762000" y="1766928"/>
+            <a:ext cx="22860000" cy="2877873"/>
+          </a:xfrm>
           <a:prstGeom prst="rect">
             <a:avLst/>
           </a:prstGeom>
@@ -5297,77 +5426,24 @@
         <p:txBody>
           <a:bodyPr/>
           <a:lstStyle>
-            <a:lvl1pPr defTabSz="685165">
+            <a:lvl1pPr algn="ctr">
               <a:spcBef>
-                <a:spcPts val="3200"/>
+                <a:spcPts val="3900"/>
               </a:spcBef>
-              <a:defRPr sz="7221"/>
+              <a:defRPr sz="8700"/>
             </a:lvl1pPr>
           </a:lstStyle>
           <a:p>
-            <a:r>
-              <a:t>Этапы описания</a:t>
-            </a:r>
-          </a:p>
-        </p:txBody>
-      </p:sp>
-      <p:sp>
-        <p:nvSpPr>
-          <p:cNvPr id="181" name="Вход в систему для игроков…"/>
-          <p:cNvSpPr txBox="1">
-            <a:spLocks noGrp="1"/>
-          </p:cNvSpPr>
-          <p:nvPr>
-            <p:ph type="body" idx="1"/>
-          </p:nvPr>
-        </p:nvSpPr>
-        <p:spPr>
-          <a:xfrm>
-            <a:off x="762000" y="4302777"/>
-            <a:ext cx="22860000" cy="7752046"/>
-          </a:xfrm>
-          <a:prstGeom prst="rect">
-            <a:avLst/>
-          </a:prstGeom>
-        </p:spPr>
-        <p:txBody>
-          <a:bodyPr/>
-          <a:lstStyle/>
-          <a:p>
-            <a:pPr marL="881742" indent="-881742">
-              <a:buSzPct val="100000"/>
-              <a:buFontTx/>
-              <a:buAutoNum type="arabicPeriod"/>
-            </a:pPr>
+            <a:pPr/>
             <a:r>
               <a:t>Вход в систему для игроков</a:t>
-            </a:r>
-          </a:p>
-          <a:p>
-            <a:pPr marL="881742" indent="-881742">
-              <a:buSzPct val="100000"/>
-              <a:buFontTx/>
-              <a:buAutoNum type="arabicPeriod"/>
-            </a:pPr>
-            <a:r>
-              <a:t>Главное игровое меню</a:t>
-            </a:r>
-          </a:p>
-          <a:p>
-            <a:pPr marL="881742" indent="-881742">
-              <a:buSzPct val="100000"/>
-              <a:buFontTx/>
-              <a:buAutoNum type="arabicPeriod"/>
-            </a:pPr>
-            <a:r>
-              <a:t>Игра в бильярд</a:t>
             </a:r>
           </a:p>
         </p:txBody>
       </p:sp>
       <p:pic>
         <p:nvPicPr>
-          <p:cNvPr id="182" name="8.png" descr="8.png"/>
+          <p:cNvPr id="181" name="9AAS4begOkQ.jpg" descr="9AAS4begOkQ.jpg"/>
           <p:cNvPicPr>
             <a:picLocks noChangeAspect="1"/>
           </p:cNvPicPr>
@@ -5383,8 +5459,8 @@
         </p:blipFill>
         <p:spPr>
           <a:xfrm>
-            <a:off x="19286819" y="8218195"/>
-            <a:ext cx="8073776" cy="8073776"/>
+            <a:off x="4000498" y="3595023"/>
+            <a:ext cx="16383003" cy="9220202"/>
           </a:xfrm>
           <a:prstGeom prst="rect">
             <a:avLst/>
@@ -5399,19 +5475,96 @@
   <p:clrMapOvr>
     <a:masterClrMapping/>
   </p:clrMapOvr>
-  <p:transition spd="med"/>
-  <p:timing>
-    <p:tnLst>
-      <p:par>
-        <p:cTn id="1" dur="indefinite" restart="never" nodeType="tmRoot"/>
-      </p:par>
-    </p:tnLst>
-  </p:timing>
+  <p:transition xmlns:p14="http://schemas.microsoft.com/office/powerpoint/2010/main" spd="med" advClick="1"/>
 </p:sld>
 </file>
 
-<file path=ppt/slides/slide5.xml><?xml version="1.0" encoding="utf-8"?>
-<p:sld xmlns:a="http://schemas.openxmlformats.org/drawingml/2006/main" xmlns:r="http://schemas.openxmlformats.org/officeDocument/2006/relationships" xmlns:p="http://schemas.openxmlformats.org/presentationml/2006/main">
+<file path=ppt/slides/slide6.xml><?xml version="1.0" encoding="utf-8"?>
+<p:sld xmlns:a="http://schemas.openxmlformats.org/drawingml/2006/main" xmlns:r="http://schemas.openxmlformats.org/officeDocument/2006/relationships" xmlns:p="http://schemas.openxmlformats.org/presentationml/2006/main" xmlns:m="http://schemas.openxmlformats.org/officeDocument/2006/math" xmlns:a14="http://schemas.microsoft.com/office/drawing/2010/main" showMasterSp="1" showMasterPhAnim="1">
+  <p:cSld>
+    <p:spTree>
+      <p:nvGrpSpPr>
+        <p:cNvPr id="1" name=""/>
+        <p:cNvGrpSpPr/>
+        <p:nvPr/>
+      </p:nvGrpSpPr>
+      <p:grpSpPr>
+        <a:xfrm>
+          <a:off x="0" y="0"/>
+          <a:ext cx="0" cy="0"/>
+          <a:chOff x="0" y="0"/>
+          <a:chExt cx="0" cy="0"/>
+        </a:xfrm>
+      </p:grpSpPr>
+      <p:pic>
+        <p:nvPicPr>
+          <p:cNvPr id="183" name="Рисунок 3" descr="Рисунок 3"/>
+          <p:cNvPicPr>
+            <a:picLocks noChangeAspect="1"/>
+          </p:cNvPicPr>
+          <p:nvPr/>
+        </p:nvPicPr>
+        <p:blipFill>
+          <a:blip r:embed="rId2">
+            <a:extLst/>
+          </a:blip>
+          <a:stretch>
+            <a:fillRect/>
+          </a:stretch>
+        </p:blipFill>
+        <p:spPr>
+          <a:xfrm>
+            <a:off x="767108" y="3896136"/>
+            <a:ext cx="11176743" cy="8186565"/>
+          </a:xfrm>
+          <a:prstGeom prst="rect">
+            <a:avLst/>
+          </a:prstGeom>
+          <a:ln w="12700">
+            <a:miter lim="400000"/>
+          </a:ln>
+        </p:spPr>
+      </p:pic>
+      <p:pic>
+        <p:nvPicPr>
+          <p:cNvPr id="184" name="Рисунок 4" descr="Рисунок 4"/>
+          <p:cNvPicPr>
+            <a:picLocks noChangeAspect="1"/>
+          </p:cNvPicPr>
+          <p:nvPr/>
+        </p:nvPicPr>
+        <p:blipFill>
+          <a:blip r:embed="rId3">
+            <a:extLst/>
+          </a:blip>
+          <a:stretch>
+            <a:fillRect/>
+          </a:stretch>
+        </p:blipFill>
+        <p:spPr>
+          <a:xfrm>
+            <a:off x="12393117" y="3893668"/>
+            <a:ext cx="10669762" cy="8191502"/>
+          </a:xfrm>
+          <a:prstGeom prst="rect">
+            <a:avLst/>
+          </a:prstGeom>
+          <a:ln w="12700">
+            <a:miter lim="400000"/>
+          </a:ln>
+        </p:spPr>
+      </p:pic>
+    </p:spTree>
+  </p:cSld>
+  <p:clrMapOvr>
+    <a:masterClrMapping/>
+  </p:clrMapOvr>
+  <p:transition xmlns:p14="http://schemas.microsoft.com/office/powerpoint/2010/main" spd="med" advClick="1"/>
+</p:sld>
+</file>
+
+<file path=ppt/slides/slide7.xml><?xml version="1.0" encoding="utf-8"?>
+<p:sld xmlns:a="http://schemas.openxmlformats.org/drawingml/2006/main" xmlns:r="http://schemas.openxmlformats.org/officeDocument/2006/relationships" xmlns:p="http://schemas.openxmlformats.org/presentationml/2006/main" xmlns:m="http://schemas.openxmlformats.org/officeDocument/2006/math" xmlns:a14="http://schemas.microsoft.com/office/drawing/2010/main" showMasterSp="1" showMasterPhAnim="1">
   <p:cSld>
     <p:spTree>
       <p:nvGrpSpPr>
@@ -5429,18 +5582,16 @@
       </p:grpSpPr>
       <p:sp>
         <p:nvSpPr>
-          <p:cNvPr id="184" name="Вход в систему для игроков"/>
-          <p:cNvSpPr txBox="1">
-            <a:spLocks noGrp="1"/>
-          </p:cNvSpPr>
+          <p:cNvPr id="186" name="Главное игровое меню."/>
+          <p:cNvSpPr txBox="1"/>
           <p:nvPr>
             <p:ph type="title"/>
           </p:nvPr>
         </p:nvSpPr>
         <p:spPr>
           <a:xfrm>
-            <a:off x="762000" y="1766929"/>
-            <a:ext cx="22860000" cy="2877872"/>
+            <a:off x="761998" y="1672140"/>
+            <a:ext cx="22860004" cy="3682465"/>
           </a:xfrm>
           <a:prstGeom prst="rect">
             <a:avLst/>
@@ -5457,15 +5608,16 @@
             </a:lvl1pPr>
           </a:lstStyle>
           <a:p>
-            <a:r>
-              <a:t>Вход в систему для игроков</a:t>
+            <a:pPr/>
+            <a:r>
+              <a:t>Главное игровое меню.</a:t>
             </a:r>
           </a:p>
         </p:txBody>
       </p:sp>
       <p:pic>
         <p:nvPicPr>
-          <p:cNvPr id="185" name="9AAS4begOkQ.jpg" descr="9AAS4begOkQ.jpg"/>
+          <p:cNvPr id="187" name="Рисунок 1" descr="Рисунок 1"/>
           <p:cNvPicPr>
             <a:picLocks noChangeAspect="1"/>
           </p:cNvPicPr>
@@ -5481,8 +5633,8 @@
         </p:blipFill>
         <p:spPr>
           <a:xfrm>
-            <a:off x="4000499" y="3595024"/>
-            <a:ext cx="16383001" cy="9220201"/>
+            <a:off x="4045742" y="3097494"/>
+            <a:ext cx="16292514" cy="8765894"/>
           </a:xfrm>
           <a:prstGeom prst="rect">
             <a:avLst/>
@@ -5497,19 +5649,12 @@
   <p:clrMapOvr>
     <a:masterClrMapping/>
   </p:clrMapOvr>
-  <p:transition spd="med"/>
-  <p:timing>
-    <p:tnLst>
-      <p:par>
-        <p:cTn id="1" dur="indefinite" restart="never" nodeType="tmRoot"/>
-      </p:par>
-    </p:tnLst>
-  </p:timing>
+  <p:transition xmlns:p14="http://schemas.microsoft.com/office/powerpoint/2010/main" spd="med" advClick="1"/>
 </p:sld>
 </file>
 
-<file path=ppt/slides/slide6.xml><?xml version="1.0" encoding="utf-8"?>
-<p:sld xmlns:a="http://schemas.openxmlformats.org/drawingml/2006/main" xmlns:r="http://schemas.openxmlformats.org/officeDocument/2006/relationships" xmlns:p="http://schemas.openxmlformats.org/presentationml/2006/main">
+<file path=ppt/slides/slide8.xml><?xml version="1.0" encoding="utf-8"?>
+<p:sld xmlns:a="http://schemas.openxmlformats.org/drawingml/2006/main" xmlns:r="http://schemas.openxmlformats.org/officeDocument/2006/relationships" xmlns:p="http://schemas.openxmlformats.org/presentationml/2006/main" xmlns:m="http://schemas.openxmlformats.org/officeDocument/2006/math" xmlns:a14="http://schemas.microsoft.com/office/drawing/2010/main" showMasterSp="1" showMasterPhAnim="1">
   <p:cSld>
     <p:spTree>
       <p:nvGrpSpPr>
@@ -5527,7 +5672,7 @@
       </p:grpSpPr>
       <p:pic>
         <p:nvPicPr>
-          <p:cNvPr id="187" name="Рисунок 3" descr="Рисунок 3"/>
+          <p:cNvPr id="189" name="Рисунок 12" descr="Рисунок 12"/>
           <p:cNvPicPr>
             <a:picLocks noChangeAspect="1"/>
           </p:cNvPicPr>
@@ -5543,37 +5688,8 @@
         </p:blipFill>
         <p:spPr>
           <a:xfrm>
-            <a:off x="767109" y="3896137"/>
-            <a:ext cx="11176741" cy="8186564"/>
-          </a:xfrm>
-          <a:prstGeom prst="rect">
-            <a:avLst/>
-          </a:prstGeom>
-          <a:ln w="12700">
-            <a:miter lim="400000"/>
-          </a:ln>
-        </p:spPr>
-      </p:pic>
-      <p:pic>
-        <p:nvPicPr>
-          <p:cNvPr id="188" name="Рисунок 4" descr="Рисунок 4"/>
-          <p:cNvPicPr>
-            <a:picLocks noChangeAspect="1"/>
-          </p:cNvPicPr>
-          <p:nvPr/>
-        </p:nvPicPr>
-        <p:blipFill>
-          <a:blip r:embed="rId3">
-            <a:extLst/>
-          </a:blip>
-          <a:stretch>
-            <a:fillRect/>
-          </a:stretch>
-        </p:blipFill>
-        <p:spPr>
-          <a:xfrm>
-            <a:off x="12393118" y="3893669"/>
-            <a:ext cx="10669760" cy="8191501"/>
+            <a:off x="6005512" y="1989177"/>
+            <a:ext cx="12372976" cy="9737646"/>
           </a:xfrm>
           <a:prstGeom prst="rect">
             <a:avLst/>
@@ -5588,19 +5704,12 @@
   <p:clrMapOvr>
     <a:masterClrMapping/>
   </p:clrMapOvr>
-  <p:transition spd="med"/>
-  <p:timing>
-    <p:tnLst>
-      <p:par>
-        <p:cTn id="1" dur="indefinite" restart="never" nodeType="tmRoot"/>
-      </p:par>
-    </p:tnLst>
-  </p:timing>
+  <p:transition xmlns:p14="http://schemas.microsoft.com/office/powerpoint/2010/main" spd="med" advClick="1"/>
 </p:sld>
 </file>
 
-<file path=ppt/slides/slide7.xml><?xml version="1.0" encoding="utf-8"?>
-<p:sld xmlns:a="http://schemas.openxmlformats.org/drawingml/2006/main" xmlns:r="http://schemas.openxmlformats.org/officeDocument/2006/relationships" xmlns:p="http://schemas.openxmlformats.org/presentationml/2006/main">
+<file path=ppt/slides/slide9.xml><?xml version="1.0" encoding="utf-8"?>
+<p:sld xmlns:a="http://schemas.openxmlformats.org/drawingml/2006/main" xmlns:r="http://schemas.openxmlformats.org/officeDocument/2006/relationships" xmlns:p="http://schemas.openxmlformats.org/presentationml/2006/main" xmlns:m="http://schemas.openxmlformats.org/officeDocument/2006/math" xmlns:a14="http://schemas.microsoft.com/office/drawing/2010/main" showMasterSp="1" showMasterPhAnim="1">
   <p:cSld>
     <p:spTree>
       <p:nvGrpSpPr>
@@ -5618,18 +5727,16 @@
       </p:grpSpPr>
       <p:sp>
         <p:nvSpPr>
-          <p:cNvPr id="190" name="Главное игровое меню."/>
-          <p:cNvSpPr txBox="1">
-            <a:spLocks noGrp="1"/>
-          </p:cNvSpPr>
+          <p:cNvPr id="191" name="Игра в бильярд."/>
+          <p:cNvSpPr txBox="1"/>
           <p:nvPr>
             <p:ph type="title"/>
           </p:nvPr>
         </p:nvSpPr>
         <p:spPr>
           <a:xfrm>
-            <a:off x="761999" y="1672141"/>
-            <a:ext cx="22860001" cy="3682464"/>
+            <a:off x="761999" y="1695837"/>
+            <a:ext cx="22860004" cy="2523356"/>
           </a:xfrm>
           <a:prstGeom prst="rect">
             <a:avLst/>
@@ -5646,34 +5753,40 @@
             </a:lvl1pPr>
           </a:lstStyle>
           <a:p>
-            <a:r>
-              <a:t>Главное игровое меню.</a:t>
+            <a:pPr/>
+            <a:r>
+              <a:t>Игра в бильярд.</a:t>
             </a:r>
           </a:p>
         </p:txBody>
       </p:sp>
       <p:pic>
         <p:nvPicPr>
-          <p:cNvPr id="2" name="Рисунок 1"/>
+          <p:cNvPr id="192" name="Снимок экрана 2023-01-28 в 15.51.18.png" descr="Снимок экрана 2023-01-28 в 15.51.18.png"/>
           <p:cNvPicPr>
             <a:picLocks noChangeAspect="1"/>
           </p:cNvPicPr>
           <p:nvPr/>
         </p:nvPicPr>
         <p:blipFill>
-          <a:blip r:embed="rId2"/>
+          <a:blip r:embed="rId2">
+            <a:extLst/>
+          </a:blip>
           <a:stretch>
             <a:fillRect/>
           </a:stretch>
         </p:blipFill>
         <p:spPr>
           <a:xfrm>
-            <a:off x="4045743" y="3097494"/>
-            <a:ext cx="16292512" cy="8765894"/>
+            <a:off x="5842000" y="3066920"/>
+            <a:ext cx="12700000" cy="10236201"/>
           </a:xfrm>
           <a:prstGeom prst="rect">
             <a:avLst/>
           </a:prstGeom>
+          <a:ln w="12700">
+            <a:miter lim="400000"/>
+          </a:ln>
         </p:spPr>
       </p:pic>
     </p:spTree>
@@ -5681,163 +5794,25 @@
   <p:clrMapOvr>
     <a:masterClrMapping/>
   </p:clrMapOvr>
-  <p:transition spd="med"/>
-  <p:timing>
-    <p:tnLst>
-      <p:par>
-        <p:cTn id="1" dur="indefinite" restart="never" nodeType="tmRoot"/>
-      </p:par>
-    </p:tnLst>
-  </p:timing>
-</p:sld>
-</file>
-
-<file path=ppt/slides/slide8.xml><?xml version="1.0" encoding="utf-8"?>
-<p:sld xmlns:a="http://schemas.openxmlformats.org/drawingml/2006/main" xmlns:r="http://schemas.openxmlformats.org/officeDocument/2006/relationships" xmlns:p="http://schemas.openxmlformats.org/presentationml/2006/main">
-  <p:cSld>
-    <p:spTree>
-      <p:nvGrpSpPr>
-        <p:cNvPr id="1" name=""/>
-        <p:cNvGrpSpPr/>
-        <p:nvPr/>
-      </p:nvGrpSpPr>
-      <p:grpSpPr>
-        <a:xfrm>
-          <a:off x="0" y="0"/>
-          <a:ext cx="0" cy="0"/>
-          <a:chOff x="0" y="0"/>
-          <a:chExt cx="0" cy="0"/>
-        </a:xfrm>
-      </p:grpSpPr>
-      <p:pic>
-        <p:nvPicPr>
-          <p:cNvPr id="13" name="Рисунок 12"/>
-          <p:cNvPicPr>
-            <a:picLocks noChangeAspect="1"/>
-          </p:cNvPicPr>
-          <p:nvPr/>
-        </p:nvPicPr>
-        <p:blipFill>
-          <a:blip r:embed="rId2"/>
-          <a:stretch>
-            <a:fillRect/>
-          </a:stretch>
-        </p:blipFill>
-        <p:spPr>
-          <a:xfrm>
-            <a:off x="6572250" y="2116219"/>
-            <a:ext cx="12372975" cy="9737644"/>
-          </a:xfrm>
-          <a:prstGeom prst="rect">
-            <a:avLst/>
-          </a:prstGeom>
-        </p:spPr>
-      </p:pic>
-    </p:spTree>
-    <p:extLst>
-      <p:ext uri="{BB962C8B-B14F-4D97-AF65-F5344CB8AC3E}">
-        <p14:creationId xmlns:p14="http://schemas.microsoft.com/office/powerpoint/2010/main" val="3313772639"/>
-      </p:ext>
-    </p:extLst>
-  </p:cSld>
-  <p:clrMapOvr>
-    <a:masterClrMapping/>
-  </p:clrMapOvr>
-  <p:transition spd="med"/>
-  <p:timing>
-    <p:tnLst>
-      <p:par>
-        <p:cTn id="1" dur="indefinite" restart="never" nodeType="tmRoot"/>
-      </p:par>
-    </p:tnLst>
-  </p:timing>
-</p:sld>
-</file>
-
-<file path=ppt/slides/slide9.xml><?xml version="1.0" encoding="utf-8"?>
-<p:sld xmlns:a="http://schemas.openxmlformats.org/drawingml/2006/main" xmlns:r="http://schemas.openxmlformats.org/officeDocument/2006/relationships" xmlns:p="http://schemas.openxmlformats.org/presentationml/2006/main">
-  <p:cSld>
-    <p:spTree>
-      <p:nvGrpSpPr>
-        <p:cNvPr id="1" name=""/>
-        <p:cNvGrpSpPr/>
-        <p:nvPr/>
-      </p:nvGrpSpPr>
-      <p:grpSpPr>
-        <a:xfrm>
-          <a:off x="0" y="0"/>
-          <a:ext cx="0" cy="0"/>
-          <a:chOff x="0" y="0"/>
-          <a:chExt cx="0" cy="0"/>
-        </a:xfrm>
-      </p:grpSpPr>
-      <p:sp>
-        <p:nvSpPr>
-          <p:cNvPr id="192" name="Игра в бильярд."/>
-          <p:cNvSpPr txBox="1">
-            <a:spLocks noGrp="1"/>
-          </p:cNvSpPr>
-          <p:nvPr>
-            <p:ph type="title"/>
-          </p:nvPr>
-        </p:nvSpPr>
-        <p:spPr>
-          <a:xfrm>
-            <a:off x="762000" y="1695838"/>
-            <a:ext cx="22860001" cy="2523354"/>
-          </a:xfrm>
-          <a:prstGeom prst="rect">
-            <a:avLst/>
-          </a:prstGeom>
-        </p:spPr>
-        <p:txBody>
-          <a:bodyPr/>
-          <a:lstStyle>
-            <a:lvl1pPr algn="ctr">
-              <a:spcBef>
-                <a:spcPts val="3900"/>
-              </a:spcBef>
-              <a:defRPr sz="8700"/>
-            </a:lvl1pPr>
-          </a:lstStyle>
-          <a:p>
-            <a:r>
-              <a:t>Игра в бильярд.</a:t>
-            </a:r>
-          </a:p>
-        </p:txBody>
-      </p:sp>
-    </p:spTree>
-  </p:cSld>
-  <p:clrMapOvr>
-    <a:masterClrMapping/>
-  </p:clrMapOvr>
-  <p:transition spd="med"/>
-  <p:timing>
-    <p:tnLst>
-      <p:par>
-        <p:cTn id="1" dur="indefinite" restart="never" nodeType="tmRoot"/>
-      </p:par>
-    </p:tnLst>
-  </p:timing>
+  <p:transition xmlns:p14="http://schemas.microsoft.com/office/powerpoint/2010/main" spd="med" advClick="1"/>
 </p:sld>
 </file>
 
 <file path=ppt/theme/theme1.xml><?xml version="1.0" encoding="utf-8"?>
-<a:theme xmlns:a="http://schemas.openxmlformats.org/drawingml/2006/main" name="New_Template7">
+<a:theme xmlns:a="http://schemas.openxmlformats.org/drawingml/2006/main" xmlns:r="http://schemas.openxmlformats.org/officeDocument/2006/relationships" name="New_Template7">
   <a:themeElements>
     <a:clrScheme name="New_Template7">
       <a:dk1>
         <a:srgbClr val="222222"/>
       </a:dk1>
       <a:lt1>
-        <a:srgbClr val="838787"/>
+        <a:srgbClr val="222222"/>
       </a:lt1>
       <a:dk2>
-        <a:srgbClr val="222222"/>
+        <a:srgbClr val="A7A7A7"/>
       </a:dk2>
       <a:lt2>
-        <a:srgbClr val="A6AAA9"/>
+        <a:srgbClr val="535353"/>
       </a:lt2>
       <a:accent1>
         <a:srgbClr val="34A5DA"/>
@@ -5866,14 +5841,14 @@
     </a:clrScheme>
     <a:fontScheme name="New_Template7">
       <a:majorFont>
-        <a:latin typeface="DIN Condensed Bold"/>
-        <a:ea typeface="DIN Condensed Bold"/>
-        <a:cs typeface="DIN Condensed Bold"/>
+        <a:latin typeface="Helvetica"/>
+        <a:ea typeface="Helvetica"/>
+        <a:cs typeface="Helvetica"/>
       </a:majorFont>
       <a:minorFont>
-        <a:latin typeface="DIN Condensed Bold"/>
-        <a:ea typeface="DIN Condensed Bold"/>
-        <a:cs typeface="DIN Condensed Bold"/>
+        <a:latin typeface="Helvetica Neue"/>
+        <a:ea typeface="Helvetica Neue"/>
+        <a:cs typeface="Helvetica Neue"/>
       </a:minorFont>
     </a:fontScheme>
     <a:fmtScheme name="New_Template7">
@@ -6014,25 +5989,28 @@
     <a:spDef>
       <a:spPr>
         <a:solidFill>
-          <a:schemeClr val="accent1"/>
+          <a:srgbClr val="838787"/>
         </a:solidFill>
-        <a:ln w="12700" cap="flat">
-          <a:noFill/>
-          <a:miter lim="400000"/>
+        <a:ln w="25400" cap="flat">
+          <a:solidFill>
+            <a:schemeClr val="accent1"/>
+          </a:solidFill>
+          <a:prstDash val="solid"/>
+          <a:round/>
         </a:ln>
         <a:effectLst/>
         <a:sp3d/>
       </a:spPr>
-      <a:bodyPr rot="0" spcFirstLastPara="1" vertOverflow="overflow" horzOverflow="overflow" vert="horz" wrap="square" lIns="50800" tIns="50800" rIns="50800" bIns="50800" numCol="1" spcCol="38100" rtlCol="0" anchor="ctr">
+      <a:bodyPr rot="0" spcFirstLastPara="1" vertOverflow="overflow" horzOverflow="overflow" vert="horz" wrap="square" lIns="50800" tIns="50800" rIns="50800" bIns="50800" numCol="1" spcCol="38100" rtlCol="0" anchor="ctr" upright="0">
         <a:spAutoFit/>
       </a:bodyPr>
       <a:lstStyle>
-        <a:defPPr marL="0" marR="0" indent="0" algn="ctr" defTabSz="825500" rtl="0" fontAlgn="auto" latinLnBrk="0" hangingPunct="0">
+        <a:defPPr marL="0" marR="0" indent="0" algn="l" defTabSz="825500" rtl="0" fontAlgn="auto" latinLnBrk="0" hangingPunct="0">
           <a:lnSpc>
-            <a:spcPct val="80000"/>
+            <a:spcPct val="100000"/>
           </a:lnSpc>
           <a:spcBef>
-            <a:spcPts val="0"/>
+            <a:spcPts val="3400"/>
           </a:spcBef>
           <a:spcAft>
             <a:spcPts val="0"/>
@@ -6042,18 +6020,18 @@
           <a:buFontTx/>
           <a:buNone/>
           <a:tabLst/>
-          <a:defRPr kumimoji="0" sz="4000" b="0" i="0" u="none" strike="noStrike" cap="all" spc="0" normalizeH="0" baseline="0">
+          <a:defRPr b="0" baseline="0" cap="none" i="0" spc="0" strike="noStrike" sz="3000" u="none" kumimoji="0" normalizeH="0">
             <a:ln>
               <a:noFill/>
             </a:ln>
             <a:solidFill>
-              <a:srgbClr val="FFFFFF"/>
+              <a:srgbClr val="222222"/>
             </a:solidFill>
             <a:effectLst/>
             <a:uFillTx/>
-            <a:latin typeface="+mn-lt"/>
-            <a:ea typeface="+mn-ea"/>
-            <a:cs typeface="+mn-cs"/>
+            <a:latin typeface="DIN Condensed Bold"/>
+            <a:ea typeface="DIN Condensed Bold"/>
+            <a:cs typeface="DIN Condensed Bold"/>
             <a:sym typeface="DIN Condensed Bold"/>
           </a:defRPr>
         </a:defPPr>
@@ -6072,7 +6050,7 @@
           <a:buFontTx/>
           <a:buNone/>
           <a:tabLst/>
-          <a:defRPr kumimoji="0" sz="1800" b="0" i="0" u="none" strike="noStrike" cap="none" spc="0" normalizeH="0" baseline="0">
+          <a:defRPr b="0" baseline="0" cap="none" i="0" spc="0" strike="noStrike" sz="1800" u="none" kumimoji="0" normalizeH="0">
             <a:ln>
               <a:noFill/>
             </a:ln>
@@ -6098,7 +6076,7 @@
           <a:buFontTx/>
           <a:buNone/>
           <a:tabLst/>
-          <a:defRPr kumimoji="0" sz="1800" b="0" i="0" u="none" strike="noStrike" cap="none" spc="0" normalizeH="0" baseline="0">
+          <a:defRPr b="0" baseline="0" cap="none" i="0" spc="0" strike="noStrike" sz="1800" u="none" kumimoji="0" normalizeH="0">
             <a:ln>
               <a:noFill/>
             </a:ln>
@@ -6124,7 +6102,7 @@
           <a:buFontTx/>
           <a:buNone/>
           <a:tabLst/>
-          <a:defRPr kumimoji="0" sz="1800" b="0" i="0" u="none" strike="noStrike" cap="none" spc="0" normalizeH="0" baseline="0">
+          <a:defRPr b="0" baseline="0" cap="none" i="0" spc="0" strike="noStrike" sz="1800" u="none" kumimoji="0" normalizeH="0">
             <a:ln>
               <a:noFill/>
             </a:ln>
@@ -6150,7 +6128,7 @@
           <a:buFontTx/>
           <a:buNone/>
           <a:tabLst/>
-          <a:defRPr kumimoji="0" sz="1800" b="0" i="0" u="none" strike="noStrike" cap="none" spc="0" normalizeH="0" baseline="0">
+          <a:defRPr b="0" baseline="0" cap="none" i="0" spc="0" strike="noStrike" sz="1800" u="none" kumimoji="0" normalizeH="0">
             <a:ln>
               <a:noFill/>
             </a:ln>
@@ -6176,7 +6154,7 @@
           <a:buFontTx/>
           <a:buNone/>
           <a:tabLst/>
-          <a:defRPr kumimoji="0" sz="1800" b="0" i="0" u="none" strike="noStrike" cap="none" spc="0" normalizeH="0" baseline="0">
+          <a:defRPr b="0" baseline="0" cap="none" i="0" spc="0" strike="noStrike" sz="1800" u="none" kumimoji="0" normalizeH="0">
             <a:ln>
               <a:noFill/>
             </a:ln>
@@ -6202,7 +6180,7 @@
           <a:buFontTx/>
           <a:buNone/>
           <a:tabLst/>
-          <a:defRPr kumimoji="0" sz="1800" b="0" i="0" u="none" strike="noStrike" cap="none" spc="0" normalizeH="0" baseline="0">
+          <a:defRPr b="0" baseline="0" cap="none" i="0" spc="0" strike="noStrike" sz="1800" u="none" kumimoji="0" normalizeH="0">
             <a:ln>
               <a:noFill/>
             </a:ln>
@@ -6228,7 +6206,7 @@
           <a:buFontTx/>
           <a:buNone/>
           <a:tabLst/>
-          <a:defRPr kumimoji="0" sz="1800" b="0" i="0" u="none" strike="noStrike" cap="none" spc="0" normalizeH="0" baseline="0">
+          <a:defRPr b="0" baseline="0" cap="none" i="0" spc="0" strike="noStrike" sz="1800" u="none" kumimoji="0" normalizeH="0">
             <a:ln>
               <a:noFill/>
             </a:ln>
@@ -6254,7 +6232,7 @@
           <a:buFontTx/>
           <a:buNone/>
           <a:tabLst/>
-          <a:defRPr kumimoji="0" sz="1800" b="0" i="0" u="none" strike="noStrike" cap="none" spc="0" normalizeH="0" baseline="0">
+          <a:defRPr b="0" baseline="0" cap="none" i="0" spc="0" strike="noStrike" sz="1800" u="none" kumimoji="0" normalizeH="0">
             <a:ln>
               <a:noFill/>
             </a:ln>
@@ -6280,7 +6258,7 @@
           <a:buFontTx/>
           <a:buNone/>
           <a:tabLst/>
-          <a:defRPr kumimoji="0" sz="1800" b="0" i="0" u="none" strike="noStrike" cap="none" spc="0" normalizeH="0" baseline="0">
+          <a:defRPr b="0" baseline="0" cap="none" i="0" spc="0" strike="noStrike" sz="1800" u="none" kumimoji="0" normalizeH="0">
             <a:ln>
               <a:noFill/>
             </a:ln>
@@ -6293,15 +6271,9 @@
         </a:lvl9pPr>
       </a:lstStyle>
       <a:style>
-        <a:lnRef idx="0">
-          <a:scrgbClr r="0" g="0" b="0"/>
-        </a:lnRef>
-        <a:fillRef idx="0">
-          <a:scrgbClr r="0" g="0" b="0"/>
-        </a:fillRef>
-        <a:effectRef idx="0">
-          <a:scrgbClr r="0" g="0" b="0"/>
-        </a:effectRef>
+        <a:lnRef idx="0"/>
+        <a:fillRef idx="0"/>
+        <a:effectRef idx="0"/>
         <a:fontRef idx="none"/>
       </a:style>
     </a:spDef>
@@ -6313,12 +6285,12 @@
             <a:schemeClr val="accent1"/>
           </a:solidFill>
           <a:prstDash val="solid"/>
-          <a:miter lim="400000"/>
+          <a:round/>
         </a:ln>
         <a:effectLst/>
         <a:sp3d/>
       </a:spPr>
-      <a:bodyPr rot="0" spcFirstLastPara="1" vertOverflow="overflow" horzOverflow="overflow" vert="horz" wrap="square" lIns="91439" tIns="45719" rIns="91439" bIns="45719" numCol="1" spcCol="38100" rtlCol="0" anchor="t">
+      <a:bodyPr rot="0" spcFirstLastPara="1" vertOverflow="overflow" horzOverflow="overflow" vert="horz" wrap="square" lIns="91439" tIns="45719" rIns="91439" bIns="45719" numCol="1" spcCol="38100" rtlCol="0" anchor="t" upright="0">
         <a:noAutofit/>
       </a:bodyPr>
       <a:lstStyle>
@@ -6337,7 +6309,7 @@
           <a:buFontTx/>
           <a:buNone/>
           <a:tabLst/>
-          <a:defRPr kumimoji="0" sz="1800" b="0" i="0" u="none" strike="noStrike" cap="none" spc="0" normalizeH="0" baseline="0">
+          <a:defRPr b="0" baseline="0" cap="none" i="0" spc="0" strike="noStrike" sz="1800" u="none" kumimoji="0" normalizeH="0">
             <a:ln>
               <a:noFill/>
             </a:ln>
@@ -6363,7 +6335,7 @@
           <a:buFontTx/>
           <a:buNone/>
           <a:tabLst/>
-          <a:defRPr kumimoji="0" sz="1800" b="0" i="0" u="none" strike="noStrike" cap="none" spc="0" normalizeH="0" baseline="0">
+          <a:defRPr b="0" baseline="0" cap="none" i="0" spc="0" strike="noStrike" sz="1800" u="none" kumimoji="0" normalizeH="0">
             <a:ln>
               <a:noFill/>
             </a:ln>
@@ -6389,7 +6361,7 @@
           <a:buFontTx/>
           <a:buNone/>
           <a:tabLst/>
-          <a:defRPr kumimoji="0" sz="1800" b="0" i="0" u="none" strike="noStrike" cap="none" spc="0" normalizeH="0" baseline="0">
+          <a:defRPr b="0" baseline="0" cap="none" i="0" spc="0" strike="noStrike" sz="1800" u="none" kumimoji="0" normalizeH="0">
             <a:ln>
               <a:noFill/>
             </a:ln>
@@ -6415,7 +6387,7 @@
           <a:buFontTx/>
           <a:buNone/>
           <a:tabLst/>
-          <a:defRPr kumimoji="0" sz="1800" b="0" i="0" u="none" strike="noStrike" cap="none" spc="0" normalizeH="0" baseline="0">
+          <a:defRPr b="0" baseline="0" cap="none" i="0" spc="0" strike="noStrike" sz="1800" u="none" kumimoji="0" normalizeH="0">
             <a:ln>
               <a:noFill/>
             </a:ln>
@@ -6441,7 +6413,7 @@
           <a:buFontTx/>
           <a:buNone/>
           <a:tabLst/>
-          <a:defRPr kumimoji="0" sz="1800" b="0" i="0" u="none" strike="noStrike" cap="none" spc="0" normalizeH="0" baseline="0">
+          <a:defRPr b="0" baseline="0" cap="none" i="0" spc="0" strike="noStrike" sz="1800" u="none" kumimoji="0" normalizeH="0">
             <a:ln>
               <a:noFill/>
             </a:ln>
@@ -6467,7 +6439,7 @@
           <a:buFontTx/>
           <a:buNone/>
           <a:tabLst/>
-          <a:defRPr kumimoji="0" sz="1800" b="0" i="0" u="none" strike="noStrike" cap="none" spc="0" normalizeH="0" baseline="0">
+          <a:defRPr b="0" baseline="0" cap="none" i="0" spc="0" strike="noStrike" sz="1800" u="none" kumimoji="0" normalizeH="0">
             <a:ln>
               <a:noFill/>
             </a:ln>
@@ -6493,7 +6465,7 @@
           <a:buFontTx/>
           <a:buNone/>
           <a:tabLst/>
-          <a:defRPr kumimoji="0" sz="1800" b="0" i="0" u="none" strike="noStrike" cap="none" spc="0" normalizeH="0" baseline="0">
+          <a:defRPr b="0" baseline="0" cap="none" i="0" spc="0" strike="noStrike" sz="1800" u="none" kumimoji="0" normalizeH="0">
             <a:ln>
               <a:noFill/>
             </a:ln>
@@ -6519,7 +6491,7 @@
           <a:buFontTx/>
           <a:buNone/>
           <a:tabLst/>
-          <a:defRPr kumimoji="0" sz="1800" b="0" i="0" u="none" strike="noStrike" cap="none" spc="0" normalizeH="0" baseline="0">
+          <a:defRPr b="0" baseline="0" cap="none" i="0" spc="0" strike="noStrike" sz="1800" u="none" kumimoji="0" normalizeH="0">
             <a:ln>
               <a:noFill/>
             </a:ln>
@@ -6545,7 +6517,7 @@
           <a:buFontTx/>
           <a:buNone/>
           <a:tabLst/>
-          <a:defRPr kumimoji="0" sz="1800" b="0" i="0" u="none" strike="noStrike" cap="none" spc="0" normalizeH="0" baseline="0">
+          <a:defRPr b="0" baseline="0" cap="none" i="0" spc="0" strike="noStrike" sz="1800" u="none" kumimoji="0" normalizeH="0">
             <a:ln>
               <a:noFill/>
             </a:ln>
@@ -6571,7 +6543,7 @@
           <a:buFontTx/>
           <a:buNone/>
           <a:tabLst/>
-          <a:defRPr kumimoji="0" sz="1800" b="0" i="0" u="none" strike="noStrike" cap="none" spc="0" normalizeH="0" baseline="0">
+          <a:defRPr b="0" baseline="0" cap="none" i="0" spc="0" strike="noStrike" sz="1800" u="none" kumimoji="0" normalizeH="0">
             <a:ln>
               <a:noFill/>
             </a:ln>
@@ -6584,15 +6556,9 @@
         </a:lvl9pPr>
       </a:lstStyle>
       <a:style>
-        <a:lnRef idx="0">
-          <a:scrgbClr r="0" g="0" b="0"/>
-        </a:lnRef>
-        <a:fillRef idx="0">
-          <a:scrgbClr r="0" g="0" b="0"/>
-        </a:fillRef>
-        <a:effectRef idx="0">
-          <a:scrgbClr r="0" g="0" b="0"/>
-        </a:effectRef>
+        <a:lnRef idx="0"/>
+        <a:fillRef idx="0"/>
+        <a:effectRef idx="0"/>
         <a:fontRef idx="none"/>
       </a:style>
     </a:lnDef>
@@ -6606,7 +6572,7 @@
         <a:effectLst/>
         <a:sp3d/>
       </a:spPr>
-      <a:bodyPr rot="0" spcFirstLastPara="1" vertOverflow="overflow" horzOverflow="overflow" vert="horz" wrap="square" lIns="50800" tIns="50800" rIns="50800" bIns="50800" numCol="1" spcCol="38100" rtlCol="0" anchor="ctr">
+      <a:bodyPr rot="0" spcFirstLastPara="1" vertOverflow="overflow" horzOverflow="overflow" vert="horz" wrap="square" lIns="50800" tIns="50800" rIns="50800" bIns="50800" numCol="1" spcCol="38100" rtlCol="0" anchor="ctr" upright="0">
         <a:spAutoFit/>
       </a:bodyPr>
       <a:lstStyle>
@@ -6625,19 +6591,19 @@
           <a:buFontTx/>
           <a:buNone/>
           <a:tabLst/>
-          <a:defRPr kumimoji="0" sz="3000" b="0" i="0" u="none" strike="noStrike" cap="none" spc="0" normalizeH="0" baseline="0">
+          <a:defRPr b="0" baseline="0" cap="none" i="0" spc="0" strike="noStrike" sz="3000" u="none" kumimoji="0" normalizeH="0">
             <a:ln>
               <a:noFill/>
             </a:ln>
             <a:solidFill>
-              <a:srgbClr val="838787"/>
+              <a:srgbClr val="222222"/>
             </a:solidFill>
             <a:effectLst/>
             <a:uFillTx/>
-            <a:latin typeface="Avenir Next Medium"/>
-            <a:ea typeface="Avenir Next Medium"/>
-            <a:cs typeface="Avenir Next Medium"/>
-            <a:sym typeface="Avenir Next Medium"/>
+            <a:latin typeface="DIN Condensed Bold"/>
+            <a:ea typeface="DIN Condensed Bold"/>
+            <a:cs typeface="DIN Condensed Bold"/>
+            <a:sym typeface="DIN Condensed Bold"/>
           </a:defRPr>
         </a:defPPr>
         <a:lvl1pPr marL="0" marR="0" indent="0" algn="l" defTabSz="914400" rtl="0" fontAlgn="auto" latinLnBrk="1" hangingPunct="0">
@@ -6655,7 +6621,7 @@
           <a:buFontTx/>
           <a:buNone/>
           <a:tabLst/>
-          <a:defRPr kumimoji="0" sz="1800" b="0" i="0" u="none" strike="noStrike" cap="none" spc="0" normalizeH="0" baseline="0">
+          <a:defRPr b="0" baseline="0" cap="none" i="0" spc="0" strike="noStrike" sz="1800" u="none" kumimoji="0" normalizeH="0">
             <a:ln>
               <a:noFill/>
             </a:ln>
@@ -6681,7 +6647,7 @@
           <a:buFontTx/>
           <a:buNone/>
           <a:tabLst/>
-          <a:defRPr kumimoji="0" sz="1800" b="0" i="0" u="none" strike="noStrike" cap="none" spc="0" normalizeH="0" baseline="0">
+          <a:defRPr b="0" baseline="0" cap="none" i="0" spc="0" strike="noStrike" sz="1800" u="none" kumimoji="0" normalizeH="0">
             <a:ln>
               <a:noFill/>
             </a:ln>
@@ -6707,7 +6673,7 @@
           <a:buFontTx/>
           <a:buNone/>
           <a:tabLst/>
-          <a:defRPr kumimoji="0" sz="1800" b="0" i="0" u="none" strike="noStrike" cap="none" spc="0" normalizeH="0" baseline="0">
+          <a:defRPr b="0" baseline="0" cap="none" i="0" spc="0" strike="noStrike" sz="1800" u="none" kumimoji="0" normalizeH="0">
             <a:ln>
               <a:noFill/>
             </a:ln>
@@ -6733,7 +6699,7 @@
           <a:buFontTx/>
           <a:buNone/>
           <a:tabLst/>
-          <a:defRPr kumimoji="0" sz="1800" b="0" i="0" u="none" strike="noStrike" cap="none" spc="0" normalizeH="0" baseline="0">
+          <a:defRPr b="0" baseline="0" cap="none" i="0" spc="0" strike="noStrike" sz="1800" u="none" kumimoji="0" normalizeH="0">
             <a:ln>
               <a:noFill/>
             </a:ln>
@@ -6759,7 +6725,7 @@
           <a:buFontTx/>
           <a:buNone/>
           <a:tabLst/>
-          <a:defRPr kumimoji="0" sz="1800" b="0" i="0" u="none" strike="noStrike" cap="none" spc="0" normalizeH="0" baseline="0">
+          <a:defRPr b="0" baseline="0" cap="none" i="0" spc="0" strike="noStrike" sz="1800" u="none" kumimoji="0" normalizeH="0">
             <a:ln>
               <a:noFill/>
             </a:ln>
@@ -6785,7 +6751,7 @@
           <a:buFontTx/>
           <a:buNone/>
           <a:tabLst/>
-          <a:defRPr kumimoji="0" sz="1800" b="0" i="0" u="none" strike="noStrike" cap="none" spc="0" normalizeH="0" baseline="0">
+          <a:defRPr b="0" baseline="0" cap="none" i="0" spc="0" strike="noStrike" sz="1800" u="none" kumimoji="0" normalizeH="0">
             <a:ln>
               <a:noFill/>
             </a:ln>
@@ -6811,7 +6777,7 @@
           <a:buFontTx/>
           <a:buNone/>
           <a:tabLst/>
-          <a:defRPr kumimoji="0" sz="1800" b="0" i="0" u="none" strike="noStrike" cap="none" spc="0" normalizeH="0" baseline="0">
+          <a:defRPr b="0" baseline="0" cap="none" i="0" spc="0" strike="noStrike" sz="1800" u="none" kumimoji="0" normalizeH="0">
             <a:ln>
               <a:noFill/>
             </a:ln>
@@ -6837,7 +6803,7 @@
           <a:buFontTx/>
           <a:buNone/>
           <a:tabLst/>
-          <a:defRPr kumimoji="0" sz="1800" b="0" i="0" u="none" strike="noStrike" cap="none" spc="0" normalizeH="0" baseline="0">
+          <a:defRPr b="0" baseline="0" cap="none" i="0" spc="0" strike="noStrike" sz="1800" u="none" kumimoji="0" normalizeH="0">
             <a:ln>
               <a:noFill/>
             </a:ln>
@@ -6863,7 +6829,7 @@
           <a:buFontTx/>
           <a:buNone/>
           <a:tabLst/>
-          <a:defRPr kumimoji="0" sz="1800" b="0" i="0" u="none" strike="noStrike" cap="none" spc="0" normalizeH="0" baseline="0">
+          <a:defRPr b="0" baseline="0" cap="none" i="0" spc="0" strike="noStrike" sz="1800" u="none" kumimoji="0" normalizeH="0">
             <a:ln>
               <a:noFill/>
             </a:ln>
@@ -6876,25 +6842,18 @@
         </a:lvl9pPr>
       </a:lstStyle>
       <a:style>
-        <a:lnRef idx="0">
-          <a:scrgbClr r="0" g="0" b="0"/>
-        </a:lnRef>
-        <a:fillRef idx="0">
-          <a:scrgbClr r="0" g="0" b="0"/>
-        </a:fillRef>
-        <a:effectRef idx="0">
-          <a:scrgbClr r="0" g="0" b="0"/>
-        </a:effectRef>
+        <a:lnRef idx="0"/>
+        <a:fillRef idx="0"/>
+        <a:effectRef idx="0"/>
         <a:fontRef idx="none"/>
       </a:style>
     </a:txDef>
   </a:objectDefaults>
-  <a:extraClrSchemeLst/>
 </a:theme>
 </file>
 
 <file path=ppt/theme/theme2.xml><?xml version="1.0" encoding="utf-8"?>
-<a:theme xmlns:a="http://schemas.openxmlformats.org/drawingml/2006/main" name="New_Template7">
+<a:theme xmlns:a="http://schemas.openxmlformats.org/drawingml/2006/main" xmlns:r="http://schemas.openxmlformats.org/officeDocument/2006/relationships" name="New_Template7">
   <a:themeElements>
     <a:clrScheme name="New_Template7">
       <a:dk1>
@@ -6904,10 +6863,10 @@
         <a:srgbClr val="FFFFFF"/>
       </a:lt1>
       <a:dk2>
-        <a:srgbClr val="222222"/>
+        <a:srgbClr val="A7A7A7"/>
       </a:dk2>
       <a:lt2>
-        <a:srgbClr val="A6AAA9"/>
+        <a:srgbClr val="535353"/>
       </a:lt2>
       <a:accent1>
         <a:srgbClr val="34A5DA"/>
@@ -6936,14 +6895,14 @@
     </a:clrScheme>
     <a:fontScheme name="New_Template7">
       <a:majorFont>
-        <a:latin typeface="DIN Condensed Bold"/>
-        <a:ea typeface="DIN Condensed Bold"/>
-        <a:cs typeface="DIN Condensed Bold"/>
+        <a:latin typeface="Helvetica"/>
+        <a:ea typeface="Helvetica"/>
+        <a:cs typeface="Helvetica"/>
       </a:majorFont>
       <a:minorFont>
-        <a:latin typeface="DIN Condensed Bold"/>
-        <a:ea typeface="DIN Condensed Bold"/>
-        <a:cs typeface="DIN Condensed Bold"/>
+        <a:latin typeface="Helvetica Neue"/>
+        <a:ea typeface="Helvetica Neue"/>
+        <a:cs typeface="Helvetica Neue"/>
       </a:minorFont>
     </a:fontScheme>
     <a:fmtScheme name="New_Template7">
@@ -7084,25 +7043,28 @@
     <a:spDef>
       <a:spPr>
         <a:solidFill>
-          <a:schemeClr val="accent1"/>
+          <a:srgbClr val="838787"/>
         </a:solidFill>
-        <a:ln w="12700" cap="flat">
-          <a:noFill/>
-          <a:miter lim="400000"/>
+        <a:ln w="25400" cap="flat">
+          <a:solidFill>
+            <a:schemeClr val="accent1"/>
+          </a:solidFill>
+          <a:prstDash val="solid"/>
+          <a:round/>
         </a:ln>
         <a:effectLst/>
         <a:sp3d/>
       </a:spPr>
-      <a:bodyPr rot="0" spcFirstLastPara="1" vertOverflow="overflow" horzOverflow="overflow" vert="horz" wrap="square" lIns="50800" tIns="50800" rIns="50800" bIns="50800" numCol="1" spcCol="38100" rtlCol="0" anchor="ctr">
+      <a:bodyPr rot="0" spcFirstLastPara="1" vertOverflow="overflow" horzOverflow="overflow" vert="horz" wrap="square" lIns="50800" tIns="50800" rIns="50800" bIns="50800" numCol="1" spcCol="38100" rtlCol="0" anchor="ctr" upright="0">
         <a:spAutoFit/>
       </a:bodyPr>
       <a:lstStyle>
-        <a:defPPr marL="0" marR="0" indent="0" algn="ctr" defTabSz="825500" rtl="0" fontAlgn="auto" latinLnBrk="0" hangingPunct="0">
+        <a:defPPr marL="0" marR="0" indent="0" algn="l" defTabSz="825500" rtl="0" fontAlgn="auto" latinLnBrk="0" hangingPunct="0">
           <a:lnSpc>
-            <a:spcPct val="80000"/>
+            <a:spcPct val="100000"/>
           </a:lnSpc>
           <a:spcBef>
-            <a:spcPts val="0"/>
+            <a:spcPts val="3400"/>
           </a:spcBef>
           <a:spcAft>
             <a:spcPts val="0"/>
@@ -7112,18 +7074,18 @@
           <a:buFontTx/>
           <a:buNone/>
           <a:tabLst/>
-          <a:defRPr kumimoji="0" sz="4000" b="0" i="0" u="none" strike="noStrike" cap="all" spc="0" normalizeH="0" baseline="0">
+          <a:defRPr b="0" baseline="0" cap="none" i="0" spc="0" strike="noStrike" sz="3000" u="none" kumimoji="0" normalizeH="0">
             <a:ln>
               <a:noFill/>
             </a:ln>
             <a:solidFill>
-              <a:srgbClr val="FFFFFF"/>
+              <a:srgbClr val="222222"/>
             </a:solidFill>
             <a:effectLst/>
             <a:uFillTx/>
-            <a:latin typeface="+mn-lt"/>
-            <a:ea typeface="+mn-ea"/>
-            <a:cs typeface="+mn-cs"/>
+            <a:latin typeface="DIN Condensed Bold"/>
+            <a:ea typeface="DIN Condensed Bold"/>
+            <a:cs typeface="DIN Condensed Bold"/>
             <a:sym typeface="DIN Condensed Bold"/>
           </a:defRPr>
         </a:defPPr>
@@ -7142,7 +7104,7 @@
           <a:buFontTx/>
           <a:buNone/>
           <a:tabLst/>
-          <a:defRPr kumimoji="0" sz="1800" b="0" i="0" u="none" strike="noStrike" cap="none" spc="0" normalizeH="0" baseline="0">
+          <a:defRPr b="0" baseline="0" cap="none" i="0" spc="0" strike="noStrike" sz="1800" u="none" kumimoji="0" normalizeH="0">
             <a:ln>
               <a:noFill/>
             </a:ln>
@@ -7168,7 +7130,7 @@
           <a:buFontTx/>
           <a:buNone/>
           <a:tabLst/>
-          <a:defRPr kumimoji="0" sz="1800" b="0" i="0" u="none" strike="noStrike" cap="none" spc="0" normalizeH="0" baseline="0">
+          <a:defRPr b="0" baseline="0" cap="none" i="0" spc="0" strike="noStrike" sz="1800" u="none" kumimoji="0" normalizeH="0">
             <a:ln>
               <a:noFill/>
             </a:ln>
@@ -7194,7 +7156,7 @@
           <a:buFontTx/>
           <a:buNone/>
           <a:tabLst/>
-          <a:defRPr kumimoji="0" sz="1800" b="0" i="0" u="none" strike="noStrike" cap="none" spc="0" normalizeH="0" baseline="0">
+          <a:defRPr b="0" baseline="0" cap="none" i="0" spc="0" strike="noStrike" sz="1800" u="none" kumimoji="0" normalizeH="0">
             <a:ln>
               <a:noFill/>
             </a:ln>
@@ -7220,7 +7182,7 @@
           <a:buFontTx/>
           <a:buNone/>
           <a:tabLst/>
-          <a:defRPr kumimoji="0" sz="1800" b="0" i="0" u="none" strike="noStrike" cap="none" spc="0" normalizeH="0" baseline="0">
+          <a:defRPr b="0" baseline="0" cap="none" i="0" spc="0" strike="noStrike" sz="1800" u="none" kumimoji="0" normalizeH="0">
             <a:ln>
               <a:noFill/>
             </a:ln>
@@ -7246,7 +7208,7 @@
           <a:buFontTx/>
           <a:buNone/>
           <a:tabLst/>
-          <a:defRPr kumimoji="0" sz="1800" b="0" i="0" u="none" strike="noStrike" cap="none" spc="0" normalizeH="0" baseline="0">
+          <a:defRPr b="0" baseline="0" cap="none" i="0" spc="0" strike="noStrike" sz="1800" u="none" kumimoji="0" normalizeH="0">
             <a:ln>
               <a:noFill/>
             </a:ln>
@@ -7272,7 +7234,7 @@
           <a:buFontTx/>
           <a:buNone/>
           <a:tabLst/>
-          <a:defRPr kumimoji="0" sz="1800" b="0" i="0" u="none" strike="noStrike" cap="none" spc="0" normalizeH="0" baseline="0">
+          <a:defRPr b="0" baseline="0" cap="none" i="0" spc="0" strike="noStrike" sz="1800" u="none" kumimoji="0" normalizeH="0">
             <a:ln>
               <a:noFill/>
             </a:ln>
@@ -7298,7 +7260,7 @@
           <a:buFontTx/>
           <a:buNone/>
           <a:tabLst/>
-          <a:defRPr kumimoji="0" sz="1800" b="0" i="0" u="none" strike="noStrike" cap="none" spc="0" normalizeH="0" baseline="0">
+          <a:defRPr b="0" baseline="0" cap="none" i="0" spc="0" strike="noStrike" sz="1800" u="none" kumimoji="0" normalizeH="0">
             <a:ln>
               <a:noFill/>
             </a:ln>
@@ -7324,7 +7286,7 @@
           <a:buFontTx/>
           <a:buNone/>
           <a:tabLst/>
-          <a:defRPr kumimoji="0" sz="1800" b="0" i="0" u="none" strike="noStrike" cap="none" spc="0" normalizeH="0" baseline="0">
+          <a:defRPr b="0" baseline="0" cap="none" i="0" spc="0" strike="noStrike" sz="1800" u="none" kumimoji="0" normalizeH="0">
             <a:ln>
               <a:noFill/>
             </a:ln>
@@ -7350,7 +7312,7 @@
           <a:buFontTx/>
           <a:buNone/>
           <a:tabLst/>
-          <a:defRPr kumimoji="0" sz="1800" b="0" i="0" u="none" strike="noStrike" cap="none" spc="0" normalizeH="0" baseline="0">
+          <a:defRPr b="0" baseline="0" cap="none" i="0" spc="0" strike="noStrike" sz="1800" u="none" kumimoji="0" normalizeH="0">
             <a:ln>
               <a:noFill/>
             </a:ln>
@@ -7363,15 +7325,9 @@
         </a:lvl9pPr>
       </a:lstStyle>
       <a:style>
-        <a:lnRef idx="0">
-          <a:scrgbClr r="0" g="0" b="0"/>
-        </a:lnRef>
-        <a:fillRef idx="0">
-          <a:scrgbClr r="0" g="0" b="0"/>
-        </a:fillRef>
-        <a:effectRef idx="0">
-          <a:scrgbClr r="0" g="0" b="0"/>
-        </a:effectRef>
+        <a:lnRef idx="0"/>
+        <a:fillRef idx="0"/>
+        <a:effectRef idx="0"/>
         <a:fontRef idx="none"/>
       </a:style>
     </a:spDef>
@@ -7383,12 +7339,12 @@
             <a:schemeClr val="accent1"/>
           </a:solidFill>
           <a:prstDash val="solid"/>
-          <a:miter lim="400000"/>
+          <a:round/>
         </a:ln>
         <a:effectLst/>
         <a:sp3d/>
       </a:spPr>
-      <a:bodyPr rot="0" spcFirstLastPara="1" vertOverflow="overflow" horzOverflow="overflow" vert="horz" wrap="square" lIns="91439" tIns="45719" rIns="91439" bIns="45719" numCol="1" spcCol="38100" rtlCol="0" anchor="t">
+      <a:bodyPr rot="0" spcFirstLastPara="1" vertOverflow="overflow" horzOverflow="overflow" vert="horz" wrap="square" lIns="91439" tIns="45719" rIns="91439" bIns="45719" numCol="1" spcCol="38100" rtlCol="0" anchor="t" upright="0">
         <a:noAutofit/>
       </a:bodyPr>
       <a:lstStyle>
@@ -7407,7 +7363,7 @@
           <a:buFontTx/>
           <a:buNone/>
           <a:tabLst/>
-          <a:defRPr kumimoji="0" sz="1800" b="0" i="0" u="none" strike="noStrike" cap="none" spc="0" normalizeH="0" baseline="0">
+          <a:defRPr b="0" baseline="0" cap="none" i="0" spc="0" strike="noStrike" sz="1800" u="none" kumimoji="0" normalizeH="0">
             <a:ln>
               <a:noFill/>
             </a:ln>
@@ -7433,7 +7389,7 @@
           <a:buFontTx/>
           <a:buNone/>
           <a:tabLst/>
-          <a:defRPr kumimoji="0" sz="1800" b="0" i="0" u="none" strike="noStrike" cap="none" spc="0" normalizeH="0" baseline="0">
+          <a:defRPr b="0" baseline="0" cap="none" i="0" spc="0" strike="noStrike" sz="1800" u="none" kumimoji="0" normalizeH="0">
             <a:ln>
               <a:noFill/>
             </a:ln>
@@ -7459,7 +7415,7 @@
           <a:buFontTx/>
           <a:buNone/>
           <a:tabLst/>
-          <a:defRPr kumimoji="0" sz="1800" b="0" i="0" u="none" strike="noStrike" cap="none" spc="0" normalizeH="0" baseline="0">
+          <a:defRPr b="0" baseline="0" cap="none" i="0" spc="0" strike="noStrike" sz="1800" u="none" kumimoji="0" normalizeH="0">
             <a:ln>
               <a:noFill/>
             </a:ln>
@@ -7485,7 +7441,7 @@
           <a:buFontTx/>
           <a:buNone/>
           <a:tabLst/>
-          <a:defRPr kumimoji="0" sz="1800" b="0" i="0" u="none" strike="noStrike" cap="none" spc="0" normalizeH="0" baseline="0">
+          <a:defRPr b="0" baseline="0" cap="none" i="0" spc="0" strike="noStrike" sz="1800" u="none" kumimoji="0" normalizeH="0">
             <a:ln>
               <a:noFill/>
             </a:ln>
@@ -7511,7 +7467,7 @@
           <a:buFontTx/>
           <a:buNone/>
           <a:tabLst/>
-          <a:defRPr kumimoji="0" sz="1800" b="0" i="0" u="none" strike="noStrike" cap="none" spc="0" normalizeH="0" baseline="0">
+          <a:defRPr b="0" baseline="0" cap="none" i="0" spc="0" strike="noStrike" sz="1800" u="none" kumimoji="0" normalizeH="0">
             <a:ln>
               <a:noFill/>
             </a:ln>
@@ -7537,7 +7493,7 @@
           <a:buFontTx/>
           <a:buNone/>
           <a:tabLst/>
-          <a:defRPr kumimoji="0" sz="1800" b="0" i="0" u="none" strike="noStrike" cap="none" spc="0" normalizeH="0" baseline="0">
+          <a:defRPr b="0" baseline="0" cap="none" i="0" spc="0" strike="noStrike" sz="1800" u="none" kumimoji="0" normalizeH="0">
             <a:ln>
               <a:noFill/>
             </a:ln>
@@ -7563,7 +7519,7 @@
           <a:buFontTx/>
           <a:buNone/>
           <a:tabLst/>
-          <a:defRPr kumimoji="0" sz="1800" b="0" i="0" u="none" strike="noStrike" cap="none" spc="0" normalizeH="0" baseline="0">
+          <a:defRPr b="0" baseline="0" cap="none" i="0" spc="0" strike="noStrike" sz="1800" u="none" kumimoji="0" normalizeH="0">
             <a:ln>
               <a:noFill/>
             </a:ln>
@@ -7589,7 +7545,7 @@
           <a:buFontTx/>
           <a:buNone/>
           <a:tabLst/>
-          <a:defRPr kumimoji="0" sz="1800" b="0" i="0" u="none" strike="noStrike" cap="none" spc="0" normalizeH="0" baseline="0">
+          <a:defRPr b="0" baseline="0" cap="none" i="0" spc="0" strike="noStrike" sz="1800" u="none" kumimoji="0" normalizeH="0">
             <a:ln>
               <a:noFill/>
             </a:ln>
@@ -7615,7 +7571,7 @@
           <a:buFontTx/>
           <a:buNone/>
           <a:tabLst/>
-          <a:defRPr kumimoji="0" sz="1800" b="0" i="0" u="none" strike="noStrike" cap="none" spc="0" normalizeH="0" baseline="0">
+          <a:defRPr b="0" baseline="0" cap="none" i="0" spc="0" strike="noStrike" sz="1800" u="none" kumimoji="0" normalizeH="0">
             <a:ln>
               <a:noFill/>
             </a:ln>
@@ -7641,7 +7597,7 @@
           <a:buFontTx/>
           <a:buNone/>
           <a:tabLst/>
-          <a:defRPr kumimoji="0" sz="1800" b="0" i="0" u="none" strike="noStrike" cap="none" spc="0" normalizeH="0" baseline="0">
+          <a:defRPr b="0" baseline="0" cap="none" i="0" spc="0" strike="noStrike" sz="1800" u="none" kumimoji="0" normalizeH="0">
             <a:ln>
               <a:noFill/>
             </a:ln>
@@ -7654,15 +7610,9 @@
         </a:lvl9pPr>
       </a:lstStyle>
       <a:style>
-        <a:lnRef idx="0">
-          <a:scrgbClr r="0" g="0" b="0"/>
-        </a:lnRef>
-        <a:fillRef idx="0">
-          <a:scrgbClr r="0" g="0" b="0"/>
-        </a:fillRef>
-        <a:effectRef idx="0">
-          <a:scrgbClr r="0" g="0" b="0"/>
-        </a:effectRef>
+        <a:lnRef idx="0"/>
+        <a:fillRef idx="0"/>
+        <a:effectRef idx="0"/>
         <a:fontRef idx="none"/>
       </a:style>
     </a:lnDef>
@@ -7676,7 +7626,7 @@
         <a:effectLst/>
         <a:sp3d/>
       </a:spPr>
-      <a:bodyPr rot="0" spcFirstLastPara="1" vertOverflow="overflow" horzOverflow="overflow" vert="horz" wrap="square" lIns="50800" tIns="50800" rIns="50800" bIns="50800" numCol="1" spcCol="38100" rtlCol="0" anchor="ctr">
+      <a:bodyPr rot="0" spcFirstLastPara="1" vertOverflow="overflow" horzOverflow="overflow" vert="horz" wrap="square" lIns="50800" tIns="50800" rIns="50800" bIns="50800" numCol="1" spcCol="38100" rtlCol="0" anchor="ctr" upright="0">
         <a:spAutoFit/>
       </a:bodyPr>
       <a:lstStyle>
@@ -7695,19 +7645,19 @@
           <a:buFontTx/>
           <a:buNone/>
           <a:tabLst/>
-          <a:defRPr kumimoji="0" sz="3000" b="0" i="0" u="none" strike="noStrike" cap="none" spc="0" normalizeH="0" baseline="0">
+          <a:defRPr b="0" baseline="0" cap="none" i="0" spc="0" strike="noStrike" sz="3000" u="none" kumimoji="0" normalizeH="0">
             <a:ln>
               <a:noFill/>
             </a:ln>
             <a:solidFill>
-              <a:srgbClr val="838787"/>
+              <a:srgbClr val="222222"/>
             </a:solidFill>
             <a:effectLst/>
             <a:uFillTx/>
-            <a:latin typeface="Avenir Next Medium"/>
-            <a:ea typeface="Avenir Next Medium"/>
-            <a:cs typeface="Avenir Next Medium"/>
-            <a:sym typeface="Avenir Next Medium"/>
+            <a:latin typeface="DIN Condensed Bold"/>
+            <a:ea typeface="DIN Condensed Bold"/>
+            <a:cs typeface="DIN Condensed Bold"/>
+            <a:sym typeface="DIN Condensed Bold"/>
           </a:defRPr>
         </a:defPPr>
         <a:lvl1pPr marL="0" marR="0" indent="0" algn="l" defTabSz="914400" rtl="0" fontAlgn="auto" latinLnBrk="1" hangingPunct="0">
@@ -7725,7 +7675,7 @@
           <a:buFontTx/>
           <a:buNone/>
           <a:tabLst/>
-          <a:defRPr kumimoji="0" sz="1800" b="0" i="0" u="none" strike="noStrike" cap="none" spc="0" normalizeH="0" baseline="0">
+          <a:defRPr b="0" baseline="0" cap="none" i="0" spc="0" strike="noStrike" sz="1800" u="none" kumimoji="0" normalizeH="0">
             <a:ln>
               <a:noFill/>
             </a:ln>
@@ -7751,7 +7701,7 @@
           <a:buFontTx/>
           <a:buNone/>
           <a:tabLst/>
-          <a:defRPr kumimoji="0" sz="1800" b="0" i="0" u="none" strike="noStrike" cap="none" spc="0" normalizeH="0" baseline="0">
+          <a:defRPr b="0" baseline="0" cap="none" i="0" spc="0" strike="noStrike" sz="1800" u="none" kumimoji="0" normalizeH="0">
             <a:ln>
               <a:noFill/>
             </a:ln>
@@ -7777,7 +7727,7 @@
           <a:buFontTx/>
           <a:buNone/>
           <a:tabLst/>
-          <a:defRPr kumimoji="0" sz="1800" b="0" i="0" u="none" strike="noStrike" cap="none" spc="0" normalizeH="0" baseline="0">
+          <a:defRPr b="0" baseline="0" cap="none" i="0" spc="0" strike="noStrike" sz="1800" u="none" kumimoji="0" normalizeH="0">
             <a:ln>
               <a:noFill/>
             </a:ln>
@@ -7803,7 +7753,7 @@
           <a:buFontTx/>
           <a:buNone/>
           <a:tabLst/>
-          <a:defRPr kumimoji="0" sz="1800" b="0" i="0" u="none" strike="noStrike" cap="none" spc="0" normalizeH="0" baseline="0">
+          <a:defRPr b="0" baseline="0" cap="none" i="0" spc="0" strike="noStrike" sz="1800" u="none" kumimoji="0" normalizeH="0">
             <a:ln>
               <a:noFill/>
             </a:ln>
@@ -7829,7 +7779,7 @@
           <a:buFontTx/>
           <a:buNone/>
           <a:tabLst/>
-          <a:defRPr kumimoji="0" sz="1800" b="0" i="0" u="none" strike="noStrike" cap="none" spc="0" normalizeH="0" baseline="0">
+          <a:defRPr b="0" baseline="0" cap="none" i="0" spc="0" strike="noStrike" sz="1800" u="none" kumimoji="0" normalizeH="0">
             <a:ln>
               <a:noFill/>
             </a:ln>
@@ -7855,7 +7805,7 @@
           <a:buFontTx/>
           <a:buNone/>
           <a:tabLst/>
-          <a:defRPr kumimoji="0" sz="1800" b="0" i="0" u="none" strike="noStrike" cap="none" spc="0" normalizeH="0" baseline="0">
+          <a:defRPr b="0" baseline="0" cap="none" i="0" spc="0" strike="noStrike" sz="1800" u="none" kumimoji="0" normalizeH="0">
             <a:ln>
               <a:noFill/>
             </a:ln>
@@ -7881,7 +7831,7 @@
           <a:buFontTx/>
           <a:buNone/>
           <a:tabLst/>
-          <a:defRPr kumimoji="0" sz="1800" b="0" i="0" u="none" strike="noStrike" cap="none" spc="0" normalizeH="0" baseline="0">
+          <a:defRPr b="0" baseline="0" cap="none" i="0" spc="0" strike="noStrike" sz="1800" u="none" kumimoji="0" normalizeH="0">
             <a:ln>
               <a:noFill/>
             </a:ln>
@@ -7907,7 +7857,7 @@
           <a:buFontTx/>
           <a:buNone/>
           <a:tabLst/>
-          <a:defRPr kumimoji="0" sz="1800" b="0" i="0" u="none" strike="noStrike" cap="none" spc="0" normalizeH="0" baseline="0">
+          <a:defRPr b="0" baseline="0" cap="none" i="0" spc="0" strike="noStrike" sz="1800" u="none" kumimoji="0" normalizeH="0">
             <a:ln>
               <a:noFill/>
             </a:ln>
@@ -7933,7 +7883,7 @@
           <a:buFontTx/>
           <a:buNone/>
           <a:tabLst/>
-          <a:defRPr kumimoji="0" sz="1800" b="0" i="0" u="none" strike="noStrike" cap="none" spc="0" normalizeH="0" baseline="0">
+          <a:defRPr b="0" baseline="0" cap="none" i="0" spc="0" strike="noStrike" sz="1800" u="none" kumimoji="0" normalizeH="0">
             <a:ln>
               <a:noFill/>
             </a:ln>
@@ -7946,19 +7896,12 @@
         </a:lvl9pPr>
       </a:lstStyle>
       <a:style>
-        <a:lnRef idx="0">
-          <a:scrgbClr r="0" g="0" b="0"/>
-        </a:lnRef>
-        <a:fillRef idx="0">
-          <a:scrgbClr r="0" g="0" b="0"/>
-        </a:fillRef>
-        <a:effectRef idx="0">
-          <a:scrgbClr r="0" g="0" b="0"/>
-        </a:effectRef>
+        <a:lnRef idx="0"/>
+        <a:fillRef idx="0"/>
+        <a:effectRef idx="0"/>
         <a:fontRef idx="none"/>
       </a:style>
     </a:txDef>
   </a:objectDefaults>
-  <a:extraClrSchemeLst/>
 </a:theme>
 </file>